--- a/slide/Presentation1.pptx
+++ b/slide/Presentation1.pptx
@@ -3528,7 +3528,7 @@
                               </a:solidFill>
                               <a:latin typeface="Cambria Math" panose="02040503050406030204" pitchFamily="18" charset="0"/>
                             </a:rPr>
-                            <m:t>1</m:t>
+                            <m:t>0</m:t>
                           </m:r>
                         </m:sub>
                       </m:sSub>
@@ -3732,7 +3732,7 @@
                               </a:solidFill>
                               <a:latin typeface="Cambria Math" panose="02040503050406030204" pitchFamily="18" charset="0"/>
                             </a:rPr>
-                            <m:t>1</m:t>
+                            <m:t>0</m:t>
                           </m:r>
                         </m:sub>
                       </m:sSub>
@@ -3743,7 +3743,7 @@
                           </a:solidFill>
                           <a:latin typeface="Cambria Math" panose="02040503050406030204" pitchFamily="18" charset="0"/>
                         </a:rPr>
-                        <m:t>+</m:t>
+                        <m:t>−</m:t>
                       </m:r>
                       <m:sSub>
                         <m:sSubPr>
@@ -3769,13 +3769,13 @@
                         </m:e>
                         <m:sub>
                           <m:r>
-                            <a:rPr lang="vi-VN" b="0" i="1">
-                              <a:solidFill>
-                                <a:schemeClr val="tx1"/>
-                              </a:solidFill>
-                              <a:latin typeface="Cambria Math" panose="02040503050406030204" pitchFamily="18" charset="0"/>
-                            </a:rPr>
-                            <m:t>0</m:t>
+                            <a:rPr lang="vi-VN" i="1">
+                              <a:solidFill>
+                                <a:schemeClr val="tx1"/>
+                              </a:solidFill>
+                              <a:latin typeface="Cambria Math" panose="02040503050406030204" pitchFamily="18" charset="0"/>
+                            </a:rPr>
+                            <m:t>𝑘</m:t>
                           </m:r>
                         </m:sub>
                       </m:sSub>
@@ -3979,7 +3979,7 @@
                               </a:solidFill>
                               <a:latin typeface="Cambria Math" panose="02040503050406030204" pitchFamily="18" charset="0"/>
                             </a:rPr>
-                            <m:t>1</m:t>
+                            <m:t>0</m:t>
                           </m:r>
                         </m:sub>
                       </m:sSub>
@@ -3990,7 +3990,7 @@
                           </a:solidFill>
                           <a:latin typeface="Cambria Math" panose="02040503050406030204" pitchFamily="18" charset="0"/>
                         </a:rPr>
-                        <m:t>−</m:t>
+                        <m:t>+</m:t>
                       </m:r>
                       <m:sSub>
                         <m:sSubPr>
@@ -4016,13 +4016,13 @@
                         </m:e>
                         <m:sub>
                           <m:r>
-                            <a:rPr lang="vi-VN" i="1">
-                              <a:solidFill>
-                                <a:schemeClr val="tx1"/>
-                              </a:solidFill>
-                              <a:latin typeface="Cambria Math" panose="02040503050406030204" pitchFamily="18" charset="0"/>
-                            </a:rPr>
-                            <m:t>𝑘</m:t>
+                            <a:rPr lang="vi-VN" b="0" i="1">
+                              <a:solidFill>
+                                <a:schemeClr val="tx1"/>
+                              </a:solidFill>
+                              <a:latin typeface="Cambria Math" panose="02040503050406030204" pitchFamily="18" charset="0"/>
+                            </a:rPr>
+                            <m:t>0</m:t>
                           </m:r>
                         </m:sub>
                       </m:sSub>
@@ -4112,7 +4112,7 @@
         <p:spPr>
           <a:xfrm>
             <a:off x="1562583" y="2054505"/>
-            <a:ext cx="405114" cy="1168751"/>
+            <a:ext cx="301631" cy="1168751"/>
           </a:xfrm>
           <a:prstGeom prst="leftBrace">
             <a:avLst>
@@ -4285,8 +4285,8 @@
         </p:nvSpPr>
         <p:spPr>
           <a:xfrm flipH="1">
-            <a:off x="3495553" y="2587413"/>
-            <a:ext cx="161799" cy="691739"/>
+            <a:off x="3542445" y="2587413"/>
+            <a:ext cx="108000" cy="691739"/>
           </a:xfrm>
           <a:prstGeom prst="leftBrace">
             <a:avLst>
@@ -4404,7 +4404,7 @@
                               </a:solidFill>
                               <a:latin typeface="Cambria Math" panose="02040503050406030204" pitchFamily="18" charset="0"/>
                             </a:rPr>
-                            <m:t>2:</m:t>
+                            <m:t>1:</m:t>
                           </m:r>
                           <m:r>
                             <a:rPr lang="vi-VN" i="1">
@@ -4465,7 +4465,7 @@
                               </a:solidFill>
                               <a:latin typeface="Cambria Math" panose="02040503050406030204" pitchFamily="18" charset="0"/>
                             </a:rPr>
-                            <m:t>2:</m:t>
+                            <m:t>1:</m:t>
                           </m:r>
                           <m:r>
                             <a:rPr lang="vi-VN" b="0" i="1">
@@ -4573,7 +4573,7 @@
         <p:spPr>
           <a:xfrm>
             <a:off x="3487492" y="1623275"/>
-            <a:ext cx="318002" cy="824145"/>
+            <a:ext cx="227043" cy="824145"/>
           </a:xfrm>
           <a:prstGeom prst="leftBrace">
             <a:avLst>
@@ -4691,7 +4691,7 @@
                               </a:solidFill>
                               <a:latin typeface="Cambria Math" panose="02040503050406030204" pitchFamily="18" charset="0"/>
                             </a:rPr>
-                            <m:t>2</m:t>
+                            <m:t>1</m:t>
                           </m:r>
                         </m:sub>
                       </m:sSub>
@@ -4734,7 +4734,7 @@
                               </a:solidFill>
                               <a:latin typeface="Cambria Math" panose="02040503050406030204" pitchFamily="18" charset="0"/>
                             </a:rPr>
-                            <m:t>2</m:t>
+                            <m:t>1</m:t>
                           </m:r>
                         </m:sub>
                       </m:sSub>
@@ -4895,7 +4895,7 @@
                               </a:solidFill>
                               <a:latin typeface="Cambria Math" panose="02040503050406030204" pitchFamily="18" charset="0"/>
                             </a:rPr>
-                            <m:t>2</m:t>
+                            <m:t>1</m:t>
                           </m:r>
                         </m:sub>
                       </m:sSub>
@@ -4938,7 +4938,7 @@
                               </a:solidFill>
                               <a:latin typeface="Cambria Math" panose="02040503050406030204" pitchFamily="18" charset="0"/>
                             </a:rPr>
-                            <m:t>2</m:t>
+                            <m:t>1</m:t>
                           </m:r>
                         </m:sub>
                       </m:sSub>
@@ -4949,7 +4949,7 @@
                           </a:solidFill>
                           <a:latin typeface="Cambria Math" panose="02040503050406030204" pitchFamily="18" charset="0"/>
                         </a:rPr>
-                        <m:t>+</m:t>
+                        <m:t>−</m:t>
                       </m:r>
                       <m:sSub>
                         <m:sSubPr>
@@ -4975,13 +4975,13 @@
                         </m:e>
                         <m:sub>
                           <m:r>
-                            <a:rPr lang="vi-VN" sz="1600" b="0" i="1">
-                              <a:solidFill>
-                                <a:schemeClr val="tx1"/>
-                              </a:solidFill>
-                              <a:latin typeface="Cambria Math" panose="02040503050406030204" pitchFamily="18" charset="0"/>
-                            </a:rPr>
-                            <m:t>0</m:t>
+                            <a:rPr lang="vi-VN" sz="1600" i="1">
+                              <a:solidFill>
+                                <a:schemeClr val="tx1"/>
+                              </a:solidFill>
+                              <a:latin typeface="Cambria Math" panose="02040503050406030204" pitchFamily="18" charset="0"/>
+                            </a:rPr>
+                            <m:t>𝑘</m:t>
                           </m:r>
                         </m:sub>
                       </m:sSub>
@@ -5142,7 +5142,7 @@
                               </a:solidFill>
                               <a:latin typeface="Cambria Math" panose="02040503050406030204" pitchFamily="18" charset="0"/>
                             </a:rPr>
-                            <m:t>2</m:t>
+                            <m:t>1</m:t>
                           </m:r>
                         </m:sub>
                       </m:sSub>
@@ -5185,7 +5185,7 @@
                               </a:solidFill>
                               <a:latin typeface="Cambria Math" panose="02040503050406030204" pitchFamily="18" charset="0"/>
                             </a:rPr>
-                            <m:t>2</m:t>
+                            <m:t>1</m:t>
                           </m:r>
                         </m:sub>
                       </m:sSub>
@@ -5196,7 +5196,7 @@
                           </a:solidFill>
                           <a:latin typeface="Cambria Math" panose="02040503050406030204" pitchFamily="18" charset="0"/>
                         </a:rPr>
-                        <m:t>−</m:t>
+                        <m:t>+</m:t>
                       </m:r>
                       <m:sSub>
                         <m:sSubPr>
@@ -5222,13 +5222,13 @@
                         </m:e>
                         <m:sub>
                           <m:r>
-                            <a:rPr lang="vi-VN" sz="1600" i="1">
-                              <a:solidFill>
-                                <a:schemeClr val="tx1"/>
-                              </a:solidFill>
-                              <a:latin typeface="Cambria Math" panose="02040503050406030204" pitchFamily="18" charset="0"/>
-                            </a:rPr>
-                            <m:t>𝑘</m:t>
+                            <a:rPr lang="vi-VN" sz="1600" b="0" i="1">
+                              <a:solidFill>
+                                <a:schemeClr val="tx1"/>
+                              </a:solidFill>
+                              <a:latin typeface="Cambria Math" panose="02040503050406030204" pitchFamily="18" charset="0"/>
+                            </a:rPr>
+                            <m:t>0</m:t>
                           </m:r>
                         </m:sub>
                       </m:sSub>
@@ -5317,8 +5317,8 @@
         </p:nvSpPr>
         <p:spPr>
           <a:xfrm flipH="1">
-            <a:off x="5069337" y="1999998"/>
-            <a:ext cx="161799" cy="447422"/>
+            <a:off x="5116229" y="1999998"/>
+            <a:ext cx="108000" cy="447422"/>
           </a:xfrm>
           <a:prstGeom prst="leftBrace">
             <a:avLst>
@@ -5436,7 +5436,7 @@
                               </a:solidFill>
                               <a:latin typeface="Cambria Math" panose="02040503050406030204" pitchFamily="18" charset="0"/>
                             </a:rPr>
-                            <m:t>3:</m:t>
+                            <m:t>2:</m:t>
                           </m:r>
                           <m:r>
                             <a:rPr lang="vi-VN" i="1">
@@ -5497,7 +5497,7 @@
                               </a:solidFill>
                               <a:latin typeface="Cambria Math" panose="02040503050406030204" pitchFamily="18" charset="0"/>
                             </a:rPr>
-                            <m:t>3:</m:t>
+                            <m:t>2:</m:t>
                           </m:r>
                           <m:r>
                             <a:rPr lang="vi-VN" b="0" i="1">
@@ -5979,7 +5979,7 @@
                           </a:solidFill>
                           <a:latin typeface="Cambria Math" panose="02040503050406030204" pitchFamily="18" charset="0"/>
                         </a:rPr>
-                        <m:t>+</m:t>
+                        <m:t>−</m:t>
                       </m:r>
                       <m:sSub>
                         <m:sSubPr>
@@ -6005,13 +6005,13 @@
                         </m:e>
                         <m:sub>
                           <m:r>
-                            <a:rPr lang="vi-VN" sz="1200" b="0" i="1">
-                              <a:solidFill>
-                                <a:schemeClr val="tx1"/>
-                              </a:solidFill>
-                              <a:latin typeface="Cambria Math" panose="02040503050406030204" pitchFamily="18" charset="0"/>
-                            </a:rPr>
-                            <m:t>0</m:t>
+                            <a:rPr lang="vi-VN" sz="1200" i="1">
+                              <a:solidFill>
+                                <a:schemeClr val="tx1"/>
+                              </a:solidFill>
+                              <a:latin typeface="Cambria Math" panose="02040503050406030204" pitchFamily="18" charset="0"/>
+                            </a:rPr>
+                            <m:t>𝑘</m:t>
                           </m:r>
                         </m:sub>
                       </m:sSub>
@@ -6244,7 +6244,7 @@
                           </a:solidFill>
                           <a:latin typeface="Cambria Math" panose="02040503050406030204" pitchFamily="18" charset="0"/>
                         </a:rPr>
-                        <m:t>−</m:t>
+                        <m:t>+</m:t>
                       </m:r>
                       <m:sSub>
                         <m:sSubPr>
@@ -6270,13 +6270,13 @@
                         </m:e>
                         <m:sub>
                           <m:r>
-                            <a:rPr lang="vi-VN" sz="1200" i="1">
-                              <a:solidFill>
-                                <a:schemeClr val="tx1"/>
-                              </a:solidFill>
-                              <a:latin typeface="Cambria Math" panose="02040503050406030204" pitchFamily="18" charset="0"/>
-                            </a:rPr>
-                            <m:t>𝑘</m:t>
+                            <a:rPr lang="vi-VN" sz="1200" b="0" i="1">
+                              <a:solidFill>
+                                <a:schemeClr val="tx1"/>
+                              </a:solidFill>
+                              <a:latin typeface="Cambria Math" panose="02040503050406030204" pitchFamily="18" charset="0"/>
+                            </a:rPr>
+                            <m:t>0</m:t>
                           </m:r>
                         </m:sub>
                       </m:sSub>
@@ -6366,7 +6366,7 @@
         <p:spPr>
           <a:xfrm>
             <a:off x="5251161" y="1214238"/>
-            <a:ext cx="180085" cy="625709"/>
+            <a:ext cx="114711" cy="625709"/>
           </a:xfrm>
           <a:prstGeom prst="leftBrace">
             <a:avLst>
@@ -6509,13 +6509,13 @@
         </p:nvCxnSpPr>
         <p:spPr>
           <a:xfrm>
-            <a:off x="1967696" y="3570345"/>
-            <a:ext cx="4993169" cy="0"/>
+            <a:off x="964521" y="3554889"/>
+            <a:ext cx="6192000" cy="0"/>
           </a:xfrm>
           <a:prstGeom prst="straightConnector1">
             <a:avLst/>
           </a:prstGeom>
-          <a:ln>
+          <a:ln w="3175">
             <a:tailEnd type="triangle"/>
           </a:ln>
         </p:spPr>
@@ -7004,8 +7004,8 @@
             </p:nvSpPr>
             <p:spPr>
               <a:xfrm>
-                <a:off x="1959633" y="3692167"/>
-                <a:ext cx="1080000" cy="428263"/>
+                <a:off x="1677788" y="3692167"/>
+                <a:ext cx="1361845" cy="428263"/>
               </a:xfrm>
               <a:prstGeom prst="rect">
                 <a:avLst/>
@@ -7161,8 +7161,8 @@
             </p:nvSpPr>
             <p:spPr>
               <a:xfrm>
-                <a:off x="1959633" y="3692167"/>
-                <a:ext cx="1080000" cy="428263"/>
+                <a:off x="1677788" y="3692167"/>
+                <a:ext cx="1361845" cy="428263"/>
               </a:xfrm>
               <a:prstGeom prst="rect">
                 <a:avLst/>
@@ -7776,7 +7776,7 @@
         </p:nvSpPr>
         <p:spPr>
           <a:xfrm>
-            <a:off x="964522" y="915105"/>
+            <a:off x="479216" y="2297751"/>
             <a:ext cx="658368" cy="369332"/>
           </a:xfrm>
           <a:prstGeom prst="rect">
@@ -7811,7 +7811,7 @@
         </p:nvSpPr>
         <p:spPr>
           <a:xfrm>
-            <a:off x="959859" y="3338106"/>
+            <a:off x="479216" y="4716331"/>
             <a:ext cx="658368" cy="369332"/>
           </a:xfrm>
           <a:prstGeom prst="rect">
@@ -7846,7 +7846,7 @@
         </p:nvSpPr>
         <p:spPr>
           <a:xfrm>
-            <a:off x="6128211" y="3201013"/>
+            <a:off x="7152530" y="3370223"/>
             <a:ext cx="809135" cy="369332"/>
           </a:xfrm>
           <a:prstGeom prst="rect">
@@ -7867,6 +7867,4512 @@
           </a:p>
         </p:txBody>
       </p:sp>
+      <p:sp>
+        <p:nvSpPr>
+          <p:cNvPr id="73" name="Right Bracket 72">
+            <a:extLst>
+              <a:ext uri="{FF2B5EF4-FFF2-40B4-BE49-F238E27FC236}">
+                <a16:creationId xmlns:a16="http://schemas.microsoft.com/office/drawing/2014/main" id="{DDDAA02E-FFF9-BD1F-D3E2-057303C931FC}"/>
+              </a:ext>
+            </a:extLst>
+          </p:cNvPr>
+          <p:cNvSpPr/>
+          <p:nvPr/>
+        </p:nvSpPr>
+        <p:spPr>
+          <a:xfrm>
+            <a:off x="7064347" y="1444371"/>
+            <a:ext cx="64736" cy="1984629"/>
+          </a:xfrm>
+          <a:prstGeom prst="rightBracket">
+            <a:avLst/>
+          </a:prstGeom>
+        </p:spPr>
+        <p:style>
+          <a:lnRef idx="2">
+            <a:schemeClr val="dk1"/>
+          </a:lnRef>
+          <a:fillRef idx="0">
+            <a:schemeClr val="dk1"/>
+          </a:fillRef>
+          <a:effectRef idx="1">
+            <a:schemeClr val="dk1"/>
+          </a:effectRef>
+          <a:fontRef idx="minor">
+            <a:schemeClr val="tx1"/>
+          </a:fontRef>
+        </p:style>
+        <p:txBody>
+          <a:bodyPr rtlCol="0" anchor="ctr"/>
+          <a:lstStyle/>
+          <a:p>
+            <a:pPr algn="ctr"/>
+            <a:endParaRPr lang="en-VN"/>
+          </a:p>
+        </p:txBody>
+      </p:sp>
+      <mc:AlternateContent xmlns:mc="http://schemas.openxmlformats.org/markup-compatibility/2006">
+        <mc:Choice xmlns:a14="http://schemas.microsoft.com/office/drawing/2010/main" Requires="a14">
+          <p:sp>
+            <p:nvSpPr>
+              <p:cNvPr id="74" name="TextBox 73">
+                <a:extLst>
+                  <a:ext uri="{FF2B5EF4-FFF2-40B4-BE49-F238E27FC236}">
+                    <a16:creationId xmlns:a16="http://schemas.microsoft.com/office/drawing/2014/main" id="{8C1F72DC-7C79-92FD-7FF7-89C374BD2D43}"/>
+                  </a:ext>
+                </a:extLst>
+              </p:cNvPr>
+              <p:cNvSpPr txBox="1"/>
+              <p:nvPr/>
+            </p:nvSpPr>
+            <p:spPr>
+              <a:xfrm>
+                <a:off x="7141946" y="2219390"/>
+                <a:ext cx="809135" cy="427425"/>
+              </a:xfrm>
+              <a:prstGeom prst="rect">
+                <a:avLst/>
+              </a:prstGeom>
+              <a:noFill/>
+            </p:spPr>
+            <p:txBody>
+              <a:bodyPr wrap="square" rtlCol="0">
+                <a:spAutoFit/>
+              </a:bodyPr>
+              <a:lstStyle/>
+              <a:p>
+                <a14:m>
+                  <m:oMathPara xmlns:m="http://schemas.openxmlformats.org/officeDocument/2006/math">
+                    <m:oMathParaPr>
+                      <m:jc m:val="centerGroup"/>
+                    </m:oMathParaPr>
+                    <m:oMath xmlns:m="http://schemas.openxmlformats.org/officeDocument/2006/math">
+                      <m:r>
+                        <a:rPr lang="vi-VN" b="0" i="1">
+                          <a:latin typeface="Cambria Math" panose="02040503050406030204" pitchFamily="18" charset="0"/>
+                        </a:rPr>
+                        <m:t>{</m:t>
+                      </m:r>
+                      <m:r>
+                        <a:rPr lang="vi-VN" i="1">
+                          <a:latin typeface="Cambria Math" panose="02040503050406030204" pitchFamily="18" charset="0"/>
+                        </a:rPr>
+                        <m:t>𝑈</m:t>
+                      </m:r>
+                      <m:d>
+                        <m:dPr>
+                          <m:ctrlPr>
+                            <a:rPr lang="vi-VN" b="0" i="1">
+                              <a:latin typeface="Cambria Math" panose="02040503050406030204" pitchFamily="18" charset="0"/>
+                            </a:rPr>
+                          </m:ctrlPr>
+                        </m:dPr>
+                        <m:e>
+                          <m:sSubSup>
+                            <m:sSubSupPr>
+                              <m:ctrlPr>
+                                <a:rPr lang="vi-VN" b="0" i="1">
+                                  <a:latin typeface="Cambria Math" panose="02040503050406030204" pitchFamily="18" charset="0"/>
+                                </a:rPr>
+                              </m:ctrlPr>
+                            </m:sSubSupPr>
+                            <m:e>
+                              <m:r>
+                                <a:rPr lang="vi-VN" b="0" i="1">
+                                  <a:latin typeface="Cambria Math" panose="02040503050406030204" pitchFamily="18" charset="0"/>
+                                </a:rPr>
+                                <m:t>𝜃</m:t>
+                              </m:r>
+                            </m:e>
+                            <m:sub>
+                              <m:r>
+                                <a:rPr lang="vi-VN" i="1">
+                                  <a:latin typeface="Cambria Math" panose="02040503050406030204" pitchFamily="18" charset="0"/>
+                                </a:rPr>
+                                <m:t>𝑖</m:t>
+                              </m:r>
+                              <m:r>
+                                <a:rPr lang="vi-VN" b="0" i="1">
+                                  <a:latin typeface="Cambria Math" panose="02040503050406030204" pitchFamily="18" charset="0"/>
+                                </a:rPr>
+                                <m:t>,</m:t>
+                              </m:r>
+                              <m:r>
+                                <a:rPr lang="vi-VN" i="1">
+                                  <a:latin typeface="Cambria Math" panose="02040503050406030204" pitchFamily="18" charset="0"/>
+                                </a:rPr>
+                                <m:t>𝑘</m:t>
+                              </m:r>
+                            </m:sub>
+                            <m:sup>
+                              <m:r>
+                                <a:rPr lang="vi-VN" b="0" i="1">
+                                  <a:latin typeface="Cambria Math" panose="02040503050406030204" pitchFamily="18" charset="0"/>
+                                </a:rPr>
+                                <m:t>±</m:t>
+                              </m:r>
+                            </m:sup>
+                          </m:sSubSup>
+                        </m:e>
+                      </m:d>
+                      <m:r>
+                        <a:rPr lang="vi-VN" b="0" i="1">
+                          <a:latin typeface="Cambria Math" panose="02040503050406030204" pitchFamily="18" charset="0"/>
+                        </a:rPr>
+                        <m:t>}</m:t>
+                      </m:r>
+                    </m:oMath>
+                  </m:oMathPara>
+                </a14:m>
+                <a:endParaRPr lang="en-VN" i="1"/>
+              </a:p>
+            </p:txBody>
+          </p:sp>
+        </mc:Choice>
+        <mc:Fallback>
+          <p:sp>
+            <p:nvSpPr>
+              <p:cNvPr id="74" name="TextBox 73">
+                <a:extLst>
+                  <a:ext uri="{FF2B5EF4-FFF2-40B4-BE49-F238E27FC236}">
+                    <a16:creationId xmlns:a16="http://schemas.microsoft.com/office/drawing/2014/main" id="{8C1F72DC-7C79-92FD-7FF7-89C374BD2D43}"/>
+                  </a:ext>
+                </a:extLst>
+              </p:cNvPr>
+              <p:cNvSpPr txBox="1">
+                <a:spLocks noRot="1" noChangeAspect="1" noMove="1" noResize="1" noEditPoints="1" noAdjustHandles="1" noChangeArrowheads="1" noChangeShapeType="1" noTextEdit="1"/>
+              </p:cNvSpPr>
+              <p:nvPr/>
+            </p:nvSpPr>
+            <p:spPr>
+              <a:xfrm>
+                <a:off x="7141946" y="2219390"/>
+                <a:ext cx="809135" cy="427425"/>
+              </a:xfrm>
+              <a:prstGeom prst="rect">
+                <a:avLst/>
+              </a:prstGeom>
+              <a:blipFill>
+                <a:blip r:embed="rId23"/>
+                <a:stretch>
+                  <a:fillRect l="-3125" r="-34375" b="-5714"/>
+                </a:stretch>
+              </a:blipFill>
+            </p:spPr>
+            <p:txBody>
+              <a:bodyPr/>
+              <a:lstStyle/>
+              <a:p>
+                <a:r>
+                  <a:rPr lang="en-VN">
+                    <a:noFill/>
+                  </a:rPr>
+                  <a:t> </a:t>
+                </a:r>
+              </a:p>
+            </p:txBody>
+          </p:sp>
+        </mc:Fallback>
+      </mc:AlternateContent>
+      <p:sp>
+        <p:nvSpPr>
+          <p:cNvPr id="75" name="Right Bracket 74">
+            <a:extLst>
+              <a:ext uri="{FF2B5EF4-FFF2-40B4-BE49-F238E27FC236}">
+                <a16:creationId xmlns:a16="http://schemas.microsoft.com/office/drawing/2014/main" id="{6800EF18-8967-5F0A-5770-4AB4257994D2}"/>
+              </a:ext>
+            </a:extLst>
+          </p:cNvPr>
+          <p:cNvSpPr/>
+          <p:nvPr/>
+        </p:nvSpPr>
+        <p:spPr>
+          <a:xfrm>
+            <a:off x="7064347" y="1099771"/>
+            <a:ext cx="64736" cy="259076"/>
+          </a:xfrm>
+          <a:prstGeom prst="rightBracket">
+            <a:avLst/>
+          </a:prstGeom>
+        </p:spPr>
+        <p:style>
+          <a:lnRef idx="2">
+            <a:schemeClr val="dk1"/>
+          </a:lnRef>
+          <a:fillRef idx="0">
+            <a:schemeClr val="dk1"/>
+          </a:fillRef>
+          <a:effectRef idx="1">
+            <a:schemeClr val="dk1"/>
+          </a:effectRef>
+          <a:fontRef idx="minor">
+            <a:schemeClr val="tx1"/>
+          </a:fontRef>
+        </p:style>
+        <p:txBody>
+          <a:bodyPr rtlCol="0" anchor="ctr"/>
+          <a:lstStyle/>
+          <a:p>
+            <a:pPr algn="ctr"/>
+            <a:endParaRPr lang="en-VN"/>
+          </a:p>
+        </p:txBody>
+      </p:sp>
+      <mc:AlternateContent xmlns:mc="http://schemas.openxmlformats.org/markup-compatibility/2006">
+        <mc:Choice xmlns:a14="http://schemas.microsoft.com/office/drawing/2010/main" Requires="a14">
+          <p:sp>
+            <p:nvSpPr>
+              <p:cNvPr id="76" name="TextBox 75">
+                <a:extLst>
+                  <a:ext uri="{FF2B5EF4-FFF2-40B4-BE49-F238E27FC236}">
+                    <a16:creationId xmlns:a16="http://schemas.microsoft.com/office/drawing/2014/main" id="{BD41691D-B43D-DE46-690D-2C39E1C4E4F7}"/>
+                  </a:ext>
+                </a:extLst>
+              </p:cNvPr>
+              <p:cNvSpPr txBox="1"/>
+              <p:nvPr/>
+            </p:nvSpPr>
+            <p:spPr>
+              <a:xfrm>
+                <a:off x="7152530" y="1035681"/>
+                <a:ext cx="658368" cy="369332"/>
+              </a:xfrm>
+              <a:prstGeom prst="rect">
+                <a:avLst/>
+              </a:prstGeom>
+              <a:noFill/>
+            </p:spPr>
+            <p:txBody>
+              <a:bodyPr wrap="square" rtlCol="0">
+                <a:spAutoFit/>
+              </a:bodyPr>
+              <a:lstStyle/>
+              <a:p>
+                <a14:m>
+                  <m:oMathPara xmlns:m="http://schemas.openxmlformats.org/officeDocument/2006/math">
+                    <m:oMathParaPr>
+                      <m:jc m:val="centerGroup"/>
+                    </m:oMathParaPr>
+                    <m:oMath xmlns:m="http://schemas.openxmlformats.org/officeDocument/2006/math">
+                      <m:r>
+                        <a:rPr lang="en-VN" i="1">
+                          <a:latin typeface="Cambria Math" panose="02040503050406030204" pitchFamily="18" charset="0"/>
+                        </a:rPr>
+                        <m:t>𝑈</m:t>
+                      </m:r>
+                      <m:r>
+                        <a:rPr lang="vi-VN" b="0" i="1">
+                          <a:latin typeface="Cambria Math" panose="02040503050406030204" pitchFamily="18" charset="0"/>
+                        </a:rPr>
+                        <m:t>(</m:t>
+                      </m:r>
+                      <m:r>
+                        <a:rPr lang="vi-VN" b="0" i="1">
+                          <a:latin typeface="Cambria Math" panose="02040503050406030204" pitchFamily="18" charset="0"/>
+                        </a:rPr>
+                        <m:t>𝜃</m:t>
+                      </m:r>
+                      <m:r>
+                        <a:rPr lang="vi-VN" b="0" i="1">
+                          <a:latin typeface="Cambria Math" panose="02040503050406030204" pitchFamily="18" charset="0"/>
+                        </a:rPr>
+                        <m:t>)</m:t>
+                      </m:r>
+                    </m:oMath>
+                  </m:oMathPara>
+                </a14:m>
+                <a:endParaRPr lang="en-VN" i="1"/>
+              </a:p>
+            </p:txBody>
+          </p:sp>
+        </mc:Choice>
+        <mc:Fallback>
+          <p:sp>
+            <p:nvSpPr>
+              <p:cNvPr id="76" name="TextBox 75">
+                <a:extLst>
+                  <a:ext uri="{FF2B5EF4-FFF2-40B4-BE49-F238E27FC236}">
+                    <a16:creationId xmlns:a16="http://schemas.microsoft.com/office/drawing/2014/main" id="{BD41691D-B43D-DE46-690D-2C39E1C4E4F7}"/>
+                  </a:ext>
+                </a:extLst>
+              </p:cNvPr>
+              <p:cNvSpPr txBox="1">
+                <a:spLocks noRot="1" noChangeAspect="1" noMove="1" noResize="1" noEditPoints="1" noAdjustHandles="1" noChangeArrowheads="1" noChangeShapeType="1" noTextEdit="1"/>
+              </p:cNvSpPr>
+              <p:nvPr/>
+            </p:nvSpPr>
+            <p:spPr>
+              <a:xfrm>
+                <a:off x="7152530" y="1035681"/>
+                <a:ext cx="658368" cy="369332"/>
+              </a:xfrm>
+              <a:prstGeom prst="rect">
+                <a:avLst/>
+              </a:prstGeom>
+              <a:blipFill>
+                <a:blip r:embed="rId24"/>
+                <a:stretch>
+                  <a:fillRect r="-5769" b="-13333"/>
+                </a:stretch>
+              </a:blipFill>
+            </p:spPr>
+            <p:txBody>
+              <a:bodyPr/>
+              <a:lstStyle/>
+              <a:p>
+                <a:r>
+                  <a:rPr lang="en-VN">
+                    <a:noFill/>
+                  </a:rPr>
+                  <a:t> </a:t>
+                </a:r>
+              </a:p>
+            </p:txBody>
+          </p:sp>
+        </mc:Fallback>
+      </mc:AlternateContent>
+      <p:cxnSp>
+        <p:nvCxnSpPr>
+          <p:cNvPr id="77" name="Straight Arrow Connector 76">
+            <a:extLst>
+              <a:ext uri="{FF2B5EF4-FFF2-40B4-BE49-F238E27FC236}">
+                <a16:creationId xmlns:a16="http://schemas.microsoft.com/office/drawing/2014/main" id="{B2D98E47-E1CB-2B76-B05C-840401B49641}"/>
+              </a:ext>
+            </a:extLst>
+          </p:cNvPr>
+          <p:cNvCxnSpPr>
+            <a:cxnSpLocks/>
+          </p:cNvCxnSpPr>
+          <p:nvPr/>
+        </p:nvCxnSpPr>
+        <p:spPr>
+          <a:xfrm flipV="1">
+            <a:off x="979079" y="1046382"/>
+            <a:ext cx="0" cy="2508507"/>
+          </a:xfrm>
+          <a:prstGeom prst="straightConnector1">
+            <a:avLst/>
+          </a:prstGeom>
+          <a:ln w="3175">
+            <a:tailEnd type="triangle"/>
+          </a:ln>
+        </p:spPr>
+        <p:style>
+          <a:lnRef idx="2">
+            <a:schemeClr val="dk1"/>
+          </a:lnRef>
+          <a:fillRef idx="0">
+            <a:schemeClr val="dk1"/>
+          </a:fillRef>
+          <a:effectRef idx="1">
+            <a:schemeClr val="dk1"/>
+          </a:effectRef>
+          <a:fontRef idx="minor">
+            <a:schemeClr val="tx1"/>
+          </a:fontRef>
+        </p:style>
+      </p:cxnSp>
+      <p:sp>
+        <p:nvSpPr>
+          <p:cNvPr id="79" name="TextBox 78">
+            <a:extLst>
+              <a:ext uri="{FF2B5EF4-FFF2-40B4-BE49-F238E27FC236}">
+                <a16:creationId xmlns:a16="http://schemas.microsoft.com/office/drawing/2014/main" id="{5293FB6F-55C0-ED81-1AC3-A1E2F7B9CFA2}"/>
+              </a:ext>
+            </a:extLst>
+          </p:cNvPr>
+          <p:cNvSpPr txBox="1"/>
+          <p:nvPr/>
+        </p:nvSpPr>
+        <p:spPr>
+          <a:xfrm>
+            <a:off x="560832" y="673688"/>
+            <a:ext cx="846822" cy="369332"/>
+          </a:xfrm>
+          <a:prstGeom prst="rect">
+            <a:avLst/>
+          </a:prstGeom>
+          <a:noFill/>
+        </p:spPr>
+        <p:txBody>
+          <a:bodyPr wrap="square" rtlCol="0">
+            <a:spAutoFit/>
+          </a:bodyPr>
+          <a:lstStyle/>
+          <a:p>
+            <a:pPr algn="ctr"/>
+            <a:r>
+              <a:rPr lang="en-VN"/>
+              <a:t>Order</a:t>
+            </a:r>
+          </a:p>
+        </p:txBody>
+      </p:sp>
+      <p:sp>
+        <p:nvSpPr>
+          <p:cNvPr id="81" name="Right Bracket 80">
+            <a:extLst>
+              <a:ext uri="{FF2B5EF4-FFF2-40B4-BE49-F238E27FC236}">
+                <a16:creationId xmlns:a16="http://schemas.microsoft.com/office/drawing/2014/main" id="{B0203B8A-1CCD-2740-BE55-A382F784CC10}"/>
+              </a:ext>
+            </a:extLst>
+          </p:cNvPr>
+          <p:cNvSpPr/>
+          <p:nvPr/>
+        </p:nvSpPr>
+        <p:spPr>
+          <a:xfrm>
+            <a:off x="7076071" y="3772632"/>
+            <a:ext cx="64736" cy="259076"/>
+          </a:xfrm>
+          <a:prstGeom prst="rightBracket">
+            <a:avLst/>
+          </a:prstGeom>
+        </p:spPr>
+        <p:style>
+          <a:lnRef idx="2">
+            <a:schemeClr val="dk1"/>
+          </a:lnRef>
+          <a:fillRef idx="0">
+            <a:schemeClr val="dk1"/>
+          </a:fillRef>
+          <a:effectRef idx="1">
+            <a:schemeClr val="dk1"/>
+          </a:effectRef>
+          <a:fontRef idx="minor">
+            <a:schemeClr val="tx1"/>
+          </a:fontRef>
+        </p:style>
+        <p:txBody>
+          <a:bodyPr rtlCol="0" anchor="ctr"/>
+          <a:lstStyle/>
+          <a:p>
+            <a:pPr algn="ctr"/>
+            <a:endParaRPr lang="en-VN"/>
+          </a:p>
+        </p:txBody>
+      </p:sp>
+      <mc:AlternateContent xmlns:mc="http://schemas.openxmlformats.org/markup-compatibility/2006">
+        <mc:Choice xmlns:a14="http://schemas.microsoft.com/office/drawing/2010/main" Requires="a14">
+          <p:sp>
+            <p:nvSpPr>
+              <p:cNvPr id="82" name="TextBox 81">
+                <a:extLst>
+                  <a:ext uri="{FF2B5EF4-FFF2-40B4-BE49-F238E27FC236}">
+                    <a16:creationId xmlns:a16="http://schemas.microsoft.com/office/drawing/2014/main" id="{6119E47A-28BF-16F4-78D0-9B0742ABEB8E}"/>
+                  </a:ext>
+                </a:extLst>
+              </p:cNvPr>
+              <p:cNvSpPr txBox="1"/>
+              <p:nvPr/>
+            </p:nvSpPr>
+            <p:spPr>
+              <a:xfrm>
+                <a:off x="7152530" y="3729072"/>
+                <a:ext cx="658368" cy="369332"/>
+              </a:xfrm>
+              <a:prstGeom prst="rect">
+                <a:avLst/>
+              </a:prstGeom>
+              <a:noFill/>
+            </p:spPr>
+            <p:txBody>
+              <a:bodyPr wrap="square" rtlCol="0">
+                <a:spAutoFit/>
+              </a:bodyPr>
+              <a:lstStyle/>
+              <a:p>
+                <a14:m>
+                  <m:oMathPara xmlns:m="http://schemas.openxmlformats.org/officeDocument/2006/math">
+                    <m:oMathParaPr>
+                      <m:jc m:val="centerGroup"/>
+                    </m:oMathParaPr>
+                    <m:oMath xmlns:m="http://schemas.openxmlformats.org/officeDocument/2006/math">
+                      <m:r>
+                        <a:rPr lang="en-VN" i="1">
+                          <a:latin typeface="Cambria Math" panose="02040503050406030204" pitchFamily="18" charset="0"/>
+                        </a:rPr>
+                        <m:t>𝑈</m:t>
+                      </m:r>
+                      <m:r>
+                        <a:rPr lang="vi-VN" b="0" i="1">
+                          <a:latin typeface="Cambria Math" panose="02040503050406030204" pitchFamily="18" charset="0"/>
+                        </a:rPr>
+                        <m:t>(</m:t>
+                      </m:r>
+                      <m:r>
+                        <a:rPr lang="vi-VN" b="0" i="1">
+                          <a:latin typeface="Cambria Math" panose="02040503050406030204" pitchFamily="18" charset="0"/>
+                        </a:rPr>
+                        <m:t>𝜃</m:t>
+                      </m:r>
+                      <m:r>
+                        <a:rPr lang="vi-VN" b="0" i="1">
+                          <a:latin typeface="Cambria Math" panose="02040503050406030204" pitchFamily="18" charset="0"/>
+                        </a:rPr>
+                        <m:t>)</m:t>
+                      </m:r>
+                    </m:oMath>
+                  </m:oMathPara>
+                </a14:m>
+                <a:endParaRPr lang="en-VN" i="1"/>
+              </a:p>
+            </p:txBody>
+          </p:sp>
+        </mc:Choice>
+        <mc:Fallback>
+          <p:sp>
+            <p:nvSpPr>
+              <p:cNvPr id="82" name="TextBox 81">
+                <a:extLst>
+                  <a:ext uri="{FF2B5EF4-FFF2-40B4-BE49-F238E27FC236}">
+                    <a16:creationId xmlns:a16="http://schemas.microsoft.com/office/drawing/2014/main" id="{6119E47A-28BF-16F4-78D0-9B0742ABEB8E}"/>
+                  </a:ext>
+                </a:extLst>
+              </p:cNvPr>
+              <p:cNvSpPr txBox="1">
+                <a:spLocks noRot="1" noChangeAspect="1" noMove="1" noResize="1" noEditPoints="1" noAdjustHandles="1" noChangeArrowheads="1" noChangeShapeType="1" noTextEdit="1"/>
+              </p:cNvSpPr>
+              <p:nvPr/>
+            </p:nvSpPr>
+            <p:spPr>
+              <a:xfrm>
+                <a:off x="7152530" y="3729072"/>
+                <a:ext cx="658368" cy="369332"/>
+              </a:xfrm>
+              <a:prstGeom prst="rect">
+                <a:avLst/>
+              </a:prstGeom>
+              <a:blipFill>
+                <a:blip r:embed="rId24"/>
+                <a:stretch>
+                  <a:fillRect r="-5769" b="-13333"/>
+                </a:stretch>
+              </a:blipFill>
+            </p:spPr>
+            <p:txBody>
+              <a:bodyPr/>
+              <a:lstStyle/>
+              <a:p>
+                <a:r>
+                  <a:rPr lang="en-VN">
+                    <a:noFill/>
+                  </a:rPr>
+                  <a:t> </a:t>
+                </a:r>
+              </a:p>
+            </p:txBody>
+          </p:sp>
+        </mc:Fallback>
+      </mc:AlternateContent>
+      <mc:AlternateContent xmlns:mc="http://schemas.openxmlformats.org/markup-compatibility/2006">
+        <mc:Choice xmlns:a14="http://schemas.microsoft.com/office/drawing/2010/main" Requires="a14">
+          <p:sp>
+            <p:nvSpPr>
+              <p:cNvPr id="83" name="TextBox 82">
+                <a:extLst>
+                  <a:ext uri="{FF2B5EF4-FFF2-40B4-BE49-F238E27FC236}">
+                    <a16:creationId xmlns:a16="http://schemas.microsoft.com/office/drawing/2014/main" id="{FBB2677E-C092-AC31-1F69-6ED6F4CF7A5C}"/>
+                  </a:ext>
+                </a:extLst>
+              </p:cNvPr>
+              <p:cNvSpPr txBox="1"/>
+              <p:nvPr/>
+            </p:nvSpPr>
+            <p:spPr>
+              <a:xfrm>
+                <a:off x="937351" y="4231504"/>
+                <a:ext cx="625231" cy="369332"/>
+              </a:xfrm>
+              <a:prstGeom prst="rect">
+                <a:avLst/>
+              </a:prstGeom>
+              <a:noFill/>
+            </p:spPr>
+            <p:txBody>
+              <a:bodyPr wrap="square" rtlCol="0">
+                <a:spAutoFit/>
+              </a:bodyPr>
+              <a:lstStyle/>
+              <a:p>
+                <a14:m>
+                  <m:oMathPara xmlns:m="http://schemas.openxmlformats.org/officeDocument/2006/math">
+                    <m:oMathParaPr>
+                      <m:jc m:val="centerGroup"/>
+                    </m:oMathParaPr>
+                    <m:oMath xmlns:m="http://schemas.openxmlformats.org/officeDocument/2006/math">
+                      <m:sSup>
+                        <m:sSupPr>
+                          <m:ctrlPr>
+                            <a:rPr lang="vi-VN" b="0" i="1">
+                              <a:latin typeface="Cambria Math" panose="02040503050406030204" pitchFamily="18" charset="0"/>
+                            </a:rPr>
+                          </m:ctrlPr>
+                        </m:sSupPr>
+                        <m:e>
+                          <m:d>
+                            <m:dPr>
+                              <m:begChr m:val="|"/>
+                              <m:endChr m:val="⟩"/>
+                              <m:ctrlPr>
+                                <a:rPr lang="vi-VN" b="0" i="1">
+                                  <a:latin typeface="Cambria Math" panose="02040503050406030204" pitchFamily="18" charset="0"/>
+                                </a:rPr>
+                              </m:ctrlPr>
+                            </m:dPr>
+                            <m:e>
+                              <m:r>
+                                <a:rPr lang="vi-VN" b="0" i="1">
+                                  <a:latin typeface="Cambria Math" panose="02040503050406030204" pitchFamily="18" charset="0"/>
+                                </a:rPr>
+                                <m:t>0</m:t>
+                              </m:r>
+                            </m:e>
+                          </m:d>
+                        </m:e>
+                        <m:sup>
+                          <m:r>
+                            <a:rPr lang="vi-VN" i="1">
+                              <a:latin typeface="Cambria Math" panose="02040503050406030204" pitchFamily="18" charset="0"/>
+                            </a:rPr>
+                            <m:t>𝑛</m:t>
+                          </m:r>
+                        </m:sup>
+                      </m:sSup>
+                    </m:oMath>
+                  </m:oMathPara>
+                </a14:m>
+                <a:endParaRPr lang="en-VN" i="1"/>
+              </a:p>
+            </p:txBody>
+          </p:sp>
+        </mc:Choice>
+        <mc:Fallback>
+          <p:sp>
+            <p:nvSpPr>
+              <p:cNvPr id="83" name="TextBox 82">
+                <a:extLst>
+                  <a:ext uri="{FF2B5EF4-FFF2-40B4-BE49-F238E27FC236}">
+                    <a16:creationId xmlns:a16="http://schemas.microsoft.com/office/drawing/2014/main" id="{FBB2677E-C092-AC31-1F69-6ED6F4CF7A5C}"/>
+                  </a:ext>
+                </a:extLst>
+              </p:cNvPr>
+              <p:cNvSpPr txBox="1">
+                <a:spLocks noRot="1" noChangeAspect="1" noMove="1" noResize="1" noEditPoints="1" noAdjustHandles="1" noChangeArrowheads="1" noChangeShapeType="1" noTextEdit="1"/>
+              </p:cNvSpPr>
+              <p:nvPr/>
+            </p:nvSpPr>
+            <p:spPr>
+              <a:xfrm>
+                <a:off x="937351" y="4231504"/>
+                <a:ext cx="625231" cy="369332"/>
+              </a:xfrm>
+              <a:prstGeom prst="rect">
+                <a:avLst/>
+              </a:prstGeom>
+              <a:blipFill>
+                <a:blip r:embed="rId25"/>
+                <a:stretch>
+                  <a:fillRect/>
+                </a:stretch>
+              </a:blipFill>
+            </p:spPr>
+            <p:txBody>
+              <a:bodyPr/>
+              <a:lstStyle/>
+              <a:p>
+                <a:r>
+                  <a:rPr lang="en-VN">
+                    <a:noFill/>
+                  </a:rPr>
+                  <a:t> </a:t>
+                </a:r>
+              </a:p>
+            </p:txBody>
+          </p:sp>
+        </mc:Fallback>
+      </mc:AlternateContent>
+      <p:cxnSp>
+        <p:nvCxnSpPr>
+          <p:cNvPr id="84" name="Straight Arrow Connector 83">
+            <a:extLst>
+              <a:ext uri="{FF2B5EF4-FFF2-40B4-BE49-F238E27FC236}">
+                <a16:creationId xmlns:a16="http://schemas.microsoft.com/office/drawing/2014/main" id="{17C21764-A94F-B8D8-2B4A-1FD3A3A0484F}"/>
+              </a:ext>
+            </a:extLst>
+          </p:cNvPr>
+          <p:cNvCxnSpPr>
+            <a:cxnSpLocks/>
+          </p:cNvCxnSpPr>
+          <p:nvPr/>
+        </p:nvCxnSpPr>
+        <p:spPr>
+          <a:xfrm>
+            <a:off x="1561780" y="4460906"/>
+            <a:ext cx="3014243" cy="0"/>
+          </a:xfrm>
+          <a:prstGeom prst="straightConnector1">
+            <a:avLst/>
+          </a:prstGeom>
+          <a:ln>
+            <a:headEnd type="none" w="med" len="med"/>
+            <a:tailEnd type="none" w="med" len="med"/>
+          </a:ln>
+        </p:spPr>
+        <p:style>
+          <a:lnRef idx="2">
+            <a:schemeClr val="dk1"/>
+          </a:lnRef>
+          <a:fillRef idx="0">
+            <a:schemeClr val="dk1"/>
+          </a:fillRef>
+          <a:effectRef idx="1">
+            <a:schemeClr val="dk1"/>
+          </a:effectRef>
+          <a:fontRef idx="minor">
+            <a:schemeClr val="tx1"/>
+          </a:fontRef>
+        </p:style>
+      </p:cxnSp>
+      <mc:AlternateContent xmlns:mc="http://schemas.openxmlformats.org/markup-compatibility/2006">
+        <mc:Choice xmlns:a14="http://schemas.microsoft.com/office/drawing/2010/main" Requires="a14">
+          <p:sp>
+            <p:nvSpPr>
+              <p:cNvPr id="85" name="Rectangle 84">
+                <a:extLst>
+                  <a:ext uri="{FF2B5EF4-FFF2-40B4-BE49-F238E27FC236}">
+                    <a16:creationId xmlns:a16="http://schemas.microsoft.com/office/drawing/2014/main" id="{288D0EA1-E2FF-74BA-E41C-4875A6CF1074}"/>
+                  </a:ext>
+                </a:extLst>
+              </p:cNvPr>
+              <p:cNvSpPr/>
+              <p:nvPr/>
+            </p:nvSpPr>
+            <p:spPr>
+              <a:xfrm>
+                <a:off x="1677788" y="4231504"/>
+                <a:ext cx="1361845" cy="428263"/>
+              </a:xfrm>
+              <a:prstGeom prst="rect">
+                <a:avLst/>
+              </a:prstGeom>
+              <a:solidFill>
+                <a:schemeClr val="bg1"/>
+              </a:solidFill>
+              <a:ln>
+                <a:solidFill>
+                  <a:schemeClr val="tx1"/>
+                </a:solidFill>
+              </a:ln>
+            </p:spPr>
+            <p:style>
+              <a:lnRef idx="2">
+                <a:schemeClr val="accent1">
+                  <a:shade val="15000"/>
+                </a:schemeClr>
+              </a:lnRef>
+              <a:fillRef idx="1">
+                <a:schemeClr val="accent1"/>
+              </a:fillRef>
+              <a:effectRef idx="0">
+                <a:schemeClr val="accent1"/>
+              </a:effectRef>
+              <a:fontRef idx="minor">
+                <a:schemeClr val="lt1"/>
+              </a:fontRef>
+            </p:style>
+            <p:txBody>
+              <a:bodyPr rtlCol="0" anchor="ctr"/>
+              <a:lstStyle/>
+              <a:p>
+                <a:pPr algn="ctr"/>
+                <a14:m>
+                  <m:oMathPara xmlns:m="http://schemas.openxmlformats.org/officeDocument/2006/math">
+                    <m:oMathParaPr>
+                      <m:jc m:val="centerGroup"/>
+                    </m:oMathParaPr>
+                    <m:oMath xmlns:m="http://schemas.openxmlformats.org/officeDocument/2006/math">
+                      <m:sSub>
+                        <m:sSubPr>
+                          <m:ctrlPr>
+                            <a:rPr lang="vi-VN" b="0" i="1">
+                              <a:solidFill>
+                                <a:schemeClr val="tx1"/>
+                              </a:solidFill>
+                              <a:latin typeface="Cambria Math" panose="02040503050406030204" pitchFamily="18" charset="0"/>
+                            </a:rPr>
+                          </m:ctrlPr>
+                        </m:sSubPr>
+                        <m:e>
+                          <m:r>
+                            <a:rPr lang="en-VN" i="1">
+                              <a:solidFill>
+                                <a:schemeClr val="tx1"/>
+                              </a:solidFill>
+                              <a:latin typeface="Cambria Math" panose="02040503050406030204" pitchFamily="18" charset="0"/>
+                            </a:rPr>
+                            <m:t>𝑈</m:t>
+                          </m:r>
+                        </m:e>
+                        <m:sub>
+                          <m:r>
+                            <a:rPr lang="vi-VN" b="0" i="1">
+                              <a:solidFill>
+                                <a:schemeClr val="tx1"/>
+                              </a:solidFill>
+                              <a:latin typeface="Cambria Math" panose="02040503050406030204" pitchFamily="18" charset="0"/>
+                            </a:rPr>
+                            <m:t>0</m:t>
+                          </m:r>
+                        </m:sub>
+                      </m:sSub>
+                      <m:r>
+                        <a:rPr lang="vi-VN" b="0" i="1">
+                          <a:solidFill>
+                            <a:schemeClr val="tx1"/>
+                          </a:solidFill>
+                          <a:latin typeface="Cambria Math" panose="02040503050406030204" pitchFamily="18" charset="0"/>
+                        </a:rPr>
+                        <m:t>(</m:t>
+                      </m:r>
+                      <m:sSub>
+                        <m:sSubPr>
+                          <m:ctrlPr>
+                            <a:rPr lang="vi-VN" b="0" i="1">
+                              <a:solidFill>
+                                <a:schemeClr val="tx1"/>
+                              </a:solidFill>
+                              <a:latin typeface="Cambria Math" panose="02040503050406030204" pitchFamily="18" charset="0"/>
+                            </a:rPr>
+                          </m:ctrlPr>
+                        </m:sSubPr>
+                        <m:e>
+                          <m:r>
+                            <a:rPr lang="vi-VN" b="0" i="1">
+                              <a:solidFill>
+                                <a:schemeClr val="tx1"/>
+                              </a:solidFill>
+                              <a:latin typeface="Cambria Math" panose="02040503050406030204" pitchFamily="18" charset="0"/>
+                            </a:rPr>
+                            <m:t>𝜃</m:t>
+                          </m:r>
+                        </m:e>
+                        <m:sub>
+                          <m:r>
+                            <a:rPr lang="vi-VN" b="0" i="1">
+                              <a:solidFill>
+                                <a:schemeClr val="tx1"/>
+                              </a:solidFill>
+                              <a:latin typeface="Cambria Math" panose="02040503050406030204" pitchFamily="18" charset="0"/>
+                            </a:rPr>
+                            <m:t>0</m:t>
+                          </m:r>
+                        </m:sub>
+                      </m:sSub>
+                      <m:r>
+                        <a:rPr lang="vi-VN" b="0" i="1">
+                          <a:solidFill>
+                            <a:schemeClr val="tx1"/>
+                          </a:solidFill>
+                          <a:latin typeface="Cambria Math" panose="02040503050406030204" pitchFamily="18" charset="0"/>
+                        </a:rPr>
+                        <m:t>+</m:t>
+                      </m:r>
+                      <m:sSub>
+                        <m:sSubPr>
+                          <m:ctrlPr>
+                            <a:rPr lang="vi-VN" b="0" i="1">
+                              <a:solidFill>
+                                <a:schemeClr val="tx1"/>
+                              </a:solidFill>
+                              <a:latin typeface="Cambria Math" panose="02040503050406030204" pitchFamily="18" charset="0"/>
+                            </a:rPr>
+                          </m:ctrlPr>
+                        </m:sSubPr>
+                        <m:e>
+                          <m:r>
+                            <a:rPr lang="vi-VN" b="0" i="1">
+                              <a:solidFill>
+                                <a:schemeClr val="tx1"/>
+                              </a:solidFill>
+                              <a:latin typeface="Cambria Math" panose="02040503050406030204" pitchFamily="18" charset="0"/>
+                            </a:rPr>
+                            <m:t>𝜖</m:t>
+                          </m:r>
+                        </m:e>
+                        <m:sub>
+                          <m:r>
+                            <a:rPr lang="vi-VN" b="0" i="1">
+                              <a:solidFill>
+                                <a:schemeClr val="tx1"/>
+                              </a:solidFill>
+                              <a:latin typeface="Cambria Math" panose="02040503050406030204" pitchFamily="18" charset="0"/>
+                            </a:rPr>
+                            <m:t>0</m:t>
+                          </m:r>
+                        </m:sub>
+                      </m:sSub>
+                      <m:r>
+                        <a:rPr lang="vi-VN" b="0" i="1">
+                          <a:solidFill>
+                            <a:schemeClr val="tx1"/>
+                          </a:solidFill>
+                          <a:latin typeface="Cambria Math" panose="02040503050406030204" pitchFamily="18" charset="0"/>
+                        </a:rPr>
+                        <m:t>)</m:t>
+                      </m:r>
+                    </m:oMath>
+                  </m:oMathPara>
+                </a14:m>
+                <a:endParaRPr lang="en-VN" i="1">
+                  <a:solidFill>
+                    <a:schemeClr val="tx1"/>
+                  </a:solidFill>
+                </a:endParaRPr>
+              </a:p>
+            </p:txBody>
+          </p:sp>
+        </mc:Choice>
+        <mc:Fallback>
+          <p:sp>
+            <p:nvSpPr>
+              <p:cNvPr id="85" name="Rectangle 84">
+                <a:extLst>
+                  <a:ext uri="{FF2B5EF4-FFF2-40B4-BE49-F238E27FC236}">
+                    <a16:creationId xmlns:a16="http://schemas.microsoft.com/office/drawing/2014/main" id="{288D0EA1-E2FF-74BA-E41C-4875A6CF1074}"/>
+                  </a:ext>
+                </a:extLst>
+              </p:cNvPr>
+              <p:cNvSpPr>
+                <a:spLocks noRot="1" noChangeAspect="1" noMove="1" noResize="1" noEditPoints="1" noAdjustHandles="1" noChangeArrowheads="1" noChangeShapeType="1" noTextEdit="1"/>
+              </p:cNvSpPr>
+              <p:nvPr/>
+            </p:nvSpPr>
+            <p:spPr>
+              <a:xfrm>
+                <a:off x="1677788" y="4231504"/>
+                <a:ext cx="1361845" cy="428263"/>
+              </a:xfrm>
+              <a:prstGeom prst="rect">
+                <a:avLst/>
+              </a:prstGeom>
+              <a:blipFill>
+                <a:blip r:embed="rId26"/>
+                <a:stretch>
+                  <a:fillRect b="-5556"/>
+                </a:stretch>
+              </a:blipFill>
+              <a:ln>
+                <a:solidFill>
+                  <a:schemeClr val="tx1"/>
+                </a:solidFill>
+              </a:ln>
+            </p:spPr>
+            <p:txBody>
+              <a:bodyPr/>
+              <a:lstStyle/>
+              <a:p>
+                <a:r>
+                  <a:rPr lang="en-VN">
+                    <a:noFill/>
+                  </a:rPr>
+                  <a:t> </a:t>
+                </a:r>
+              </a:p>
+            </p:txBody>
+          </p:sp>
+        </mc:Fallback>
+      </mc:AlternateContent>
+      <mc:AlternateContent xmlns:mc="http://schemas.openxmlformats.org/markup-compatibility/2006">
+        <mc:Choice xmlns:a14="http://schemas.microsoft.com/office/drawing/2010/main" Requires="a14">
+          <p:sp>
+            <p:nvSpPr>
+              <p:cNvPr id="86" name="Rectangle 85">
+                <a:extLst>
+                  <a:ext uri="{FF2B5EF4-FFF2-40B4-BE49-F238E27FC236}">
+                    <a16:creationId xmlns:a16="http://schemas.microsoft.com/office/drawing/2014/main" id="{B35C86AB-CA12-531D-705F-75690A16680B}"/>
+                  </a:ext>
+                </a:extLst>
+              </p:cNvPr>
+              <p:cNvSpPr/>
+              <p:nvPr/>
+            </p:nvSpPr>
+            <p:spPr>
+              <a:xfrm>
+                <a:off x="3216461" y="4228552"/>
+                <a:ext cx="1078225" cy="428263"/>
+              </a:xfrm>
+              <a:prstGeom prst="rect">
+                <a:avLst/>
+              </a:prstGeom>
+              <a:solidFill>
+                <a:schemeClr val="bg1"/>
+              </a:solidFill>
+              <a:ln>
+                <a:solidFill>
+                  <a:schemeClr val="tx1"/>
+                </a:solidFill>
+              </a:ln>
+            </p:spPr>
+            <p:style>
+              <a:lnRef idx="2">
+                <a:schemeClr val="accent1">
+                  <a:shade val="15000"/>
+                </a:schemeClr>
+              </a:lnRef>
+              <a:fillRef idx="1">
+                <a:schemeClr val="accent1"/>
+              </a:fillRef>
+              <a:effectRef idx="0">
+                <a:schemeClr val="accent1"/>
+              </a:effectRef>
+              <a:fontRef idx="minor">
+                <a:schemeClr val="lt1"/>
+              </a:fontRef>
+            </p:style>
+            <p:txBody>
+              <a:bodyPr rtlCol="0" anchor="ctr"/>
+              <a:lstStyle/>
+              <a:p>
+                <a:pPr algn="ctr"/>
+                <a14:m>
+                  <m:oMathPara xmlns:m="http://schemas.openxmlformats.org/officeDocument/2006/math">
+                    <m:oMathParaPr>
+                      <m:jc m:val="centerGroup"/>
+                    </m:oMathParaPr>
+                    <m:oMath xmlns:m="http://schemas.openxmlformats.org/officeDocument/2006/math">
+                      <m:sSub>
+                        <m:sSubPr>
+                          <m:ctrlPr>
+                            <a:rPr lang="vi-VN" b="0" i="1">
+                              <a:solidFill>
+                                <a:schemeClr val="tx1"/>
+                              </a:solidFill>
+                              <a:latin typeface="Cambria Math" panose="02040503050406030204" pitchFamily="18" charset="0"/>
+                            </a:rPr>
+                          </m:ctrlPr>
+                        </m:sSubPr>
+                        <m:e>
+                          <m:r>
+                            <a:rPr lang="en-VN" i="1">
+                              <a:solidFill>
+                                <a:schemeClr val="tx1"/>
+                              </a:solidFill>
+                              <a:latin typeface="Cambria Math" panose="02040503050406030204" pitchFamily="18" charset="0"/>
+                            </a:rPr>
+                            <m:t>𝑈</m:t>
+                          </m:r>
+                        </m:e>
+                        <m:sub>
+                          <m:r>
+                            <a:rPr lang="vi-VN" b="0" i="1">
+                              <a:solidFill>
+                                <a:schemeClr val="tx1"/>
+                              </a:solidFill>
+                              <a:latin typeface="Cambria Math" panose="02040503050406030204" pitchFamily="18" charset="0"/>
+                            </a:rPr>
+                            <m:t>1</m:t>
+                          </m:r>
+                        </m:sub>
+                      </m:sSub>
+                      <m:r>
+                        <a:rPr lang="vi-VN" b="0" i="1">
+                          <a:solidFill>
+                            <a:schemeClr val="tx1"/>
+                          </a:solidFill>
+                          <a:latin typeface="Cambria Math" panose="02040503050406030204" pitchFamily="18" charset="0"/>
+                        </a:rPr>
+                        <m:t>(</m:t>
+                      </m:r>
+                      <m:sSub>
+                        <m:sSubPr>
+                          <m:ctrlPr>
+                            <a:rPr lang="vi-VN" b="0" i="1">
+                              <a:solidFill>
+                                <a:schemeClr val="tx1"/>
+                              </a:solidFill>
+                              <a:latin typeface="Cambria Math" panose="02040503050406030204" pitchFamily="18" charset="0"/>
+                            </a:rPr>
+                          </m:ctrlPr>
+                        </m:sSubPr>
+                        <m:e>
+                          <m:r>
+                            <a:rPr lang="vi-VN" b="0" i="1">
+                              <a:solidFill>
+                                <a:schemeClr val="tx1"/>
+                              </a:solidFill>
+                              <a:latin typeface="Cambria Math" panose="02040503050406030204" pitchFamily="18" charset="0"/>
+                            </a:rPr>
+                            <m:t>𝜃</m:t>
+                          </m:r>
+                        </m:e>
+                        <m:sub>
+                          <m:r>
+                            <a:rPr lang="vi-VN" b="0" i="1">
+                              <a:solidFill>
+                                <a:schemeClr val="tx1"/>
+                              </a:solidFill>
+                              <a:latin typeface="Cambria Math" panose="02040503050406030204" pitchFamily="18" charset="0"/>
+                            </a:rPr>
+                            <m:t>1</m:t>
+                          </m:r>
+                        </m:sub>
+                      </m:sSub>
+                      <m:r>
+                        <a:rPr lang="vi-VN" b="0" i="1">
+                          <a:solidFill>
+                            <a:schemeClr val="tx1"/>
+                          </a:solidFill>
+                          <a:latin typeface="Cambria Math" panose="02040503050406030204" pitchFamily="18" charset="0"/>
+                        </a:rPr>
+                        <m:t>)</m:t>
+                      </m:r>
+                    </m:oMath>
+                  </m:oMathPara>
+                </a14:m>
+                <a:endParaRPr lang="en-VN" i="1">
+                  <a:solidFill>
+                    <a:schemeClr val="tx1"/>
+                  </a:solidFill>
+                </a:endParaRPr>
+              </a:p>
+            </p:txBody>
+          </p:sp>
+        </mc:Choice>
+        <mc:Fallback>
+          <p:sp>
+            <p:nvSpPr>
+              <p:cNvPr id="86" name="Rectangle 85">
+                <a:extLst>
+                  <a:ext uri="{FF2B5EF4-FFF2-40B4-BE49-F238E27FC236}">
+                    <a16:creationId xmlns:a16="http://schemas.microsoft.com/office/drawing/2014/main" id="{B35C86AB-CA12-531D-705F-75690A16680B}"/>
+                  </a:ext>
+                </a:extLst>
+              </p:cNvPr>
+              <p:cNvSpPr>
+                <a:spLocks noRot="1" noChangeAspect="1" noMove="1" noResize="1" noEditPoints="1" noAdjustHandles="1" noChangeArrowheads="1" noChangeShapeType="1" noTextEdit="1"/>
+              </p:cNvSpPr>
+              <p:nvPr/>
+            </p:nvSpPr>
+            <p:spPr>
+              <a:xfrm>
+                <a:off x="3216461" y="4228552"/>
+                <a:ext cx="1078225" cy="428263"/>
+              </a:xfrm>
+              <a:prstGeom prst="rect">
+                <a:avLst/>
+              </a:prstGeom>
+              <a:blipFill>
+                <a:blip r:embed="rId27"/>
+                <a:stretch>
+                  <a:fillRect b="-2778"/>
+                </a:stretch>
+              </a:blipFill>
+              <a:ln>
+                <a:solidFill>
+                  <a:schemeClr val="tx1"/>
+                </a:solidFill>
+              </a:ln>
+            </p:spPr>
+            <p:txBody>
+              <a:bodyPr/>
+              <a:lstStyle/>
+              <a:p>
+                <a:r>
+                  <a:rPr lang="en-VN">
+                    <a:noFill/>
+                  </a:rPr>
+                  <a:t> </a:t>
+                </a:r>
+              </a:p>
+            </p:txBody>
+          </p:sp>
+        </mc:Fallback>
+      </mc:AlternateContent>
+      <p:cxnSp>
+        <p:nvCxnSpPr>
+          <p:cNvPr id="87" name="Straight Arrow Connector 86">
+            <a:extLst>
+              <a:ext uri="{FF2B5EF4-FFF2-40B4-BE49-F238E27FC236}">
+                <a16:creationId xmlns:a16="http://schemas.microsoft.com/office/drawing/2014/main" id="{CA487BCE-DD13-47CA-A782-7BE9E7D7AA82}"/>
+              </a:ext>
+            </a:extLst>
+          </p:cNvPr>
+          <p:cNvCxnSpPr>
+            <a:cxnSpLocks/>
+            <a:endCxn id="88" idx="3"/>
+          </p:cNvCxnSpPr>
+          <p:nvPr/>
+        </p:nvCxnSpPr>
+        <p:spPr>
+          <a:xfrm>
+            <a:off x="4966008" y="4460907"/>
+            <a:ext cx="1994857" cy="0"/>
+          </a:xfrm>
+          <a:prstGeom prst="straightConnector1">
+            <a:avLst/>
+          </a:prstGeom>
+          <a:ln>
+            <a:headEnd type="none" w="med" len="med"/>
+            <a:tailEnd type="none" w="med" len="med"/>
+          </a:ln>
+        </p:spPr>
+        <p:style>
+          <a:lnRef idx="2">
+            <a:schemeClr val="dk1"/>
+          </a:lnRef>
+          <a:fillRef idx="0">
+            <a:schemeClr val="dk1"/>
+          </a:fillRef>
+          <a:effectRef idx="1">
+            <a:schemeClr val="dk1"/>
+          </a:effectRef>
+          <a:fontRef idx="minor">
+            <a:schemeClr val="tx1"/>
+          </a:fontRef>
+        </p:style>
+      </p:cxnSp>
+      <mc:AlternateContent xmlns:mc="http://schemas.openxmlformats.org/markup-compatibility/2006">
+        <mc:Choice xmlns:a14="http://schemas.microsoft.com/office/drawing/2010/main" Requires="a14">
+          <p:sp>
+            <p:nvSpPr>
+              <p:cNvPr id="88" name="Rectangle 87">
+                <a:extLst>
+                  <a:ext uri="{FF2B5EF4-FFF2-40B4-BE49-F238E27FC236}">
+                    <a16:creationId xmlns:a16="http://schemas.microsoft.com/office/drawing/2014/main" id="{8360E30D-D14D-FE1F-3423-2938C8A662AF}"/>
+                  </a:ext>
+                </a:extLst>
+              </p:cNvPr>
+              <p:cNvSpPr/>
+              <p:nvPr/>
+            </p:nvSpPr>
+            <p:spPr>
+              <a:xfrm>
+                <a:off x="5245927" y="4246775"/>
+                <a:ext cx="1714938" cy="428263"/>
+              </a:xfrm>
+              <a:prstGeom prst="rect">
+                <a:avLst/>
+              </a:prstGeom>
+              <a:solidFill>
+                <a:schemeClr val="bg1"/>
+              </a:solidFill>
+              <a:ln>
+                <a:solidFill>
+                  <a:schemeClr val="tx1"/>
+                </a:solidFill>
+              </a:ln>
+            </p:spPr>
+            <p:style>
+              <a:lnRef idx="2">
+                <a:schemeClr val="accent1">
+                  <a:shade val="15000"/>
+                </a:schemeClr>
+              </a:lnRef>
+              <a:fillRef idx="1">
+                <a:schemeClr val="accent1"/>
+              </a:fillRef>
+              <a:effectRef idx="0">
+                <a:schemeClr val="accent1"/>
+              </a:effectRef>
+              <a:fontRef idx="minor">
+                <a:schemeClr val="lt1"/>
+              </a:fontRef>
+            </p:style>
+            <p:txBody>
+              <a:bodyPr rtlCol="0" anchor="ctr"/>
+              <a:lstStyle/>
+              <a:p>
+                <a:pPr algn="ctr"/>
+                <a14:m>
+                  <m:oMathPara xmlns:m="http://schemas.openxmlformats.org/officeDocument/2006/math">
+                    <m:oMathParaPr>
+                      <m:jc m:val="centerGroup"/>
+                    </m:oMathParaPr>
+                    <m:oMath xmlns:m="http://schemas.openxmlformats.org/officeDocument/2006/math">
+                      <m:sSub>
+                        <m:sSubPr>
+                          <m:ctrlPr>
+                            <a:rPr lang="vi-VN" b="0" i="1">
+                              <a:solidFill>
+                                <a:schemeClr val="tx1"/>
+                              </a:solidFill>
+                              <a:latin typeface="Cambria Math" panose="02040503050406030204" pitchFamily="18" charset="0"/>
+                            </a:rPr>
+                          </m:ctrlPr>
+                        </m:sSubPr>
+                        <m:e>
+                          <m:r>
+                            <a:rPr lang="en-VN" i="1">
+                              <a:solidFill>
+                                <a:schemeClr val="tx1"/>
+                              </a:solidFill>
+                              <a:latin typeface="Cambria Math" panose="02040503050406030204" pitchFamily="18" charset="0"/>
+                            </a:rPr>
+                            <m:t>𝑈</m:t>
+                          </m:r>
+                        </m:e>
+                        <m:sub>
+                          <m:r>
+                            <a:rPr lang="vi-VN" i="1">
+                              <a:solidFill>
+                                <a:schemeClr val="tx1"/>
+                              </a:solidFill>
+                              <a:latin typeface="Cambria Math" panose="02040503050406030204" pitchFamily="18" charset="0"/>
+                            </a:rPr>
+                            <m:t>𝑚</m:t>
+                          </m:r>
+                          <m:r>
+                            <a:rPr lang="vi-VN" b="0" i="1">
+                              <a:solidFill>
+                                <a:schemeClr val="tx1"/>
+                              </a:solidFill>
+                              <a:latin typeface="Cambria Math" panose="02040503050406030204" pitchFamily="18" charset="0"/>
+                            </a:rPr>
+                            <m:t>−1</m:t>
+                          </m:r>
+                        </m:sub>
+                      </m:sSub>
+                      <m:r>
+                        <a:rPr lang="vi-VN" b="0" i="1">
+                          <a:solidFill>
+                            <a:schemeClr val="tx1"/>
+                          </a:solidFill>
+                          <a:latin typeface="Cambria Math" panose="02040503050406030204" pitchFamily="18" charset="0"/>
+                        </a:rPr>
+                        <m:t>(</m:t>
+                      </m:r>
+                      <m:sSub>
+                        <m:sSubPr>
+                          <m:ctrlPr>
+                            <a:rPr lang="vi-VN" b="0" i="1">
+                              <a:solidFill>
+                                <a:schemeClr val="tx1"/>
+                              </a:solidFill>
+                              <a:latin typeface="Cambria Math" panose="02040503050406030204" pitchFamily="18" charset="0"/>
+                            </a:rPr>
+                          </m:ctrlPr>
+                        </m:sSubPr>
+                        <m:e>
+                          <m:r>
+                            <a:rPr lang="vi-VN" b="0" i="1">
+                              <a:solidFill>
+                                <a:schemeClr val="tx1"/>
+                              </a:solidFill>
+                              <a:latin typeface="Cambria Math" panose="02040503050406030204" pitchFamily="18" charset="0"/>
+                            </a:rPr>
+                            <m:t>𝜃</m:t>
+                          </m:r>
+                        </m:e>
+                        <m:sub>
+                          <m:r>
+                            <a:rPr lang="vi-VN" i="1">
+                              <a:solidFill>
+                                <a:schemeClr val="tx1"/>
+                              </a:solidFill>
+                              <a:latin typeface="Cambria Math" panose="02040503050406030204" pitchFamily="18" charset="0"/>
+                            </a:rPr>
+                            <m:t>𝑚</m:t>
+                          </m:r>
+                          <m:r>
+                            <a:rPr lang="vi-VN" b="0" i="1">
+                              <a:solidFill>
+                                <a:schemeClr val="tx1"/>
+                              </a:solidFill>
+                              <a:latin typeface="Cambria Math" panose="02040503050406030204" pitchFamily="18" charset="0"/>
+                            </a:rPr>
+                            <m:t>−1</m:t>
+                          </m:r>
+                        </m:sub>
+                      </m:sSub>
+                      <m:r>
+                        <a:rPr lang="vi-VN" b="0" i="1">
+                          <a:solidFill>
+                            <a:schemeClr val="tx1"/>
+                          </a:solidFill>
+                          <a:latin typeface="Cambria Math" panose="02040503050406030204" pitchFamily="18" charset="0"/>
+                        </a:rPr>
+                        <m:t>)</m:t>
+                      </m:r>
+                    </m:oMath>
+                  </m:oMathPara>
+                </a14:m>
+                <a:endParaRPr lang="en-VN" i="1">
+                  <a:solidFill>
+                    <a:schemeClr val="tx1"/>
+                  </a:solidFill>
+                </a:endParaRPr>
+              </a:p>
+            </p:txBody>
+          </p:sp>
+        </mc:Choice>
+        <mc:Fallback>
+          <p:sp>
+            <p:nvSpPr>
+              <p:cNvPr id="88" name="Rectangle 87">
+                <a:extLst>
+                  <a:ext uri="{FF2B5EF4-FFF2-40B4-BE49-F238E27FC236}">
+                    <a16:creationId xmlns:a16="http://schemas.microsoft.com/office/drawing/2014/main" id="{8360E30D-D14D-FE1F-3423-2938C8A662AF}"/>
+                  </a:ext>
+                </a:extLst>
+              </p:cNvPr>
+              <p:cNvSpPr>
+                <a:spLocks noRot="1" noChangeAspect="1" noMove="1" noResize="1" noEditPoints="1" noAdjustHandles="1" noChangeArrowheads="1" noChangeShapeType="1" noTextEdit="1"/>
+              </p:cNvSpPr>
+              <p:nvPr/>
+            </p:nvSpPr>
+            <p:spPr>
+              <a:xfrm>
+                <a:off x="5245927" y="4246775"/>
+                <a:ext cx="1714938" cy="428263"/>
+              </a:xfrm>
+              <a:prstGeom prst="rect">
+                <a:avLst/>
+              </a:prstGeom>
+              <a:blipFill>
+                <a:blip r:embed="rId28"/>
+                <a:stretch>
+                  <a:fillRect b="-2778"/>
+                </a:stretch>
+              </a:blipFill>
+              <a:ln>
+                <a:solidFill>
+                  <a:schemeClr val="tx1"/>
+                </a:solidFill>
+              </a:ln>
+            </p:spPr>
+            <p:txBody>
+              <a:bodyPr/>
+              <a:lstStyle/>
+              <a:p>
+                <a:r>
+                  <a:rPr lang="en-VN">
+                    <a:noFill/>
+                  </a:rPr>
+                  <a:t> </a:t>
+                </a:r>
+              </a:p>
+            </p:txBody>
+          </p:sp>
+        </mc:Fallback>
+      </mc:AlternateContent>
+      <mc:AlternateContent xmlns:mc="http://schemas.openxmlformats.org/markup-compatibility/2006">
+        <mc:Choice xmlns:a14="http://schemas.microsoft.com/office/drawing/2010/main" Requires="a14">
+          <p:sp>
+            <p:nvSpPr>
+              <p:cNvPr id="89" name="TextBox 88">
+                <a:extLst>
+                  <a:ext uri="{FF2B5EF4-FFF2-40B4-BE49-F238E27FC236}">
+                    <a16:creationId xmlns:a16="http://schemas.microsoft.com/office/drawing/2014/main" id="{387E512D-AFAF-58AE-1018-58933DDD7D07}"/>
+                  </a:ext>
+                </a:extLst>
+              </p:cNvPr>
+              <p:cNvSpPr txBox="1"/>
+              <p:nvPr/>
+            </p:nvSpPr>
+            <p:spPr>
+              <a:xfrm>
+                <a:off x="4661210" y="4265317"/>
+                <a:ext cx="219611" cy="276999"/>
+              </a:xfrm>
+              <a:prstGeom prst="rect">
+                <a:avLst/>
+              </a:prstGeom>
+              <a:noFill/>
+            </p:spPr>
+            <p:txBody>
+              <a:bodyPr wrap="none" lIns="0" tIns="0" rIns="0" bIns="0" rtlCol="0">
+                <a:spAutoFit/>
+              </a:bodyPr>
+              <a:lstStyle/>
+              <a:p>
+                <a14:m>
+                  <m:oMathPara xmlns:m="http://schemas.openxmlformats.org/officeDocument/2006/math">
+                    <m:oMathParaPr>
+                      <m:jc m:val="centerGroup"/>
+                    </m:oMathParaPr>
+                    <m:oMath xmlns:m="http://schemas.openxmlformats.org/officeDocument/2006/math">
+                      <m:r>
+                        <a:rPr lang="vi-VN" b="0" i="1">
+                          <a:latin typeface="Cambria Math" panose="02040503050406030204" pitchFamily="18" charset="0"/>
+                        </a:rPr>
+                        <m:t>…</m:t>
+                      </m:r>
+                    </m:oMath>
+                  </m:oMathPara>
+                </a14:m>
+                <a:endParaRPr lang="en-VN" i="1"/>
+              </a:p>
+            </p:txBody>
+          </p:sp>
+        </mc:Choice>
+        <mc:Fallback>
+          <p:sp>
+            <p:nvSpPr>
+              <p:cNvPr id="89" name="TextBox 88">
+                <a:extLst>
+                  <a:ext uri="{FF2B5EF4-FFF2-40B4-BE49-F238E27FC236}">
+                    <a16:creationId xmlns:a16="http://schemas.microsoft.com/office/drawing/2014/main" id="{387E512D-AFAF-58AE-1018-58933DDD7D07}"/>
+                  </a:ext>
+                </a:extLst>
+              </p:cNvPr>
+              <p:cNvSpPr txBox="1">
+                <a:spLocks noRot="1" noChangeAspect="1" noMove="1" noResize="1" noEditPoints="1" noAdjustHandles="1" noChangeArrowheads="1" noChangeShapeType="1" noTextEdit="1"/>
+              </p:cNvSpPr>
+              <p:nvPr/>
+            </p:nvSpPr>
+            <p:spPr>
+              <a:xfrm>
+                <a:off x="4661210" y="4265317"/>
+                <a:ext cx="219611" cy="276999"/>
+              </a:xfrm>
+              <a:prstGeom prst="rect">
+                <a:avLst/>
+              </a:prstGeom>
+              <a:blipFill>
+                <a:blip r:embed="rId29"/>
+                <a:stretch>
+                  <a:fillRect/>
+                </a:stretch>
+              </a:blipFill>
+            </p:spPr>
+            <p:txBody>
+              <a:bodyPr/>
+              <a:lstStyle/>
+              <a:p>
+                <a:r>
+                  <a:rPr lang="en-VN">
+                    <a:noFill/>
+                  </a:rPr>
+                  <a:t> </a:t>
+                </a:r>
+              </a:p>
+            </p:txBody>
+          </p:sp>
+        </mc:Fallback>
+      </mc:AlternateContent>
+      <p:sp>
+        <p:nvSpPr>
+          <p:cNvPr id="90" name="Right Bracket 89">
+            <a:extLst>
+              <a:ext uri="{FF2B5EF4-FFF2-40B4-BE49-F238E27FC236}">
+                <a16:creationId xmlns:a16="http://schemas.microsoft.com/office/drawing/2014/main" id="{CDFB1F7B-6B4F-A213-0150-D7916C5A759A}"/>
+              </a:ext>
+            </a:extLst>
+          </p:cNvPr>
+          <p:cNvSpPr/>
+          <p:nvPr/>
+        </p:nvSpPr>
+        <p:spPr>
+          <a:xfrm>
+            <a:off x="7076071" y="4311969"/>
+            <a:ext cx="64736" cy="259076"/>
+          </a:xfrm>
+          <a:prstGeom prst="rightBracket">
+            <a:avLst/>
+          </a:prstGeom>
+        </p:spPr>
+        <p:style>
+          <a:lnRef idx="2">
+            <a:schemeClr val="dk1"/>
+          </a:lnRef>
+          <a:fillRef idx="0">
+            <a:schemeClr val="dk1"/>
+          </a:fillRef>
+          <a:effectRef idx="1">
+            <a:schemeClr val="dk1"/>
+          </a:effectRef>
+          <a:fontRef idx="minor">
+            <a:schemeClr val="tx1"/>
+          </a:fontRef>
+        </p:style>
+        <p:txBody>
+          <a:bodyPr rtlCol="0" anchor="ctr"/>
+          <a:lstStyle/>
+          <a:p>
+            <a:pPr algn="ctr"/>
+            <a:endParaRPr lang="en-VN"/>
+          </a:p>
+        </p:txBody>
+      </p:sp>
+      <mc:AlternateContent xmlns:mc="http://schemas.openxmlformats.org/markup-compatibility/2006">
+        <mc:Choice xmlns:a14="http://schemas.microsoft.com/office/drawing/2010/main" Requires="a14">
+          <p:sp>
+            <p:nvSpPr>
+              <p:cNvPr id="91" name="TextBox 90">
+                <a:extLst>
+                  <a:ext uri="{FF2B5EF4-FFF2-40B4-BE49-F238E27FC236}">
+                    <a16:creationId xmlns:a16="http://schemas.microsoft.com/office/drawing/2014/main" id="{68F40F10-A540-4888-A5B7-3712C789C9F9}"/>
+                  </a:ext>
+                </a:extLst>
+              </p:cNvPr>
+              <p:cNvSpPr txBox="1"/>
+              <p:nvPr/>
+            </p:nvSpPr>
+            <p:spPr>
+              <a:xfrm>
+                <a:off x="7152530" y="4268409"/>
+                <a:ext cx="658368" cy="388311"/>
+              </a:xfrm>
+              <a:prstGeom prst="rect">
+                <a:avLst/>
+              </a:prstGeom>
+              <a:noFill/>
+            </p:spPr>
+            <p:txBody>
+              <a:bodyPr wrap="square" rtlCol="0">
+                <a:spAutoFit/>
+              </a:bodyPr>
+              <a:lstStyle/>
+              <a:p>
+                <a14:m>
+                  <m:oMathPara xmlns:m="http://schemas.openxmlformats.org/officeDocument/2006/math">
+                    <m:oMathParaPr>
+                      <m:jc m:val="centerGroup"/>
+                    </m:oMathParaPr>
+                    <m:oMath xmlns:m="http://schemas.openxmlformats.org/officeDocument/2006/math">
+                      <m:r>
+                        <a:rPr lang="en-VN" i="1">
+                          <a:latin typeface="Cambria Math" panose="02040503050406030204" pitchFamily="18" charset="0"/>
+                        </a:rPr>
+                        <m:t>𝑈</m:t>
+                      </m:r>
+                      <m:r>
+                        <a:rPr lang="vi-VN" b="0" i="1">
+                          <a:latin typeface="Cambria Math" panose="02040503050406030204" pitchFamily="18" charset="0"/>
+                        </a:rPr>
+                        <m:t>(</m:t>
+                      </m:r>
+                      <m:sSubSup>
+                        <m:sSubSupPr>
+                          <m:ctrlPr>
+                            <a:rPr lang="vi-VN" b="0" i="1">
+                              <a:latin typeface="Cambria Math" panose="02040503050406030204" pitchFamily="18" charset="0"/>
+                            </a:rPr>
+                          </m:ctrlPr>
+                        </m:sSubSupPr>
+                        <m:e>
+                          <m:r>
+                            <a:rPr lang="vi-VN" b="0" i="1">
+                              <a:latin typeface="Cambria Math" panose="02040503050406030204" pitchFamily="18" charset="0"/>
+                            </a:rPr>
+                            <m:t>𝜃</m:t>
+                          </m:r>
+                        </m:e>
+                        <m:sub>
+                          <m:r>
+                            <a:rPr lang="vi-VN" b="0" i="1">
+                              <a:latin typeface="Cambria Math" panose="02040503050406030204" pitchFamily="18" charset="0"/>
+                            </a:rPr>
+                            <m:t>0,0</m:t>
+                          </m:r>
+                        </m:sub>
+                        <m:sup>
+                          <m:r>
+                            <a:rPr lang="vi-VN" b="0" i="1">
+                              <a:latin typeface="Cambria Math" panose="02040503050406030204" pitchFamily="18" charset="0"/>
+                            </a:rPr>
+                            <m:t>+</m:t>
+                          </m:r>
+                        </m:sup>
+                      </m:sSubSup>
+                      <m:r>
+                        <a:rPr lang="vi-VN" b="0" i="1">
+                          <a:latin typeface="Cambria Math" panose="02040503050406030204" pitchFamily="18" charset="0"/>
+                        </a:rPr>
+                        <m:t>)</m:t>
+                      </m:r>
+                    </m:oMath>
+                  </m:oMathPara>
+                </a14:m>
+                <a:endParaRPr lang="en-VN" i="1"/>
+              </a:p>
+            </p:txBody>
+          </p:sp>
+        </mc:Choice>
+        <mc:Fallback>
+          <p:sp>
+            <p:nvSpPr>
+              <p:cNvPr id="91" name="TextBox 90">
+                <a:extLst>
+                  <a:ext uri="{FF2B5EF4-FFF2-40B4-BE49-F238E27FC236}">
+                    <a16:creationId xmlns:a16="http://schemas.microsoft.com/office/drawing/2014/main" id="{68F40F10-A540-4888-A5B7-3712C789C9F9}"/>
+                  </a:ext>
+                </a:extLst>
+              </p:cNvPr>
+              <p:cNvSpPr txBox="1">
+                <a:spLocks noRot="1" noChangeAspect="1" noMove="1" noResize="1" noEditPoints="1" noAdjustHandles="1" noChangeArrowheads="1" noChangeShapeType="1" noTextEdit="1"/>
+              </p:cNvSpPr>
+              <p:nvPr/>
+            </p:nvSpPr>
+            <p:spPr>
+              <a:xfrm>
+                <a:off x="7152530" y="4268409"/>
+                <a:ext cx="658368" cy="388311"/>
+              </a:xfrm>
+              <a:prstGeom prst="rect">
+                <a:avLst/>
+              </a:prstGeom>
+              <a:blipFill>
+                <a:blip r:embed="rId30"/>
+                <a:stretch>
+                  <a:fillRect r="-40385" b="-9677"/>
+                </a:stretch>
+              </a:blipFill>
+            </p:spPr>
+            <p:txBody>
+              <a:bodyPr/>
+              <a:lstStyle/>
+              <a:p>
+                <a:r>
+                  <a:rPr lang="en-VN">
+                    <a:noFill/>
+                  </a:rPr>
+                  <a:t> </a:t>
+                </a:r>
+              </a:p>
+            </p:txBody>
+          </p:sp>
+        </mc:Fallback>
+      </mc:AlternateContent>
+      <mc:AlternateContent xmlns:mc="http://schemas.openxmlformats.org/markup-compatibility/2006">
+        <mc:Choice xmlns:a14="http://schemas.microsoft.com/office/drawing/2010/main" Requires="a14">
+          <p:sp>
+            <p:nvSpPr>
+              <p:cNvPr id="92" name="TextBox 91">
+                <a:extLst>
+                  <a:ext uri="{FF2B5EF4-FFF2-40B4-BE49-F238E27FC236}">
+                    <a16:creationId xmlns:a16="http://schemas.microsoft.com/office/drawing/2014/main" id="{387BEA28-9EAE-708A-8998-5B9CAB677139}"/>
+                  </a:ext>
+                </a:extLst>
+              </p:cNvPr>
+              <p:cNvSpPr txBox="1"/>
+              <p:nvPr/>
+            </p:nvSpPr>
+            <p:spPr>
+              <a:xfrm>
+                <a:off x="952701" y="4970095"/>
+                <a:ext cx="625231" cy="369332"/>
+              </a:xfrm>
+              <a:prstGeom prst="rect">
+                <a:avLst/>
+              </a:prstGeom>
+              <a:noFill/>
+            </p:spPr>
+            <p:txBody>
+              <a:bodyPr wrap="square" rtlCol="0">
+                <a:spAutoFit/>
+              </a:bodyPr>
+              <a:lstStyle/>
+              <a:p>
+                <a14:m>
+                  <m:oMathPara xmlns:m="http://schemas.openxmlformats.org/officeDocument/2006/math">
+                    <m:oMathParaPr>
+                      <m:jc m:val="centerGroup"/>
+                    </m:oMathParaPr>
+                    <m:oMath xmlns:m="http://schemas.openxmlformats.org/officeDocument/2006/math">
+                      <m:sSup>
+                        <m:sSupPr>
+                          <m:ctrlPr>
+                            <a:rPr lang="vi-VN" b="0" i="1">
+                              <a:latin typeface="Cambria Math" panose="02040503050406030204" pitchFamily="18" charset="0"/>
+                            </a:rPr>
+                          </m:ctrlPr>
+                        </m:sSupPr>
+                        <m:e>
+                          <m:d>
+                            <m:dPr>
+                              <m:begChr m:val="|"/>
+                              <m:endChr m:val="⟩"/>
+                              <m:ctrlPr>
+                                <a:rPr lang="vi-VN" b="0" i="1">
+                                  <a:latin typeface="Cambria Math" panose="02040503050406030204" pitchFamily="18" charset="0"/>
+                                </a:rPr>
+                              </m:ctrlPr>
+                            </m:dPr>
+                            <m:e>
+                              <m:r>
+                                <a:rPr lang="vi-VN" b="0" i="1">
+                                  <a:latin typeface="Cambria Math" panose="02040503050406030204" pitchFamily="18" charset="0"/>
+                                </a:rPr>
+                                <m:t>0</m:t>
+                              </m:r>
+                            </m:e>
+                          </m:d>
+                        </m:e>
+                        <m:sup>
+                          <m:r>
+                            <a:rPr lang="vi-VN" i="1">
+                              <a:latin typeface="Cambria Math" panose="02040503050406030204" pitchFamily="18" charset="0"/>
+                            </a:rPr>
+                            <m:t>𝑛</m:t>
+                          </m:r>
+                        </m:sup>
+                      </m:sSup>
+                    </m:oMath>
+                  </m:oMathPara>
+                </a14:m>
+                <a:endParaRPr lang="en-VN" i="1"/>
+              </a:p>
+            </p:txBody>
+          </p:sp>
+        </mc:Choice>
+        <mc:Fallback>
+          <p:sp>
+            <p:nvSpPr>
+              <p:cNvPr id="92" name="TextBox 91">
+                <a:extLst>
+                  <a:ext uri="{FF2B5EF4-FFF2-40B4-BE49-F238E27FC236}">
+                    <a16:creationId xmlns:a16="http://schemas.microsoft.com/office/drawing/2014/main" id="{387BEA28-9EAE-708A-8998-5B9CAB677139}"/>
+                  </a:ext>
+                </a:extLst>
+              </p:cNvPr>
+              <p:cNvSpPr txBox="1">
+                <a:spLocks noRot="1" noChangeAspect="1" noMove="1" noResize="1" noEditPoints="1" noAdjustHandles="1" noChangeArrowheads="1" noChangeShapeType="1" noTextEdit="1"/>
+              </p:cNvSpPr>
+              <p:nvPr/>
+            </p:nvSpPr>
+            <p:spPr>
+              <a:xfrm>
+                <a:off x="952701" y="4970095"/>
+                <a:ext cx="625231" cy="369332"/>
+              </a:xfrm>
+              <a:prstGeom prst="rect">
+                <a:avLst/>
+              </a:prstGeom>
+              <a:blipFill>
+                <a:blip r:embed="rId31"/>
+                <a:stretch>
+                  <a:fillRect/>
+                </a:stretch>
+              </a:blipFill>
+            </p:spPr>
+            <p:txBody>
+              <a:bodyPr/>
+              <a:lstStyle/>
+              <a:p>
+                <a:r>
+                  <a:rPr lang="en-VN">
+                    <a:noFill/>
+                  </a:rPr>
+                  <a:t> </a:t>
+                </a:r>
+              </a:p>
+            </p:txBody>
+          </p:sp>
+        </mc:Fallback>
+      </mc:AlternateContent>
+      <p:cxnSp>
+        <p:nvCxnSpPr>
+          <p:cNvPr id="93" name="Straight Arrow Connector 92">
+            <a:extLst>
+              <a:ext uri="{FF2B5EF4-FFF2-40B4-BE49-F238E27FC236}">
+                <a16:creationId xmlns:a16="http://schemas.microsoft.com/office/drawing/2014/main" id="{5B08FDD5-40DE-9A4D-903B-AB238F1A508C}"/>
+              </a:ext>
+            </a:extLst>
+          </p:cNvPr>
+          <p:cNvCxnSpPr>
+            <a:cxnSpLocks/>
+          </p:cNvCxnSpPr>
+          <p:nvPr/>
+        </p:nvCxnSpPr>
+        <p:spPr>
+          <a:xfrm>
+            <a:off x="1577130" y="5199497"/>
+            <a:ext cx="3014243" cy="0"/>
+          </a:xfrm>
+          <a:prstGeom prst="straightConnector1">
+            <a:avLst/>
+          </a:prstGeom>
+          <a:ln>
+            <a:headEnd type="none" w="med" len="med"/>
+            <a:tailEnd type="none" w="med" len="med"/>
+          </a:ln>
+        </p:spPr>
+        <p:style>
+          <a:lnRef idx="2">
+            <a:schemeClr val="dk1"/>
+          </a:lnRef>
+          <a:fillRef idx="0">
+            <a:schemeClr val="dk1"/>
+          </a:fillRef>
+          <a:effectRef idx="1">
+            <a:schemeClr val="dk1"/>
+          </a:effectRef>
+          <a:fontRef idx="minor">
+            <a:schemeClr val="tx1"/>
+          </a:fontRef>
+        </p:style>
+      </p:cxnSp>
+      <mc:AlternateContent xmlns:mc="http://schemas.openxmlformats.org/markup-compatibility/2006">
+        <mc:Choice xmlns:a14="http://schemas.microsoft.com/office/drawing/2010/main" Requires="a14">
+          <p:sp>
+            <p:nvSpPr>
+              <p:cNvPr id="94" name="Rectangle 93">
+                <a:extLst>
+                  <a:ext uri="{FF2B5EF4-FFF2-40B4-BE49-F238E27FC236}">
+                    <a16:creationId xmlns:a16="http://schemas.microsoft.com/office/drawing/2014/main" id="{A317CEB3-4501-9C39-98F9-6FB1E0807EA4}"/>
+                  </a:ext>
+                </a:extLst>
+              </p:cNvPr>
+              <p:cNvSpPr/>
+              <p:nvPr/>
+            </p:nvSpPr>
+            <p:spPr>
+              <a:xfrm>
+                <a:off x="1693138" y="4970095"/>
+                <a:ext cx="1361845" cy="428263"/>
+              </a:xfrm>
+              <a:prstGeom prst="rect">
+                <a:avLst/>
+              </a:prstGeom>
+              <a:solidFill>
+                <a:schemeClr val="bg1"/>
+              </a:solidFill>
+              <a:ln>
+                <a:solidFill>
+                  <a:schemeClr val="tx1"/>
+                </a:solidFill>
+              </a:ln>
+            </p:spPr>
+            <p:style>
+              <a:lnRef idx="2">
+                <a:schemeClr val="accent1">
+                  <a:shade val="15000"/>
+                </a:schemeClr>
+              </a:lnRef>
+              <a:fillRef idx="1">
+                <a:schemeClr val="accent1"/>
+              </a:fillRef>
+              <a:effectRef idx="0">
+                <a:schemeClr val="accent1"/>
+              </a:effectRef>
+              <a:fontRef idx="minor">
+                <a:schemeClr val="lt1"/>
+              </a:fontRef>
+            </p:style>
+            <p:txBody>
+              <a:bodyPr rtlCol="0" anchor="ctr"/>
+              <a:lstStyle/>
+              <a:p>
+                <a:pPr algn="ctr"/>
+                <a14:m>
+                  <m:oMathPara xmlns:m="http://schemas.openxmlformats.org/officeDocument/2006/math">
+                    <m:oMathParaPr>
+                      <m:jc m:val="centerGroup"/>
+                    </m:oMathParaPr>
+                    <m:oMath xmlns:m="http://schemas.openxmlformats.org/officeDocument/2006/math">
+                      <m:sSub>
+                        <m:sSubPr>
+                          <m:ctrlPr>
+                            <a:rPr lang="vi-VN" b="0" i="1">
+                              <a:solidFill>
+                                <a:schemeClr val="tx1"/>
+                              </a:solidFill>
+                              <a:latin typeface="Cambria Math" panose="02040503050406030204" pitchFamily="18" charset="0"/>
+                            </a:rPr>
+                          </m:ctrlPr>
+                        </m:sSubPr>
+                        <m:e>
+                          <m:r>
+                            <a:rPr lang="en-VN" i="1">
+                              <a:solidFill>
+                                <a:schemeClr val="tx1"/>
+                              </a:solidFill>
+                              <a:latin typeface="Cambria Math" panose="02040503050406030204" pitchFamily="18" charset="0"/>
+                            </a:rPr>
+                            <m:t>𝑈</m:t>
+                          </m:r>
+                        </m:e>
+                        <m:sub>
+                          <m:r>
+                            <a:rPr lang="vi-VN" b="0" i="1">
+                              <a:solidFill>
+                                <a:schemeClr val="tx1"/>
+                              </a:solidFill>
+                              <a:latin typeface="Cambria Math" panose="02040503050406030204" pitchFamily="18" charset="0"/>
+                            </a:rPr>
+                            <m:t>0</m:t>
+                          </m:r>
+                        </m:sub>
+                      </m:sSub>
+                      <m:r>
+                        <a:rPr lang="vi-VN" b="0" i="1">
+                          <a:solidFill>
+                            <a:schemeClr val="tx1"/>
+                          </a:solidFill>
+                          <a:latin typeface="Cambria Math" panose="02040503050406030204" pitchFamily="18" charset="0"/>
+                        </a:rPr>
+                        <m:t>(</m:t>
+                      </m:r>
+                      <m:sSub>
+                        <m:sSubPr>
+                          <m:ctrlPr>
+                            <a:rPr lang="vi-VN" b="0" i="1">
+                              <a:solidFill>
+                                <a:schemeClr val="tx1"/>
+                              </a:solidFill>
+                              <a:latin typeface="Cambria Math" panose="02040503050406030204" pitchFamily="18" charset="0"/>
+                            </a:rPr>
+                          </m:ctrlPr>
+                        </m:sSubPr>
+                        <m:e>
+                          <m:r>
+                            <a:rPr lang="vi-VN" b="0" i="1">
+                              <a:solidFill>
+                                <a:schemeClr val="tx1"/>
+                              </a:solidFill>
+                              <a:latin typeface="Cambria Math" panose="02040503050406030204" pitchFamily="18" charset="0"/>
+                            </a:rPr>
+                            <m:t>𝜃</m:t>
+                          </m:r>
+                        </m:e>
+                        <m:sub>
+                          <m:r>
+                            <a:rPr lang="vi-VN" b="0" i="1">
+                              <a:solidFill>
+                                <a:schemeClr val="tx1"/>
+                              </a:solidFill>
+                              <a:latin typeface="Cambria Math" panose="02040503050406030204" pitchFamily="18" charset="0"/>
+                            </a:rPr>
+                            <m:t>0</m:t>
+                          </m:r>
+                        </m:sub>
+                      </m:sSub>
+                      <m:r>
+                        <a:rPr lang="vi-VN" b="0" i="1">
+                          <a:solidFill>
+                            <a:schemeClr val="tx1"/>
+                          </a:solidFill>
+                          <a:latin typeface="Cambria Math" panose="02040503050406030204" pitchFamily="18" charset="0"/>
+                        </a:rPr>
+                        <m:t>−</m:t>
+                      </m:r>
+                      <m:sSub>
+                        <m:sSubPr>
+                          <m:ctrlPr>
+                            <a:rPr lang="vi-VN" b="0" i="1">
+                              <a:solidFill>
+                                <a:schemeClr val="tx1"/>
+                              </a:solidFill>
+                              <a:latin typeface="Cambria Math" panose="02040503050406030204" pitchFamily="18" charset="0"/>
+                            </a:rPr>
+                          </m:ctrlPr>
+                        </m:sSubPr>
+                        <m:e>
+                          <m:r>
+                            <a:rPr lang="vi-VN" b="0" i="1">
+                              <a:solidFill>
+                                <a:schemeClr val="tx1"/>
+                              </a:solidFill>
+                              <a:latin typeface="Cambria Math" panose="02040503050406030204" pitchFamily="18" charset="0"/>
+                            </a:rPr>
+                            <m:t>𝜖</m:t>
+                          </m:r>
+                        </m:e>
+                        <m:sub>
+                          <m:r>
+                            <a:rPr lang="vi-VN" i="1">
+                              <a:solidFill>
+                                <a:schemeClr val="tx1"/>
+                              </a:solidFill>
+                              <a:latin typeface="Cambria Math" panose="02040503050406030204" pitchFamily="18" charset="0"/>
+                            </a:rPr>
+                            <m:t>𝑘</m:t>
+                          </m:r>
+                        </m:sub>
+                      </m:sSub>
+                      <m:r>
+                        <a:rPr lang="vi-VN" b="0" i="1">
+                          <a:solidFill>
+                            <a:schemeClr val="tx1"/>
+                          </a:solidFill>
+                          <a:latin typeface="Cambria Math" panose="02040503050406030204" pitchFamily="18" charset="0"/>
+                        </a:rPr>
+                        <m:t>)</m:t>
+                      </m:r>
+                    </m:oMath>
+                  </m:oMathPara>
+                </a14:m>
+                <a:endParaRPr lang="en-VN" i="1">
+                  <a:solidFill>
+                    <a:schemeClr val="tx1"/>
+                  </a:solidFill>
+                </a:endParaRPr>
+              </a:p>
+            </p:txBody>
+          </p:sp>
+        </mc:Choice>
+        <mc:Fallback>
+          <p:sp>
+            <p:nvSpPr>
+              <p:cNvPr id="94" name="Rectangle 93">
+                <a:extLst>
+                  <a:ext uri="{FF2B5EF4-FFF2-40B4-BE49-F238E27FC236}">
+                    <a16:creationId xmlns:a16="http://schemas.microsoft.com/office/drawing/2014/main" id="{A317CEB3-4501-9C39-98F9-6FB1E0807EA4}"/>
+                  </a:ext>
+                </a:extLst>
+              </p:cNvPr>
+              <p:cNvSpPr>
+                <a:spLocks noRot="1" noChangeAspect="1" noMove="1" noResize="1" noEditPoints="1" noAdjustHandles="1" noChangeArrowheads="1" noChangeShapeType="1" noTextEdit="1"/>
+              </p:cNvSpPr>
+              <p:nvPr/>
+            </p:nvSpPr>
+            <p:spPr>
+              <a:xfrm>
+                <a:off x="1693138" y="4970095"/>
+                <a:ext cx="1361845" cy="428263"/>
+              </a:xfrm>
+              <a:prstGeom prst="rect">
+                <a:avLst/>
+              </a:prstGeom>
+              <a:blipFill>
+                <a:blip r:embed="rId32"/>
+                <a:stretch>
+                  <a:fillRect b="-2703"/>
+                </a:stretch>
+              </a:blipFill>
+              <a:ln>
+                <a:solidFill>
+                  <a:schemeClr val="tx1"/>
+                </a:solidFill>
+              </a:ln>
+            </p:spPr>
+            <p:txBody>
+              <a:bodyPr/>
+              <a:lstStyle/>
+              <a:p>
+                <a:r>
+                  <a:rPr lang="en-VN">
+                    <a:noFill/>
+                  </a:rPr>
+                  <a:t> </a:t>
+                </a:r>
+              </a:p>
+            </p:txBody>
+          </p:sp>
+        </mc:Fallback>
+      </mc:AlternateContent>
+      <mc:AlternateContent xmlns:mc="http://schemas.openxmlformats.org/markup-compatibility/2006">
+        <mc:Choice xmlns:a14="http://schemas.microsoft.com/office/drawing/2010/main" Requires="a14">
+          <p:sp>
+            <p:nvSpPr>
+              <p:cNvPr id="95" name="Rectangle 94">
+                <a:extLst>
+                  <a:ext uri="{FF2B5EF4-FFF2-40B4-BE49-F238E27FC236}">
+                    <a16:creationId xmlns:a16="http://schemas.microsoft.com/office/drawing/2014/main" id="{AFFD5F7B-DB4F-E2BE-DC4E-11F98A1071BD}"/>
+                  </a:ext>
+                </a:extLst>
+              </p:cNvPr>
+              <p:cNvSpPr/>
+              <p:nvPr/>
+            </p:nvSpPr>
+            <p:spPr>
+              <a:xfrm>
+                <a:off x="3231811" y="4967143"/>
+                <a:ext cx="1078225" cy="428263"/>
+              </a:xfrm>
+              <a:prstGeom prst="rect">
+                <a:avLst/>
+              </a:prstGeom>
+              <a:solidFill>
+                <a:schemeClr val="bg1"/>
+              </a:solidFill>
+              <a:ln>
+                <a:solidFill>
+                  <a:schemeClr val="tx1"/>
+                </a:solidFill>
+              </a:ln>
+            </p:spPr>
+            <p:style>
+              <a:lnRef idx="2">
+                <a:schemeClr val="accent1">
+                  <a:shade val="15000"/>
+                </a:schemeClr>
+              </a:lnRef>
+              <a:fillRef idx="1">
+                <a:schemeClr val="accent1"/>
+              </a:fillRef>
+              <a:effectRef idx="0">
+                <a:schemeClr val="accent1"/>
+              </a:effectRef>
+              <a:fontRef idx="minor">
+                <a:schemeClr val="lt1"/>
+              </a:fontRef>
+            </p:style>
+            <p:txBody>
+              <a:bodyPr rtlCol="0" anchor="ctr"/>
+              <a:lstStyle/>
+              <a:p>
+                <a:pPr algn="ctr"/>
+                <a14:m>
+                  <m:oMathPara xmlns:m="http://schemas.openxmlformats.org/officeDocument/2006/math">
+                    <m:oMathParaPr>
+                      <m:jc m:val="centerGroup"/>
+                    </m:oMathParaPr>
+                    <m:oMath xmlns:m="http://schemas.openxmlformats.org/officeDocument/2006/math">
+                      <m:sSub>
+                        <m:sSubPr>
+                          <m:ctrlPr>
+                            <a:rPr lang="vi-VN" b="0" i="1">
+                              <a:solidFill>
+                                <a:schemeClr val="tx1"/>
+                              </a:solidFill>
+                              <a:latin typeface="Cambria Math" panose="02040503050406030204" pitchFamily="18" charset="0"/>
+                            </a:rPr>
+                          </m:ctrlPr>
+                        </m:sSubPr>
+                        <m:e>
+                          <m:r>
+                            <a:rPr lang="en-VN" i="1">
+                              <a:solidFill>
+                                <a:schemeClr val="tx1"/>
+                              </a:solidFill>
+                              <a:latin typeface="Cambria Math" panose="02040503050406030204" pitchFamily="18" charset="0"/>
+                            </a:rPr>
+                            <m:t>𝑈</m:t>
+                          </m:r>
+                        </m:e>
+                        <m:sub>
+                          <m:r>
+                            <a:rPr lang="vi-VN" b="0" i="1">
+                              <a:solidFill>
+                                <a:schemeClr val="tx1"/>
+                              </a:solidFill>
+                              <a:latin typeface="Cambria Math" panose="02040503050406030204" pitchFamily="18" charset="0"/>
+                            </a:rPr>
+                            <m:t>1</m:t>
+                          </m:r>
+                        </m:sub>
+                      </m:sSub>
+                      <m:r>
+                        <a:rPr lang="vi-VN" b="0" i="1">
+                          <a:solidFill>
+                            <a:schemeClr val="tx1"/>
+                          </a:solidFill>
+                          <a:latin typeface="Cambria Math" panose="02040503050406030204" pitchFamily="18" charset="0"/>
+                        </a:rPr>
+                        <m:t>(</m:t>
+                      </m:r>
+                      <m:sSub>
+                        <m:sSubPr>
+                          <m:ctrlPr>
+                            <a:rPr lang="vi-VN" b="0" i="1">
+                              <a:solidFill>
+                                <a:schemeClr val="tx1"/>
+                              </a:solidFill>
+                              <a:latin typeface="Cambria Math" panose="02040503050406030204" pitchFamily="18" charset="0"/>
+                            </a:rPr>
+                          </m:ctrlPr>
+                        </m:sSubPr>
+                        <m:e>
+                          <m:r>
+                            <a:rPr lang="vi-VN" b="0" i="1">
+                              <a:solidFill>
+                                <a:schemeClr val="tx1"/>
+                              </a:solidFill>
+                              <a:latin typeface="Cambria Math" panose="02040503050406030204" pitchFamily="18" charset="0"/>
+                            </a:rPr>
+                            <m:t>𝜃</m:t>
+                          </m:r>
+                        </m:e>
+                        <m:sub>
+                          <m:r>
+                            <a:rPr lang="vi-VN" b="0" i="1">
+                              <a:solidFill>
+                                <a:schemeClr val="tx1"/>
+                              </a:solidFill>
+                              <a:latin typeface="Cambria Math" panose="02040503050406030204" pitchFamily="18" charset="0"/>
+                            </a:rPr>
+                            <m:t>1</m:t>
+                          </m:r>
+                        </m:sub>
+                      </m:sSub>
+                      <m:r>
+                        <a:rPr lang="vi-VN" b="0" i="1">
+                          <a:solidFill>
+                            <a:schemeClr val="tx1"/>
+                          </a:solidFill>
+                          <a:latin typeface="Cambria Math" panose="02040503050406030204" pitchFamily="18" charset="0"/>
+                        </a:rPr>
+                        <m:t>)</m:t>
+                      </m:r>
+                    </m:oMath>
+                  </m:oMathPara>
+                </a14:m>
+                <a:endParaRPr lang="en-VN" i="1">
+                  <a:solidFill>
+                    <a:schemeClr val="tx1"/>
+                  </a:solidFill>
+                </a:endParaRPr>
+              </a:p>
+            </p:txBody>
+          </p:sp>
+        </mc:Choice>
+        <mc:Fallback>
+          <p:sp>
+            <p:nvSpPr>
+              <p:cNvPr id="95" name="Rectangle 94">
+                <a:extLst>
+                  <a:ext uri="{FF2B5EF4-FFF2-40B4-BE49-F238E27FC236}">
+                    <a16:creationId xmlns:a16="http://schemas.microsoft.com/office/drawing/2014/main" id="{AFFD5F7B-DB4F-E2BE-DC4E-11F98A1071BD}"/>
+                  </a:ext>
+                </a:extLst>
+              </p:cNvPr>
+              <p:cNvSpPr>
+                <a:spLocks noRot="1" noChangeAspect="1" noMove="1" noResize="1" noEditPoints="1" noAdjustHandles="1" noChangeArrowheads="1" noChangeShapeType="1" noTextEdit="1"/>
+              </p:cNvSpPr>
+              <p:nvPr/>
+            </p:nvSpPr>
+            <p:spPr>
+              <a:xfrm>
+                <a:off x="3231811" y="4967143"/>
+                <a:ext cx="1078225" cy="428263"/>
+              </a:xfrm>
+              <a:prstGeom prst="rect">
+                <a:avLst/>
+              </a:prstGeom>
+              <a:blipFill>
+                <a:blip r:embed="rId33"/>
+                <a:stretch>
+                  <a:fillRect b="-2778"/>
+                </a:stretch>
+              </a:blipFill>
+              <a:ln>
+                <a:solidFill>
+                  <a:schemeClr val="tx1"/>
+                </a:solidFill>
+              </a:ln>
+            </p:spPr>
+            <p:txBody>
+              <a:bodyPr/>
+              <a:lstStyle/>
+              <a:p>
+                <a:r>
+                  <a:rPr lang="en-VN">
+                    <a:noFill/>
+                  </a:rPr>
+                  <a:t> </a:t>
+                </a:r>
+              </a:p>
+            </p:txBody>
+          </p:sp>
+        </mc:Fallback>
+      </mc:AlternateContent>
+      <p:cxnSp>
+        <p:nvCxnSpPr>
+          <p:cNvPr id="96" name="Straight Arrow Connector 95">
+            <a:extLst>
+              <a:ext uri="{FF2B5EF4-FFF2-40B4-BE49-F238E27FC236}">
+                <a16:creationId xmlns:a16="http://schemas.microsoft.com/office/drawing/2014/main" id="{E00F4AC9-5863-F673-2999-C20CF94B922D}"/>
+              </a:ext>
+            </a:extLst>
+          </p:cNvPr>
+          <p:cNvCxnSpPr>
+            <a:cxnSpLocks/>
+            <a:endCxn id="97" idx="3"/>
+          </p:cNvCxnSpPr>
+          <p:nvPr/>
+        </p:nvCxnSpPr>
+        <p:spPr>
+          <a:xfrm>
+            <a:off x="4981358" y="5199498"/>
+            <a:ext cx="1994857" cy="0"/>
+          </a:xfrm>
+          <a:prstGeom prst="straightConnector1">
+            <a:avLst/>
+          </a:prstGeom>
+          <a:ln>
+            <a:headEnd type="none" w="med" len="med"/>
+            <a:tailEnd type="none" w="med" len="med"/>
+          </a:ln>
+        </p:spPr>
+        <p:style>
+          <a:lnRef idx="2">
+            <a:schemeClr val="dk1"/>
+          </a:lnRef>
+          <a:fillRef idx="0">
+            <a:schemeClr val="dk1"/>
+          </a:fillRef>
+          <a:effectRef idx="1">
+            <a:schemeClr val="dk1"/>
+          </a:effectRef>
+          <a:fontRef idx="minor">
+            <a:schemeClr val="tx1"/>
+          </a:fontRef>
+        </p:style>
+      </p:cxnSp>
+      <mc:AlternateContent xmlns:mc="http://schemas.openxmlformats.org/markup-compatibility/2006">
+        <mc:Choice xmlns:a14="http://schemas.microsoft.com/office/drawing/2010/main" Requires="a14">
+          <p:sp>
+            <p:nvSpPr>
+              <p:cNvPr id="97" name="Rectangle 96">
+                <a:extLst>
+                  <a:ext uri="{FF2B5EF4-FFF2-40B4-BE49-F238E27FC236}">
+                    <a16:creationId xmlns:a16="http://schemas.microsoft.com/office/drawing/2014/main" id="{70757809-214B-9C38-BA0C-06ABB1DB4EBE}"/>
+                  </a:ext>
+                </a:extLst>
+              </p:cNvPr>
+              <p:cNvSpPr/>
+              <p:nvPr/>
+            </p:nvSpPr>
+            <p:spPr>
+              <a:xfrm>
+                <a:off x="5261277" y="4985366"/>
+                <a:ext cx="1714938" cy="428263"/>
+              </a:xfrm>
+              <a:prstGeom prst="rect">
+                <a:avLst/>
+              </a:prstGeom>
+              <a:solidFill>
+                <a:schemeClr val="bg1"/>
+              </a:solidFill>
+              <a:ln>
+                <a:solidFill>
+                  <a:schemeClr val="tx1"/>
+                </a:solidFill>
+              </a:ln>
+            </p:spPr>
+            <p:style>
+              <a:lnRef idx="2">
+                <a:schemeClr val="accent1">
+                  <a:shade val="15000"/>
+                </a:schemeClr>
+              </a:lnRef>
+              <a:fillRef idx="1">
+                <a:schemeClr val="accent1"/>
+              </a:fillRef>
+              <a:effectRef idx="0">
+                <a:schemeClr val="accent1"/>
+              </a:effectRef>
+              <a:fontRef idx="minor">
+                <a:schemeClr val="lt1"/>
+              </a:fontRef>
+            </p:style>
+            <p:txBody>
+              <a:bodyPr rtlCol="0" anchor="ctr"/>
+              <a:lstStyle/>
+              <a:p>
+                <a:pPr algn="ctr"/>
+                <a14:m>
+                  <m:oMathPara xmlns:m="http://schemas.openxmlformats.org/officeDocument/2006/math">
+                    <m:oMathParaPr>
+                      <m:jc m:val="centerGroup"/>
+                    </m:oMathParaPr>
+                    <m:oMath xmlns:m="http://schemas.openxmlformats.org/officeDocument/2006/math">
+                      <m:sSub>
+                        <m:sSubPr>
+                          <m:ctrlPr>
+                            <a:rPr lang="vi-VN" b="0" i="1">
+                              <a:solidFill>
+                                <a:schemeClr val="tx1"/>
+                              </a:solidFill>
+                              <a:latin typeface="Cambria Math" panose="02040503050406030204" pitchFamily="18" charset="0"/>
+                            </a:rPr>
+                          </m:ctrlPr>
+                        </m:sSubPr>
+                        <m:e>
+                          <m:r>
+                            <a:rPr lang="en-VN" i="1">
+                              <a:solidFill>
+                                <a:schemeClr val="tx1"/>
+                              </a:solidFill>
+                              <a:latin typeface="Cambria Math" panose="02040503050406030204" pitchFamily="18" charset="0"/>
+                            </a:rPr>
+                            <m:t>𝑈</m:t>
+                          </m:r>
+                        </m:e>
+                        <m:sub>
+                          <m:r>
+                            <a:rPr lang="vi-VN" i="1">
+                              <a:solidFill>
+                                <a:schemeClr val="tx1"/>
+                              </a:solidFill>
+                              <a:latin typeface="Cambria Math" panose="02040503050406030204" pitchFamily="18" charset="0"/>
+                            </a:rPr>
+                            <m:t>𝑚</m:t>
+                          </m:r>
+                          <m:r>
+                            <a:rPr lang="vi-VN" b="0" i="1">
+                              <a:solidFill>
+                                <a:schemeClr val="tx1"/>
+                              </a:solidFill>
+                              <a:latin typeface="Cambria Math" panose="02040503050406030204" pitchFamily="18" charset="0"/>
+                            </a:rPr>
+                            <m:t>−1</m:t>
+                          </m:r>
+                        </m:sub>
+                      </m:sSub>
+                      <m:r>
+                        <a:rPr lang="vi-VN" b="0" i="1">
+                          <a:solidFill>
+                            <a:schemeClr val="tx1"/>
+                          </a:solidFill>
+                          <a:latin typeface="Cambria Math" panose="02040503050406030204" pitchFamily="18" charset="0"/>
+                        </a:rPr>
+                        <m:t>(</m:t>
+                      </m:r>
+                      <m:sSub>
+                        <m:sSubPr>
+                          <m:ctrlPr>
+                            <a:rPr lang="vi-VN" b="0" i="1">
+                              <a:solidFill>
+                                <a:schemeClr val="tx1"/>
+                              </a:solidFill>
+                              <a:latin typeface="Cambria Math" panose="02040503050406030204" pitchFamily="18" charset="0"/>
+                            </a:rPr>
+                          </m:ctrlPr>
+                        </m:sSubPr>
+                        <m:e>
+                          <m:r>
+                            <a:rPr lang="vi-VN" b="0" i="1">
+                              <a:solidFill>
+                                <a:schemeClr val="tx1"/>
+                              </a:solidFill>
+                              <a:latin typeface="Cambria Math" panose="02040503050406030204" pitchFamily="18" charset="0"/>
+                            </a:rPr>
+                            <m:t>𝜃</m:t>
+                          </m:r>
+                        </m:e>
+                        <m:sub>
+                          <m:r>
+                            <a:rPr lang="vi-VN" i="1">
+                              <a:solidFill>
+                                <a:schemeClr val="tx1"/>
+                              </a:solidFill>
+                              <a:latin typeface="Cambria Math" panose="02040503050406030204" pitchFamily="18" charset="0"/>
+                            </a:rPr>
+                            <m:t>𝑚</m:t>
+                          </m:r>
+                          <m:r>
+                            <a:rPr lang="vi-VN" b="0" i="1">
+                              <a:solidFill>
+                                <a:schemeClr val="tx1"/>
+                              </a:solidFill>
+                              <a:latin typeface="Cambria Math" panose="02040503050406030204" pitchFamily="18" charset="0"/>
+                            </a:rPr>
+                            <m:t>−1</m:t>
+                          </m:r>
+                        </m:sub>
+                      </m:sSub>
+                      <m:r>
+                        <a:rPr lang="vi-VN" b="0" i="1">
+                          <a:solidFill>
+                            <a:schemeClr val="tx1"/>
+                          </a:solidFill>
+                          <a:latin typeface="Cambria Math" panose="02040503050406030204" pitchFamily="18" charset="0"/>
+                        </a:rPr>
+                        <m:t>)</m:t>
+                      </m:r>
+                    </m:oMath>
+                  </m:oMathPara>
+                </a14:m>
+                <a:endParaRPr lang="en-VN" i="1">
+                  <a:solidFill>
+                    <a:schemeClr val="tx1"/>
+                  </a:solidFill>
+                </a:endParaRPr>
+              </a:p>
+            </p:txBody>
+          </p:sp>
+        </mc:Choice>
+        <mc:Fallback>
+          <p:sp>
+            <p:nvSpPr>
+              <p:cNvPr id="97" name="Rectangle 96">
+                <a:extLst>
+                  <a:ext uri="{FF2B5EF4-FFF2-40B4-BE49-F238E27FC236}">
+                    <a16:creationId xmlns:a16="http://schemas.microsoft.com/office/drawing/2014/main" id="{70757809-214B-9C38-BA0C-06ABB1DB4EBE}"/>
+                  </a:ext>
+                </a:extLst>
+              </p:cNvPr>
+              <p:cNvSpPr>
+                <a:spLocks noRot="1" noChangeAspect="1" noMove="1" noResize="1" noEditPoints="1" noAdjustHandles="1" noChangeArrowheads="1" noChangeShapeType="1" noTextEdit="1"/>
+              </p:cNvSpPr>
+              <p:nvPr/>
+            </p:nvSpPr>
+            <p:spPr>
+              <a:xfrm>
+                <a:off x="5261277" y="4985366"/>
+                <a:ext cx="1714938" cy="428263"/>
+              </a:xfrm>
+              <a:prstGeom prst="rect">
+                <a:avLst/>
+              </a:prstGeom>
+              <a:blipFill>
+                <a:blip r:embed="rId34"/>
+                <a:stretch>
+                  <a:fillRect b="-2778"/>
+                </a:stretch>
+              </a:blipFill>
+              <a:ln>
+                <a:solidFill>
+                  <a:schemeClr val="tx1"/>
+                </a:solidFill>
+              </a:ln>
+            </p:spPr>
+            <p:txBody>
+              <a:bodyPr/>
+              <a:lstStyle/>
+              <a:p>
+                <a:r>
+                  <a:rPr lang="en-VN">
+                    <a:noFill/>
+                  </a:rPr>
+                  <a:t> </a:t>
+                </a:r>
+              </a:p>
+            </p:txBody>
+          </p:sp>
+        </mc:Fallback>
+      </mc:AlternateContent>
+      <mc:AlternateContent xmlns:mc="http://schemas.openxmlformats.org/markup-compatibility/2006">
+        <mc:Choice xmlns:a14="http://schemas.microsoft.com/office/drawing/2010/main" Requires="a14">
+          <p:sp>
+            <p:nvSpPr>
+              <p:cNvPr id="98" name="TextBox 97">
+                <a:extLst>
+                  <a:ext uri="{FF2B5EF4-FFF2-40B4-BE49-F238E27FC236}">
+                    <a16:creationId xmlns:a16="http://schemas.microsoft.com/office/drawing/2014/main" id="{304D74F1-4EEA-3BEF-8E72-4D099EA535A4}"/>
+                  </a:ext>
+                </a:extLst>
+              </p:cNvPr>
+              <p:cNvSpPr txBox="1"/>
+              <p:nvPr/>
+            </p:nvSpPr>
+            <p:spPr>
+              <a:xfrm>
+                <a:off x="4676560" y="5003908"/>
+                <a:ext cx="219611" cy="276999"/>
+              </a:xfrm>
+              <a:prstGeom prst="rect">
+                <a:avLst/>
+              </a:prstGeom>
+              <a:noFill/>
+            </p:spPr>
+            <p:txBody>
+              <a:bodyPr wrap="none" lIns="0" tIns="0" rIns="0" bIns="0" rtlCol="0">
+                <a:spAutoFit/>
+              </a:bodyPr>
+              <a:lstStyle/>
+              <a:p>
+                <a14:m>
+                  <m:oMathPara xmlns:m="http://schemas.openxmlformats.org/officeDocument/2006/math">
+                    <m:oMathParaPr>
+                      <m:jc m:val="centerGroup"/>
+                    </m:oMathParaPr>
+                    <m:oMath xmlns:m="http://schemas.openxmlformats.org/officeDocument/2006/math">
+                      <m:r>
+                        <a:rPr lang="vi-VN" b="0" i="1">
+                          <a:latin typeface="Cambria Math" panose="02040503050406030204" pitchFamily="18" charset="0"/>
+                        </a:rPr>
+                        <m:t>…</m:t>
+                      </m:r>
+                    </m:oMath>
+                  </m:oMathPara>
+                </a14:m>
+                <a:endParaRPr lang="en-VN" i="1"/>
+              </a:p>
+            </p:txBody>
+          </p:sp>
+        </mc:Choice>
+        <mc:Fallback>
+          <p:sp>
+            <p:nvSpPr>
+              <p:cNvPr id="98" name="TextBox 97">
+                <a:extLst>
+                  <a:ext uri="{FF2B5EF4-FFF2-40B4-BE49-F238E27FC236}">
+                    <a16:creationId xmlns:a16="http://schemas.microsoft.com/office/drawing/2014/main" id="{304D74F1-4EEA-3BEF-8E72-4D099EA535A4}"/>
+                  </a:ext>
+                </a:extLst>
+              </p:cNvPr>
+              <p:cNvSpPr txBox="1">
+                <a:spLocks noRot="1" noChangeAspect="1" noMove="1" noResize="1" noEditPoints="1" noAdjustHandles="1" noChangeArrowheads="1" noChangeShapeType="1" noTextEdit="1"/>
+              </p:cNvSpPr>
+              <p:nvPr/>
+            </p:nvSpPr>
+            <p:spPr>
+              <a:xfrm>
+                <a:off x="4676560" y="5003908"/>
+                <a:ext cx="219611" cy="276999"/>
+              </a:xfrm>
+              <a:prstGeom prst="rect">
+                <a:avLst/>
+              </a:prstGeom>
+              <a:blipFill>
+                <a:blip r:embed="rId35"/>
+                <a:stretch>
+                  <a:fillRect/>
+                </a:stretch>
+              </a:blipFill>
+            </p:spPr>
+            <p:txBody>
+              <a:bodyPr/>
+              <a:lstStyle/>
+              <a:p>
+                <a:r>
+                  <a:rPr lang="en-VN">
+                    <a:noFill/>
+                  </a:rPr>
+                  <a:t> </a:t>
+                </a:r>
+              </a:p>
+            </p:txBody>
+          </p:sp>
+        </mc:Fallback>
+      </mc:AlternateContent>
+      <p:sp>
+        <p:nvSpPr>
+          <p:cNvPr id="99" name="Right Bracket 98">
+            <a:extLst>
+              <a:ext uri="{FF2B5EF4-FFF2-40B4-BE49-F238E27FC236}">
+                <a16:creationId xmlns:a16="http://schemas.microsoft.com/office/drawing/2014/main" id="{5E4CB625-6F0C-66E6-05D3-6597D8D8C8D0}"/>
+              </a:ext>
+            </a:extLst>
+          </p:cNvPr>
+          <p:cNvSpPr/>
+          <p:nvPr/>
+        </p:nvSpPr>
+        <p:spPr>
+          <a:xfrm>
+            <a:off x="7091421" y="5050560"/>
+            <a:ext cx="64736" cy="259076"/>
+          </a:xfrm>
+          <a:prstGeom prst="rightBracket">
+            <a:avLst/>
+          </a:prstGeom>
+        </p:spPr>
+        <p:style>
+          <a:lnRef idx="2">
+            <a:schemeClr val="dk1"/>
+          </a:lnRef>
+          <a:fillRef idx="0">
+            <a:schemeClr val="dk1"/>
+          </a:fillRef>
+          <a:effectRef idx="1">
+            <a:schemeClr val="dk1"/>
+          </a:effectRef>
+          <a:fontRef idx="minor">
+            <a:schemeClr val="tx1"/>
+          </a:fontRef>
+        </p:style>
+        <p:txBody>
+          <a:bodyPr rtlCol="0" anchor="ctr"/>
+          <a:lstStyle/>
+          <a:p>
+            <a:pPr algn="ctr"/>
+            <a:endParaRPr lang="en-VN"/>
+          </a:p>
+        </p:txBody>
+      </p:sp>
+      <mc:AlternateContent xmlns:mc="http://schemas.openxmlformats.org/markup-compatibility/2006">
+        <mc:Choice xmlns:a14="http://schemas.microsoft.com/office/drawing/2010/main" Requires="a14">
+          <p:sp>
+            <p:nvSpPr>
+              <p:cNvPr id="100" name="TextBox 99">
+                <a:extLst>
+                  <a:ext uri="{FF2B5EF4-FFF2-40B4-BE49-F238E27FC236}">
+                    <a16:creationId xmlns:a16="http://schemas.microsoft.com/office/drawing/2014/main" id="{AAECDFCC-D12A-62A9-7FEA-461080F6FC5E}"/>
+                  </a:ext>
+                </a:extLst>
+              </p:cNvPr>
+              <p:cNvSpPr txBox="1"/>
+              <p:nvPr/>
+            </p:nvSpPr>
+            <p:spPr>
+              <a:xfrm>
+                <a:off x="7167880" y="5007000"/>
+                <a:ext cx="658368" cy="392480"/>
+              </a:xfrm>
+              <a:prstGeom prst="rect">
+                <a:avLst/>
+              </a:prstGeom>
+              <a:noFill/>
+            </p:spPr>
+            <p:txBody>
+              <a:bodyPr wrap="square" rtlCol="0">
+                <a:spAutoFit/>
+              </a:bodyPr>
+              <a:lstStyle/>
+              <a:p>
+                <a14:m>
+                  <m:oMathPara xmlns:m="http://schemas.openxmlformats.org/officeDocument/2006/math">
+                    <m:oMathParaPr>
+                      <m:jc m:val="centerGroup"/>
+                    </m:oMathParaPr>
+                    <m:oMath xmlns:m="http://schemas.openxmlformats.org/officeDocument/2006/math">
+                      <m:r>
+                        <a:rPr lang="en-VN" i="1">
+                          <a:latin typeface="Cambria Math" panose="02040503050406030204" pitchFamily="18" charset="0"/>
+                        </a:rPr>
+                        <m:t>𝑈</m:t>
+                      </m:r>
+                      <m:r>
+                        <a:rPr lang="vi-VN" b="0" i="1">
+                          <a:latin typeface="Cambria Math" panose="02040503050406030204" pitchFamily="18" charset="0"/>
+                        </a:rPr>
+                        <m:t>(</m:t>
+                      </m:r>
+                      <m:sSubSup>
+                        <m:sSubSupPr>
+                          <m:ctrlPr>
+                            <a:rPr lang="vi-VN" b="0" i="1">
+                              <a:latin typeface="Cambria Math" panose="02040503050406030204" pitchFamily="18" charset="0"/>
+                            </a:rPr>
+                          </m:ctrlPr>
+                        </m:sSubSupPr>
+                        <m:e>
+                          <m:r>
+                            <a:rPr lang="vi-VN" b="0" i="1">
+                              <a:latin typeface="Cambria Math" panose="02040503050406030204" pitchFamily="18" charset="0"/>
+                            </a:rPr>
+                            <m:t>𝜃</m:t>
+                          </m:r>
+                        </m:e>
+                        <m:sub>
+                          <m:r>
+                            <a:rPr lang="vi-VN" b="0" i="1">
+                              <a:latin typeface="Cambria Math" panose="02040503050406030204" pitchFamily="18" charset="0"/>
+                            </a:rPr>
+                            <m:t>0,</m:t>
+                          </m:r>
+                          <m:r>
+                            <a:rPr lang="vi-VN" i="1">
+                              <a:latin typeface="Cambria Math" panose="02040503050406030204" pitchFamily="18" charset="0"/>
+                            </a:rPr>
+                            <m:t>𝑘</m:t>
+                          </m:r>
+                        </m:sub>
+                        <m:sup>
+                          <m:r>
+                            <a:rPr lang="vi-VN" b="0" i="1">
+                              <a:latin typeface="Cambria Math" panose="02040503050406030204" pitchFamily="18" charset="0"/>
+                            </a:rPr>
+                            <m:t>−</m:t>
+                          </m:r>
+                        </m:sup>
+                      </m:sSubSup>
+                      <m:r>
+                        <a:rPr lang="vi-VN" b="0" i="1">
+                          <a:latin typeface="Cambria Math" panose="02040503050406030204" pitchFamily="18" charset="0"/>
+                        </a:rPr>
+                        <m:t>)</m:t>
+                      </m:r>
+                    </m:oMath>
+                  </m:oMathPara>
+                </a14:m>
+                <a:endParaRPr lang="en-VN" i="1"/>
+              </a:p>
+            </p:txBody>
+          </p:sp>
+        </mc:Choice>
+        <mc:Fallback>
+          <p:sp>
+            <p:nvSpPr>
+              <p:cNvPr id="100" name="TextBox 99">
+                <a:extLst>
+                  <a:ext uri="{FF2B5EF4-FFF2-40B4-BE49-F238E27FC236}">
+                    <a16:creationId xmlns:a16="http://schemas.microsoft.com/office/drawing/2014/main" id="{AAECDFCC-D12A-62A9-7FEA-461080F6FC5E}"/>
+                  </a:ext>
+                </a:extLst>
+              </p:cNvPr>
+              <p:cNvSpPr txBox="1">
+                <a:spLocks noRot="1" noChangeAspect="1" noMove="1" noResize="1" noEditPoints="1" noAdjustHandles="1" noChangeArrowheads="1" noChangeShapeType="1" noTextEdit="1"/>
+              </p:cNvSpPr>
+              <p:nvPr/>
+            </p:nvSpPr>
+            <p:spPr>
+              <a:xfrm>
+                <a:off x="7167880" y="5007000"/>
+                <a:ext cx="658368" cy="392480"/>
+              </a:xfrm>
+              <a:prstGeom prst="rect">
+                <a:avLst/>
+              </a:prstGeom>
+              <a:blipFill>
+                <a:blip r:embed="rId36"/>
+                <a:stretch>
+                  <a:fillRect r="-37736" b="-6250"/>
+                </a:stretch>
+              </a:blipFill>
+            </p:spPr>
+            <p:txBody>
+              <a:bodyPr/>
+              <a:lstStyle/>
+              <a:p>
+                <a:r>
+                  <a:rPr lang="en-VN">
+                    <a:noFill/>
+                  </a:rPr>
+                  <a:t> </a:t>
+                </a:r>
+              </a:p>
+            </p:txBody>
+          </p:sp>
+        </mc:Fallback>
+      </mc:AlternateContent>
+      <mc:AlternateContent xmlns:mc="http://schemas.openxmlformats.org/markup-compatibility/2006">
+        <mc:Choice xmlns:a14="http://schemas.microsoft.com/office/drawing/2010/main" Requires="a14">
+          <p:sp>
+            <p:nvSpPr>
+              <p:cNvPr id="101" name="TextBox 100">
+                <a:extLst>
+                  <a:ext uri="{FF2B5EF4-FFF2-40B4-BE49-F238E27FC236}">
+                    <a16:creationId xmlns:a16="http://schemas.microsoft.com/office/drawing/2014/main" id="{AFD502D8-CE8C-B2F4-E904-602B4C6B145D}"/>
+                  </a:ext>
+                </a:extLst>
+              </p:cNvPr>
+              <p:cNvSpPr txBox="1"/>
+              <p:nvPr/>
+            </p:nvSpPr>
+            <p:spPr>
+              <a:xfrm rot="5400000">
+                <a:off x="2339285" y="4675383"/>
+                <a:ext cx="219611" cy="276999"/>
+              </a:xfrm>
+              <a:prstGeom prst="rect">
+                <a:avLst/>
+              </a:prstGeom>
+              <a:noFill/>
+            </p:spPr>
+            <p:txBody>
+              <a:bodyPr wrap="none" lIns="0" tIns="0" rIns="0" bIns="0" rtlCol="0">
+                <a:spAutoFit/>
+              </a:bodyPr>
+              <a:lstStyle/>
+              <a:p>
+                <a14:m>
+                  <m:oMathPara xmlns:m="http://schemas.openxmlformats.org/officeDocument/2006/math">
+                    <m:oMathParaPr>
+                      <m:jc m:val="centerGroup"/>
+                    </m:oMathParaPr>
+                    <m:oMath xmlns:m="http://schemas.openxmlformats.org/officeDocument/2006/math">
+                      <m:r>
+                        <a:rPr lang="vi-VN" b="0" i="1">
+                          <a:latin typeface="Cambria Math" panose="02040503050406030204" pitchFamily="18" charset="0"/>
+                        </a:rPr>
+                        <m:t>…</m:t>
+                      </m:r>
+                    </m:oMath>
+                  </m:oMathPara>
+                </a14:m>
+                <a:endParaRPr lang="en-VN" i="1"/>
+              </a:p>
+            </p:txBody>
+          </p:sp>
+        </mc:Choice>
+        <mc:Fallback>
+          <p:sp>
+            <p:nvSpPr>
+              <p:cNvPr id="101" name="TextBox 100">
+                <a:extLst>
+                  <a:ext uri="{FF2B5EF4-FFF2-40B4-BE49-F238E27FC236}">
+                    <a16:creationId xmlns:a16="http://schemas.microsoft.com/office/drawing/2014/main" id="{AFD502D8-CE8C-B2F4-E904-602B4C6B145D}"/>
+                  </a:ext>
+                </a:extLst>
+              </p:cNvPr>
+              <p:cNvSpPr txBox="1">
+                <a:spLocks noRot="1" noChangeAspect="1" noMove="1" noResize="1" noEditPoints="1" noAdjustHandles="1" noChangeArrowheads="1" noChangeShapeType="1" noTextEdit="1"/>
+              </p:cNvSpPr>
+              <p:nvPr/>
+            </p:nvSpPr>
+            <p:spPr>
+              <a:xfrm rot="5400000">
+                <a:off x="2339285" y="4675383"/>
+                <a:ext cx="219611" cy="276999"/>
+              </a:xfrm>
+              <a:prstGeom prst="rect">
+                <a:avLst/>
+              </a:prstGeom>
+              <a:blipFill>
+                <a:blip r:embed="rId37"/>
+                <a:stretch>
+                  <a:fillRect/>
+                </a:stretch>
+              </a:blipFill>
+            </p:spPr>
+            <p:txBody>
+              <a:bodyPr/>
+              <a:lstStyle/>
+              <a:p>
+                <a:r>
+                  <a:rPr lang="en-VN">
+                    <a:noFill/>
+                  </a:rPr>
+                  <a:t> </a:t>
+                </a:r>
+              </a:p>
+            </p:txBody>
+          </p:sp>
+        </mc:Fallback>
+      </mc:AlternateContent>
+      <mc:AlternateContent xmlns:mc="http://schemas.openxmlformats.org/markup-compatibility/2006">
+        <mc:Choice xmlns:a14="http://schemas.microsoft.com/office/drawing/2010/main" Requires="a14">
+          <p:sp>
+            <p:nvSpPr>
+              <p:cNvPr id="102" name="TextBox 101">
+                <a:extLst>
+                  <a:ext uri="{FF2B5EF4-FFF2-40B4-BE49-F238E27FC236}">
+                    <a16:creationId xmlns:a16="http://schemas.microsoft.com/office/drawing/2014/main" id="{40026D15-F0D4-55DD-B0CF-4E1C8F7573D1}"/>
+                  </a:ext>
+                </a:extLst>
+              </p:cNvPr>
+              <p:cNvSpPr txBox="1"/>
+              <p:nvPr/>
+            </p:nvSpPr>
+            <p:spPr>
+              <a:xfrm>
+                <a:off x="952701" y="5707738"/>
+                <a:ext cx="625231" cy="369332"/>
+              </a:xfrm>
+              <a:prstGeom prst="rect">
+                <a:avLst/>
+              </a:prstGeom>
+              <a:noFill/>
+            </p:spPr>
+            <p:txBody>
+              <a:bodyPr wrap="square" rtlCol="0">
+                <a:spAutoFit/>
+              </a:bodyPr>
+              <a:lstStyle/>
+              <a:p>
+                <a14:m>
+                  <m:oMathPara xmlns:m="http://schemas.openxmlformats.org/officeDocument/2006/math">
+                    <m:oMathParaPr>
+                      <m:jc m:val="centerGroup"/>
+                    </m:oMathParaPr>
+                    <m:oMath xmlns:m="http://schemas.openxmlformats.org/officeDocument/2006/math">
+                      <m:sSup>
+                        <m:sSupPr>
+                          <m:ctrlPr>
+                            <a:rPr lang="vi-VN" b="0" i="1">
+                              <a:latin typeface="Cambria Math" panose="02040503050406030204" pitchFamily="18" charset="0"/>
+                            </a:rPr>
+                          </m:ctrlPr>
+                        </m:sSupPr>
+                        <m:e>
+                          <m:d>
+                            <m:dPr>
+                              <m:begChr m:val="|"/>
+                              <m:endChr m:val="⟩"/>
+                              <m:ctrlPr>
+                                <a:rPr lang="vi-VN" b="0" i="1">
+                                  <a:latin typeface="Cambria Math" panose="02040503050406030204" pitchFamily="18" charset="0"/>
+                                </a:rPr>
+                              </m:ctrlPr>
+                            </m:dPr>
+                            <m:e>
+                              <m:r>
+                                <a:rPr lang="vi-VN" b="0" i="1">
+                                  <a:latin typeface="Cambria Math" panose="02040503050406030204" pitchFamily="18" charset="0"/>
+                                </a:rPr>
+                                <m:t>0</m:t>
+                              </m:r>
+                            </m:e>
+                          </m:d>
+                        </m:e>
+                        <m:sup>
+                          <m:r>
+                            <a:rPr lang="vi-VN" i="1">
+                              <a:latin typeface="Cambria Math" panose="02040503050406030204" pitchFamily="18" charset="0"/>
+                            </a:rPr>
+                            <m:t>𝑛</m:t>
+                          </m:r>
+                        </m:sup>
+                      </m:sSup>
+                    </m:oMath>
+                  </m:oMathPara>
+                </a14:m>
+                <a:endParaRPr lang="en-VN" i="1"/>
+              </a:p>
+            </p:txBody>
+          </p:sp>
+        </mc:Choice>
+        <mc:Fallback>
+          <p:sp>
+            <p:nvSpPr>
+              <p:cNvPr id="102" name="TextBox 101">
+                <a:extLst>
+                  <a:ext uri="{FF2B5EF4-FFF2-40B4-BE49-F238E27FC236}">
+                    <a16:creationId xmlns:a16="http://schemas.microsoft.com/office/drawing/2014/main" id="{40026D15-F0D4-55DD-B0CF-4E1C8F7573D1}"/>
+                  </a:ext>
+                </a:extLst>
+              </p:cNvPr>
+              <p:cNvSpPr txBox="1">
+                <a:spLocks noRot="1" noChangeAspect="1" noMove="1" noResize="1" noEditPoints="1" noAdjustHandles="1" noChangeArrowheads="1" noChangeShapeType="1" noTextEdit="1"/>
+              </p:cNvSpPr>
+              <p:nvPr/>
+            </p:nvSpPr>
+            <p:spPr>
+              <a:xfrm>
+                <a:off x="952701" y="5707738"/>
+                <a:ext cx="625231" cy="369332"/>
+              </a:xfrm>
+              <a:prstGeom prst="rect">
+                <a:avLst/>
+              </a:prstGeom>
+              <a:blipFill>
+                <a:blip r:embed="rId38"/>
+                <a:stretch>
+                  <a:fillRect/>
+                </a:stretch>
+              </a:blipFill>
+            </p:spPr>
+            <p:txBody>
+              <a:bodyPr/>
+              <a:lstStyle/>
+              <a:p>
+                <a:r>
+                  <a:rPr lang="en-VN">
+                    <a:noFill/>
+                  </a:rPr>
+                  <a:t> </a:t>
+                </a:r>
+              </a:p>
+            </p:txBody>
+          </p:sp>
+        </mc:Fallback>
+      </mc:AlternateContent>
+      <p:cxnSp>
+        <p:nvCxnSpPr>
+          <p:cNvPr id="103" name="Straight Arrow Connector 102">
+            <a:extLst>
+              <a:ext uri="{FF2B5EF4-FFF2-40B4-BE49-F238E27FC236}">
+                <a16:creationId xmlns:a16="http://schemas.microsoft.com/office/drawing/2014/main" id="{3AD799D7-EFE2-B225-4B3D-C82F82A50C64}"/>
+              </a:ext>
+            </a:extLst>
+          </p:cNvPr>
+          <p:cNvCxnSpPr>
+            <a:cxnSpLocks/>
+          </p:cNvCxnSpPr>
+          <p:nvPr/>
+        </p:nvCxnSpPr>
+        <p:spPr>
+          <a:xfrm>
+            <a:off x="1577129" y="5937140"/>
+            <a:ext cx="2556000" cy="1"/>
+          </a:xfrm>
+          <a:prstGeom prst="straightConnector1">
+            <a:avLst/>
+          </a:prstGeom>
+          <a:ln>
+            <a:headEnd type="none" w="med" len="med"/>
+            <a:tailEnd type="none" w="med" len="med"/>
+          </a:ln>
+        </p:spPr>
+        <p:style>
+          <a:lnRef idx="2">
+            <a:schemeClr val="dk1"/>
+          </a:lnRef>
+          <a:fillRef idx="0">
+            <a:schemeClr val="dk1"/>
+          </a:fillRef>
+          <a:effectRef idx="1">
+            <a:schemeClr val="dk1"/>
+          </a:effectRef>
+          <a:fontRef idx="minor">
+            <a:schemeClr val="tx1"/>
+          </a:fontRef>
+        </p:style>
+      </p:cxnSp>
+      <mc:AlternateContent xmlns:mc="http://schemas.openxmlformats.org/markup-compatibility/2006">
+        <mc:Choice xmlns:a14="http://schemas.microsoft.com/office/drawing/2010/main" Requires="a14">
+          <p:sp>
+            <p:nvSpPr>
+              <p:cNvPr id="104" name="Rectangle 103">
+                <a:extLst>
+                  <a:ext uri="{FF2B5EF4-FFF2-40B4-BE49-F238E27FC236}">
+                    <a16:creationId xmlns:a16="http://schemas.microsoft.com/office/drawing/2014/main" id="{4C2AD5B8-E9A1-22E7-CB8D-66F1E1DA250B}"/>
+                  </a:ext>
+                </a:extLst>
+              </p:cNvPr>
+              <p:cNvSpPr/>
+              <p:nvPr/>
+            </p:nvSpPr>
+            <p:spPr>
+              <a:xfrm>
+                <a:off x="1693138" y="5707738"/>
+                <a:ext cx="928681" cy="428263"/>
+              </a:xfrm>
+              <a:prstGeom prst="rect">
+                <a:avLst/>
+              </a:prstGeom>
+              <a:solidFill>
+                <a:schemeClr val="bg1"/>
+              </a:solidFill>
+              <a:ln>
+                <a:solidFill>
+                  <a:schemeClr val="tx1"/>
+                </a:solidFill>
+              </a:ln>
+            </p:spPr>
+            <p:style>
+              <a:lnRef idx="2">
+                <a:schemeClr val="accent1">
+                  <a:shade val="15000"/>
+                </a:schemeClr>
+              </a:lnRef>
+              <a:fillRef idx="1">
+                <a:schemeClr val="accent1"/>
+              </a:fillRef>
+              <a:effectRef idx="0">
+                <a:schemeClr val="accent1"/>
+              </a:effectRef>
+              <a:fontRef idx="minor">
+                <a:schemeClr val="lt1"/>
+              </a:fontRef>
+            </p:style>
+            <p:txBody>
+              <a:bodyPr rtlCol="0" anchor="ctr"/>
+              <a:lstStyle/>
+              <a:p>
+                <a:pPr algn="ctr"/>
+                <a14:m>
+                  <m:oMathPara xmlns:m="http://schemas.openxmlformats.org/officeDocument/2006/math">
+                    <m:oMathParaPr>
+                      <m:jc m:val="centerGroup"/>
+                    </m:oMathParaPr>
+                    <m:oMath xmlns:m="http://schemas.openxmlformats.org/officeDocument/2006/math">
+                      <m:sSub>
+                        <m:sSubPr>
+                          <m:ctrlPr>
+                            <a:rPr lang="vi-VN" b="0" i="1">
+                              <a:solidFill>
+                                <a:schemeClr val="tx1"/>
+                              </a:solidFill>
+                              <a:latin typeface="Cambria Math" panose="02040503050406030204" pitchFamily="18" charset="0"/>
+                            </a:rPr>
+                          </m:ctrlPr>
+                        </m:sSubPr>
+                        <m:e>
+                          <m:r>
+                            <a:rPr lang="en-VN" i="1">
+                              <a:solidFill>
+                                <a:schemeClr val="tx1"/>
+                              </a:solidFill>
+                              <a:latin typeface="Cambria Math" panose="02040503050406030204" pitchFamily="18" charset="0"/>
+                            </a:rPr>
+                            <m:t>𝑈</m:t>
+                          </m:r>
+                        </m:e>
+                        <m:sub>
+                          <m:r>
+                            <a:rPr lang="vi-VN" b="0" i="1">
+                              <a:solidFill>
+                                <a:schemeClr val="tx1"/>
+                              </a:solidFill>
+                              <a:latin typeface="Cambria Math" panose="02040503050406030204" pitchFamily="18" charset="0"/>
+                            </a:rPr>
+                            <m:t>0</m:t>
+                          </m:r>
+                        </m:sub>
+                      </m:sSub>
+                      <m:r>
+                        <a:rPr lang="vi-VN" b="0" i="1">
+                          <a:solidFill>
+                            <a:schemeClr val="tx1"/>
+                          </a:solidFill>
+                          <a:latin typeface="Cambria Math" panose="02040503050406030204" pitchFamily="18" charset="0"/>
+                        </a:rPr>
+                        <m:t>(</m:t>
+                      </m:r>
+                      <m:sSub>
+                        <m:sSubPr>
+                          <m:ctrlPr>
+                            <a:rPr lang="vi-VN" b="0" i="1">
+                              <a:solidFill>
+                                <a:schemeClr val="tx1"/>
+                              </a:solidFill>
+                              <a:latin typeface="Cambria Math" panose="02040503050406030204" pitchFamily="18" charset="0"/>
+                            </a:rPr>
+                          </m:ctrlPr>
+                        </m:sSubPr>
+                        <m:e>
+                          <m:r>
+                            <a:rPr lang="vi-VN" b="0" i="1">
+                              <a:solidFill>
+                                <a:schemeClr val="tx1"/>
+                              </a:solidFill>
+                              <a:latin typeface="Cambria Math" panose="02040503050406030204" pitchFamily="18" charset="0"/>
+                            </a:rPr>
+                            <m:t>𝜃</m:t>
+                          </m:r>
+                        </m:e>
+                        <m:sub>
+                          <m:r>
+                            <a:rPr lang="vi-VN" b="0" i="1">
+                              <a:solidFill>
+                                <a:schemeClr val="tx1"/>
+                              </a:solidFill>
+                              <a:latin typeface="Cambria Math" panose="02040503050406030204" pitchFamily="18" charset="0"/>
+                            </a:rPr>
+                            <m:t>0</m:t>
+                          </m:r>
+                        </m:sub>
+                      </m:sSub>
+                      <m:r>
+                        <a:rPr lang="vi-VN" b="0" i="1">
+                          <a:solidFill>
+                            <a:schemeClr val="tx1"/>
+                          </a:solidFill>
+                          <a:latin typeface="Cambria Math" panose="02040503050406030204" pitchFamily="18" charset="0"/>
+                        </a:rPr>
+                        <m:t>)</m:t>
+                      </m:r>
+                    </m:oMath>
+                  </m:oMathPara>
+                </a14:m>
+                <a:endParaRPr lang="en-VN" i="1">
+                  <a:solidFill>
+                    <a:schemeClr val="tx1"/>
+                  </a:solidFill>
+                </a:endParaRPr>
+              </a:p>
+            </p:txBody>
+          </p:sp>
+        </mc:Choice>
+        <mc:Fallback>
+          <p:sp>
+            <p:nvSpPr>
+              <p:cNvPr id="104" name="Rectangle 103">
+                <a:extLst>
+                  <a:ext uri="{FF2B5EF4-FFF2-40B4-BE49-F238E27FC236}">
+                    <a16:creationId xmlns:a16="http://schemas.microsoft.com/office/drawing/2014/main" id="{4C2AD5B8-E9A1-22E7-CB8D-66F1E1DA250B}"/>
+                  </a:ext>
+                </a:extLst>
+              </p:cNvPr>
+              <p:cNvSpPr>
+                <a:spLocks noRot="1" noChangeAspect="1" noMove="1" noResize="1" noEditPoints="1" noAdjustHandles="1" noChangeArrowheads="1" noChangeShapeType="1" noTextEdit="1"/>
+              </p:cNvSpPr>
+              <p:nvPr/>
+            </p:nvSpPr>
+            <p:spPr>
+              <a:xfrm>
+                <a:off x="1693138" y="5707738"/>
+                <a:ext cx="928681" cy="428263"/>
+              </a:xfrm>
+              <a:prstGeom prst="rect">
+                <a:avLst/>
+              </a:prstGeom>
+              <a:blipFill>
+                <a:blip r:embed="rId39"/>
+                <a:stretch>
+                  <a:fillRect b="-2703"/>
+                </a:stretch>
+              </a:blipFill>
+              <a:ln>
+                <a:solidFill>
+                  <a:schemeClr val="tx1"/>
+                </a:solidFill>
+              </a:ln>
+            </p:spPr>
+            <p:txBody>
+              <a:bodyPr/>
+              <a:lstStyle/>
+              <a:p>
+                <a:r>
+                  <a:rPr lang="en-VN">
+                    <a:noFill/>
+                  </a:rPr>
+                  <a:t> </a:t>
+                </a:r>
+              </a:p>
+            </p:txBody>
+          </p:sp>
+        </mc:Fallback>
+      </mc:AlternateContent>
+      <mc:AlternateContent xmlns:mc="http://schemas.openxmlformats.org/markup-compatibility/2006">
+        <mc:Choice xmlns:a14="http://schemas.microsoft.com/office/drawing/2010/main" Requires="a14">
+          <p:sp>
+            <p:nvSpPr>
+              <p:cNvPr id="105" name="Rectangle 104">
+                <a:extLst>
+                  <a:ext uri="{FF2B5EF4-FFF2-40B4-BE49-F238E27FC236}">
+                    <a16:creationId xmlns:a16="http://schemas.microsoft.com/office/drawing/2014/main" id="{61E4B653-51E7-92B1-8A6C-24FE3436A459}"/>
+                  </a:ext>
+                </a:extLst>
+              </p:cNvPr>
+              <p:cNvSpPr/>
+              <p:nvPr/>
+            </p:nvSpPr>
+            <p:spPr>
+              <a:xfrm>
+                <a:off x="2739445" y="5704786"/>
+                <a:ext cx="1078225" cy="428263"/>
+              </a:xfrm>
+              <a:prstGeom prst="rect">
+                <a:avLst/>
+              </a:prstGeom>
+              <a:solidFill>
+                <a:schemeClr val="bg1"/>
+              </a:solidFill>
+              <a:ln>
+                <a:solidFill>
+                  <a:schemeClr val="tx1"/>
+                </a:solidFill>
+              </a:ln>
+            </p:spPr>
+            <p:style>
+              <a:lnRef idx="2">
+                <a:schemeClr val="accent1">
+                  <a:shade val="15000"/>
+                </a:schemeClr>
+              </a:lnRef>
+              <a:fillRef idx="1">
+                <a:schemeClr val="accent1"/>
+              </a:fillRef>
+              <a:effectRef idx="0">
+                <a:schemeClr val="accent1"/>
+              </a:effectRef>
+              <a:fontRef idx="minor">
+                <a:schemeClr val="lt1"/>
+              </a:fontRef>
+            </p:style>
+            <p:txBody>
+              <a:bodyPr rtlCol="0" anchor="ctr"/>
+              <a:lstStyle/>
+              <a:p>
+                <a:pPr algn="ctr"/>
+                <a14:m>
+                  <m:oMathPara xmlns:m="http://schemas.openxmlformats.org/officeDocument/2006/math">
+                    <m:oMathParaPr>
+                      <m:jc m:val="centerGroup"/>
+                    </m:oMathParaPr>
+                    <m:oMath xmlns:m="http://schemas.openxmlformats.org/officeDocument/2006/math">
+                      <m:sSub>
+                        <m:sSubPr>
+                          <m:ctrlPr>
+                            <a:rPr lang="vi-VN" b="0" i="1">
+                              <a:solidFill>
+                                <a:schemeClr val="tx1"/>
+                              </a:solidFill>
+                              <a:latin typeface="Cambria Math" panose="02040503050406030204" pitchFamily="18" charset="0"/>
+                            </a:rPr>
+                          </m:ctrlPr>
+                        </m:sSubPr>
+                        <m:e>
+                          <m:r>
+                            <a:rPr lang="en-VN" i="1">
+                              <a:solidFill>
+                                <a:schemeClr val="tx1"/>
+                              </a:solidFill>
+                              <a:latin typeface="Cambria Math" panose="02040503050406030204" pitchFamily="18" charset="0"/>
+                            </a:rPr>
+                            <m:t>𝑈</m:t>
+                          </m:r>
+                        </m:e>
+                        <m:sub>
+                          <m:r>
+                            <a:rPr lang="vi-VN" b="0" i="1">
+                              <a:solidFill>
+                                <a:schemeClr val="tx1"/>
+                              </a:solidFill>
+                              <a:latin typeface="Cambria Math" panose="02040503050406030204" pitchFamily="18" charset="0"/>
+                            </a:rPr>
+                            <m:t>1</m:t>
+                          </m:r>
+                        </m:sub>
+                      </m:sSub>
+                      <m:r>
+                        <a:rPr lang="vi-VN" b="0" i="1">
+                          <a:solidFill>
+                            <a:schemeClr val="tx1"/>
+                          </a:solidFill>
+                          <a:latin typeface="Cambria Math" panose="02040503050406030204" pitchFamily="18" charset="0"/>
+                        </a:rPr>
+                        <m:t>(</m:t>
+                      </m:r>
+                      <m:sSub>
+                        <m:sSubPr>
+                          <m:ctrlPr>
+                            <a:rPr lang="vi-VN" b="0" i="1">
+                              <a:solidFill>
+                                <a:schemeClr val="tx1"/>
+                              </a:solidFill>
+                              <a:latin typeface="Cambria Math" panose="02040503050406030204" pitchFamily="18" charset="0"/>
+                            </a:rPr>
+                          </m:ctrlPr>
+                        </m:sSubPr>
+                        <m:e>
+                          <m:r>
+                            <a:rPr lang="vi-VN" b="0" i="1">
+                              <a:solidFill>
+                                <a:schemeClr val="tx1"/>
+                              </a:solidFill>
+                              <a:latin typeface="Cambria Math" panose="02040503050406030204" pitchFamily="18" charset="0"/>
+                            </a:rPr>
+                            <m:t>𝜃</m:t>
+                          </m:r>
+                        </m:e>
+                        <m:sub>
+                          <m:r>
+                            <a:rPr lang="vi-VN" b="0" i="1">
+                              <a:solidFill>
+                                <a:schemeClr val="tx1"/>
+                              </a:solidFill>
+                              <a:latin typeface="Cambria Math" panose="02040503050406030204" pitchFamily="18" charset="0"/>
+                            </a:rPr>
+                            <m:t>1</m:t>
+                          </m:r>
+                        </m:sub>
+                      </m:sSub>
+                      <m:r>
+                        <a:rPr lang="vi-VN" b="0" i="1">
+                          <a:solidFill>
+                            <a:schemeClr val="tx1"/>
+                          </a:solidFill>
+                          <a:latin typeface="Cambria Math" panose="02040503050406030204" pitchFamily="18" charset="0"/>
+                        </a:rPr>
+                        <m:t>)</m:t>
+                      </m:r>
+                    </m:oMath>
+                  </m:oMathPara>
+                </a14:m>
+                <a:endParaRPr lang="en-VN" i="1">
+                  <a:solidFill>
+                    <a:schemeClr val="tx1"/>
+                  </a:solidFill>
+                </a:endParaRPr>
+              </a:p>
+            </p:txBody>
+          </p:sp>
+        </mc:Choice>
+        <mc:Fallback>
+          <p:sp>
+            <p:nvSpPr>
+              <p:cNvPr id="105" name="Rectangle 104">
+                <a:extLst>
+                  <a:ext uri="{FF2B5EF4-FFF2-40B4-BE49-F238E27FC236}">
+                    <a16:creationId xmlns:a16="http://schemas.microsoft.com/office/drawing/2014/main" id="{61E4B653-51E7-92B1-8A6C-24FE3436A459}"/>
+                  </a:ext>
+                </a:extLst>
+              </p:cNvPr>
+              <p:cNvSpPr>
+                <a:spLocks noRot="1" noChangeAspect="1" noMove="1" noResize="1" noEditPoints="1" noAdjustHandles="1" noChangeArrowheads="1" noChangeShapeType="1" noTextEdit="1"/>
+              </p:cNvSpPr>
+              <p:nvPr/>
+            </p:nvSpPr>
+            <p:spPr>
+              <a:xfrm>
+                <a:off x="2739445" y="5704786"/>
+                <a:ext cx="1078225" cy="428263"/>
+              </a:xfrm>
+              <a:prstGeom prst="rect">
+                <a:avLst/>
+              </a:prstGeom>
+              <a:blipFill>
+                <a:blip r:embed="rId40"/>
+                <a:stretch>
+                  <a:fillRect b="-2778"/>
+                </a:stretch>
+              </a:blipFill>
+              <a:ln>
+                <a:solidFill>
+                  <a:schemeClr val="tx1"/>
+                </a:solidFill>
+              </a:ln>
+            </p:spPr>
+            <p:txBody>
+              <a:bodyPr/>
+              <a:lstStyle/>
+              <a:p>
+                <a:r>
+                  <a:rPr lang="en-VN">
+                    <a:noFill/>
+                  </a:rPr>
+                  <a:t> </a:t>
+                </a:r>
+              </a:p>
+            </p:txBody>
+          </p:sp>
+        </mc:Fallback>
+      </mc:AlternateContent>
+      <p:cxnSp>
+        <p:nvCxnSpPr>
+          <p:cNvPr id="106" name="Straight Arrow Connector 105">
+            <a:extLst>
+              <a:ext uri="{FF2B5EF4-FFF2-40B4-BE49-F238E27FC236}">
+                <a16:creationId xmlns:a16="http://schemas.microsoft.com/office/drawing/2014/main" id="{2E01BB76-2663-1FB1-4EB0-7AFB90CC2BC7}"/>
+              </a:ext>
+            </a:extLst>
+          </p:cNvPr>
+          <p:cNvCxnSpPr>
+            <a:cxnSpLocks/>
+            <a:endCxn id="107" idx="3"/>
+          </p:cNvCxnSpPr>
+          <p:nvPr/>
+        </p:nvCxnSpPr>
+        <p:spPr>
+          <a:xfrm flipV="1">
+            <a:off x="4704060" y="5937141"/>
+            <a:ext cx="2272155" cy="15824"/>
+          </a:xfrm>
+          <a:prstGeom prst="straightConnector1">
+            <a:avLst/>
+          </a:prstGeom>
+          <a:ln>
+            <a:headEnd type="none" w="med" len="med"/>
+            <a:tailEnd type="none" w="med" len="med"/>
+          </a:ln>
+        </p:spPr>
+        <p:style>
+          <a:lnRef idx="2">
+            <a:schemeClr val="dk1"/>
+          </a:lnRef>
+          <a:fillRef idx="0">
+            <a:schemeClr val="dk1"/>
+          </a:fillRef>
+          <a:effectRef idx="1">
+            <a:schemeClr val="dk1"/>
+          </a:effectRef>
+          <a:fontRef idx="minor">
+            <a:schemeClr val="tx1"/>
+          </a:fontRef>
+        </p:style>
+      </p:cxnSp>
+      <mc:AlternateContent xmlns:mc="http://schemas.openxmlformats.org/markup-compatibility/2006">
+        <mc:Choice xmlns:a14="http://schemas.microsoft.com/office/drawing/2010/main" Requires="a14">
+          <p:sp>
+            <p:nvSpPr>
+              <p:cNvPr id="107" name="Rectangle 106">
+                <a:extLst>
+                  <a:ext uri="{FF2B5EF4-FFF2-40B4-BE49-F238E27FC236}">
+                    <a16:creationId xmlns:a16="http://schemas.microsoft.com/office/drawing/2014/main" id="{2CDC6C88-7CC8-2B6A-8BA8-006AF470830C}"/>
+                  </a:ext>
+                </a:extLst>
+              </p:cNvPr>
+              <p:cNvSpPr/>
+              <p:nvPr/>
+            </p:nvSpPr>
+            <p:spPr>
+              <a:xfrm>
+                <a:off x="4966008" y="5723009"/>
+                <a:ext cx="2010207" cy="428263"/>
+              </a:xfrm>
+              <a:prstGeom prst="rect">
+                <a:avLst/>
+              </a:prstGeom>
+              <a:solidFill>
+                <a:schemeClr val="bg1"/>
+              </a:solidFill>
+              <a:ln>
+                <a:solidFill>
+                  <a:schemeClr val="tx1"/>
+                </a:solidFill>
+              </a:ln>
+            </p:spPr>
+            <p:style>
+              <a:lnRef idx="2">
+                <a:schemeClr val="accent1">
+                  <a:shade val="15000"/>
+                </a:schemeClr>
+              </a:lnRef>
+              <a:fillRef idx="1">
+                <a:schemeClr val="accent1"/>
+              </a:fillRef>
+              <a:effectRef idx="0">
+                <a:schemeClr val="accent1"/>
+              </a:effectRef>
+              <a:fontRef idx="minor">
+                <a:schemeClr val="lt1"/>
+              </a:fontRef>
+            </p:style>
+            <p:txBody>
+              <a:bodyPr rtlCol="0" anchor="ctr"/>
+              <a:lstStyle/>
+              <a:p>
+                <a:pPr algn="ctr"/>
+                <a14:m>
+                  <m:oMathPara xmlns:m="http://schemas.openxmlformats.org/officeDocument/2006/math">
+                    <m:oMathParaPr>
+                      <m:jc m:val="centerGroup"/>
+                    </m:oMathParaPr>
+                    <m:oMath xmlns:m="http://schemas.openxmlformats.org/officeDocument/2006/math">
+                      <m:sSub>
+                        <m:sSubPr>
+                          <m:ctrlPr>
+                            <a:rPr lang="vi-VN" b="0" i="1">
+                              <a:solidFill>
+                                <a:schemeClr val="tx1"/>
+                              </a:solidFill>
+                              <a:latin typeface="Cambria Math" panose="02040503050406030204" pitchFamily="18" charset="0"/>
+                            </a:rPr>
+                          </m:ctrlPr>
+                        </m:sSubPr>
+                        <m:e>
+                          <m:r>
+                            <a:rPr lang="en-VN" i="1">
+                              <a:solidFill>
+                                <a:schemeClr val="tx1"/>
+                              </a:solidFill>
+                              <a:latin typeface="Cambria Math" panose="02040503050406030204" pitchFamily="18" charset="0"/>
+                            </a:rPr>
+                            <m:t>𝑈</m:t>
+                          </m:r>
+                        </m:e>
+                        <m:sub>
+                          <m:r>
+                            <a:rPr lang="vi-VN" i="1">
+                              <a:solidFill>
+                                <a:schemeClr val="tx1"/>
+                              </a:solidFill>
+                              <a:latin typeface="Cambria Math" panose="02040503050406030204" pitchFamily="18" charset="0"/>
+                            </a:rPr>
+                            <m:t>𝑚</m:t>
+                          </m:r>
+                          <m:r>
+                            <a:rPr lang="vi-VN" b="0" i="1">
+                              <a:solidFill>
+                                <a:schemeClr val="tx1"/>
+                              </a:solidFill>
+                              <a:latin typeface="Cambria Math" panose="02040503050406030204" pitchFamily="18" charset="0"/>
+                            </a:rPr>
+                            <m:t>−1</m:t>
+                          </m:r>
+                        </m:sub>
+                      </m:sSub>
+                      <m:r>
+                        <a:rPr lang="vi-VN" b="0" i="1">
+                          <a:solidFill>
+                            <a:schemeClr val="tx1"/>
+                          </a:solidFill>
+                          <a:latin typeface="Cambria Math" panose="02040503050406030204" pitchFamily="18" charset="0"/>
+                        </a:rPr>
+                        <m:t>(</m:t>
+                      </m:r>
+                      <m:sSub>
+                        <m:sSubPr>
+                          <m:ctrlPr>
+                            <a:rPr lang="vi-VN" b="0" i="1">
+                              <a:solidFill>
+                                <a:schemeClr val="tx1"/>
+                              </a:solidFill>
+                              <a:latin typeface="Cambria Math" panose="02040503050406030204" pitchFamily="18" charset="0"/>
+                            </a:rPr>
+                          </m:ctrlPr>
+                        </m:sSubPr>
+                        <m:e>
+                          <m:r>
+                            <a:rPr lang="vi-VN" b="0" i="1">
+                              <a:solidFill>
+                                <a:schemeClr val="tx1"/>
+                              </a:solidFill>
+                              <a:latin typeface="Cambria Math" panose="02040503050406030204" pitchFamily="18" charset="0"/>
+                            </a:rPr>
+                            <m:t>𝜃</m:t>
+                          </m:r>
+                        </m:e>
+                        <m:sub>
+                          <m:r>
+                            <a:rPr lang="vi-VN" i="1">
+                              <a:solidFill>
+                                <a:schemeClr val="tx1"/>
+                              </a:solidFill>
+                              <a:latin typeface="Cambria Math" panose="02040503050406030204" pitchFamily="18" charset="0"/>
+                            </a:rPr>
+                            <m:t>𝑚</m:t>
+                          </m:r>
+                          <m:r>
+                            <a:rPr lang="vi-VN" b="0" i="1">
+                              <a:solidFill>
+                                <a:schemeClr val="tx1"/>
+                              </a:solidFill>
+                              <a:latin typeface="Cambria Math" panose="02040503050406030204" pitchFamily="18" charset="0"/>
+                            </a:rPr>
+                            <m:t>−1</m:t>
+                          </m:r>
+                        </m:sub>
+                      </m:sSub>
+                      <m:r>
+                        <a:rPr lang="vi-VN" b="0" i="1">
+                          <a:solidFill>
+                            <a:schemeClr val="tx1"/>
+                          </a:solidFill>
+                          <a:latin typeface="Cambria Math" panose="02040503050406030204" pitchFamily="18" charset="0"/>
+                        </a:rPr>
+                        <m:t>−</m:t>
+                      </m:r>
+                      <m:sSub>
+                        <m:sSubPr>
+                          <m:ctrlPr>
+                            <a:rPr lang="vi-VN" b="0" i="1">
+                              <a:solidFill>
+                                <a:schemeClr val="tx1"/>
+                              </a:solidFill>
+                              <a:latin typeface="Cambria Math" panose="02040503050406030204" pitchFamily="18" charset="0"/>
+                            </a:rPr>
+                          </m:ctrlPr>
+                        </m:sSubPr>
+                        <m:e>
+                          <m:r>
+                            <a:rPr lang="vi-VN" b="0" i="1">
+                              <a:solidFill>
+                                <a:schemeClr val="tx1"/>
+                              </a:solidFill>
+                              <a:latin typeface="Cambria Math" panose="02040503050406030204" pitchFamily="18" charset="0"/>
+                            </a:rPr>
+                            <m:t>𝜖</m:t>
+                          </m:r>
+                        </m:e>
+                        <m:sub>
+                          <m:r>
+                            <a:rPr lang="vi-VN" i="1">
+                              <a:solidFill>
+                                <a:schemeClr val="tx1"/>
+                              </a:solidFill>
+                              <a:latin typeface="Cambria Math" panose="02040503050406030204" pitchFamily="18" charset="0"/>
+                            </a:rPr>
+                            <m:t>𝑘</m:t>
+                          </m:r>
+                        </m:sub>
+                      </m:sSub>
+                      <m:r>
+                        <a:rPr lang="vi-VN" b="0" i="1">
+                          <a:solidFill>
+                            <a:schemeClr val="tx1"/>
+                          </a:solidFill>
+                          <a:latin typeface="Cambria Math" panose="02040503050406030204" pitchFamily="18" charset="0"/>
+                        </a:rPr>
+                        <m:t>)</m:t>
+                      </m:r>
+                    </m:oMath>
+                  </m:oMathPara>
+                </a14:m>
+                <a:endParaRPr lang="en-VN" i="1">
+                  <a:solidFill>
+                    <a:schemeClr val="tx1"/>
+                  </a:solidFill>
+                </a:endParaRPr>
+              </a:p>
+            </p:txBody>
+          </p:sp>
+        </mc:Choice>
+        <mc:Fallback>
+          <p:sp>
+            <p:nvSpPr>
+              <p:cNvPr id="107" name="Rectangle 106">
+                <a:extLst>
+                  <a:ext uri="{FF2B5EF4-FFF2-40B4-BE49-F238E27FC236}">
+                    <a16:creationId xmlns:a16="http://schemas.microsoft.com/office/drawing/2014/main" id="{2CDC6C88-7CC8-2B6A-8BA8-006AF470830C}"/>
+                  </a:ext>
+                </a:extLst>
+              </p:cNvPr>
+              <p:cNvSpPr>
+                <a:spLocks noRot="1" noChangeAspect="1" noMove="1" noResize="1" noEditPoints="1" noAdjustHandles="1" noChangeArrowheads="1" noChangeShapeType="1" noTextEdit="1"/>
+              </p:cNvSpPr>
+              <p:nvPr/>
+            </p:nvSpPr>
+            <p:spPr>
+              <a:xfrm>
+                <a:off x="4966008" y="5723009"/>
+                <a:ext cx="2010207" cy="428263"/>
+              </a:xfrm>
+              <a:prstGeom prst="rect">
+                <a:avLst/>
+              </a:prstGeom>
+              <a:blipFill>
+                <a:blip r:embed="rId41"/>
+                <a:stretch>
+                  <a:fillRect b="-2778"/>
+                </a:stretch>
+              </a:blipFill>
+              <a:ln>
+                <a:solidFill>
+                  <a:schemeClr val="tx1"/>
+                </a:solidFill>
+              </a:ln>
+            </p:spPr>
+            <p:txBody>
+              <a:bodyPr/>
+              <a:lstStyle/>
+              <a:p>
+                <a:r>
+                  <a:rPr lang="en-VN">
+                    <a:noFill/>
+                  </a:rPr>
+                  <a:t> </a:t>
+                </a:r>
+              </a:p>
+            </p:txBody>
+          </p:sp>
+        </mc:Fallback>
+      </mc:AlternateContent>
+      <mc:AlternateContent xmlns:mc="http://schemas.openxmlformats.org/markup-compatibility/2006">
+        <mc:Choice xmlns:a14="http://schemas.microsoft.com/office/drawing/2010/main" Requires="a14">
+          <p:sp>
+            <p:nvSpPr>
+              <p:cNvPr id="108" name="TextBox 107">
+                <a:extLst>
+                  <a:ext uri="{FF2B5EF4-FFF2-40B4-BE49-F238E27FC236}">
+                    <a16:creationId xmlns:a16="http://schemas.microsoft.com/office/drawing/2014/main" id="{C4459505-5815-6C44-473A-E178C74045F6}"/>
+                  </a:ext>
+                </a:extLst>
+              </p:cNvPr>
+              <p:cNvSpPr txBox="1"/>
+              <p:nvPr/>
+            </p:nvSpPr>
+            <p:spPr>
+              <a:xfrm>
+                <a:off x="4313147" y="5741551"/>
+                <a:ext cx="219611" cy="276999"/>
+              </a:xfrm>
+              <a:prstGeom prst="rect">
+                <a:avLst/>
+              </a:prstGeom>
+              <a:noFill/>
+            </p:spPr>
+            <p:txBody>
+              <a:bodyPr wrap="none" lIns="0" tIns="0" rIns="0" bIns="0" rtlCol="0">
+                <a:spAutoFit/>
+              </a:bodyPr>
+              <a:lstStyle/>
+              <a:p>
+                <a14:m>
+                  <m:oMathPara xmlns:m="http://schemas.openxmlformats.org/officeDocument/2006/math">
+                    <m:oMathParaPr>
+                      <m:jc m:val="centerGroup"/>
+                    </m:oMathParaPr>
+                    <m:oMath xmlns:m="http://schemas.openxmlformats.org/officeDocument/2006/math">
+                      <m:r>
+                        <a:rPr lang="vi-VN" b="0" i="1">
+                          <a:latin typeface="Cambria Math" panose="02040503050406030204" pitchFamily="18" charset="0"/>
+                        </a:rPr>
+                        <m:t>…</m:t>
+                      </m:r>
+                    </m:oMath>
+                  </m:oMathPara>
+                </a14:m>
+                <a:endParaRPr lang="en-VN" i="1"/>
+              </a:p>
+            </p:txBody>
+          </p:sp>
+        </mc:Choice>
+        <mc:Fallback>
+          <p:sp>
+            <p:nvSpPr>
+              <p:cNvPr id="108" name="TextBox 107">
+                <a:extLst>
+                  <a:ext uri="{FF2B5EF4-FFF2-40B4-BE49-F238E27FC236}">
+                    <a16:creationId xmlns:a16="http://schemas.microsoft.com/office/drawing/2014/main" id="{C4459505-5815-6C44-473A-E178C74045F6}"/>
+                  </a:ext>
+                </a:extLst>
+              </p:cNvPr>
+              <p:cNvSpPr txBox="1">
+                <a:spLocks noRot="1" noChangeAspect="1" noMove="1" noResize="1" noEditPoints="1" noAdjustHandles="1" noChangeArrowheads="1" noChangeShapeType="1" noTextEdit="1"/>
+              </p:cNvSpPr>
+              <p:nvPr/>
+            </p:nvSpPr>
+            <p:spPr>
+              <a:xfrm>
+                <a:off x="4313147" y="5741551"/>
+                <a:ext cx="219611" cy="276999"/>
+              </a:xfrm>
+              <a:prstGeom prst="rect">
+                <a:avLst/>
+              </a:prstGeom>
+              <a:blipFill>
+                <a:blip r:embed="rId17"/>
+                <a:stretch>
+                  <a:fillRect/>
+                </a:stretch>
+              </a:blipFill>
+            </p:spPr>
+            <p:txBody>
+              <a:bodyPr/>
+              <a:lstStyle/>
+              <a:p>
+                <a:r>
+                  <a:rPr lang="en-VN">
+                    <a:noFill/>
+                  </a:rPr>
+                  <a:t> </a:t>
+                </a:r>
+              </a:p>
+            </p:txBody>
+          </p:sp>
+        </mc:Fallback>
+      </mc:AlternateContent>
+      <p:sp>
+        <p:nvSpPr>
+          <p:cNvPr id="109" name="Right Bracket 108">
+            <a:extLst>
+              <a:ext uri="{FF2B5EF4-FFF2-40B4-BE49-F238E27FC236}">
+                <a16:creationId xmlns:a16="http://schemas.microsoft.com/office/drawing/2014/main" id="{5AA27543-4F72-9BB7-25BC-9AEF0D5C9AD5}"/>
+              </a:ext>
+            </a:extLst>
+          </p:cNvPr>
+          <p:cNvSpPr/>
+          <p:nvPr/>
+        </p:nvSpPr>
+        <p:spPr>
+          <a:xfrm>
+            <a:off x="7091421" y="5788203"/>
+            <a:ext cx="64736" cy="259076"/>
+          </a:xfrm>
+          <a:prstGeom prst="rightBracket">
+            <a:avLst/>
+          </a:prstGeom>
+        </p:spPr>
+        <p:style>
+          <a:lnRef idx="2">
+            <a:schemeClr val="dk1"/>
+          </a:lnRef>
+          <a:fillRef idx="0">
+            <a:schemeClr val="dk1"/>
+          </a:fillRef>
+          <a:effectRef idx="1">
+            <a:schemeClr val="dk1"/>
+          </a:effectRef>
+          <a:fontRef idx="minor">
+            <a:schemeClr val="tx1"/>
+          </a:fontRef>
+        </p:style>
+        <p:txBody>
+          <a:bodyPr rtlCol="0" anchor="ctr"/>
+          <a:lstStyle/>
+          <a:p>
+            <a:pPr algn="ctr"/>
+            <a:endParaRPr lang="en-VN"/>
+          </a:p>
+        </p:txBody>
+      </p:sp>
+      <mc:AlternateContent xmlns:mc="http://schemas.openxmlformats.org/markup-compatibility/2006">
+        <mc:Choice xmlns:a14="http://schemas.microsoft.com/office/drawing/2010/main" Requires="a14">
+          <p:sp>
+            <p:nvSpPr>
+              <p:cNvPr id="110" name="TextBox 109">
+                <a:extLst>
+                  <a:ext uri="{FF2B5EF4-FFF2-40B4-BE49-F238E27FC236}">
+                    <a16:creationId xmlns:a16="http://schemas.microsoft.com/office/drawing/2014/main" id="{1C0E92AC-B12B-65C3-7F28-FA76BBBD49E5}"/>
+                  </a:ext>
+                </a:extLst>
+              </p:cNvPr>
+              <p:cNvSpPr txBox="1"/>
+              <p:nvPr/>
+            </p:nvSpPr>
+            <p:spPr>
+              <a:xfrm>
+                <a:off x="7167880" y="5744643"/>
+                <a:ext cx="658368" cy="392480"/>
+              </a:xfrm>
+              <a:prstGeom prst="rect">
+                <a:avLst/>
+              </a:prstGeom>
+              <a:noFill/>
+            </p:spPr>
+            <p:txBody>
+              <a:bodyPr wrap="square" rtlCol="0">
+                <a:spAutoFit/>
+              </a:bodyPr>
+              <a:lstStyle/>
+              <a:p>
+                <a14:m>
+                  <m:oMathPara xmlns:m="http://schemas.openxmlformats.org/officeDocument/2006/math">
+                    <m:oMathParaPr>
+                      <m:jc m:val="centerGroup"/>
+                    </m:oMathParaPr>
+                    <m:oMath xmlns:m="http://schemas.openxmlformats.org/officeDocument/2006/math">
+                      <m:r>
+                        <a:rPr lang="en-VN" i="1">
+                          <a:latin typeface="Cambria Math" panose="02040503050406030204" pitchFamily="18" charset="0"/>
+                        </a:rPr>
+                        <m:t>𝑈</m:t>
+                      </m:r>
+                      <m:r>
+                        <a:rPr lang="vi-VN" b="0" i="1">
+                          <a:latin typeface="Cambria Math" panose="02040503050406030204" pitchFamily="18" charset="0"/>
+                        </a:rPr>
+                        <m:t>(</m:t>
+                      </m:r>
+                      <m:sSubSup>
+                        <m:sSubSupPr>
+                          <m:ctrlPr>
+                            <a:rPr lang="vi-VN" b="0" i="1">
+                              <a:latin typeface="Cambria Math" panose="02040503050406030204" pitchFamily="18" charset="0"/>
+                            </a:rPr>
+                          </m:ctrlPr>
+                        </m:sSubSupPr>
+                        <m:e>
+                          <m:r>
+                            <a:rPr lang="vi-VN" b="0" i="1">
+                              <a:latin typeface="Cambria Math" panose="02040503050406030204" pitchFamily="18" charset="0"/>
+                            </a:rPr>
+                            <m:t>𝜃</m:t>
+                          </m:r>
+                        </m:e>
+                        <m:sub>
+                          <m:r>
+                            <a:rPr lang="vi-VN" i="1">
+                              <a:latin typeface="Cambria Math" panose="02040503050406030204" pitchFamily="18" charset="0"/>
+                            </a:rPr>
+                            <m:t>𝑚</m:t>
+                          </m:r>
+                          <m:r>
+                            <a:rPr lang="vi-VN" b="0" i="1">
+                              <a:latin typeface="Cambria Math" panose="02040503050406030204" pitchFamily="18" charset="0"/>
+                            </a:rPr>
+                            <m:t>−1,</m:t>
+                          </m:r>
+                          <m:r>
+                            <a:rPr lang="vi-VN" i="1">
+                              <a:latin typeface="Cambria Math" panose="02040503050406030204" pitchFamily="18" charset="0"/>
+                            </a:rPr>
+                            <m:t>𝑘</m:t>
+                          </m:r>
+                        </m:sub>
+                        <m:sup>
+                          <m:r>
+                            <a:rPr lang="vi-VN" b="0" i="1">
+                              <a:latin typeface="Cambria Math" panose="02040503050406030204" pitchFamily="18" charset="0"/>
+                            </a:rPr>
+                            <m:t>−</m:t>
+                          </m:r>
+                        </m:sup>
+                      </m:sSubSup>
+                      <m:r>
+                        <a:rPr lang="vi-VN" b="0" i="1">
+                          <a:latin typeface="Cambria Math" panose="02040503050406030204" pitchFamily="18" charset="0"/>
+                        </a:rPr>
+                        <m:t>)</m:t>
+                      </m:r>
+                    </m:oMath>
+                  </m:oMathPara>
+                </a14:m>
+                <a:endParaRPr lang="en-VN" i="1"/>
+              </a:p>
+            </p:txBody>
+          </p:sp>
+        </mc:Choice>
+        <mc:Fallback>
+          <p:sp>
+            <p:nvSpPr>
+              <p:cNvPr id="110" name="TextBox 109">
+                <a:extLst>
+                  <a:ext uri="{FF2B5EF4-FFF2-40B4-BE49-F238E27FC236}">
+                    <a16:creationId xmlns:a16="http://schemas.microsoft.com/office/drawing/2014/main" id="{1C0E92AC-B12B-65C3-7F28-FA76BBBD49E5}"/>
+                  </a:ext>
+                </a:extLst>
+              </p:cNvPr>
+              <p:cNvSpPr txBox="1">
+                <a:spLocks noRot="1" noChangeAspect="1" noMove="1" noResize="1" noEditPoints="1" noAdjustHandles="1" noChangeArrowheads="1" noChangeShapeType="1" noTextEdit="1"/>
+              </p:cNvSpPr>
+              <p:nvPr/>
+            </p:nvSpPr>
+            <p:spPr>
+              <a:xfrm>
+                <a:off x="7167880" y="5744643"/>
+                <a:ext cx="658368" cy="392480"/>
+              </a:xfrm>
+              <a:prstGeom prst="rect">
+                <a:avLst/>
+              </a:prstGeom>
+              <a:blipFill>
+                <a:blip r:embed="rId42"/>
+                <a:stretch>
+                  <a:fillRect r="-81132" b="-6250"/>
+                </a:stretch>
+              </a:blipFill>
+            </p:spPr>
+            <p:txBody>
+              <a:bodyPr/>
+              <a:lstStyle/>
+              <a:p>
+                <a:r>
+                  <a:rPr lang="en-VN">
+                    <a:noFill/>
+                  </a:rPr>
+                  <a:t> </a:t>
+                </a:r>
+              </a:p>
+            </p:txBody>
+          </p:sp>
+        </mc:Fallback>
+      </mc:AlternateContent>
+      <mc:AlternateContent xmlns:mc="http://schemas.openxmlformats.org/markup-compatibility/2006">
+        <mc:Choice xmlns:a14="http://schemas.microsoft.com/office/drawing/2010/main" Requires="a14">
+          <p:sp>
+            <p:nvSpPr>
+              <p:cNvPr id="111" name="TextBox 110">
+                <a:extLst>
+                  <a:ext uri="{FF2B5EF4-FFF2-40B4-BE49-F238E27FC236}">
+                    <a16:creationId xmlns:a16="http://schemas.microsoft.com/office/drawing/2014/main" id="{EBEE78BB-376F-900A-5ED4-F4268D65EAEB}"/>
+                  </a:ext>
+                </a:extLst>
+              </p:cNvPr>
+              <p:cNvSpPr txBox="1"/>
+              <p:nvPr/>
+            </p:nvSpPr>
+            <p:spPr>
+              <a:xfrm rot="5400000">
+                <a:off x="2315840" y="5413933"/>
+                <a:ext cx="219611" cy="276999"/>
+              </a:xfrm>
+              <a:prstGeom prst="rect">
+                <a:avLst/>
+              </a:prstGeom>
+              <a:noFill/>
+            </p:spPr>
+            <p:txBody>
+              <a:bodyPr wrap="none" lIns="0" tIns="0" rIns="0" bIns="0" rtlCol="0">
+                <a:spAutoFit/>
+              </a:bodyPr>
+              <a:lstStyle/>
+              <a:p>
+                <a14:m>
+                  <m:oMathPara xmlns:m="http://schemas.openxmlformats.org/officeDocument/2006/math">
+                    <m:oMathParaPr>
+                      <m:jc m:val="centerGroup"/>
+                    </m:oMathParaPr>
+                    <m:oMath xmlns:m="http://schemas.openxmlformats.org/officeDocument/2006/math">
+                      <m:r>
+                        <a:rPr lang="vi-VN" b="0" i="1">
+                          <a:latin typeface="Cambria Math" panose="02040503050406030204" pitchFamily="18" charset="0"/>
+                        </a:rPr>
+                        <m:t>…</m:t>
+                      </m:r>
+                    </m:oMath>
+                  </m:oMathPara>
+                </a14:m>
+                <a:endParaRPr lang="en-VN" i="1"/>
+              </a:p>
+            </p:txBody>
+          </p:sp>
+        </mc:Choice>
+        <mc:Fallback>
+          <p:sp>
+            <p:nvSpPr>
+              <p:cNvPr id="111" name="TextBox 110">
+                <a:extLst>
+                  <a:ext uri="{FF2B5EF4-FFF2-40B4-BE49-F238E27FC236}">
+                    <a16:creationId xmlns:a16="http://schemas.microsoft.com/office/drawing/2014/main" id="{EBEE78BB-376F-900A-5ED4-F4268D65EAEB}"/>
+                  </a:ext>
+                </a:extLst>
+              </p:cNvPr>
+              <p:cNvSpPr txBox="1">
+                <a:spLocks noRot="1" noChangeAspect="1" noMove="1" noResize="1" noEditPoints="1" noAdjustHandles="1" noChangeArrowheads="1" noChangeShapeType="1" noTextEdit="1"/>
+              </p:cNvSpPr>
+              <p:nvPr/>
+            </p:nvSpPr>
+            <p:spPr>
+              <a:xfrm rot="5400000">
+                <a:off x="2315840" y="5413933"/>
+                <a:ext cx="219611" cy="276999"/>
+              </a:xfrm>
+              <a:prstGeom prst="rect">
+                <a:avLst/>
+              </a:prstGeom>
+              <a:blipFill>
+                <a:blip r:embed="rId43"/>
+                <a:stretch>
+                  <a:fillRect/>
+                </a:stretch>
+              </a:blipFill>
+            </p:spPr>
+            <p:txBody>
+              <a:bodyPr/>
+              <a:lstStyle/>
+              <a:p>
+                <a:r>
+                  <a:rPr lang="en-VN">
+                    <a:noFill/>
+                  </a:rPr>
+                  <a:t> </a:t>
+                </a:r>
+              </a:p>
+            </p:txBody>
+          </p:sp>
+        </mc:Fallback>
+      </mc:AlternateContent>
+      <mc:AlternateContent xmlns:mc="http://schemas.openxmlformats.org/markup-compatibility/2006">
+        <mc:Choice xmlns:a14="http://schemas.microsoft.com/office/drawing/2010/main" Requires="a14">
+          <p:sp>
+            <p:nvSpPr>
+              <p:cNvPr id="116" name="TextBox 115">
+                <a:extLst>
+                  <a:ext uri="{FF2B5EF4-FFF2-40B4-BE49-F238E27FC236}">
+                    <a16:creationId xmlns:a16="http://schemas.microsoft.com/office/drawing/2014/main" id="{B7B4E8D8-C70B-18C1-466B-C6B2B04493CF}"/>
+                  </a:ext>
+                </a:extLst>
+              </p:cNvPr>
+              <p:cNvSpPr txBox="1"/>
+              <p:nvPr/>
+            </p:nvSpPr>
+            <p:spPr>
+              <a:xfrm rot="5400000">
+                <a:off x="7371908" y="4710238"/>
+                <a:ext cx="219611" cy="276999"/>
+              </a:xfrm>
+              <a:prstGeom prst="rect">
+                <a:avLst/>
+              </a:prstGeom>
+              <a:noFill/>
+            </p:spPr>
+            <p:txBody>
+              <a:bodyPr wrap="none" lIns="0" tIns="0" rIns="0" bIns="0" rtlCol="0">
+                <a:spAutoFit/>
+              </a:bodyPr>
+              <a:lstStyle/>
+              <a:p>
+                <a14:m>
+                  <m:oMathPara xmlns:m="http://schemas.openxmlformats.org/officeDocument/2006/math">
+                    <m:oMathParaPr>
+                      <m:jc m:val="centerGroup"/>
+                    </m:oMathParaPr>
+                    <m:oMath xmlns:m="http://schemas.openxmlformats.org/officeDocument/2006/math">
+                      <m:r>
+                        <a:rPr lang="vi-VN" b="0" i="1">
+                          <a:latin typeface="Cambria Math" panose="02040503050406030204" pitchFamily="18" charset="0"/>
+                        </a:rPr>
+                        <m:t>…</m:t>
+                      </m:r>
+                    </m:oMath>
+                  </m:oMathPara>
+                </a14:m>
+                <a:endParaRPr lang="en-VN" i="1"/>
+              </a:p>
+            </p:txBody>
+          </p:sp>
+        </mc:Choice>
+        <mc:Fallback>
+          <p:sp>
+            <p:nvSpPr>
+              <p:cNvPr id="116" name="TextBox 115">
+                <a:extLst>
+                  <a:ext uri="{FF2B5EF4-FFF2-40B4-BE49-F238E27FC236}">
+                    <a16:creationId xmlns:a16="http://schemas.microsoft.com/office/drawing/2014/main" id="{B7B4E8D8-C70B-18C1-466B-C6B2B04493CF}"/>
+                  </a:ext>
+                </a:extLst>
+              </p:cNvPr>
+              <p:cNvSpPr txBox="1">
+                <a:spLocks noRot="1" noChangeAspect="1" noMove="1" noResize="1" noEditPoints="1" noAdjustHandles="1" noChangeArrowheads="1" noChangeShapeType="1" noTextEdit="1"/>
+              </p:cNvSpPr>
+              <p:nvPr/>
+            </p:nvSpPr>
+            <p:spPr>
+              <a:xfrm rot="5400000">
+                <a:off x="7371908" y="4710238"/>
+                <a:ext cx="219611" cy="276999"/>
+              </a:xfrm>
+              <a:prstGeom prst="rect">
+                <a:avLst/>
+              </a:prstGeom>
+              <a:blipFill>
+                <a:blip r:embed="rId44"/>
+                <a:stretch>
+                  <a:fillRect/>
+                </a:stretch>
+              </a:blipFill>
+            </p:spPr>
+            <p:txBody>
+              <a:bodyPr/>
+              <a:lstStyle/>
+              <a:p>
+                <a:r>
+                  <a:rPr lang="en-VN">
+                    <a:noFill/>
+                  </a:rPr>
+                  <a:t> </a:t>
+                </a:r>
+              </a:p>
+            </p:txBody>
+          </p:sp>
+        </mc:Fallback>
+      </mc:AlternateContent>
+      <mc:AlternateContent xmlns:mc="http://schemas.openxmlformats.org/markup-compatibility/2006">
+        <mc:Choice xmlns:a14="http://schemas.microsoft.com/office/drawing/2010/main" Requires="a14">
+          <p:sp>
+            <p:nvSpPr>
+              <p:cNvPr id="117" name="TextBox 116">
+                <a:extLst>
+                  <a:ext uri="{FF2B5EF4-FFF2-40B4-BE49-F238E27FC236}">
+                    <a16:creationId xmlns:a16="http://schemas.microsoft.com/office/drawing/2014/main" id="{E4551FB7-547C-891B-162F-6A0E75526765}"/>
+                  </a:ext>
+                </a:extLst>
+              </p:cNvPr>
+              <p:cNvSpPr txBox="1"/>
+              <p:nvPr/>
+            </p:nvSpPr>
+            <p:spPr>
+              <a:xfrm rot="5400000">
+                <a:off x="7371908" y="5442520"/>
+                <a:ext cx="219611" cy="276999"/>
+              </a:xfrm>
+              <a:prstGeom prst="rect">
+                <a:avLst/>
+              </a:prstGeom>
+              <a:noFill/>
+            </p:spPr>
+            <p:txBody>
+              <a:bodyPr wrap="none" lIns="0" tIns="0" rIns="0" bIns="0" rtlCol="0">
+                <a:spAutoFit/>
+              </a:bodyPr>
+              <a:lstStyle/>
+              <a:p>
+                <a14:m>
+                  <m:oMathPara xmlns:m="http://schemas.openxmlformats.org/officeDocument/2006/math">
+                    <m:oMathParaPr>
+                      <m:jc m:val="centerGroup"/>
+                    </m:oMathParaPr>
+                    <m:oMath xmlns:m="http://schemas.openxmlformats.org/officeDocument/2006/math">
+                      <m:r>
+                        <a:rPr lang="vi-VN" b="0" i="1">
+                          <a:latin typeface="Cambria Math" panose="02040503050406030204" pitchFamily="18" charset="0"/>
+                        </a:rPr>
+                        <m:t>…</m:t>
+                      </m:r>
+                    </m:oMath>
+                  </m:oMathPara>
+                </a14:m>
+                <a:endParaRPr lang="en-VN" i="1"/>
+              </a:p>
+            </p:txBody>
+          </p:sp>
+        </mc:Choice>
+        <mc:Fallback>
+          <p:sp>
+            <p:nvSpPr>
+              <p:cNvPr id="117" name="TextBox 116">
+                <a:extLst>
+                  <a:ext uri="{FF2B5EF4-FFF2-40B4-BE49-F238E27FC236}">
+                    <a16:creationId xmlns:a16="http://schemas.microsoft.com/office/drawing/2014/main" id="{E4551FB7-547C-891B-162F-6A0E75526765}"/>
+                  </a:ext>
+                </a:extLst>
+              </p:cNvPr>
+              <p:cNvSpPr txBox="1">
+                <a:spLocks noRot="1" noChangeAspect="1" noMove="1" noResize="1" noEditPoints="1" noAdjustHandles="1" noChangeArrowheads="1" noChangeShapeType="1" noTextEdit="1"/>
+              </p:cNvSpPr>
+              <p:nvPr/>
+            </p:nvSpPr>
+            <p:spPr>
+              <a:xfrm rot="5400000">
+                <a:off x="7371908" y="5442520"/>
+                <a:ext cx="219611" cy="276999"/>
+              </a:xfrm>
+              <a:prstGeom prst="rect">
+                <a:avLst/>
+              </a:prstGeom>
+              <a:blipFill>
+                <a:blip r:embed="rId45"/>
+                <a:stretch>
+                  <a:fillRect/>
+                </a:stretch>
+              </a:blipFill>
+            </p:spPr>
+            <p:txBody>
+              <a:bodyPr/>
+              <a:lstStyle/>
+              <a:p>
+                <a:r>
+                  <a:rPr lang="en-VN">
+                    <a:noFill/>
+                  </a:rPr>
+                  <a:t> </a:t>
+                </a:r>
+              </a:p>
+            </p:txBody>
+          </p:sp>
+        </mc:Fallback>
+      </mc:AlternateContent>
     </p:spTree>
     <p:extLst>
       <p:ext uri="{BB962C8B-B14F-4D97-AF65-F5344CB8AC3E}">

--- a/slide/Presentation1.pptx
+++ b/slide/Presentation1.pptx
@@ -3415,7 +3415,7 @@
             </p:nvSpPr>
             <p:spPr>
               <a:xfrm>
-                <a:off x="1967696" y="1840375"/>
+                <a:off x="1488480" y="1166687"/>
                 <a:ext cx="1527858" cy="428263"/>
               </a:xfrm>
               <a:prstGeom prst="rect">
@@ -3570,7 +3570,7 @@
             </p:nvSpPr>
             <p:spPr>
               <a:xfrm>
-                <a:off x="1967696" y="1840375"/>
+                <a:off x="1488480" y="1166687"/>
                 <a:ext cx="1527858" cy="428263"/>
               </a:xfrm>
               <a:prstGeom prst="rect">
@@ -3619,7 +3619,7 @@
             </p:nvSpPr>
             <p:spPr>
               <a:xfrm>
-                <a:off x="1967696" y="2374740"/>
+                <a:off x="1488480" y="1701052"/>
                 <a:ext cx="1527858" cy="428263"/>
               </a:xfrm>
               <a:prstGeom prst="rect">
@@ -3817,7 +3817,7 @@
             </p:nvSpPr>
             <p:spPr>
               <a:xfrm>
-                <a:off x="1967696" y="2374740"/>
+                <a:off x="1488480" y="1701052"/>
                 <a:ext cx="1527858" cy="428263"/>
               </a:xfrm>
               <a:prstGeom prst="rect">
@@ -3866,7 +3866,7 @@
             </p:nvSpPr>
             <p:spPr>
               <a:xfrm>
-                <a:off x="1967696" y="3011975"/>
+                <a:off x="1488480" y="2338287"/>
                 <a:ext cx="1527858" cy="428263"/>
               </a:xfrm>
               <a:prstGeom prst="rect">
@@ -4064,7 +4064,7 @@
             </p:nvSpPr>
             <p:spPr>
               <a:xfrm>
-                <a:off x="1967696" y="3011975"/>
+                <a:off x="1488480" y="2338287"/>
                 <a:ext cx="1527858" cy="428263"/>
               </a:xfrm>
               <a:prstGeom prst="rect">
@@ -4073,7 +4073,7 @@
               <a:blipFill>
                 <a:blip r:embed="rId4"/>
                 <a:stretch>
-                  <a:fillRect b="-5556"/>
+                  <a:fillRect b="-2778"/>
                 </a:stretch>
               </a:blipFill>
               <a:ln>
@@ -4111,7 +4111,7 @@
         </p:nvSpPr>
         <p:spPr>
           <a:xfrm>
-            <a:off x="1562583" y="2054505"/>
+            <a:off x="1083367" y="1380817"/>
             <a:ext cx="301631" cy="1168751"/>
           </a:xfrm>
           <a:prstGeom prst="leftBrace">
@@ -4160,8 +4160,8 @@
             </p:nvSpPr>
             <p:spPr>
               <a:xfrm>
-                <a:off x="937351" y="2433671"/>
-                <a:ext cx="625231" cy="369332"/>
+                <a:off x="603346" y="1759983"/>
+                <a:ext cx="480020" cy="369332"/>
               </a:xfrm>
               <a:prstGeom prst="rect">
                 <a:avLst/>
@@ -4180,44 +4180,24 @@
                       <m:jc m:val="centerGroup"/>
                     </m:oMathParaPr>
                     <m:oMath xmlns:m="http://schemas.openxmlformats.org/officeDocument/2006/math">
-                      <m:sSup>
-                        <m:sSupPr>
-                          <m:ctrlPr>
-                            <a:rPr lang="vi-VN" b="0" i="1">
-                              <a:latin typeface="Cambria Math" panose="02040503050406030204" pitchFamily="18" charset="0"/>
-                            </a:rPr>
-                          </m:ctrlPr>
-                        </m:sSupPr>
-                        <m:e>
-                          <m:d>
-                            <m:dPr>
-                              <m:begChr m:val="|"/>
-                              <m:endChr m:val="⟩"/>
-                              <m:ctrlPr>
-                                <a:rPr lang="vi-VN" b="0" i="1">
-                                  <a:latin typeface="Cambria Math" panose="02040503050406030204" pitchFamily="18" charset="0"/>
-                                </a:rPr>
-                              </m:ctrlPr>
-                            </m:dPr>
-                            <m:e>
-                              <m:r>
-                                <a:rPr lang="vi-VN" b="0" i="1">
-                                  <a:latin typeface="Cambria Math" panose="02040503050406030204" pitchFamily="18" charset="0"/>
-                                </a:rPr>
-                                <m:t>0</m:t>
-                              </m:r>
-                            </m:e>
-                          </m:d>
-                        </m:e>
-                        <m:sup>
-                          <m:r>
-                            <a:rPr lang="vi-VN" i="1">
-                              <a:latin typeface="Cambria Math" panose="02040503050406030204" pitchFamily="18" charset="0"/>
-                            </a:rPr>
-                            <m:t>𝑛</m:t>
-                          </m:r>
-                        </m:sup>
-                      </m:sSup>
+                      <m:r>
+                        <a:rPr lang="vi-VN" b="0" i="1">
+                          <a:latin typeface="Cambria Math" panose="02040503050406030204" pitchFamily="18" charset="0"/>
+                        </a:rPr>
+                        <m:t>|</m:t>
+                      </m:r>
+                      <m:r>
+                        <a:rPr lang="vi-VN" b="1" i="1">
+                          <a:latin typeface="Cambria Math" panose="02040503050406030204" pitchFamily="18" charset="0"/>
+                        </a:rPr>
+                        <m:t>𝟎</m:t>
+                      </m:r>
+                      <m:r>
+                        <a:rPr lang="vi-VN" b="0" i="1">
+                          <a:latin typeface="Cambria Math" panose="02040503050406030204" pitchFamily="18" charset="0"/>
+                        </a:rPr>
+                        <m:t>⟩</m:t>
+                      </m:r>
                     </m:oMath>
                   </m:oMathPara>
                 </a14:m>
@@ -4243,8 +4223,8 @@
             </p:nvSpPr>
             <p:spPr>
               <a:xfrm>
-                <a:off x="937351" y="2433671"/>
-                <a:ext cx="625231" cy="369332"/>
+                <a:off x="603346" y="1759983"/>
+                <a:ext cx="480020" cy="369332"/>
               </a:xfrm>
               <a:prstGeom prst="rect">
                 <a:avLst/>
@@ -4252,7 +4232,7 @@
               <a:blipFill>
                 <a:blip r:embed="rId5"/>
                 <a:stretch>
-                  <a:fillRect/>
+                  <a:fillRect l="-2564" r="-2564" b="-13333"/>
                 </a:stretch>
               </a:blipFill>
             </p:spPr>
@@ -4285,8 +4265,8 @@
         </p:nvSpPr>
         <p:spPr>
           <a:xfrm flipH="1">
-            <a:off x="3542445" y="2587413"/>
-            <a:ext cx="108000" cy="691739"/>
+            <a:off x="3145290" y="1913725"/>
+            <a:ext cx="172090" cy="691739"/>
           </a:xfrm>
           <a:prstGeom prst="leftBrace">
             <a:avLst>
@@ -4334,8 +4314,8 @@
             </p:nvSpPr>
             <p:spPr>
               <a:xfrm>
-                <a:off x="3657353" y="2717035"/>
-                <a:ext cx="1732365" cy="428263"/>
+                <a:off x="3323629" y="2043347"/>
+                <a:ext cx="3173319" cy="428263"/>
               </a:xfrm>
               <a:prstGeom prst="rect">
                 <a:avLst/>
@@ -4525,8 +4505,8 @@
             </p:nvSpPr>
             <p:spPr>
               <a:xfrm>
-                <a:off x="3657353" y="2717035"/>
-                <a:ext cx="1732365" cy="428263"/>
+                <a:off x="3323629" y="2043347"/>
+                <a:ext cx="3173319" cy="428263"/>
               </a:xfrm>
               <a:prstGeom prst="rect">
                 <a:avLst/>
@@ -4572,7 +4552,7 @@
         </p:nvSpPr>
         <p:spPr>
           <a:xfrm>
-            <a:off x="3487492" y="1623275"/>
+            <a:off x="3008276" y="949587"/>
             <a:ext cx="227043" cy="824145"/>
           </a:xfrm>
           <a:prstGeom prst="leftBrace">
@@ -4621,7 +4601,7 @@
             </p:nvSpPr>
             <p:spPr>
               <a:xfrm>
-                <a:off x="3818017" y="1444371"/>
+                <a:off x="3338801" y="770683"/>
                 <a:ext cx="1249819" cy="316455"/>
               </a:xfrm>
               <a:prstGeom prst="rect">
@@ -4776,7 +4756,7 @@
             </p:nvSpPr>
             <p:spPr>
               <a:xfrm>
-                <a:off x="3818017" y="1444371"/>
+                <a:off x="3338801" y="770683"/>
                 <a:ext cx="1249819" cy="316455"/>
               </a:xfrm>
               <a:prstGeom prst="rect">
@@ -4825,7 +4805,7 @@
             </p:nvSpPr>
             <p:spPr>
               <a:xfrm>
-                <a:off x="3818017" y="1814003"/>
+                <a:off x="3338801" y="1140315"/>
                 <a:ext cx="1249819" cy="316455"/>
               </a:xfrm>
               <a:prstGeom prst="rect">
@@ -5023,7 +5003,7 @@
             </p:nvSpPr>
             <p:spPr>
               <a:xfrm>
-                <a:off x="3818017" y="1814003"/>
+                <a:off x="3338801" y="1140315"/>
                 <a:ext cx="1249819" cy="316455"/>
               </a:xfrm>
               <a:prstGeom prst="rect">
@@ -5072,7 +5052,7 @@
             </p:nvSpPr>
             <p:spPr>
               <a:xfrm>
-                <a:off x="3818017" y="2268638"/>
+                <a:off x="3338801" y="1594950"/>
                 <a:ext cx="1249819" cy="316455"/>
               </a:xfrm>
               <a:prstGeom prst="rect">
@@ -5270,7 +5250,7 @@
             </p:nvSpPr>
             <p:spPr>
               <a:xfrm>
-                <a:off x="3818017" y="2268638"/>
+                <a:off x="3338801" y="1594950"/>
                 <a:ext cx="1249819" cy="316455"/>
               </a:xfrm>
               <a:prstGeom prst="rect">
@@ -5317,7 +5297,7 @@
         </p:nvSpPr>
         <p:spPr>
           <a:xfrm flipH="1">
-            <a:off x="5116229" y="1999998"/>
+            <a:off x="4637013" y="1326310"/>
             <a:ext cx="108000" cy="447422"/>
           </a:xfrm>
           <a:prstGeom prst="leftBrace">
@@ -5366,7 +5346,7 @@
             </p:nvSpPr>
             <p:spPr>
               <a:xfrm>
-                <a:off x="5228500" y="2009577"/>
+                <a:off x="4749284" y="1335889"/>
                 <a:ext cx="1732365" cy="428263"/>
               </a:xfrm>
               <a:prstGeom prst="rect">
@@ -5566,7 +5546,7 @@
             </p:nvSpPr>
             <p:spPr>
               <a:xfrm>
-                <a:off x="5228500" y="2009577"/>
+                <a:off x="4749284" y="1335889"/>
                 <a:ext cx="1732365" cy="428263"/>
               </a:xfrm>
               <a:prstGeom prst="rect">
@@ -5575,7 +5555,7 @@
               <a:blipFill>
                 <a:blip r:embed="rId10"/>
                 <a:stretch>
-                  <a:fillRect b="-2778"/>
+                  <a:fillRect b="-5556"/>
                 </a:stretch>
               </a:blipFill>
               <a:ln>
@@ -5615,7 +5595,7 @@
             </p:nvSpPr>
             <p:spPr>
               <a:xfrm>
-                <a:off x="5432749" y="1099771"/>
+                <a:off x="4953533" y="426083"/>
                 <a:ext cx="1528116" cy="221204"/>
               </a:xfrm>
               <a:prstGeom prst="rect">
@@ -5788,7 +5768,7 @@
             </p:nvSpPr>
             <p:spPr>
               <a:xfrm>
-                <a:off x="5432749" y="1099771"/>
+                <a:off x="4953533" y="426083"/>
                 <a:ext cx="1528116" cy="221204"/>
               </a:xfrm>
               <a:prstGeom prst="rect">
@@ -5797,7 +5777,7 @@
               <a:blipFill>
                 <a:blip r:embed="rId11"/>
                 <a:stretch>
-                  <a:fillRect b="-14286"/>
+                  <a:fillRect b="-15789"/>
                 </a:stretch>
               </a:blipFill>
               <a:ln>
@@ -5837,7 +5817,7 @@
             </p:nvSpPr>
             <p:spPr>
               <a:xfrm>
-                <a:off x="5432749" y="1358847"/>
+                <a:off x="4953533" y="685159"/>
                 <a:ext cx="1528116" cy="221204"/>
               </a:xfrm>
               <a:prstGeom prst="rect">
@@ -6053,7 +6033,7 @@
             </p:nvSpPr>
             <p:spPr>
               <a:xfrm>
-                <a:off x="5432749" y="1358847"/>
+                <a:off x="4953533" y="685159"/>
                 <a:ext cx="1528116" cy="221204"/>
               </a:xfrm>
               <a:prstGeom prst="rect">
@@ -6102,7 +6082,7 @@
             </p:nvSpPr>
             <p:spPr>
               <a:xfrm>
-                <a:off x="5432749" y="1729773"/>
+                <a:off x="4953533" y="1056085"/>
                 <a:ext cx="1528116" cy="221204"/>
               </a:xfrm>
               <a:prstGeom prst="rect">
@@ -6318,7 +6298,7 @@
             </p:nvSpPr>
             <p:spPr>
               <a:xfrm>
-                <a:off x="5432749" y="1729773"/>
+                <a:off x="4953533" y="1056085"/>
                 <a:ext cx="1528116" cy="221204"/>
               </a:xfrm>
               <a:prstGeom prst="rect">
@@ -6365,7 +6345,7 @@
         </p:nvSpPr>
         <p:spPr>
           <a:xfrm>
-            <a:off x="5251161" y="1214238"/>
+            <a:off x="4771945" y="540550"/>
             <a:ext cx="114711" cy="625709"/>
           </a:xfrm>
           <a:prstGeom prst="leftBrace">
@@ -6414,7 +6394,7 @@
             </p:nvSpPr>
             <p:spPr>
               <a:xfrm>
-                <a:off x="5074406" y="1369887"/>
+                <a:off x="4595190" y="696199"/>
                 <a:ext cx="171521" cy="215444"/>
               </a:xfrm>
               <a:prstGeom prst="rect">
@@ -6465,7 +6445,7 @@
             </p:nvSpPr>
             <p:spPr>
               <a:xfrm>
-                <a:off x="5074406" y="1369887"/>
+                <a:off x="4595190" y="696199"/>
                 <a:ext cx="171521" cy="215444"/>
               </a:xfrm>
               <a:prstGeom prst="rect">
@@ -6509,7 +6489,7 @@
         </p:nvCxnSpPr>
         <p:spPr>
           <a:xfrm>
-            <a:off x="964521" y="3554889"/>
+            <a:off x="496456" y="2881201"/>
             <a:ext cx="6192000" cy="0"/>
           </a:xfrm>
           <a:prstGeom prst="straightConnector1">
@@ -6550,7 +6530,7 @@
             </p:nvSpPr>
             <p:spPr>
               <a:xfrm>
-                <a:off x="2621819" y="2720506"/>
+                <a:off x="2142603" y="2046818"/>
                 <a:ext cx="219611" cy="276999"/>
               </a:xfrm>
               <a:prstGeom prst="rect">
@@ -6601,7 +6581,7 @@
             </p:nvSpPr>
             <p:spPr>
               <a:xfrm>
-                <a:off x="2621819" y="2720506"/>
+                <a:off x="2142603" y="2046818"/>
                 <a:ext cx="219611" cy="276999"/>
               </a:xfrm>
               <a:prstGeom prst="rect">
@@ -6645,7 +6625,7 @@
             </p:nvSpPr>
             <p:spPr>
               <a:xfrm>
-                <a:off x="4356412" y="2011275"/>
+                <a:off x="3877196" y="1337587"/>
                 <a:ext cx="219611" cy="276999"/>
               </a:xfrm>
               <a:prstGeom prst="rect">
@@ -6696,7 +6676,7 @@
             </p:nvSpPr>
             <p:spPr>
               <a:xfrm>
-                <a:off x="4356412" y="2011275"/>
+                <a:off x="3877196" y="1337587"/>
                 <a:ext cx="219611" cy="276999"/>
               </a:xfrm>
               <a:prstGeom prst="rect">
@@ -6740,7 +6720,7 @@
             </p:nvSpPr>
             <p:spPr>
               <a:xfrm>
-                <a:off x="6105304" y="1462130"/>
+                <a:off x="5626088" y="788442"/>
                 <a:ext cx="219611" cy="276999"/>
               </a:xfrm>
               <a:prstGeom prst="rect">
@@ -6791,7 +6771,7 @@
             </p:nvSpPr>
             <p:spPr>
               <a:xfrm>
-                <a:off x="6105304" y="1462130"/>
+                <a:off x="5626088" y="788442"/>
                 <a:ext cx="219611" cy="276999"/>
               </a:xfrm>
               <a:prstGeom prst="rect">
@@ -6835,8 +6815,8 @@
             </p:nvSpPr>
             <p:spPr>
               <a:xfrm>
-                <a:off x="937351" y="3692167"/>
-                <a:ext cx="625231" cy="369332"/>
+                <a:off x="603346" y="3065371"/>
+                <a:ext cx="480020" cy="369332"/>
               </a:xfrm>
               <a:prstGeom prst="rect">
                 <a:avLst/>
@@ -6849,50 +6829,31 @@
               </a:bodyPr>
               <a:lstStyle/>
               <a:p>
+                <a:pPr/>
                 <a14:m>
                   <m:oMathPara xmlns:m="http://schemas.openxmlformats.org/officeDocument/2006/math">
                     <m:oMathParaPr>
                       <m:jc m:val="centerGroup"/>
                     </m:oMathParaPr>
                     <m:oMath xmlns:m="http://schemas.openxmlformats.org/officeDocument/2006/math">
-                      <m:sSup>
-                        <m:sSupPr>
-                          <m:ctrlPr>
-                            <a:rPr lang="vi-VN" b="0" i="1">
-                              <a:latin typeface="Cambria Math" panose="02040503050406030204" pitchFamily="18" charset="0"/>
-                            </a:rPr>
-                          </m:ctrlPr>
-                        </m:sSupPr>
-                        <m:e>
-                          <m:d>
-                            <m:dPr>
-                              <m:begChr m:val="|"/>
-                              <m:endChr m:val="⟩"/>
-                              <m:ctrlPr>
-                                <a:rPr lang="vi-VN" b="0" i="1">
-                                  <a:latin typeface="Cambria Math" panose="02040503050406030204" pitchFamily="18" charset="0"/>
-                                </a:rPr>
-                              </m:ctrlPr>
-                            </m:dPr>
-                            <m:e>
-                              <m:r>
-                                <a:rPr lang="vi-VN" b="0" i="1">
-                                  <a:latin typeface="Cambria Math" panose="02040503050406030204" pitchFamily="18" charset="0"/>
-                                </a:rPr>
-                                <m:t>0</m:t>
-                              </m:r>
-                            </m:e>
-                          </m:d>
-                        </m:e>
-                        <m:sup>
-                          <m:r>
-                            <a:rPr lang="vi-VN" i="1">
-                              <a:latin typeface="Cambria Math" panose="02040503050406030204" pitchFamily="18" charset="0"/>
-                            </a:rPr>
-                            <m:t>𝑛</m:t>
-                          </m:r>
-                        </m:sup>
-                      </m:sSup>
+                      <m:r>
+                        <a:rPr lang="vi-VN" b="0" i="1">
+                          <a:latin typeface="Cambria Math" panose="02040503050406030204" pitchFamily="18" charset="0"/>
+                        </a:rPr>
+                        <m:t>|</m:t>
+                      </m:r>
+                      <m:r>
+                        <a:rPr lang="vi-VN" b="1" i="1">
+                          <a:latin typeface="Cambria Math" panose="02040503050406030204" pitchFamily="18" charset="0"/>
+                        </a:rPr>
+                        <m:t>𝟎</m:t>
+                      </m:r>
+                      <m:r>
+                        <a:rPr lang="vi-VN" b="0" i="1">
+                          <a:latin typeface="Cambria Math" panose="02040503050406030204" pitchFamily="18" charset="0"/>
+                        </a:rPr>
+                        <m:t>⟩</m:t>
+                      </m:r>
                     </m:oMath>
                   </m:oMathPara>
                 </a14:m>
@@ -6918,16 +6879,16 @@
             </p:nvSpPr>
             <p:spPr>
               <a:xfrm>
-                <a:off x="937351" y="3692167"/>
-                <a:ext cx="625231" cy="369332"/>
+                <a:off x="603346" y="3065371"/>
+                <a:ext cx="480020" cy="369332"/>
               </a:xfrm>
               <a:prstGeom prst="rect">
                 <a:avLst/>
               </a:prstGeom>
               <a:blipFill>
-                <a:blip r:embed="rId18"/>
+                <a:blip r:embed="rId5"/>
                 <a:stretch>
-                  <a:fillRect/>
+                  <a:fillRect l="-2564" r="-2564" b="-13333"/>
                 </a:stretch>
               </a:blipFill>
             </p:spPr>
@@ -6962,8 +6923,8 @@
         </p:nvCxnSpPr>
         <p:spPr>
           <a:xfrm>
-            <a:off x="1561780" y="3921569"/>
-            <a:ext cx="3014243" cy="0"/>
+            <a:off x="1082563" y="3247881"/>
+            <a:ext cx="3240000" cy="0"/>
           </a:xfrm>
           <a:prstGeom prst="straightConnector1">
             <a:avLst/>
@@ -7004,8 +6965,8 @@
             </p:nvSpPr>
             <p:spPr>
               <a:xfrm>
-                <a:off x="1677788" y="3692167"/>
-                <a:ext cx="1361845" cy="428263"/>
+                <a:off x="1488480" y="3018479"/>
+                <a:ext cx="1527858" cy="428263"/>
               </a:xfrm>
               <a:prstGeom prst="rect">
                 <a:avLst/>
@@ -7161,14 +7122,14 @@
             </p:nvSpPr>
             <p:spPr>
               <a:xfrm>
-                <a:off x="1677788" y="3692167"/>
-                <a:ext cx="1361845" cy="428263"/>
+                <a:off x="1488480" y="3018479"/>
+                <a:ext cx="1527858" cy="428263"/>
               </a:xfrm>
               <a:prstGeom prst="rect">
                 <a:avLst/>
               </a:prstGeom>
               <a:blipFill>
-                <a:blip r:embed="rId19"/>
+                <a:blip r:embed="rId18"/>
                 <a:stretch>
                   <a:fillRect b="-2778"/>
                 </a:stretch>
@@ -7210,7 +7171,7 @@
             </p:nvSpPr>
             <p:spPr>
               <a:xfrm>
-                <a:off x="3216461" y="3689215"/>
+                <a:off x="3135827" y="3015527"/>
                 <a:ext cx="1078225" cy="428263"/>
               </a:xfrm>
               <a:prstGeom prst="rect">
@@ -7367,16 +7328,16 @@
             </p:nvSpPr>
             <p:spPr>
               <a:xfrm>
-                <a:off x="3216461" y="3689215"/>
+                <a:off x="3135827" y="3015527"/>
                 <a:ext cx="1078225" cy="428263"/>
               </a:xfrm>
               <a:prstGeom prst="rect">
                 <a:avLst/>
               </a:prstGeom>
               <a:blipFill>
-                <a:blip r:embed="rId20"/>
+                <a:blip r:embed="rId19"/>
                 <a:stretch>
-                  <a:fillRect b="-5556"/>
+                  <a:fillRect b="-2778"/>
                 </a:stretch>
               </a:blipFill>
               <a:ln>
@@ -7411,14 +7372,13 @@
           </p:cNvPr>
           <p:cNvCxnSpPr>
             <a:cxnSpLocks/>
-            <a:endCxn id="50" idx="3"/>
           </p:cNvCxnSpPr>
           <p:nvPr/>
         </p:nvCxnSpPr>
         <p:spPr>
           <a:xfrm>
-            <a:off x="4966008" y="3921570"/>
-            <a:ext cx="1994857" cy="0"/>
+            <a:off x="4674360" y="3247882"/>
+            <a:ext cx="1800000" cy="0"/>
           </a:xfrm>
           <a:prstGeom prst="straightConnector1">
             <a:avLst/>
@@ -7459,7 +7419,7 @@
             </p:nvSpPr>
             <p:spPr>
               <a:xfrm>
-                <a:off x="5245927" y="3707438"/>
+                <a:off x="4766711" y="3033750"/>
                 <a:ext cx="1714938" cy="428263"/>
               </a:xfrm>
               <a:prstGeom prst="rect">
@@ -7634,14 +7594,14 @@
             </p:nvSpPr>
             <p:spPr>
               <a:xfrm>
-                <a:off x="5245927" y="3707438"/>
+                <a:off x="4766711" y="3033750"/>
                 <a:ext cx="1714938" cy="428263"/>
               </a:xfrm>
               <a:prstGeom prst="rect">
                 <a:avLst/>
               </a:prstGeom>
               <a:blipFill>
-                <a:blip r:embed="rId21"/>
+                <a:blip r:embed="rId20"/>
                 <a:stretch>
                   <a:fillRect b="-2778"/>
                 </a:stretch>
@@ -7683,7 +7643,7 @@
             </p:nvSpPr>
             <p:spPr>
               <a:xfrm>
-                <a:off x="4661210" y="3725980"/>
+                <a:off x="4404731" y="3052292"/>
                 <a:ext cx="219611" cy="276999"/>
               </a:xfrm>
               <a:prstGeom prst="rect">
@@ -7734,14 +7694,14 @@
             </p:nvSpPr>
             <p:spPr>
               <a:xfrm>
-                <a:off x="4661210" y="3725980"/>
+                <a:off x="4404731" y="3052292"/>
                 <a:ext cx="219611" cy="276999"/>
               </a:xfrm>
               <a:prstGeom prst="rect">
                 <a:avLst/>
               </a:prstGeom>
               <a:blipFill>
-                <a:blip r:embed="rId22"/>
+                <a:blip r:embed="rId21"/>
                 <a:stretch>
                   <a:fillRect/>
                 </a:stretch>
@@ -7776,7 +7736,7 @@
         </p:nvSpPr>
         <p:spPr>
           <a:xfrm>
-            <a:off x="479216" y="2297751"/>
+            <a:off x="0" y="1624063"/>
             <a:ext cx="658368" cy="369332"/>
           </a:xfrm>
           <a:prstGeom prst="rect">
@@ -7791,7 +7751,7 @@
           <a:lstStyle/>
           <a:p>
             <a:r>
-              <a:rPr lang="en-VN" b="1"/>
+              <a:rPr lang="en-VN"/>
               <a:t>(a)</a:t>
             </a:r>
           </a:p>
@@ -7811,7 +7771,7 @@
         </p:nvSpPr>
         <p:spPr>
           <a:xfrm>
-            <a:off x="479216" y="4716331"/>
+            <a:off x="0" y="4042643"/>
             <a:ext cx="658368" cy="369332"/>
           </a:xfrm>
           <a:prstGeom prst="rect">
@@ -7826,47 +7786,107 @@
           <a:lstStyle/>
           <a:p>
             <a:r>
-              <a:rPr lang="en-VN" b="1"/>
+              <a:rPr lang="en-VN"/>
               <a:t>(b)</a:t>
             </a:r>
           </a:p>
         </p:txBody>
       </p:sp>
-      <p:sp>
-        <p:nvSpPr>
-          <p:cNvPr id="65" name="TextBox 64">
-            <a:extLst>
-              <a:ext uri="{FF2B5EF4-FFF2-40B4-BE49-F238E27FC236}">
-                <a16:creationId xmlns:a16="http://schemas.microsoft.com/office/drawing/2014/main" id="{BC0857AC-7108-09CC-41C0-C791C34A92EE}"/>
-              </a:ext>
-            </a:extLst>
-          </p:cNvPr>
-          <p:cNvSpPr txBox="1"/>
-          <p:nvPr/>
-        </p:nvSpPr>
-        <p:spPr>
-          <a:xfrm>
-            <a:off x="7152530" y="3370223"/>
-            <a:ext cx="809135" cy="369332"/>
-          </a:xfrm>
-          <a:prstGeom prst="rect">
-            <a:avLst/>
-          </a:prstGeom>
-          <a:noFill/>
-        </p:spPr>
-        <p:txBody>
-          <a:bodyPr wrap="square" rtlCol="0">
-            <a:spAutoFit/>
-          </a:bodyPr>
-          <a:lstStyle/>
-          <a:p>
-            <a:r>
-              <a:rPr lang="en-VN"/>
-              <a:t>Depth</a:t>
-            </a:r>
-          </a:p>
-        </p:txBody>
-      </p:sp>
+      <mc:AlternateContent xmlns:mc="http://schemas.openxmlformats.org/markup-compatibility/2006">
+        <mc:Choice xmlns:a14="http://schemas.microsoft.com/office/drawing/2010/main" Requires="a14">
+          <p:sp>
+            <p:nvSpPr>
+              <p:cNvPr id="65" name="TextBox 64">
+                <a:extLst>
+                  <a:ext uri="{FF2B5EF4-FFF2-40B4-BE49-F238E27FC236}">
+                    <a16:creationId xmlns:a16="http://schemas.microsoft.com/office/drawing/2014/main" id="{BC0857AC-7108-09CC-41C0-C791C34A92EE}"/>
+                  </a:ext>
+                </a:extLst>
+              </p:cNvPr>
+              <p:cNvSpPr txBox="1"/>
+              <p:nvPr/>
+            </p:nvSpPr>
+            <p:spPr>
+              <a:xfrm>
+                <a:off x="6673315" y="2696535"/>
+                <a:ext cx="420256" cy="369332"/>
+              </a:xfrm>
+              <a:prstGeom prst="rect">
+                <a:avLst/>
+              </a:prstGeom>
+              <a:noFill/>
+            </p:spPr>
+            <p:txBody>
+              <a:bodyPr wrap="square" rtlCol="0">
+                <a:spAutoFit/>
+              </a:bodyPr>
+              <a:lstStyle/>
+              <a:p>
+                <a14:m>
+                  <m:oMathPara xmlns:m="http://schemas.openxmlformats.org/officeDocument/2006/math">
+                    <m:oMathParaPr>
+                      <m:jc m:val="centerGroup"/>
+                    </m:oMathParaPr>
+                    <m:oMath xmlns:m="http://schemas.openxmlformats.org/officeDocument/2006/math">
+                      <m:r>
+                        <a:rPr lang="en-VN" i="1">
+                          <a:latin typeface="Cambria Math" panose="02040503050406030204" pitchFamily="18" charset="0"/>
+                        </a:rPr>
+                        <m:t>𝑑</m:t>
+                      </m:r>
+                    </m:oMath>
+                  </m:oMathPara>
+                </a14:m>
+                <a:endParaRPr lang="en-VN" i="1"/>
+              </a:p>
+            </p:txBody>
+          </p:sp>
+        </mc:Choice>
+        <mc:Fallback>
+          <p:sp>
+            <p:nvSpPr>
+              <p:cNvPr id="65" name="TextBox 64">
+                <a:extLst>
+                  <a:ext uri="{FF2B5EF4-FFF2-40B4-BE49-F238E27FC236}">
+                    <a16:creationId xmlns:a16="http://schemas.microsoft.com/office/drawing/2014/main" id="{BC0857AC-7108-09CC-41C0-C791C34A92EE}"/>
+                  </a:ext>
+                </a:extLst>
+              </p:cNvPr>
+              <p:cNvSpPr txBox="1">
+                <a:spLocks noRot="1" noChangeAspect="1" noMove="1" noResize="1" noEditPoints="1" noAdjustHandles="1" noChangeArrowheads="1" noChangeShapeType="1" noTextEdit="1"/>
+              </p:cNvSpPr>
+              <p:nvPr/>
+            </p:nvSpPr>
+            <p:spPr>
+              <a:xfrm>
+                <a:off x="6673315" y="2696535"/>
+                <a:ext cx="420256" cy="369332"/>
+              </a:xfrm>
+              <a:prstGeom prst="rect">
+                <a:avLst/>
+              </a:prstGeom>
+              <a:blipFill>
+                <a:blip r:embed="rId22"/>
+                <a:stretch>
+                  <a:fillRect/>
+                </a:stretch>
+              </a:blipFill>
+            </p:spPr>
+            <p:txBody>
+              <a:bodyPr/>
+              <a:lstStyle/>
+              <a:p>
+                <a:r>
+                  <a:rPr lang="en-VN">
+                    <a:noFill/>
+                  </a:rPr>
+                  <a:t> </a:t>
+                </a:r>
+              </a:p>
+            </p:txBody>
+          </p:sp>
+        </mc:Fallback>
+      </mc:AlternateContent>
       <p:sp>
         <p:nvSpPr>
           <p:cNvPr id="73" name="Right Bracket 72">
@@ -7881,7 +7901,7 @@
         </p:nvSpPr>
         <p:spPr>
           <a:xfrm>
-            <a:off x="7064347" y="1444371"/>
+            <a:off x="6585131" y="770683"/>
             <a:ext cx="64736" cy="1984629"/>
           </a:xfrm>
           <a:prstGeom prst="rightBracket">
@@ -7927,8 +7947,8 @@
             </p:nvSpPr>
             <p:spPr>
               <a:xfrm>
-                <a:off x="7141946" y="2219390"/>
-                <a:ext cx="809135" cy="427425"/>
+                <a:off x="6662730" y="1545702"/>
+                <a:ext cx="809135" cy="436017"/>
               </a:xfrm>
               <a:prstGeom prst="rect">
                 <a:avLst/>
@@ -7978,10 +7998,10 @@
                             </m:sSubSupPr>
                             <m:e>
                               <m:r>
-                                <a:rPr lang="vi-VN" b="0" i="1">
+                                <a:rPr lang="vi-VN" b="1" i="1">
                                   <a:latin typeface="Cambria Math" panose="02040503050406030204" pitchFamily="18" charset="0"/>
                                 </a:rPr>
-                                <m:t>𝜃</m:t>
+                                <m:t>𝜽</m:t>
                               </m:r>
                             </m:e>
                             <m:sub>
@@ -7991,18 +8011,6 @@
                                 </a:rPr>
                                 <m:t>𝑖</m:t>
                               </m:r>
-                              <m:r>
-                                <a:rPr lang="vi-VN" b="0" i="1">
-                                  <a:latin typeface="Cambria Math" panose="02040503050406030204" pitchFamily="18" charset="0"/>
-                                </a:rPr>
-                                <m:t>,</m:t>
-                              </m:r>
-                              <m:r>
-                                <a:rPr lang="vi-VN" i="1">
-                                  <a:latin typeface="Cambria Math" panose="02040503050406030204" pitchFamily="18" charset="0"/>
-                                </a:rPr>
-                                <m:t>𝑘</m:t>
-                              </m:r>
                             </m:sub>
                             <m:sup>
                               <m:r>
@@ -8011,6 +8019,31 @@
                                 </a:rPr>
                                 <m:t>±</m:t>
                               </m:r>
+                              <m:sSub>
+                                <m:sSubPr>
+                                  <m:ctrlPr>
+                                    <a:rPr lang="vi-VN" b="0" i="1">
+                                      <a:latin typeface="Cambria Math" panose="02040503050406030204" pitchFamily="18" charset="0"/>
+                                    </a:rPr>
+                                  </m:ctrlPr>
+                                </m:sSubPr>
+                                <m:e>
+                                  <m:r>
+                                    <a:rPr lang="vi-VN" b="0" i="1">
+                                      <a:latin typeface="Cambria Math" panose="02040503050406030204" pitchFamily="18" charset="0"/>
+                                    </a:rPr>
+                                    <m:t>𝜖</m:t>
+                                  </m:r>
+                                </m:e>
+                                <m:sub>
+                                  <m:r>
+                                    <a:rPr lang="vi-VN" i="1">
+                                      <a:latin typeface="Cambria Math" panose="02040503050406030204" pitchFamily="18" charset="0"/>
+                                    </a:rPr>
+                                    <m:t>𝑘</m:t>
+                                  </m:r>
+                                </m:sub>
+                              </m:sSub>
                             </m:sup>
                           </m:sSubSup>
                         </m:e>
@@ -8046,8 +8079,8 @@
             </p:nvSpPr>
             <p:spPr>
               <a:xfrm>
-                <a:off x="7141946" y="2219390"/>
-                <a:ext cx="809135" cy="427425"/>
+                <a:off x="6662730" y="1545702"/>
+                <a:ext cx="809135" cy="436017"/>
               </a:xfrm>
               <a:prstGeom prst="rect">
                 <a:avLst/>
@@ -8055,7 +8088,7 @@
               <a:blipFill>
                 <a:blip r:embed="rId23"/>
                 <a:stretch>
-                  <a:fillRect l="-3125" r="-34375" b="-5714"/>
+                  <a:fillRect l="-1538" r="-47692" b="-8571"/>
                 </a:stretch>
               </a:blipFill>
             </p:spPr>
@@ -8088,7 +8121,7 @@
         </p:nvSpPr>
         <p:spPr>
           <a:xfrm>
-            <a:off x="7064347" y="1099771"/>
+            <a:off x="6585131" y="426083"/>
             <a:ext cx="64736" cy="259076"/>
           </a:xfrm>
           <a:prstGeom prst="rightBracket">
@@ -8134,7 +8167,7 @@
             </p:nvSpPr>
             <p:spPr>
               <a:xfrm>
-                <a:off x="7152530" y="1035681"/>
+                <a:off x="6673314" y="361993"/>
                 <a:ext cx="658368" cy="369332"/>
               </a:xfrm>
               <a:prstGeom prst="rect">
@@ -8167,10 +8200,10 @@
                         <m:t>(</m:t>
                       </m:r>
                       <m:r>
-                        <a:rPr lang="vi-VN" b="0" i="1">
+                        <a:rPr lang="vi-VN" b="1" i="1">
                           <a:latin typeface="Cambria Math" panose="02040503050406030204" pitchFamily="18" charset="0"/>
                         </a:rPr>
-                        <m:t>𝜃</m:t>
+                        <m:t>𝜽</m:t>
                       </m:r>
                       <m:r>
                         <a:rPr lang="vi-VN" b="0" i="1">
@@ -8203,7 +8236,7 @@
             </p:nvSpPr>
             <p:spPr>
               <a:xfrm>
-                <a:off x="7152530" y="1035681"/>
+                <a:off x="6673314" y="361993"/>
                 <a:ext cx="658368" cy="369332"/>
               </a:xfrm>
               <a:prstGeom prst="rect">
@@ -8212,7 +8245,7 @@
               <a:blipFill>
                 <a:blip r:embed="rId24"/>
                 <a:stretch>
-                  <a:fillRect r="-5769" b="-13333"/>
+                  <a:fillRect r="-5660" b="-13333"/>
                 </a:stretch>
               </a:blipFill>
             </p:spPr>
@@ -8247,7 +8280,7 @@
         </p:nvCxnSpPr>
         <p:spPr>
           <a:xfrm flipV="1">
-            <a:off x="979079" y="1046382"/>
+            <a:off x="499863" y="372694"/>
             <a:ext cx="0" cy="2508507"/>
           </a:xfrm>
           <a:prstGeom prst="straightConnector1">
@@ -8286,7 +8319,7 @@
         </p:nvSpPr>
         <p:spPr>
           <a:xfrm>
-            <a:off x="560832" y="673688"/>
+            <a:off x="81616" y="0"/>
             <a:ext cx="846822" cy="369332"/>
           </a:xfrm>
           <a:prstGeom prst="rect">
@@ -8322,7 +8355,7 @@
         </p:nvSpPr>
         <p:spPr>
           <a:xfrm>
-            <a:off x="7076071" y="3772632"/>
+            <a:off x="6596855" y="3098944"/>
             <a:ext cx="64736" cy="259076"/>
           </a:xfrm>
           <a:prstGeom prst="rightBracket">
@@ -8368,7 +8401,7 @@
             </p:nvSpPr>
             <p:spPr>
               <a:xfrm>
-                <a:off x="7152530" y="3729072"/>
+                <a:off x="6673314" y="3055384"/>
                 <a:ext cx="658368" cy="369332"/>
               </a:xfrm>
               <a:prstGeom prst="rect">
@@ -8401,10 +8434,10 @@
                         <m:t>(</m:t>
                       </m:r>
                       <m:r>
-                        <a:rPr lang="vi-VN" b="0" i="1">
+                        <a:rPr lang="vi-VN" b="1" i="1">
                           <a:latin typeface="Cambria Math" panose="02040503050406030204" pitchFamily="18" charset="0"/>
                         </a:rPr>
-                        <m:t>𝜃</m:t>
+                        <m:t>𝜽</m:t>
                       </m:r>
                       <m:r>
                         <a:rPr lang="vi-VN" b="0" i="1">
@@ -8437,16 +8470,16 @@
             </p:nvSpPr>
             <p:spPr>
               <a:xfrm>
-                <a:off x="7152530" y="3729072"/>
+                <a:off x="6673314" y="3055384"/>
                 <a:ext cx="658368" cy="369332"/>
               </a:xfrm>
               <a:prstGeom prst="rect">
                 <a:avLst/>
               </a:prstGeom>
               <a:blipFill>
-                <a:blip r:embed="rId24"/>
+                <a:blip r:embed="rId25"/>
                 <a:stretch>
-                  <a:fillRect r="-5769" b="-13333"/>
+                  <a:fillRect r="-5660" b="-16667"/>
                 </a:stretch>
               </a:blipFill>
             </p:spPr>
@@ -8481,8 +8514,8 @@
             </p:nvSpPr>
             <p:spPr>
               <a:xfrm>
-                <a:off x="937351" y="4231504"/>
-                <a:ext cx="625231" cy="369332"/>
+                <a:off x="603346" y="3604708"/>
+                <a:ext cx="480020" cy="369332"/>
               </a:xfrm>
               <a:prstGeom prst="rect">
                 <a:avLst/>
@@ -8495,50 +8528,31 @@
               </a:bodyPr>
               <a:lstStyle/>
               <a:p>
+                <a:pPr/>
                 <a14:m>
                   <m:oMathPara xmlns:m="http://schemas.openxmlformats.org/officeDocument/2006/math">
                     <m:oMathParaPr>
                       <m:jc m:val="centerGroup"/>
                     </m:oMathParaPr>
                     <m:oMath xmlns:m="http://schemas.openxmlformats.org/officeDocument/2006/math">
-                      <m:sSup>
-                        <m:sSupPr>
-                          <m:ctrlPr>
-                            <a:rPr lang="vi-VN" b="0" i="1">
-                              <a:latin typeface="Cambria Math" panose="02040503050406030204" pitchFamily="18" charset="0"/>
-                            </a:rPr>
-                          </m:ctrlPr>
-                        </m:sSupPr>
-                        <m:e>
-                          <m:d>
-                            <m:dPr>
-                              <m:begChr m:val="|"/>
-                              <m:endChr m:val="⟩"/>
-                              <m:ctrlPr>
-                                <a:rPr lang="vi-VN" b="0" i="1">
-                                  <a:latin typeface="Cambria Math" panose="02040503050406030204" pitchFamily="18" charset="0"/>
-                                </a:rPr>
-                              </m:ctrlPr>
-                            </m:dPr>
-                            <m:e>
-                              <m:r>
-                                <a:rPr lang="vi-VN" b="0" i="1">
-                                  <a:latin typeface="Cambria Math" panose="02040503050406030204" pitchFamily="18" charset="0"/>
-                                </a:rPr>
-                                <m:t>0</m:t>
-                              </m:r>
-                            </m:e>
-                          </m:d>
-                        </m:e>
-                        <m:sup>
-                          <m:r>
-                            <a:rPr lang="vi-VN" i="1">
-                              <a:latin typeface="Cambria Math" panose="02040503050406030204" pitchFamily="18" charset="0"/>
-                            </a:rPr>
-                            <m:t>𝑛</m:t>
-                          </m:r>
-                        </m:sup>
-                      </m:sSup>
+                      <m:r>
+                        <a:rPr lang="vi-VN" b="0" i="1">
+                          <a:latin typeface="Cambria Math" panose="02040503050406030204" pitchFamily="18" charset="0"/>
+                        </a:rPr>
+                        <m:t>|</m:t>
+                      </m:r>
+                      <m:r>
+                        <a:rPr lang="vi-VN" b="1" i="1">
+                          <a:latin typeface="Cambria Math" panose="02040503050406030204" pitchFamily="18" charset="0"/>
+                        </a:rPr>
+                        <m:t>𝟎</m:t>
+                      </m:r>
+                      <m:r>
+                        <a:rPr lang="vi-VN" b="0" i="1">
+                          <a:latin typeface="Cambria Math" panose="02040503050406030204" pitchFamily="18" charset="0"/>
+                        </a:rPr>
+                        <m:t>⟩</m:t>
+                      </m:r>
                     </m:oMath>
                   </m:oMathPara>
                 </a14:m>
@@ -8564,16 +8578,16 @@
             </p:nvSpPr>
             <p:spPr>
               <a:xfrm>
-                <a:off x="937351" y="4231504"/>
-                <a:ext cx="625231" cy="369332"/>
+                <a:off x="603346" y="3604708"/>
+                <a:ext cx="480020" cy="369332"/>
               </a:xfrm>
               <a:prstGeom prst="rect">
                 <a:avLst/>
               </a:prstGeom>
               <a:blipFill>
-                <a:blip r:embed="rId25"/>
+                <a:blip r:embed="rId26"/>
                 <a:stretch>
-                  <a:fillRect/>
+                  <a:fillRect l="-2564" r="-2564" b="-16667"/>
                 </a:stretch>
               </a:blipFill>
             </p:spPr>
@@ -8608,8 +8622,8 @@
         </p:nvCxnSpPr>
         <p:spPr>
           <a:xfrm>
-            <a:off x="1561780" y="4460906"/>
-            <a:ext cx="3014243" cy="0"/>
+            <a:off x="1082563" y="3787218"/>
+            <a:ext cx="3240000" cy="0"/>
           </a:xfrm>
           <a:prstGeom prst="straightConnector1">
             <a:avLst/>
@@ -8650,8 +8664,8 @@
             </p:nvSpPr>
             <p:spPr>
               <a:xfrm>
-                <a:off x="1677788" y="4231504"/>
-                <a:ext cx="1361845" cy="428263"/>
+                <a:off x="1488480" y="3557816"/>
+                <a:ext cx="1517411" cy="428263"/>
               </a:xfrm>
               <a:prstGeom prst="rect">
                 <a:avLst/>
@@ -8850,16 +8864,16 @@
             </p:nvSpPr>
             <p:spPr>
               <a:xfrm>
-                <a:off x="1677788" y="4231504"/>
-                <a:ext cx="1361845" cy="428263"/>
+                <a:off x="1488480" y="3557816"/>
+                <a:ext cx="1517411" cy="428263"/>
               </a:xfrm>
               <a:prstGeom prst="rect">
                 <a:avLst/>
               </a:prstGeom>
               <a:blipFill>
-                <a:blip r:embed="rId26"/>
+                <a:blip r:embed="rId27"/>
                 <a:stretch>
-                  <a:fillRect b="-5556"/>
+                  <a:fillRect b="-2778"/>
                 </a:stretch>
               </a:blipFill>
               <a:ln>
@@ -8899,7 +8913,7 @@
             </p:nvSpPr>
             <p:spPr>
               <a:xfrm>
-                <a:off x="3216461" y="4228552"/>
+                <a:off x="3124104" y="3554864"/>
                 <a:ext cx="1078225" cy="428263"/>
               </a:xfrm>
               <a:prstGeom prst="rect">
@@ -9056,14 +9070,14 @@
             </p:nvSpPr>
             <p:spPr>
               <a:xfrm>
-                <a:off x="3216461" y="4228552"/>
+                <a:off x="3124104" y="3554864"/>
                 <a:ext cx="1078225" cy="428263"/>
               </a:xfrm>
               <a:prstGeom prst="rect">
                 <a:avLst/>
               </a:prstGeom>
               <a:blipFill>
-                <a:blip r:embed="rId27"/>
+                <a:blip r:embed="rId28"/>
                 <a:stretch>
                   <a:fillRect b="-2778"/>
                 </a:stretch>
@@ -9100,14 +9114,13 @@
           </p:cNvPr>
           <p:cNvCxnSpPr>
             <a:cxnSpLocks/>
-            <a:endCxn id="88" idx="3"/>
           </p:cNvCxnSpPr>
           <p:nvPr/>
         </p:nvCxnSpPr>
         <p:spPr>
           <a:xfrm>
-            <a:off x="4966008" y="4460907"/>
-            <a:ext cx="1994857" cy="0"/>
+            <a:off x="4674360" y="3787219"/>
+            <a:ext cx="1800000" cy="0"/>
           </a:xfrm>
           <a:prstGeom prst="straightConnector1">
             <a:avLst/>
@@ -9148,7 +9161,7 @@
             </p:nvSpPr>
             <p:spPr>
               <a:xfrm>
-                <a:off x="5245927" y="4246775"/>
+                <a:off x="4766711" y="3573087"/>
                 <a:ext cx="1714938" cy="428263"/>
               </a:xfrm>
               <a:prstGeom prst="rect">
@@ -9323,16 +9336,16 @@
             </p:nvSpPr>
             <p:spPr>
               <a:xfrm>
-                <a:off x="5245927" y="4246775"/>
+                <a:off x="4766711" y="3573087"/>
                 <a:ext cx="1714938" cy="428263"/>
               </a:xfrm>
               <a:prstGeom prst="rect">
                 <a:avLst/>
               </a:prstGeom>
               <a:blipFill>
-                <a:blip r:embed="rId28"/>
+                <a:blip r:embed="rId29"/>
                 <a:stretch>
-                  <a:fillRect b="-2778"/>
+                  <a:fillRect b="-5556"/>
                 </a:stretch>
               </a:blipFill>
               <a:ln>
@@ -9372,7 +9385,7 @@
             </p:nvSpPr>
             <p:spPr>
               <a:xfrm>
-                <a:off x="4661210" y="4265317"/>
+                <a:off x="4404731" y="3591629"/>
                 <a:ext cx="219611" cy="276999"/>
               </a:xfrm>
               <a:prstGeom prst="rect">
@@ -9423,14 +9436,14 @@
             </p:nvSpPr>
             <p:spPr>
               <a:xfrm>
-                <a:off x="4661210" y="4265317"/>
+                <a:off x="4404731" y="3591629"/>
                 <a:ext cx="219611" cy="276999"/>
               </a:xfrm>
               <a:prstGeom prst="rect">
                 <a:avLst/>
               </a:prstGeom>
               <a:blipFill>
-                <a:blip r:embed="rId29"/>
+                <a:blip r:embed="rId30"/>
                 <a:stretch>
                   <a:fillRect/>
                 </a:stretch>
@@ -9465,7 +9478,7 @@
         </p:nvSpPr>
         <p:spPr>
           <a:xfrm>
-            <a:off x="7076071" y="4311969"/>
+            <a:off x="6596855" y="3638281"/>
             <a:ext cx="64736" cy="259076"/>
           </a:xfrm>
           <a:prstGeom prst="rightBracket">
@@ -9511,8 +9524,8 @@
             </p:nvSpPr>
             <p:spPr>
               <a:xfrm>
-                <a:off x="7152530" y="4268409"/>
-                <a:ext cx="658368" cy="388311"/>
+                <a:off x="6673314" y="3594721"/>
+                <a:ext cx="809134" cy="417102"/>
               </a:xfrm>
               <a:prstGeom prst="rect">
                 <a:avLst/>
@@ -9553,10 +9566,10 @@
                         </m:sSubSupPr>
                         <m:e>
                           <m:r>
-                            <a:rPr lang="vi-VN" b="0" i="1">
-                              <a:latin typeface="Cambria Math" panose="02040503050406030204" pitchFamily="18" charset="0"/>
-                            </a:rPr>
-                            <m:t>𝜃</m:t>
+                            <a:rPr lang="vi-VN" b="1" i="1">
+                              <a:latin typeface="Cambria Math" panose="02040503050406030204" pitchFamily="18" charset="0"/>
+                            </a:rPr>
+                            <m:t>𝜽</m:t>
                           </m:r>
                         </m:e>
                         <m:sub>
@@ -9564,7 +9577,7 @@
                             <a:rPr lang="vi-VN" b="0" i="1">
                               <a:latin typeface="Cambria Math" panose="02040503050406030204" pitchFamily="18" charset="0"/>
                             </a:rPr>
-                            <m:t>0,0</m:t>
+                            <m:t>0</m:t>
                           </m:r>
                         </m:sub>
                         <m:sup>
@@ -9574,6 +9587,31 @@
                             </a:rPr>
                             <m:t>+</m:t>
                           </m:r>
+                          <m:sSub>
+                            <m:sSubPr>
+                              <m:ctrlPr>
+                                <a:rPr lang="vi-VN" b="0" i="1">
+                                  <a:latin typeface="Cambria Math" panose="02040503050406030204" pitchFamily="18" charset="0"/>
+                                </a:rPr>
+                              </m:ctrlPr>
+                            </m:sSubPr>
+                            <m:e>
+                              <m:r>
+                                <a:rPr lang="vi-VN" b="0" i="1">
+                                  <a:latin typeface="Cambria Math" panose="02040503050406030204" pitchFamily="18" charset="0"/>
+                                </a:rPr>
+                                <m:t>𝜖</m:t>
+                              </m:r>
+                            </m:e>
+                            <m:sub>
+                              <m:r>
+                                <a:rPr lang="vi-VN" b="0" i="1">
+                                  <a:latin typeface="Cambria Math" panose="02040503050406030204" pitchFamily="18" charset="0"/>
+                                </a:rPr>
+                                <m:t>0</m:t>
+                              </m:r>
+                            </m:sub>
+                          </m:sSub>
                         </m:sup>
                       </m:sSubSup>
                       <m:r>
@@ -9607,16 +9645,16 @@
             </p:nvSpPr>
             <p:spPr>
               <a:xfrm>
-                <a:off x="7152530" y="4268409"/>
-                <a:ext cx="658368" cy="388311"/>
+                <a:off x="6673314" y="3594721"/>
+                <a:ext cx="809134" cy="417102"/>
               </a:xfrm>
               <a:prstGeom prst="rect">
                 <a:avLst/>
               </a:prstGeom>
               <a:blipFill>
-                <a:blip r:embed="rId30"/>
+                <a:blip r:embed="rId31"/>
                 <a:stretch>
-                  <a:fillRect r="-40385" b="-9677"/>
+                  <a:fillRect r="-25000" b="-12121"/>
                 </a:stretch>
               </a:blipFill>
             </p:spPr>
@@ -9651,8 +9689,8 @@
             </p:nvSpPr>
             <p:spPr>
               <a:xfrm>
-                <a:off x="952701" y="4970095"/>
-                <a:ext cx="625231" cy="369332"/>
+                <a:off x="603346" y="4331576"/>
+                <a:ext cx="495370" cy="369332"/>
               </a:xfrm>
               <a:prstGeom prst="rect">
                 <a:avLst/>
@@ -9665,50 +9703,31 @@
               </a:bodyPr>
               <a:lstStyle/>
               <a:p>
+                <a:pPr/>
                 <a14:m>
                   <m:oMathPara xmlns:m="http://schemas.openxmlformats.org/officeDocument/2006/math">
                     <m:oMathParaPr>
                       <m:jc m:val="centerGroup"/>
                     </m:oMathParaPr>
                     <m:oMath xmlns:m="http://schemas.openxmlformats.org/officeDocument/2006/math">
-                      <m:sSup>
-                        <m:sSupPr>
-                          <m:ctrlPr>
-                            <a:rPr lang="vi-VN" b="0" i="1">
-                              <a:latin typeface="Cambria Math" panose="02040503050406030204" pitchFamily="18" charset="0"/>
-                            </a:rPr>
-                          </m:ctrlPr>
-                        </m:sSupPr>
-                        <m:e>
-                          <m:d>
-                            <m:dPr>
-                              <m:begChr m:val="|"/>
-                              <m:endChr m:val="⟩"/>
-                              <m:ctrlPr>
-                                <a:rPr lang="vi-VN" b="0" i="1">
-                                  <a:latin typeface="Cambria Math" panose="02040503050406030204" pitchFamily="18" charset="0"/>
-                                </a:rPr>
-                              </m:ctrlPr>
-                            </m:dPr>
-                            <m:e>
-                              <m:r>
-                                <a:rPr lang="vi-VN" b="0" i="1">
-                                  <a:latin typeface="Cambria Math" panose="02040503050406030204" pitchFamily="18" charset="0"/>
-                                </a:rPr>
-                                <m:t>0</m:t>
-                              </m:r>
-                            </m:e>
-                          </m:d>
-                        </m:e>
-                        <m:sup>
-                          <m:r>
-                            <a:rPr lang="vi-VN" i="1">
-                              <a:latin typeface="Cambria Math" panose="02040503050406030204" pitchFamily="18" charset="0"/>
-                            </a:rPr>
-                            <m:t>𝑛</m:t>
-                          </m:r>
-                        </m:sup>
-                      </m:sSup>
+                      <m:r>
+                        <a:rPr lang="vi-VN" b="0" i="1">
+                          <a:latin typeface="Cambria Math" panose="02040503050406030204" pitchFamily="18" charset="0"/>
+                        </a:rPr>
+                        <m:t>|</m:t>
+                      </m:r>
+                      <m:r>
+                        <a:rPr lang="vi-VN" b="1" i="1">
+                          <a:latin typeface="Cambria Math" panose="02040503050406030204" pitchFamily="18" charset="0"/>
+                        </a:rPr>
+                        <m:t>𝟎</m:t>
+                      </m:r>
+                      <m:r>
+                        <a:rPr lang="vi-VN" b="0" i="1">
+                          <a:latin typeface="Cambria Math" panose="02040503050406030204" pitchFamily="18" charset="0"/>
+                        </a:rPr>
+                        <m:t>⟩</m:t>
+                      </m:r>
                     </m:oMath>
                   </m:oMathPara>
                 </a14:m>
@@ -9734,16 +9753,16 @@
             </p:nvSpPr>
             <p:spPr>
               <a:xfrm>
-                <a:off x="952701" y="4970095"/>
-                <a:ext cx="625231" cy="369332"/>
+                <a:off x="603346" y="4331576"/>
+                <a:ext cx="495370" cy="369332"/>
               </a:xfrm>
               <a:prstGeom prst="rect">
                 <a:avLst/>
               </a:prstGeom>
               <a:blipFill>
-                <a:blip r:embed="rId31"/>
+                <a:blip r:embed="rId32"/>
                 <a:stretch>
-                  <a:fillRect/>
+                  <a:fillRect l="-2500" r="-2500" b="-13333"/>
                 </a:stretch>
               </a:blipFill>
             </p:spPr>
@@ -9778,8 +9797,8 @@
         </p:nvCxnSpPr>
         <p:spPr>
           <a:xfrm>
-            <a:off x="1577130" y="5199497"/>
-            <a:ext cx="3014243" cy="0"/>
+            <a:off x="1097913" y="4525809"/>
+            <a:ext cx="3204000" cy="0"/>
           </a:xfrm>
           <a:prstGeom prst="straightConnector1">
             <a:avLst/>
@@ -9820,8 +9839,8 @@
             </p:nvSpPr>
             <p:spPr>
               <a:xfrm>
-                <a:off x="1693138" y="4970095"/>
-                <a:ext cx="1361845" cy="428263"/>
+                <a:off x="1488480" y="4296407"/>
+                <a:ext cx="1509315" cy="428263"/>
               </a:xfrm>
               <a:prstGeom prst="rect">
                 <a:avLst/>
@@ -9972,13 +9991,13 @@
                         </m:e>
                         <m:sub>
                           <m:r>
-                            <a:rPr lang="vi-VN" i="1">
-                              <a:solidFill>
-                                <a:schemeClr val="tx1"/>
-                              </a:solidFill>
-                              <a:latin typeface="Cambria Math" panose="02040503050406030204" pitchFamily="18" charset="0"/>
-                            </a:rPr>
-                            <m:t>𝑘</m:t>
+                            <a:rPr lang="vi-VN" b="0" i="1">
+                              <a:solidFill>
+                                <a:schemeClr val="tx1"/>
+                              </a:solidFill>
+                              <a:latin typeface="Cambria Math" panose="02040503050406030204" pitchFamily="18" charset="0"/>
+                            </a:rPr>
+                            <m:t>0</m:t>
                           </m:r>
                         </m:sub>
                       </m:sSub>
@@ -10020,16 +10039,16 @@
             </p:nvSpPr>
             <p:spPr>
               <a:xfrm>
-                <a:off x="1693138" y="4970095"/>
-                <a:ext cx="1361845" cy="428263"/>
+                <a:off x="1488480" y="4296407"/>
+                <a:ext cx="1509315" cy="428263"/>
               </a:xfrm>
               <a:prstGeom prst="rect">
                 <a:avLst/>
               </a:prstGeom>
               <a:blipFill>
-                <a:blip r:embed="rId32"/>
+                <a:blip r:embed="rId33"/>
                 <a:stretch>
-                  <a:fillRect b="-2703"/>
+                  <a:fillRect b="-2778"/>
                 </a:stretch>
               </a:blipFill>
               <a:ln>
@@ -10069,7 +10088,7 @@
             </p:nvSpPr>
             <p:spPr>
               <a:xfrm>
-                <a:off x="3231811" y="4967143"/>
+                <a:off x="3104285" y="4293455"/>
                 <a:ext cx="1078225" cy="428263"/>
               </a:xfrm>
               <a:prstGeom prst="rect">
@@ -10226,14 +10245,14 @@
             </p:nvSpPr>
             <p:spPr>
               <a:xfrm>
-                <a:off x="3231811" y="4967143"/>
+                <a:off x="3104285" y="4293455"/>
                 <a:ext cx="1078225" cy="428263"/>
               </a:xfrm>
               <a:prstGeom prst="rect">
                 <a:avLst/>
               </a:prstGeom>
               <a:blipFill>
-                <a:blip r:embed="rId33"/>
+                <a:blip r:embed="rId34"/>
                 <a:stretch>
                   <a:fillRect b="-2778"/>
                 </a:stretch>
@@ -10270,14 +10289,13 @@
           </p:cNvPr>
           <p:cNvCxnSpPr>
             <a:cxnSpLocks/>
-            <a:endCxn id="97" idx="3"/>
           </p:cNvCxnSpPr>
           <p:nvPr/>
         </p:nvCxnSpPr>
         <p:spPr>
           <a:xfrm>
-            <a:off x="4981358" y="5199498"/>
-            <a:ext cx="1994857" cy="0"/>
+            <a:off x="4689710" y="4525810"/>
+            <a:ext cx="1800000" cy="0"/>
           </a:xfrm>
           <a:prstGeom prst="straightConnector1">
             <a:avLst/>
@@ -10318,7 +10336,7 @@
             </p:nvSpPr>
             <p:spPr>
               <a:xfrm>
-                <a:off x="5261277" y="4985366"/>
+                <a:off x="4782061" y="4311678"/>
                 <a:ext cx="1714938" cy="428263"/>
               </a:xfrm>
               <a:prstGeom prst="rect">
@@ -10493,16 +10511,16 @@
             </p:nvSpPr>
             <p:spPr>
               <a:xfrm>
-                <a:off x="5261277" y="4985366"/>
+                <a:off x="4782061" y="4311678"/>
                 <a:ext cx="1714938" cy="428263"/>
               </a:xfrm>
               <a:prstGeom prst="rect">
                 <a:avLst/>
               </a:prstGeom>
               <a:blipFill>
-                <a:blip r:embed="rId34"/>
+                <a:blip r:embed="rId35"/>
                 <a:stretch>
-                  <a:fillRect b="-2778"/>
+                  <a:fillRect b="-2703"/>
                 </a:stretch>
               </a:blipFill>
               <a:ln>
@@ -10542,7 +10560,7 @@
             </p:nvSpPr>
             <p:spPr>
               <a:xfrm>
-                <a:off x="4676560" y="5003908"/>
+                <a:off x="4396635" y="4330220"/>
                 <a:ext cx="219611" cy="276999"/>
               </a:xfrm>
               <a:prstGeom prst="rect">
@@ -10593,14 +10611,14 @@
             </p:nvSpPr>
             <p:spPr>
               <a:xfrm>
-                <a:off x="4676560" y="5003908"/>
+                <a:off x="4396635" y="4330220"/>
                 <a:ext cx="219611" cy="276999"/>
               </a:xfrm>
               <a:prstGeom prst="rect">
                 <a:avLst/>
               </a:prstGeom>
               <a:blipFill>
-                <a:blip r:embed="rId35"/>
+                <a:blip r:embed="rId36"/>
                 <a:stretch>
                   <a:fillRect/>
                 </a:stretch>
@@ -10635,7 +10653,7 @@
         </p:nvSpPr>
         <p:spPr>
           <a:xfrm>
-            <a:off x="7091421" y="5050560"/>
+            <a:off x="6612205" y="4376872"/>
             <a:ext cx="64736" cy="259076"/>
           </a:xfrm>
           <a:prstGeom prst="rightBracket">
@@ -10681,8 +10699,8 @@
             </p:nvSpPr>
             <p:spPr>
               <a:xfrm>
-                <a:off x="7167880" y="5007000"/>
-                <a:ext cx="658368" cy="392480"/>
+                <a:off x="6688664" y="4333312"/>
+                <a:ext cx="961814" cy="404534"/>
               </a:xfrm>
               <a:prstGeom prst="rect">
                 <a:avLst/>
@@ -10723,10 +10741,10 @@
                         </m:sSubSupPr>
                         <m:e>
                           <m:r>
-                            <a:rPr lang="vi-VN" b="0" i="1">
-                              <a:latin typeface="Cambria Math" panose="02040503050406030204" pitchFamily="18" charset="0"/>
-                            </a:rPr>
-                            <m:t>𝜃</m:t>
+                            <a:rPr lang="vi-VN" b="1" i="1">
+                              <a:latin typeface="Cambria Math" panose="02040503050406030204" pitchFamily="18" charset="0"/>
+                            </a:rPr>
+                            <m:t>𝜽</m:t>
                           </m:r>
                         </m:e>
                         <m:sub>
@@ -10734,13 +10752,7 @@
                             <a:rPr lang="vi-VN" b="0" i="1">
                               <a:latin typeface="Cambria Math" panose="02040503050406030204" pitchFamily="18" charset="0"/>
                             </a:rPr>
-                            <m:t>0,</m:t>
-                          </m:r>
-                          <m:r>
-                            <a:rPr lang="vi-VN" i="1">
-                              <a:latin typeface="Cambria Math" panose="02040503050406030204" pitchFamily="18" charset="0"/>
-                            </a:rPr>
-                            <m:t>𝑘</m:t>
+                            <m:t>0</m:t>
                           </m:r>
                         </m:sub>
                         <m:sup>
@@ -10750,6 +10762,31 @@
                             </a:rPr>
                             <m:t>−</m:t>
                           </m:r>
+                          <m:sSub>
+                            <m:sSubPr>
+                              <m:ctrlPr>
+                                <a:rPr lang="vi-VN" b="0" i="1">
+                                  <a:latin typeface="Cambria Math" panose="02040503050406030204" pitchFamily="18" charset="0"/>
+                                </a:rPr>
+                              </m:ctrlPr>
+                            </m:sSubPr>
+                            <m:e>
+                              <m:r>
+                                <a:rPr lang="vi-VN" b="0" i="1">
+                                  <a:latin typeface="Cambria Math" panose="02040503050406030204" pitchFamily="18" charset="0"/>
+                                </a:rPr>
+                                <m:t>𝜖</m:t>
+                              </m:r>
+                            </m:e>
+                            <m:sub>
+                              <m:r>
+                                <a:rPr lang="vi-VN" i="1">
+                                  <a:latin typeface="Cambria Math" panose="02040503050406030204" pitchFamily="18" charset="0"/>
+                                </a:rPr>
+                                <m:t>𝑘</m:t>
+                              </m:r>
+                            </m:sub>
+                          </m:sSub>
                         </m:sup>
                       </m:sSubSup>
                       <m:r>
@@ -10783,16 +10820,16 @@
             </p:nvSpPr>
             <p:spPr>
               <a:xfrm>
-                <a:off x="7167880" y="5007000"/>
-                <a:ext cx="658368" cy="392480"/>
+                <a:off x="6688664" y="4333312"/>
+                <a:ext cx="961814" cy="404534"/>
               </a:xfrm>
               <a:prstGeom prst="rect">
                 <a:avLst/>
               </a:prstGeom>
               <a:blipFill>
-                <a:blip r:embed="rId36"/>
+                <a:blip r:embed="rId37"/>
                 <a:stretch>
-                  <a:fillRect r="-37736" b="-6250"/>
+                  <a:fillRect r="-5195" b="-12500"/>
                 </a:stretch>
               </a:blipFill>
             </p:spPr>
@@ -10827,7 +10864,7 @@
             </p:nvSpPr>
             <p:spPr>
               <a:xfrm rot="5400000">
-                <a:off x="2339285" y="4675383"/>
+                <a:off x="1860069" y="4001695"/>
                 <a:ext cx="219611" cy="276999"/>
               </a:xfrm>
               <a:prstGeom prst="rect">
@@ -10878,14 +10915,14 @@
             </p:nvSpPr>
             <p:spPr>
               <a:xfrm rot="5400000">
-                <a:off x="2339285" y="4675383"/>
+                <a:off x="1860069" y="4001695"/>
                 <a:ext cx="219611" cy="276999"/>
               </a:xfrm>
               <a:prstGeom prst="rect">
                 <a:avLst/>
               </a:prstGeom>
               <a:blipFill>
-                <a:blip r:embed="rId37"/>
+                <a:blip r:embed="rId38"/>
                 <a:stretch>
                   <a:fillRect/>
                 </a:stretch>
@@ -10922,8 +10959,8 @@
             </p:nvSpPr>
             <p:spPr>
               <a:xfrm>
-                <a:off x="952701" y="5707738"/>
-                <a:ext cx="625231" cy="369332"/>
+                <a:off x="603346" y="5080942"/>
+                <a:ext cx="495370" cy="369332"/>
               </a:xfrm>
               <a:prstGeom prst="rect">
                 <a:avLst/>
@@ -10936,50 +10973,31 @@
               </a:bodyPr>
               <a:lstStyle/>
               <a:p>
+                <a:pPr/>
                 <a14:m>
                   <m:oMathPara xmlns:m="http://schemas.openxmlformats.org/officeDocument/2006/math">
                     <m:oMathParaPr>
                       <m:jc m:val="centerGroup"/>
                     </m:oMathParaPr>
                     <m:oMath xmlns:m="http://schemas.openxmlformats.org/officeDocument/2006/math">
-                      <m:sSup>
-                        <m:sSupPr>
-                          <m:ctrlPr>
-                            <a:rPr lang="vi-VN" b="0" i="1">
-                              <a:latin typeface="Cambria Math" panose="02040503050406030204" pitchFamily="18" charset="0"/>
-                            </a:rPr>
-                          </m:ctrlPr>
-                        </m:sSupPr>
-                        <m:e>
-                          <m:d>
-                            <m:dPr>
-                              <m:begChr m:val="|"/>
-                              <m:endChr m:val="⟩"/>
-                              <m:ctrlPr>
-                                <a:rPr lang="vi-VN" b="0" i="1">
-                                  <a:latin typeface="Cambria Math" panose="02040503050406030204" pitchFamily="18" charset="0"/>
-                                </a:rPr>
-                              </m:ctrlPr>
-                            </m:dPr>
-                            <m:e>
-                              <m:r>
-                                <a:rPr lang="vi-VN" b="0" i="1">
-                                  <a:latin typeface="Cambria Math" panose="02040503050406030204" pitchFamily="18" charset="0"/>
-                                </a:rPr>
-                                <m:t>0</m:t>
-                              </m:r>
-                            </m:e>
-                          </m:d>
-                        </m:e>
-                        <m:sup>
-                          <m:r>
-                            <a:rPr lang="vi-VN" i="1">
-                              <a:latin typeface="Cambria Math" panose="02040503050406030204" pitchFamily="18" charset="0"/>
-                            </a:rPr>
-                            <m:t>𝑛</m:t>
-                          </m:r>
-                        </m:sup>
-                      </m:sSup>
+                      <m:r>
+                        <a:rPr lang="vi-VN" b="0" i="1">
+                          <a:latin typeface="Cambria Math" panose="02040503050406030204" pitchFamily="18" charset="0"/>
+                        </a:rPr>
+                        <m:t>|</m:t>
+                      </m:r>
+                      <m:r>
+                        <a:rPr lang="vi-VN" b="1" i="1">
+                          <a:latin typeface="Cambria Math" panose="02040503050406030204" pitchFamily="18" charset="0"/>
+                        </a:rPr>
+                        <m:t>𝟎</m:t>
+                      </m:r>
+                      <m:r>
+                        <a:rPr lang="vi-VN" b="0" i="1">
+                          <a:latin typeface="Cambria Math" panose="02040503050406030204" pitchFamily="18" charset="0"/>
+                        </a:rPr>
+                        <m:t>⟩</m:t>
+                      </m:r>
                     </m:oMath>
                   </m:oMathPara>
                 </a14:m>
@@ -11005,16 +11023,16 @@
             </p:nvSpPr>
             <p:spPr>
               <a:xfrm>
-                <a:off x="952701" y="5707738"/>
-                <a:ext cx="625231" cy="369332"/>
+                <a:off x="603346" y="5080942"/>
+                <a:ext cx="495370" cy="369332"/>
               </a:xfrm>
               <a:prstGeom prst="rect">
                 <a:avLst/>
               </a:prstGeom>
               <a:blipFill>
-                <a:blip r:embed="rId38"/>
+                <a:blip r:embed="rId39"/>
                 <a:stretch>
-                  <a:fillRect/>
+                  <a:fillRect l="-2500" r="-2500" b="-12903"/>
                 </a:stretch>
               </a:blipFill>
             </p:spPr>
@@ -11049,8 +11067,8 @@
         </p:nvCxnSpPr>
         <p:spPr>
           <a:xfrm>
-            <a:off x="1577129" y="5937140"/>
-            <a:ext cx="2556000" cy="1"/>
+            <a:off x="1097913" y="5263452"/>
+            <a:ext cx="2916000" cy="1"/>
           </a:xfrm>
           <a:prstGeom prst="straightConnector1">
             <a:avLst/>
@@ -11091,8 +11109,8 @@
             </p:nvSpPr>
             <p:spPr>
               <a:xfrm>
-                <a:off x="1693138" y="5707738"/>
-                <a:ext cx="928681" cy="428263"/>
+                <a:off x="1488480" y="5034050"/>
+                <a:ext cx="1517411" cy="428263"/>
               </a:xfrm>
               <a:prstGeom prst="rect">
                 <a:avLst/>
@@ -11248,16 +11266,16 @@
             </p:nvSpPr>
             <p:spPr>
               <a:xfrm>
-                <a:off x="1693138" y="5707738"/>
-                <a:ext cx="928681" cy="428263"/>
+                <a:off x="1488480" y="5034050"/>
+                <a:ext cx="1517411" cy="428263"/>
               </a:xfrm>
               <a:prstGeom prst="rect">
                 <a:avLst/>
               </a:prstGeom>
               <a:blipFill>
-                <a:blip r:embed="rId39"/>
+                <a:blip r:embed="rId40"/>
                 <a:stretch>
-                  <a:fillRect b="-2703"/>
+                  <a:fillRect b="-2778"/>
                 </a:stretch>
               </a:blipFill>
               <a:ln>
@@ -11297,8 +11315,8 @@
             </p:nvSpPr>
             <p:spPr>
               <a:xfrm>
-                <a:off x="2739445" y="5704786"/>
-                <a:ext cx="1078225" cy="428263"/>
+                <a:off x="3116008" y="5031098"/>
+                <a:ext cx="785150" cy="428263"/>
               </a:xfrm>
               <a:prstGeom prst="rect">
                 <a:avLst/>
@@ -11454,16 +11472,16 @@
             </p:nvSpPr>
             <p:spPr>
               <a:xfrm>
-                <a:off x="2739445" y="5704786"/>
-                <a:ext cx="1078225" cy="428263"/>
+                <a:off x="3116008" y="5031098"/>
+                <a:ext cx="785150" cy="428263"/>
               </a:xfrm>
               <a:prstGeom prst="rect">
                 <a:avLst/>
               </a:prstGeom>
               <a:blipFill>
-                <a:blip r:embed="rId40"/>
+                <a:blip r:embed="rId41"/>
                 <a:stretch>
-                  <a:fillRect b="-2778"/>
+                  <a:fillRect l="-3077" r="-1538" b="-2703"/>
                 </a:stretch>
               </a:blipFill>
               <a:ln>
@@ -11498,14 +11516,13 @@
           </p:cNvPr>
           <p:cNvCxnSpPr>
             <a:cxnSpLocks/>
-            <a:endCxn id="107" idx="3"/>
           </p:cNvCxnSpPr>
           <p:nvPr/>
         </p:nvCxnSpPr>
         <p:spPr>
           <a:xfrm flipV="1">
-            <a:off x="4704060" y="5937141"/>
-            <a:ext cx="2272155" cy="15824"/>
+            <a:off x="4400689" y="5263453"/>
+            <a:ext cx="2088000" cy="15824"/>
           </a:xfrm>
           <a:prstGeom prst="straightConnector1">
             <a:avLst/>
@@ -11546,7 +11563,7 @@
             </p:nvSpPr>
             <p:spPr>
               <a:xfrm>
-                <a:off x="4966008" y="5723009"/>
+                <a:off x="4486792" y="5049321"/>
                 <a:ext cx="2010207" cy="428263"/>
               </a:xfrm>
               <a:prstGeom prst="rect">
@@ -11643,7 +11660,7 @@
                       <m:sSub>
                         <m:sSubPr>
                           <m:ctrlPr>
-                            <a:rPr lang="vi-VN" b="0" i="1">
+                            <a:rPr lang="vi-VN" i="1">
                               <a:solidFill>
                                 <a:schemeClr val="tx1"/>
                               </a:solidFill>
@@ -11653,7 +11670,7 @@
                         </m:sSubPr>
                         <m:e>
                           <m:r>
-                            <a:rPr lang="vi-VN" b="0" i="1">
+                            <a:rPr lang="vi-VN" i="1">
                               <a:solidFill>
                                 <a:schemeClr val="tx1"/>
                               </a:solidFill>
@@ -11673,7 +11690,7 @@
                             <m:t>𝑚</m:t>
                           </m:r>
                           <m:r>
-                            <a:rPr lang="vi-VN" b="0" i="1">
+                            <a:rPr lang="vi-VN" i="1">
                               <a:solidFill>
                                 <a:schemeClr val="tx1"/>
                               </a:solidFill>
@@ -11684,7 +11701,7 @@
                         </m:sub>
                       </m:sSub>
                       <m:r>
-                        <a:rPr lang="vi-VN" b="0" i="1">
+                        <a:rPr lang="vi-VN" i="1">
                           <a:solidFill>
                             <a:schemeClr val="tx1"/>
                           </a:solidFill>
@@ -11695,7 +11712,7 @@
                       <m:sSub>
                         <m:sSubPr>
                           <m:ctrlPr>
-                            <a:rPr lang="vi-VN" b="0" i="1">
+                            <a:rPr lang="vi-VN" i="1">
                               <a:solidFill>
                                 <a:schemeClr val="tx1"/>
                               </a:solidFill>
@@ -11705,7 +11722,7 @@
                         </m:sSubPr>
                         <m:e>
                           <m:r>
-                            <a:rPr lang="vi-VN" b="0" i="1">
+                            <a:rPr lang="vi-VN" i="1">
                               <a:solidFill>
                                 <a:schemeClr val="tx1"/>
                               </a:solidFill>
@@ -11764,16 +11781,16 @@
             </p:nvSpPr>
             <p:spPr>
               <a:xfrm>
-                <a:off x="4966008" y="5723009"/>
+                <a:off x="4486792" y="5049321"/>
                 <a:ext cx="2010207" cy="428263"/>
               </a:xfrm>
               <a:prstGeom prst="rect">
                 <a:avLst/>
               </a:prstGeom>
               <a:blipFill>
-                <a:blip r:embed="rId41"/>
+                <a:blip r:embed="rId42"/>
                 <a:stretch>
-                  <a:fillRect b="-2778"/>
+                  <a:fillRect b="-2703"/>
                 </a:stretch>
               </a:blipFill>
               <a:ln>
@@ -11813,7 +11830,7 @@
             </p:nvSpPr>
             <p:spPr>
               <a:xfrm>
-                <a:off x="4313147" y="5741551"/>
+                <a:off x="4091837" y="5067863"/>
                 <a:ext cx="219611" cy="276999"/>
               </a:xfrm>
               <a:prstGeom prst="rect">
@@ -11864,14 +11881,14 @@
             </p:nvSpPr>
             <p:spPr>
               <a:xfrm>
-                <a:off x="4313147" y="5741551"/>
+                <a:off x="4091837" y="5067863"/>
                 <a:ext cx="219611" cy="276999"/>
               </a:xfrm>
               <a:prstGeom prst="rect">
                 <a:avLst/>
               </a:prstGeom>
               <a:blipFill>
-                <a:blip r:embed="rId17"/>
+                <a:blip r:embed="rId43"/>
                 <a:stretch>
                   <a:fillRect/>
                 </a:stretch>
@@ -11906,7 +11923,7 @@
         </p:nvSpPr>
         <p:spPr>
           <a:xfrm>
-            <a:off x="7091421" y="5788203"/>
+            <a:off x="6612205" y="5114515"/>
             <a:ext cx="64736" cy="259076"/>
           </a:xfrm>
           <a:prstGeom prst="rightBracket">
@@ -11952,8 +11969,8 @@
             </p:nvSpPr>
             <p:spPr>
               <a:xfrm>
-                <a:off x="7167880" y="5744643"/>
-                <a:ext cx="658368" cy="392480"/>
+                <a:off x="6688664" y="5070955"/>
+                <a:ext cx="1184552" cy="404919"/>
               </a:xfrm>
               <a:prstGeom prst="rect">
                 <a:avLst/>
@@ -11994,10 +12011,10 @@
                         </m:sSubSupPr>
                         <m:e>
                           <m:r>
-                            <a:rPr lang="vi-VN" b="0" i="1">
-                              <a:latin typeface="Cambria Math" panose="02040503050406030204" pitchFamily="18" charset="0"/>
-                            </a:rPr>
-                            <m:t>𝜃</m:t>
+                            <a:rPr lang="vi-VN" b="1" i="1">
+                              <a:latin typeface="Cambria Math" panose="02040503050406030204" pitchFamily="18" charset="0"/>
+                            </a:rPr>
+                            <m:t>𝜽</m:t>
                           </m:r>
                         </m:e>
                         <m:sub>
@@ -12011,13 +12028,7 @@
                             <a:rPr lang="vi-VN" b="0" i="1">
                               <a:latin typeface="Cambria Math" panose="02040503050406030204" pitchFamily="18" charset="0"/>
                             </a:rPr>
-                            <m:t>−1,</m:t>
-                          </m:r>
-                          <m:r>
-                            <a:rPr lang="vi-VN" i="1">
-                              <a:latin typeface="Cambria Math" panose="02040503050406030204" pitchFamily="18" charset="0"/>
-                            </a:rPr>
-                            <m:t>𝑘</m:t>
+                            <m:t>−1</m:t>
                           </m:r>
                         </m:sub>
                         <m:sup>
@@ -12027,6 +12038,34 @@
                             </a:rPr>
                             <m:t>−</m:t>
                           </m:r>
+                          <m:sSub>
+                            <m:sSubPr>
+                              <m:ctrlPr>
+                                <a:rPr lang="vi-VN" b="0" i="1">
+                                  <a:latin typeface="Cambria Math" panose="02040503050406030204" pitchFamily="18" charset="0"/>
+                                </a:rPr>
+                              </m:ctrlPr>
+                            </m:sSubPr>
+                            <m:e>
+                              <m:r>
+                                <a:rPr lang="vi-VN" b="0" i="1">
+                                  <a:latin typeface="Cambria Math" panose="02040503050406030204" pitchFamily="18" charset="0"/>
+                                </a:rPr>
+                                <m:t>𝜖</m:t>
+                              </m:r>
+                            </m:e>
+                            <m:sub>
+                              <m:r>
+                                <m:rPr>
+                                  <m:sty m:val="p"/>
+                                </m:rPr>
+                                <a:rPr lang="vi-VN" i="1">
+                                  <a:latin typeface="Cambria Math" panose="02040503050406030204" pitchFamily="18" charset="0"/>
+                                </a:rPr>
+                                <m:t>k</m:t>
+                              </m:r>
+                            </m:sub>
+                          </m:sSub>
                         </m:sup>
                       </m:sSubSup>
                       <m:r>
@@ -12060,16 +12099,16 @@
             </p:nvSpPr>
             <p:spPr>
               <a:xfrm>
-                <a:off x="7167880" y="5744643"/>
-                <a:ext cx="658368" cy="392480"/>
+                <a:off x="6688664" y="5070955"/>
+                <a:ext cx="1184552" cy="404919"/>
               </a:xfrm>
               <a:prstGeom prst="rect">
                 <a:avLst/>
               </a:prstGeom>
               <a:blipFill>
-                <a:blip r:embed="rId42"/>
+                <a:blip r:embed="rId44"/>
                 <a:stretch>
-                  <a:fillRect r="-81132" b="-6250"/>
+                  <a:fillRect b="-9091"/>
                 </a:stretch>
               </a:blipFill>
             </p:spPr>
@@ -12104,7 +12143,7 @@
             </p:nvSpPr>
             <p:spPr>
               <a:xfrm rot="5400000">
-                <a:off x="2315840" y="5413933"/>
+                <a:off x="1836624" y="4740245"/>
                 <a:ext cx="219611" cy="276999"/>
               </a:xfrm>
               <a:prstGeom prst="rect">
@@ -12155,14 +12194,14 @@
             </p:nvSpPr>
             <p:spPr>
               <a:xfrm rot="5400000">
-                <a:off x="2315840" y="5413933"/>
+                <a:off x="1836624" y="4740245"/>
                 <a:ext cx="219611" cy="276999"/>
               </a:xfrm>
               <a:prstGeom prst="rect">
                 <a:avLst/>
               </a:prstGeom>
               <a:blipFill>
-                <a:blip r:embed="rId43"/>
+                <a:blip r:embed="rId38"/>
                 <a:stretch>
                   <a:fillRect/>
                 </a:stretch>
@@ -12199,7 +12238,7 @@
             </p:nvSpPr>
             <p:spPr>
               <a:xfrm rot="5400000">
-                <a:off x="7371908" y="4710238"/>
+                <a:off x="6892692" y="4036550"/>
                 <a:ext cx="219611" cy="276999"/>
               </a:xfrm>
               <a:prstGeom prst="rect">
@@ -12250,14 +12289,14 @@
             </p:nvSpPr>
             <p:spPr>
               <a:xfrm rot="5400000">
-                <a:off x="7371908" y="4710238"/>
+                <a:off x="6892692" y="4036550"/>
                 <a:ext cx="219611" cy="276999"/>
               </a:xfrm>
               <a:prstGeom prst="rect">
                 <a:avLst/>
               </a:prstGeom>
               <a:blipFill>
-                <a:blip r:embed="rId44"/>
+                <a:blip r:embed="rId45"/>
                 <a:stretch>
                   <a:fillRect/>
                 </a:stretch>
@@ -12294,7 +12333,7 @@
             </p:nvSpPr>
             <p:spPr>
               <a:xfrm rot="5400000">
-                <a:off x="7371908" y="5442520"/>
+                <a:off x="6892692" y="4768832"/>
                 <a:ext cx="219611" cy="276999"/>
               </a:xfrm>
               <a:prstGeom prst="rect">
@@ -12345,14 +12384,2797 @@
             </p:nvSpPr>
             <p:spPr>
               <a:xfrm rot="5400000">
-                <a:off x="7371908" y="5442520"/>
+                <a:off x="6892692" y="4768832"/>
                 <a:ext cx="219611" cy="276999"/>
               </a:xfrm>
               <a:prstGeom prst="rect">
                 <a:avLst/>
               </a:prstGeom>
               <a:blipFill>
-                <a:blip r:embed="rId45"/>
+                <a:blip r:embed="rId46"/>
+                <a:stretch>
+                  <a:fillRect/>
+                </a:stretch>
+              </a:blipFill>
+            </p:spPr>
+            <p:txBody>
+              <a:bodyPr/>
+              <a:lstStyle/>
+              <a:p>
+                <a:r>
+                  <a:rPr lang="en-VN">
+                    <a:noFill/>
+                  </a:rPr>
+                  <a:t> </a:t>
+                </a:r>
+              </a:p>
+            </p:txBody>
+          </p:sp>
+        </mc:Fallback>
+      </mc:AlternateContent>
+      <p:cxnSp>
+        <p:nvCxnSpPr>
+          <p:cNvPr id="119" name="Straight Arrow Connector 118">
+            <a:extLst>
+              <a:ext uri="{FF2B5EF4-FFF2-40B4-BE49-F238E27FC236}">
+                <a16:creationId xmlns:a16="http://schemas.microsoft.com/office/drawing/2014/main" id="{E8189261-AEEB-6C3D-3AB3-B42F2ED16786}"/>
+              </a:ext>
+            </a:extLst>
+          </p:cNvPr>
+          <p:cNvCxnSpPr>
+            <a:cxnSpLocks/>
+          </p:cNvCxnSpPr>
+          <p:nvPr/>
+        </p:nvCxnSpPr>
+        <p:spPr>
+          <a:xfrm>
+            <a:off x="499763" y="2881201"/>
+            <a:ext cx="0" cy="2611449"/>
+          </a:xfrm>
+          <a:prstGeom prst="straightConnector1">
+            <a:avLst/>
+          </a:prstGeom>
+          <a:ln w="3175">
+            <a:tailEnd type="triangle"/>
+          </a:ln>
+        </p:spPr>
+        <p:style>
+          <a:lnRef idx="2">
+            <a:schemeClr val="dk1"/>
+          </a:lnRef>
+          <a:fillRef idx="0">
+            <a:schemeClr val="dk1"/>
+          </a:fillRef>
+          <a:effectRef idx="1">
+            <a:schemeClr val="dk1"/>
+          </a:effectRef>
+          <a:fontRef idx="minor">
+            <a:schemeClr val="tx1"/>
+          </a:fontRef>
+        </p:style>
+      </p:cxnSp>
+      <p:sp>
+        <p:nvSpPr>
+          <p:cNvPr id="121" name="TextBox 120">
+            <a:extLst>
+              <a:ext uri="{FF2B5EF4-FFF2-40B4-BE49-F238E27FC236}">
+                <a16:creationId xmlns:a16="http://schemas.microsoft.com/office/drawing/2014/main" id="{71A36CFB-C659-2046-318B-B997ABF95F96}"/>
+              </a:ext>
+            </a:extLst>
+          </p:cNvPr>
+          <p:cNvSpPr txBox="1"/>
+          <p:nvPr/>
+        </p:nvSpPr>
+        <p:spPr>
+          <a:xfrm>
+            <a:off x="200438" y="2695579"/>
+            <a:ext cx="305523" cy="369332"/>
+          </a:xfrm>
+          <a:prstGeom prst="rect">
+            <a:avLst/>
+          </a:prstGeom>
+          <a:noFill/>
+        </p:spPr>
+        <p:txBody>
+          <a:bodyPr wrap="square" rtlCol="0">
+            <a:spAutoFit/>
+          </a:bodyPr>
+          <a:lstStyle/>
+          <a:p>
+            <a:pPr algn="ctr"/>
+            <a:r>
+              <a:rPr lang="en-VN"/>
+              <a:t>0</a:t>
+            </a:r>
+          </a:p>
+        </p:txBody>
+      </p:sp>
+      <mc:AlternateContent xmlns:mc="http://schemas.openxmlformats.org/markup-compatibility/2006">
+        <mc:Choice xmlns:a14="http://schemas.microsoft.com/office/drawing/2010/main" Requires="a14">
+          <p:sp>
+            <p:nvSpPr>
+              <p:cNvPr id="122" name="Rectangle 121">
+                <a:extLst>
+                  <a:ext uri="{FF2B5EF4-FFF2-40B4-BE49-F238E27FC236}">
+                    <a16:creationId xmlns:a16="http://schemas.microsoft.com/office/drawing/2014/main" id="{59C2EEC3-8BF9-C1EF-C5EF-D69444F2460B}"/>
+                  </a:ext>
+                </a:extLst>
+              </p:cNvPr>
+              <p:cNvSpPr/>
+              <p:nvPr/>
+            </p:nvSpPr>
+            <p:spPr>
+              <a:xfrm>
+                <a:off x="9798487" y="2643152"/>
+                <a:ext cx="1922585" cy="428263"/>
+              </a:xfrm>
+              <a:prstGeom prst="rect">
+                <a:avLst/>
+              </a:prstGeom>
+              <a:noFill/>
+              <a:ln>
+                <a:noFill/>
+              </a:ln>
+            </p:spPr>
+            <p:style>
+              <a:lnRef idx="2">
+                <a:schemeClr val="accent1">
+                  <a:shade val="15000"/>
+                </a:schemeClr>
+              </a:lnRef>
+              <a:fillRef idx="1">
+                <a:schemeClr val="accent1"/>
+              </a:fillRef>
+              <a:effectRef idx="0">
+                <a:schemeClr val="accent1"/>
+              </a:effectRef>
+              <a:fontRef idx="minor">
+                <a:schemeClr val="lt1"/>
+              </a:fontRef>
+            </p:style>
+            <p:txBody>
+              <a:bodyPr rtlCol="0" anchor="ctr"/>
+              <a:lstStyle/>
+              <a:p>
+                <a:pPr algn="ctr"/>
+                <a14:m>
+                  <m:oMathPara xmlns:m="http://schemas.openxmlformats.org/officeDocument/2006/math">
+                    <m:oMathParaPr>
+                      <m:jc m:val="right"/>
+                    </m:oMathParaPr>
+                    <m:oMath xmlns:m="http://schemas.openxmlformats.org/officeDocument/2006/math">
+                      <m:sSub>
+                        <m:sSubPr>
+                          <m:ctrlPr>
+                            <a:rPr lang="vi-VN" b="0" i="1">
+                              <a:solidFill>
+                                <a:schemeClr val="tx1"/>
+                              </a:solidFill>
+                              <a:latin typeface="Cambria Math" panose="02040503050406030204" pitchFamily="18" charset="0"/>
+                            </a:rPr>
+                          </m:ctrlPr>
+                        </m:sSubPr>
+                        <m:e>
+                          <m:r>
+                            <a:rPr lang="en-VN" i="1">
+                              <a:solidFill>
+                                <a:schemeClr val="tx1"/>
+                              </a:solidFill>
+                              <a:latin typeface="Cambria Math" panose="02040503050406030204" pitchFamily="18" charset="0"/>
+                            </a:rPr>
+                            <m:t>𝑈</m:t>
+                          </m:r>
+                        </m:e>
+                        <m:sub>
+                          <m:r>
+                            <a:rPr lang="vi-VN" b="0" i="1">
+                              <a:solidFill>
+                                <a:schemeClr val="tx1"/>
+                              </a:solidFill>
+                              <a:latin typeface="Cambria Math" panose="02040503050406030204" pitchFamily="18" charset="0"/>
+                            </a:rPr>
+                            <m:t>1:</m:t>
+                          </m:r>
+                          <m:r>
+                            <a:rPr lang="vi-VN" i="1">
+                              <a:solidFill>
+                                <a:schemeClr val="tx1"/>
+                              </a:solidFill>
+                              <a:latin typeface="Cambria Math" panose="02040503050406030204" pitchFamily="18" charset="0"/>
+                            </a:rPr>
+                            <m:t>𝑚</m:t>
+                          </m:r>
+                          <m:r>
+                            <a:rPr lang="vi-VN" b="0" i="1">
+                              <a:solidFill>
+                                <a:schemeClr val="tx1"/>
+                              </a:solidFill>
+                              <a:latin typeface="Cambria Math" panose="02040503050406030204" pitchFamily="18" charset="0"/>
+                            </a:rPr>
+                            <m:t>−1</m:t>
+                          </m:r>
+                        </m:sub>
+                      </m:sSub>
+                      <m:r>
+                        <a:rPr lang="vi-VN" b="0" i="1">
+                          <a:solidFill>
+                            <a:schemeClr val="tx1"/>
+                          </a:solidFill>
+                          <a:latin typeface="Cambria Math" panose="02040503050406030204" pitchFamily="18" charset="0"/>
+                        </a:rPr>
+                        <m:t>(</m:t>
+                      </m:r>
+                      <m:sSub>
+                        <m:sSubPr>
+                          <m:ctrlPr>
+                            <a:rPr lang="vi-VN" b="1" i="1">
+                              <a:solidFill>
+                                <a:schemeClr val="tx1"/>
+                              </a:solidFill>
+                              <a:latin typeface="Cambria Math" panose="02040503050406030204" pitchFamily="18" charset="0"/>
+                            </a:rPr>
+                          </m:ctrlPr>
+                        </m:sSubPr>
+                        <m:e>
+                          <m:r>
+                            <a:rPr lang="vi-VN" b="1" i="1">
+                              <a:solidFill>
+                                <a:schemeClr val="tx1"/>
+                              </a:solidFill>
+                              <a:latin typeface="Cambria Math" panose="02040503050406030204" pitchFamily="18" charset="0"/>
+                            </a:rPr>
+                            <m:t>𝜽</m:t>
+                          </m:r>
+                        </m:e>
+                        <m:sub>
+                          <m:r>
+                            <a:rPr lang="vi-VN" b="0" i="1">
+                              <a:solidFill>
+                                <a:schemeClr val="tx1"/>
+                              </a:solidFill>
+                              <a:latin typeface="Cambria Math" panose="02040503050406030204" pitchFamily="18" charset="0"/>
+                            </a:rPr>
+                            <m:t>1:</m:t>
+                          </m:r>
+                          <m:r>
+                            <a:rPr lang="vi-VN" b="0" i="1">
+                              <a:solidFill>
+                                <a:schemeClr val="tx1"/>
+                              </a:solidFill>
+                              <a:latin typeface="Cambria Math" panose="02040503050406030204" pitchFamily="18" charset="0"/>
+                            </a:rPr>
+                            <m:t>𝑚</m:t>
+                          </m:r>
+                          <m:r>
+                            <a:rPr lang="vi-VN" b="0" i="1">
+                              <a:solidFill>
+                                <a:schemeClr val="tx1"/>
+                              </a:solidFill>
+                              <a:latin typeface="Cambria Math" panose="02040503050406030204" pitchFamily="18" charset="0"/>
+                            </a:rPr>
+                            <m:t>−1</m:t>
+                          </m:r>
+                        </m:sub>
+                      </m:sSub>
+                      <m:r>
+                        <a:rPr lang="vi-VN" b="0" i="1">
+                          <a:solidFill>
+                            <a:schemeClr val="tx1"/>
+                          </a:solidFill>
+                          <a:latin typeface="Cambria Math" panose="02040503050406030204" pitchFamily="18" charset="0"/>
+                        </a:rPr>
+                        <m:t>)</m:t>
+                      </m:r>
+                    </m:oMath>
+                  </m:oMathPara>
+                </a14:m>
+                <a:endParaRPr lang="en-VN" i="1">
+                  <a:solidFill>
+                    <a:schemeClr val="tx1"/>
+                  </a:solidFill>
+                </a:endParaRPr>
+              </a:p>
+            </p:txBody>
+          </p:sp>
+        </mc:Choice>
+        <mc:Fallback>
+          <p:sp>
+            <p:nvSpPr>
+              <p:cNvPr id="122" name="Rectangle 121">
+                <a:extLst>
+                  <a:ext uri="{FF2B5EF4-FFF2-40B4-BE49-F238E27FC236}">
+                    <a16:creationId xmlns:a16="http://schemas.microsoft.com/office/drawing/2014/main" id="{59C2EEC3-8BF9-C1EF-C5EF-D69444F2460B}"/>
+                  </a:ext>
+                </a:extLst>
+              </p:cNvPr>
+              <p:cNvSpPr>
+                <a:spLocks noRot="1" noChangeAspect="1" noMove="1" noResize="1" noEditPoints="1" noAdjustHandles="1" noChangeArrowheads="1" noChangeShapeType="1" noTextEdit="1"/>
+              </p:cNvSpPr>
+              <p:nvPr/>
+            </p:nvSpPr>
+            <p:spPr>
+              <a:xfrm>
+                <a:off x="9798487" y="2643152"/>
+                <a:ext cx="1922585" cy="428263"/>
+              </a:xfrm>
+              <a:prstGeom prst="rect">
+                <a:avLst/>
+              </a:prstGeom>
+              <a:blipFill>
+                <a:blip r:embed="rId47"/>
+                <a:stretch>
+                  <a:fillRect r="-654" b="-5882"/>
+                </a:stretch>
+              </a:blipFill>
+              <a:ln>
+                <a:noFill/>
+              </a:ln>
+            </p:spPr>
+            <p:txBody>
+              <a:bodyPr/>
+              <a:lstStyle/>
+              <a:p>
+                <a:r>
+                  <a:rPr lang="en-VN">
+                    <a:noFill/>
+                  </a:rPr>
+                  <a:t> </a:t>
+                </a:r>
+              </a:p>
+            </p:txBody>
+          </p:sp>
+        </mc:Fallback>
+      </mc:AlternateContent>
+      <mc:AlternateContent xmlns:mc="http://schemas.openxmlformats.org/markup-compatibility/2006">
+        <mc:Choice xmlns:a14="http://schemas.microsoft.com/office/drawing/2010/main" Requires="a14">
+          <p:sp>
+            <p:nvSpPr>
+              <p:cNvPr id="123" name="Rectangle 122">
+                <a:extLst>
+                  <a:ext uri="{FF2B5EF4-FFF2-40B4-BE49-F238E27FC236}">
+                    <a16:creationId xmlns:a16="http://schemas.microsoft.com/office/drawing/2014/main" id="{D6B0804D-4FD2-BF43-3120-FAA1158A3042}"/>
+                  </a:ext>
+                </a:extLst>
+              </p:cNvPr>
+              <p:cNvSpPr/>
+              <p:nvPr/>
+            </p:nvSpPr>
+            <p:spPr>
+              <a:xfrm>
+                <a:off x="8190569" y="2643152"/>
+                <a:ext cx="894817" cy="428263"/>
+              </a:xfrm>
+              <a:prstGeom prst="rect">
+                <a:avLst/>
+              </a:prstGeom>
+              <a:noFill/>
+              <a:ln>
+                <a:noFill/>
+              </a:ln>
+            </p:spPr>
+            <p:style>
+              <a:lnRef idx="2">
+                <a:schemeClr val="accent1">
+                  <a:shade val="15000"/>
+                </a:schemeClr>
+              </a:lnRef>
+              <a:fillRef idx="1">
+                <a:schemeClr val="accent1"/>
+              </a:fillRef>
+              <a:effectRef idx="0">
+                <a:schemeClr val="accent1"/>
+              </a:effectRef>
+              <a:fontRef idx="minor">
+                <a:schemeClr val="lt1"/>
+              </a:fontRef>
+            </p:style>
+            <p:txBody>
+              <a:bodyPr rtlCol="0" anchor="ctr"/>
+              <a:lstStyle/>
+              <a:p>
+                <a14:m>
+                  <m:oMath xmlns:m="http://schemas.openxmlformats.org/officeDocument/2006/math">
+                    <m:sSub>
+                      <m:sSubPr>
+                        <m:ctrlPr>
+                          <a:rPr lang="vi-VN" b="0" i="1">
+                            <a:solidFill>
+                              <a:schemeClr val="tx1"/>
+                            </a:solidFill>
+                            <a:latin typeface="Cambria Math" panose="02040503050406030204" pitchFamily="18" charset="0"/>
+                            <a:ea typeface="Cambria Math" panose="02040503050406030204" pitchFamily="18" charset="0"/>
+                          </a:rPr>
+                        </m:ctrlPr>
+                      </m:sSubPr>
+                      <m:e>
+                        <m:r>
+                          <a:rPr lang="en-VN" i="1">
+                            <a:solidFill>
+                              <a:schemeClr val="tx1"/>
+                            </a:solidFill>
+                            <a:latin typeface="Cambria Math" panose="02040503050406030204" pitchFamily="18" charset="0"/>
+                            <a:ea typeface="Cambria Math" panose="02040503050406030204" pitchFamily="18" charset="0"/>
+                          </a:rPr>
+                          <m:t>𝑈</m:t>
+                        </m:r>
+                      </m:e>
+                      <m:sub>
+                        <m:r>
+                          <a:rPr lang="vi-VN" b="0" i="1">
+                            <a:solidFill>
+                              <a:schemeClr val="tx1"/>
+                            </a:solidFill>
+                            <a:latin typeface="Cambria Math" panose="02040503050406030204" pitchFamily="18" charset="0"/>
+                            <a:ea typeface="Cambria Math" panose="02040503050406030204" pitchFamily="18" charset="0"/>
+                          </a:rPr>
+                          <m:t>0</m:t>
+                        </m:r>
+                      </m:sub>
+                    </m:sSub>
+                    <m:d>
+                      <m:dPr>
+                        <m:ctrlPr>
+                          <a:rPr lang="vi-VN" b="0" i="1">
+                            <a:solidFill>
+                              <a:schemeClr val="tx1"/>
+                            </a:solidFill>
+                            <a:latin typeface="Cambria Math" panose="02040503050406030204" pitchFamily="18" charset="0"/>
+                            <a:ea typeface="Cambria Math" panose="02040503050406030204" pitchFamily="18" charset="0"/>
+                          </a:rPr>
+                        </m:ctrlPr>
+                      </m:dPr>
+                      <m:e>
+                        <m:sSub>
+                          <m:sSubPr>
+                            <m:ctrlPr>
+                              <a:rPr lang="vi-VN" b="0" i="1">
+                                <a:solidFill>
+                                  <a:schemeClr val="tx1"/>
+                                </a:solidFill>
+                                <a:latin typeface="Cambria Math" panose="02040503050406030204" pitchFamily="18" charset="0"/>
+                                <a:ea typeface="Cambria Math" panose="02040503050406030204" pitchFamily="18" charset="0"/>
+                              </a:rPr>
+                            </m:ctrlPr>
+                          </m:sSubPr>
+                          <m:e>
+                            <m:r>
+                              <a:rPr lang="vi-VN" b="0" i="1">
+                                <a:solidFill>
+                                  <a:schemeClr val="tx1"/>
+                                </a:solidFill>
+                                <a:latin typeface="Cambria Math" panose="02040503050406030204" pitchFamily="18" charset="0"/>
+                                <a:ea typeface="Cambria Math" panose="02040503050406030204" pitchFamily="18" charset="0"/>
+                              </a:rPr>
+                              <m:t>𝜃</m:t>
+                            </m:r>
+                          </m:e>
+                          <m:sub>
+                            <m:r>
+                              <a:rPr lang="vi-VN" b="0" i="1">
+                                <a:solidFill>
+                                  <a:schemeClr val="tx1"/>
+                                </a:solidFill>
+                                <a:latin typeface="Cambria Math" panose="02040503050406030204" pitchFamily="18" charset="0"/>
+                                <a:ea typeface="Cambria Math" panose="02040503050406030204" pitchFamily="18" charset="0"/>
+                              </a:rPr>
+                              <m:t>0</m:t>
+                            </m:r>
+                          </m:sub>
+                        </m:sSub>
+                      </m:e>
+                    </m:d>
+                  </m:oMath>
+                </a14:m>
+                <a:r>
+                  <a:rPr lang="en-VN" i="1">
+                    <a:solidFill>
+                      <a:schemeClr val="tx1"/>
+                    </a:solidFill>
+                  </a:rPr>
+                  <a:t> </a:t>
+                </a:r>
+              </a:p>
+            </p:txBody>
+          </p:sp>
+        </mc:Choice>
+        <mc:Fallback>
+          <p:sp>
+            <p:nvSpPr>
+              <p:cNvPr id="123" name="Rectangle 122">
+                <a:extLst>
+                  <a:ext uri="{FF2B5EF4-FFF2-40B4-BE49-F238E27FC236}">
+                    <a16:creationId xmlns:a16="http://schemas.microsoft.com/office/drawing/2014/main" id="{D6B0804D-4FD2-BF43-3120-FAA1158A3042}"/>
+                  </a:ext>
+                </a:extLst>
+              </p:cNvPr>
+              <p:cNvSpPr>
+                <a:spLocks noRot="1" noChangeAspect="1" noMove="1" noResize="1" noEditPoints="1" noAdjustHandles="1" noChangeArrowheads="1" noChangeShapeType="1" noTextEdit="1"/>
+              </p:cNvSpPr>
+              <p:nvPr/>
+            </p:nvSpPr>
+            <p:spPr>
+              <a:xfrm>
+                <a:off x="8190569" y="2643152"/>
+                <a:ext cx="894817" cy="428263"/>
+              </a:xfrm>
+              <a:prstGeom prst="rect">
+                <a:avLst/>
+              </a:prstGeom>
+              <a:blipFill>
+                <a:blip r:embed="rId48"/>
+                <a:stretch>
+                  <a:fillRect/>
+                </a:stretch>
+              </a:blipFill>
+              <a:ln>
+                <a:noFill/>
+              </a:ln>
+            </p:spPr>
+            <p:txBody>
+              <a:bodyPr/>
+              <a:lstStyle/>
+              <a:p>
+                <a:r>
+                  <a:rPr lang="en-VN">
+                    <a:noFill/>
+                  </a:rPr>
+                  <a:t> </a:t>
+                </a:r>
+              </a:p>
+            </p:txBody>
+          </p:sp>
+        </mc:Fallback>
+      </mc:AlternateContent>
+      <mc:AlternateContent xmlns:mc="http://schemas.openxmlformats.org/markup-compatibility/2006">
+        <mc:Choice xmlns:a14="http://schemas.microsoft.com/office/drawing/2010/main" Requires="a14">
+          <p:sp>
+            <p:nvSpPr>
+              <p:cNvPr id="124" name="Rectangle 123">
+                <a:extLst>
+                  <a:ext uri="{FF2B5EF4-FFF2-40B4-BE49-F238E27FC236}">
+                    <a16:creationId xmlns:a16="http://schemas.microsoft.com/office/drawing/2014/main" id="{F4CC7248-C63D-A5EC-12FF-7671824DEE47}"/>
+                  </a:ext>
+                </a:extLst>
+              </p:cNvPr>
+              <p:cNvSpPr/>
+              <p:nvPr/>
+            </p:nvSpPr>
+            <p:spPr>
+              <a:xfrm>
+                <a:off x="10017027" y="2267819"/>
+                <a:ext cx="1692000" cy="428263"/>
+              </a:xfrm>
+              <a:prstGeom prst="rect">
+                <a:avLst/>
+              </a:prstGeom>
+              <a:noFill/>
+              <a:ln>
+                <a:noFill/>
+              </a:ln>
+            </p:spPr>
+            <p:style>
+              <a:lnRef idx="2">
+                <a:schemeClr val="accent1">
+                  <a:shade val="15000"/>
+                </a:schemeClr>
+              </a:lnRef>
+              <a:fillRef idx="1">
+                <a:schemeClr val="accent1"/>
+              </a:fillRef>
+              <a:effectRef idx="0">
+                <a:schemeClr val="accent1"/>
+              </a:effectRef>
+              <a:fontRef idx="minor">
+                <a:schemeClr val="lt1"/>
+              </a:fontRef>
+            </p:style>
+            <p:txBody>
+              <a:bodyPr rtlCol="0" anchor="ctr"/>
+              <a:lstStyle/>
+              <a:p>
+                <a:pPr algn="ctr"/>
+                <a14:m>
+                  <m:oMathPara xmlns:m="http://schemas.openxmlformats.org/officeDocument/2006/math">
+                    <m:oMathParaPr>
+                      <m:jc m:val="right"/>
+                    </m:oMathParaPr>
+                    <m:oMath xmlns:m="http://schemas.openxmlformats.org/officeDocument/2006/math">
+                      <m:sSub>
+                        <m:sSubPr>
+                          <m:ctrlPr>
+                            <a:rPr lang="vi-VN" sz="1600" b="0" i="1">
+                              <a:solidFill>
+                                <a:schemeClr val="tx1"/>
+                              </a:solidFill>
+                              <a:latin typeface="Cambria Math" panose="02040503050406030204" pitchFamily="18" charset="0"/>
+                            </a:rPr>
+                          </m:ctrlPr>
+                        </m:sSubPr>
+                        <m:e>
+                          <m:r>
+                            <a:rPr lang="en-VN" sz="1600" i="1">
+                              <a:solidFill>
+                                <a:schemeClr val="tx1"/>
+                              </a:solidFill>
+                              <a:latin typeface="Cambria Math" panose="02040503050406030204" pitchFamily="18" charset="0"/>
+                            </a:rPr>
+                            <m:t>𝑈</m:t>
+                          </m:r>
+                        </m:e>
+                        <m:sub>
+                          <m:r>
+                            <a:rPr lang="vi-VN" sz="1600" b="0" i="1">
+                              <a:solidFill>
+                                <a:schemeClr val="tx1"/>
+                              </a:solidFill>
+                              <a:latin typeface="Cambria Math" panose="02040503050406030204" pitchFamily="18" charset="0"/>
+                            </a:rPr>
+                            <m:t>2:</m:t>
+                          </m:r>
+                          <m:r>
+                            <a:rPr lang="vi-VN" sz="1600" i="1">
+                              <a:solidFill>
+                                <a:schemeClr val="tx1"/>
+                              </a:solidFill>
+                              <a:latin typeface="Cambria Math" panose="02040503050406030204" pitchFamily="18" charset="0"/>
+                            </a:rPr>
+                            <m:t>𝑚</m:t>
+                          </m:r>
+                          <m:r>
+                            <a:rPr lang="vi-VN" sz="1600" b="0" i="1">
+                              <a:solidFill>
+                                <a:schemeClr val="tx1"/>
+                              </a:solidFill>
+                              <a:latin typeface="Cambria Math" panose="02040503050406030204" pitchFamily="18" charset="0"/>
+                            </a:rPr>
+                            <m:t>−1</m:t>
+                          </m:r>
+                        </m:sub>
+                      </m:sSub>
+                      <m:r>
+                        <a:rPr lang="vi-VN" sz="1600" b="0" i="1">
+                          <a:solidFill>
+                            <a:schemeClr val="tx1"/>
+                          </a:solidFill>
+                          <a:latin typeface="Cambria Math" panose="02040503050406030204" pitchFamily="18" charset="0"/>
+                        </a:rPr>
+                        <m:t>(</m:t>
+                      </m:r>
+                      <m:sSub>
+                        <m:sSubPr>
+                          <m:ctrlPr>
+                            <a:rPr lang="vi-VN" sz="1600" b="1" i="1">
+                              <a:solidFill>
+                                <a:schemeClr val="tx1"/>
+                              </a:solidFill>
+                              <a:latin typeface="Cambria Math" panose="02040503050406030204" pitchFamily="18" charset="0"/>
+                            </a:rPr>
+                          </m:ctrlPr>
+                        </m:sSubPr>
+                        <m:e>
+                          <m:r>
+                            <a:rPr lang="vi-VN" sz="1600" b="1" i="1">
+                              <a:solidFill>
+                                <a:schemeClr val="tx1"/>
+                              </a:solidFill>
+                              <a:latin typeface="Cambria Math" panose="02040503050406030204" pitchFamily="18" charset="0"/>
+                            </a:rPr>
+                            <m:t>𝜽</m:t>
+                          </m:r>
+                        </m:e>
+                        <m:sub>
+                          <m:r>
+                            <a:rPr lang="vi-VN" sz="1600" b="0" i="1">
+                              <a:solidFill>
+                                <a:schemeClr val="tx1"/>
+                              </a:solidFill>
+                              <a:latin typeface="Cambria Math" panose="02040503050406030204" pitchFamily="18" charset="0"/>
+                            </a:rPr>
+                            <m:t>2:</m:t>
+                          </m:r>
+                          <m:r>
+                            <a:rPr lang="vi-VN" sz="1600" b="0" i="1">
+                              <a:solidFill>
+                                <a:schemeClr val="tx1"/>
+                              </a:solidFill>
+                              <a:latin typeface="Cambria Math" panose="02040503050406030204" pitchFamily="18" charset="0"/>
+                            </a:rPr>
+                            <m:t>𝑚</m:t>
+                          </m:r>
+                          <m:r>
+                            <a:rPr lang="vi-VN" sz="1600" b="1" i="1">
+                              <a:solidFill>
+                                <a:schemeClr val="tx1"/>
+                              </a:solidFill>
+                              <a:latin typeface="Cambria Math" panose="02040503050406030204" pitchFamily="18" charset="0"/>
+                            </a:rPr>
+                            <m:t>−</m:t>
+                          </m:r>
+                          <m:r>
+                            <a:rPr lang="vi-VN" sz="1600" b="0" i="1">
+                              <a:solidFill>
+                                <a:schemeClr val="tx1"/>
+                              </a:solidFill>
+                              <a:latin typeface="Cambria Math" panose="02040503050406030204" pitchFamily="18" charset="0"/>
+                            </a:rPr>
+                            <m:t>1</m:t>
+                          </m:r>
+                        </m:sub>
+                      </m:sSub>
+                      <m:r>
+                        <a:rPr lang="vi-VN" sz="1600" b="0" i="1">
+                          <a:solidFill>
+                            <a:schemeClr val="tx1"/>
+                          </a:solidFill>
+                          <a:latin typeface="Cambria Math" panose="02040503050406030204" pitchFamily="18" charset="0"/>
+                        </a:rPr>
+                        <m:t>)</m:t>
+                      </m:r>
+                    </m:oMath>
+                  </m:oMathPara>
+                </a14:m>
+                <a:endParaRPr lang="en-VN" sz="1600" i="1">
+                  <a:solidFill>
+                    <a:schemeClr val="tx1"/>
+                  </a:solidFill>
+                </a:endParaRPr>
+              </a:p>
+            </p:txBody>
+          </p:sp>
+        </mc:Choice>
+        <mc:Fallback>
+          <p:sp>
+            <p:nvSpPr>
+              <p:cNvPr id="124" name="Rectangle 123">
+                <a:extLst>
+                  <a:ext uri="{FF2B5EF4-FFF2-40B4-BE49-F238E27FC236}">
+                    <a16:creationId xmlns:a16="http://schemas.microsoft.com/office/drawing/2014/main" id="{F4CC7248-C63D-A5EC-12FF-7671824DEE47}"/>
+                  </a:ext>
+                </a:extLst>
+              </p:cNvPr>
+              <p:cNvSpPr>
+                <a:spLocks noRot="1" noChangeAspect="1" noMove="1" noResize="1" noEditPoints="1" noAdjustHandles="1" noChangeArrowheads="1" noChangeShapeType="1" noTextEdit="1"/>
+              </p:cNvSpPr>
+              <p:nvPr/>
+            </p:nvSpPr>
+            <p:spPr>
+              <a:xfrm>
+                <a:off x="10017027" y="2267819"/>
+                <a:ext cx="1692000" cy="428263"/>
+              </a:xfrm>
+              <a:prstGeom prst="rect">
+                <a:avLst/>
+              </a:prstGeom>
+              <a:blipFill>
+                <a:blip r:embed="rId49"/>
+                <a:stretch>
+                  <a:fillRect/>
+                </a:stretch>
+              </a:blipFill>
+              <a:ln>
+                <a:noFill/>
+              </a:ln>
+            </p:spPr>
+            <p:txBody>
+              <a:bodyPr/>
+              <a:lstStyle/>
+              <a:p>
+                <a:r>
+                  <a:rPr lang="en-VN">
+                    <a:noFill/>
+                  </a:rPr>
+                  <a:t> </a:t>
+                </a:r>
+              </a:p>
+            </p:txBody>
+          </p:sp>
+        </mc:Fallback>
+      </mc:AlternateContent>
+      <mc:AlternateContent xmlns:mc="http://schemas.openxmlformats.org/markup-compatibility/2006">
+        <mc:Choice xmlns:a14="http://schemas.microsoft.com/office/drawing/2010/main" Requires="a14">
+          <p:sp>
+            <p:nvSpPr>
+              <p:cNvPr id="125" name="Rectangle 124">
+                <a:extLst>
+                  <a:ext uri="{FF2B5EF4-FFF2-40B4-BE49-F238E27FC236}">
+                    <a16:creationId xmlns:a16="http://schemas.microsoft.com/office/drawing/2014/main" id="{D552811B-E236-7139-13DA-297FCBA01FA3}"/>
+                  </a:ext>
+                </a:extLst>
+              </p:cNvPr>
+              <p:cNvSpPr/>
+              <p:nvPr/>
+            </p:nvSpPr>
+            <p:spPr>
+              <a:xfrm>
+                <a:off x="8192814" y="2283026"/>
+                <a:ext cx="1162202" cy="428263"/>
+              </a:xfrm>
+              <a:prstGeom prst="rect">
+                <a:avLst/>
+              </a:prstGeom>
+              <a:noFill/>
+              <a:ln>
+                <a:noFill/>
+              </a:ln>
+            </p:spPr>
+            <p:style>
+              <a:lnRef idx="2">
+                <a:schemeClr val="accent1">
+                  <a:shade val="15000"/>
+                </a:schemeClr>
+              </a:lnRef>
+              <a:fillRef idx="1">
+                <a:schemeClr val="accent1"/>
+              </a:fillRef>
+              <a:effectRef idx="0">
+                <a:schemeClr val="accent1"/>
+              </a:effectRef>
+              <a:fontRef idx="minor">
+                <a:schemeClr val="lt1"/>
+              </a:fontRef>
+            </p:style>
+            <p:txBody>
+              <a:bodyPr rtlCol="0" anchor="ctr"/>
+              <a:lstStyle/>
+              <a:p>
+                <a14:m>
+                  <m:oMath xmlns:m="http://schemas.openxmlformats.org/officeDocument/2006/math">
+                    <m:sSub>
+                      <m:sSubPr>
+                        <m:ctrlPr>
+                          <a:rPr lang="vi-VN" sz="1600" b="0" i="1">
+                            <a:solidFill>
+                              <a:schemeClr val="tx1"/>
+                            </a:solidFill>
+                            <a:latin typeface="Cambria Math" panose="02040503050406030204" pitchFamily="18" charset="0"/>
+                            <a:ea typeface="Cambria Math" panose="02040503050406030204" pitchFamily="18" charset="0"/>
+                          </a:rPr>
+                        </m:ctrlPr>
+                      </m:sSubPr>
+                      <m:e>
+                        <m:r>
+                          <a:rPr lang="en-VN" sz="1600" i="1">
+                            <a:solidFill>
+                              <a:schemeClr val="tx1"/>
+                            </a:solidFill>
+                            <a:latin typeface="Cambria Math" panose="02040503050406030204" pitchFamily="18" charset="0"/>
+                            <a:ea typeface="Cambria Math" panose="02040503050406030204" pitchFamily="18" charset="0"/>
+                          </a:rPr>
+                          <m:t>𝑈</m:t>
+                        </m:r>
+                      </m:e>
+                      <m:sub>
+                        <m:r>
+                          <a:rPr lang="vi-VN" sz="1600" b="0" i="1">
+                            <a:solidFill>
+                              <a:schemeClr val="tx1"/>
+                            </a:solidFill>
+                            <a:latin typeface="Cambria Math" panose="02040503050406030204" pitchFamily="18" charset="0"/>
+                            <a:ea typeface="Cambria Math" panose="02040503050406030204" pitchFamily="18" charset="0"/>
+                          </a:rPr>
+                          <m:t>0:1</m:t>
+                        </m:r>
+                      </m:sub>
+                    </m:sSub>
+                    <m:d>
+                      <m:dPr>
+                        <m:ctrlPr>
+                          <a:rPr lang="vi-VN" sz="1600" b="0" i="1">
+                            <a:solidFill>
+                              <a:schemeClr val="tx1"/>
+                            </a:solidFill>
+                            <a:latin typeface="Cambria Math" panose="02040503050406030204" pitchFamily="18" charset="0"/>
+                            <a:ea typeface="Cambria Math" panose="02040503050406030204" pitchFamily="18" charset="0"/>
+                          </a:rPr>
+                        </m:ctrlPr>
+                      </m:dPr>
+                      <m:e>
+                        <m:sSub>
+                          <m:sSubPr>
+                            <m:ctrlPr>
+                              <a:rPr lang="vi-VN" sz="1600" b="0" i="1">
+                                <a:solidFill>
+                                  <a:schemeClr val="tx1"/>
+                                </a:solidFill>
+                                <a:latin typeface="Cambria Math" panose="02040503050406030204" pitchFamily="18" charset="0"/>
+                                <a:ea typeface="Cambria Math" panose="02040503050406030204" pitchFamily="18" charset="0"/>
+                              </a:rPr>
+                            </m:ctrlPr>
+                          </m:sSubPr>
+                          <m:e>
+                            <m:r>
+                              <a:rPr lang="vi-VN" sz="1600" b="1" i="1">
+                                <a:solidFill>
+                                  <a:schemeClr val="tx1"/>
+                                </a:solidFill>
+                                <a:latin typeface="Cambria Math" panose="02040503050406030204" pitchFamily="18" charset="0"/>
+                                <a:ea typeface="Cambria Math" panose="02040503050406030204" pitchFamily="18" charset="0"/>
+                              </a:rPr>
+                              <m:t>𝜽</m:t>
+                            </m:r>
+                          </m:e>
+                          <m:sub>
+                            <m:r>
+                              <a:rPr lang="vi-VN" sz="1600" b="0" i="1">
+                                <a:solidFill>
+                                  <a:schemeClr val="tx1"/>
+                                </a:solidFill>
+                                <a:latin typeface="Cambria Math" panose="02040503050406030204" pitchFamily="18" charset="0"/>
+                                <a:ea typeface="Cambria Math" panose="02040503050406030204" pitchFamily="18" charset="0"/>
+                              </a:rPr>
+                              <m:t>0:1</m:t>
+                            </m:r>
+                          </m:sub>
+                        </m:sSub>
+                      </m:e>
+                    </m:d>
+                  </m:oMath>
+                </a14:m>
+                <a:r>
+                  <a:rPr lang="en-VN" sz="1600" i="1">
+                    <a:solidFill>
+                      <a:schemeClr val="tx1"/>
+                    </a:solidFill>
+                  </a:rPr>
+                  <a:t> </a:t>
+                </a:r>
+              </a:p>
+            </p:txBody>
+          </p:sp>
+        </mc:Choice>
+        <mc:Fallback>
+          <p:sp>
+            <p:nvSpPr>
+              <p:cNvPr id="125" name="Rectangle 124">
+                <a:extLst>
+                  <a:ext uri="{FF2B5EF4-FFF2-40B4-BE49-F238E27FC236}">
+                    <a16:creationId xmlns:a16="http://schemas.microsoft.com/office/drawing/2014/main" id="{D552811B-E236-7139-13DA-297FCBA01FA3}"/>
+                  </a:ext>
+                </a:extLst>
+              </p:cNvPr>
+              <p:cNvSpPr>
+                <a:spLocks noRot="1" noChangeAspect="1" noMove="1" noResize="1" noEditPoints="1" noAdjustHandles="1" noChangeArrowheads="1" noChangeShapeType="1" noTextEdit="1"/>
+              </p:cNvSpPr>
+              <p:nvPr/>
+            </p:nvSpPr>
+            <p:spPr>
+              <a:xfrm>
+                <a:off x="8192814" y="2283026"/>
+                <a:ext cx="1162202" cy="428263"/>
+              </a:xfrm>
+              <a:prstGeom prst="rect">
+                <a:avLst/>
+              </a:prstGeom>
+              <a:blipFill>
+                <a:blip r:embed="rId50"/>
+                <a:stretch>
+                  <a:fillRect/>
+                </a:stretch>
+              </a:blipFill>
+              <a:ln>
+                <a:noFill/>
+              </a:ln>
+            </p:spPr>
+            <p:txBody>
+              <a:bodyPr/>
+              <a:lstStyle/>
+              <a:p>
+                <a:r>
+                  <a:rPr lang="en-VN">
+                    <a:noFill/>
+                  </a:rPr>
+                  <a:t> </a:t>
+                </a:r>
+              </a:p>
+            </p:txBody>
+          </p:sp>
+        </mc:Fallback>
+      </mc:AlternateContent>
+      <mc:AlternateContent xmlns:mc="http://schemas.openxmlformats.org/markup-compatibility/2006">
+        <mc:Choice xmlns:a14="http://schemas.microsoft.com/office/drawing/2010/main" Requires="a14">
+          <p:sp>
+            <p:nvSpPr>
+              <p:cNvPr id="126" name="Rectangle 125">
+                <a:extLst>
+                  <a:ext uri="{FF2B5EF4-FFF2-40B4-BE49-F238E27FC236}">
+                    <a16:creationId xmlns:a16="http://schemas.microsoft.com/office/drawing/2014/main" id="{A6CD458D-AB3C-EE26-846F-0D2EDAE2CB6A}"/>
+                  </a:ext>
+                </a:extLst>
+              </p:cNvPr>
+              <p:cNvSpPr/>
+              <p:nvPr/>
+            </p:nvSpPr>
+            <p:spPr>
+              <a:xfrm>
+                <a:off x="10372813" y="1727823"/>
+                <a:ext cx="1348259" cy="428263"/>
+              </a:xfrm>
+              <a:prstGeom prst="rect">
+                <a:avLst/>
+              </a:prstGeom>
+              <a:noFill/>
+              <a:ln>
+                <a:noFill/>
+              </a:ln>
+            </p:spPr>
+            <p:style>
+              <a:lnRef idx="2">
+                <a:schemeClr val="accent1">
+                  <a:shade val="15000"/>
+                </a:schemeClr>
+              </a:lnRef>
+              <a:fillRef idx="1">
+                <a:schemeClr val="accent1"/>
+              </a:fillRef>
+              <a:effectRef idx="0">
+                <a:schemeClr val="accent1"/>
+              </a:effectRef>
+              <a:fontRef idx="minor">
+                <a:schemeClr val="lt1"/>
+              </a:fontRef>
+            </p:style>
+            <p:txBody>
+              <a:bodyPr rtlCol="0" anchor="ctr"/>
+              <a:lstStyle/>
+              <a:p>
+                <a:pPr algn="ctr"/>
+                <a14:m>
+                  <m:oMathPara xmlns:m="http://schemas.openxmlformats.org/officeDocument/2006/math">
+                    <m:oMathParaPr>
+                      <m:jc m:val="right"/>
+                    </m:oMathParaPr>
+                    <m:oMath xmlns:m="http://schemas.openxmlformats.org/officeDocument/2006/math">
+                      <m:sSub>
+                        <m:sSubPr>
+                          <m:ctrlPr>
+                            <a:rPr lang="vi-VN" sz="1400" b="0" i="1">
+                              <a:solidFill>
+                                <a:schemeClr val="tx1"/>
+                              </a:solidFill>
+                              <a:latin typeface="Cambria Math" panose="02040503050406030204" pitchFamily="18" charset="0"/>
+                            </a:rPr>
+                          </m:ctrlPr>
+                        </m:sSubPr>
+                        <m:e>
+                          <m:r>
+                            <a:rPr lang="en-VN" sz="1400" i="1">
+                              <a:solidFill>
+                                <a:schemeClr val="tx1"/>
+                              </a:solidFill>
+                              <a:latin typeface="Cambria Math" panose="02040503050406030204" pitchFamily="18" charset="0"/>
+                            </a:rPr>
+                            <m:t>𝑈</m:t>
+                          </m:r>
+                        </m:e>
+                        <m:sub>
+                          <m:r>
+                            <a:rPr lang="vi-VN" sz="1400" i="1">
+                              <a:solidFill>
+                                <a:schemeClr val="tx1"/>
+                              </a:solidFill>
+                              <a:latin typeface="Cambria Math" panose="02040503050406030204" pitchFamily="18" charset="0"/>
+                            </a:rPr>
+                            <m:t>𝑚</m:t>
+                          </m:r>
+                          <m:r>
+                            <a:rPr lang="vi-VN" sz="1400" b="0" i="1">
+                              <a:solidFill>
+                                <a:schemeClr val="tx1"/>
+                              </a:solidFill>
+                              <a:latin typeface="Cambria Math" panose="02040503050406030204" pitchFamily="18" charset="0"/>
+                            </a:rPr>
+                            <m:t>−1</m:t>
+                          </m:r>
+                        </m:sub>
+                      </m:sSub>
+                      <m:r>
+                        <a:rPr lang="vi-VN" sz="1400" b="0" i="1">
+                          <a:solidFill>
+                            <a:schemeClr val="tx1"/>
+                          </a:solidFill>
+                          <a:latin typeface="Cambria Math" panose="02040503050406030204" pitchFamily="18" charset="0"/>
+                        </a:rPr>
+                        <m:t>(</m:t>
+                      </m:r>
+                      <m:sSub>
+                        <m:sSubPr>
+                          <m:ctrlPr>
+                            <a:rPr lang="vi-VN" sz="1400" b="1" i="1">
+                              <a:solidFill>
+                                <a:schemeClr val="tx1"/>
+                              </a:solidFill>
+                              <a:latin typeface="Cambria Math" panose="02040503050406030204" pitchFamily="18" charset="0"/>
+                            </a:rPr>
+                          </m:ctrlPr>
+                        </m:sSubPr>
+                        <m:e>
+                          <m:r>
+                            <a:rPr lang="vi-VN" sz="1400" b="0" i="1">
+                              <a:solidFill>
+                                <a:schemeClr val="tx1"/>
+                              </a:solidFill>
+                              <a:latin typeface="Cambria Math" panose="02040503050406030204" pitchFamily="18" charset="0"/>
+                            </a:rPr>
+                            <m:t>𝜃</m:t>
+                          </m:r>
+                        </m:e>
+                        <m:sub>
+                          <m:r>
+                            <a:rPr lang="vi-VN" sz="1400" b="0" i="1">
+                              <a:solidFill>
+                                <a:schemeClr val="tx1"/>
+                              </a:solidFill>
+                              <a:latin typeface="Cambria Math" panose="02040503050406030204" pitchFamily="18" charset="0"/>
+                            </a:rPr>
+                            <m:t>𝑚</m:t>
+                          </m:r>
+                          <m:r>
+                            <a:rPr lang="vi-VN" sz="1400" b="1" i="1">
+                              <a:solidFill>
+                                <a:schemeClr val="tx1"/>
+                              </a:solidFill>
+                              <a:latin typeface="Cambria Math" panose="02040503050406030204" pitchFamily="18" charset="0"/>
+                            </a:rPr>
+                            <m:t>−</m:t>
+                          </m:r>
+                          <m:r>
+                            <a:rPr lang="vi-VN" sz="1400" b="0" i="1">
+                              <a:solidFill>
+                                <a:schemeClr val="tx1"/>
+                              </a:solidFill>
+                              <a:latin typeface="Cambria Math" panose="02040503050406030204" pitchFamily="18" charset="0"/>
+                            </a:rPr>
+                            <m:t>1</m:t>
+                          </m:r>
+                        </m:sub>
+                      </m:sSub>
+                      <m:r>
+                        <a:rPr lang="vi-VN" sz="1400" b="0" i="1">
+                          <a:solidFill>
+                            <a:schemeClr val="tx1"/>
+                          </a:solidFill>
+                          <a:latin typeface="Cambria Math" panose="02040503050406030204" pitchFamily="18" charset="0"/>
+                        </a:rPr>
+                        <m:t>)</m:t>
+                      </m:r>
+                    </m:oMath>
+                  </m:oMathPara>
+                </a14:m>
+                <a:endParaRPr lang="en-VN" sz="1400" i="1">
+                  <a:solidFill>
+                    <a:schemeClr val="tx1"/>
+                  </a:solidFill>
+                </a:endParaRPr>
+              </a:p>
+            </p:txBody>
+          </p:sp>
+        </mc:Choice>
+        <mc:Fallback>
+          <p:sp>
+            <p:nvSpPr>
+              <p:cNvPr id="126" name="Rectangle 125">
+                <a:extLst>
+                  <a:ext uri="{FF2B5EF4-FFF2-40B4-BE49-F238E27FC236}">
+                    <a16:creationId xmlns:a16="http://schemas.microsoft.com/office/drawing/2014/main" id="{A6CD458D-AB3C-EE26-846F-0D2EDAE2CB6A}"/>
+                  </a:ext>
+                </a:extLst>
+              </p:cNvPr>
+              <p:cNvSpPr>
+                <a:spLocks noRot="1" noChangeAspect="1" noMove="1" noResize="1" noEditPoints="1" noAdjustHandles="1" noChangeArrowheads="1" noChangeShapeType="1" noTextEdit="1"/>
+              </p:cNvSpPr>
+              <p:nvPr/>
+            </p:nvSpPr>
+            <p:spPr>
+              <a:xfrm>
+                <a:off x="10372813" y="1727823"/>
+                <a:ext cx="1348259" cy="428263"/>
+              </a:xfrm>
+              <a:prstGeom prst="rect">
+                <a:avLst/>
+              </a:prstGeom>
+              <a:blipFill>
+                <a:blip r:embed="rId51"/>
+                <a:stretch>
+                  <a:fillRect/>
+                </a:stretch>
+              </a:blipFill>
+              <a:ln>
+                <a:noFill/>
+              </a:ln>
+            </p:spPr>
+            <p:txBody>
+              <a:bodyPr/>
+              <a:lstStyle/>
+              <a:p>
+                <a:r>
+                  <a:rPr lang="en-VN">
+                    <a:noFill/>
+                  </a:rPr>
+                  <a:t> </a:t>
+                </a:r>
+              </a:p>
+            </p:txBody>
+          </p:sp>
+        </mc:Fallback>
+      </mc:AlternateContent>
+      <mc:AlternateContent xmlns:mc="http://schemas.openxmlformats.org/markup-compatibility/2006">
+        <mc:Choice xmlns:a14="http://schemas.microsoft.com/office/drawing/2010/main" Requires="a14">
+          <p:sp>
+            <p:nvSpPr>
+              <p:cNvPr id="127" name="Rectangle 126">
+                <a:extLst>
+                  <a:ext uri="{FF2B5EF4-FFF2-40B4-BE49-F238E27FC236}">
+                    <a16:creationId xmlns:a16="http://schemas.microsoft.com/office/drawing/2014/main" id="{70236981-2550-73E2-615D-0329A8153369}"/>
+                  </a:ext>
+                </a:extLst>
+              </p:cNvPr>
+              <p:cNvSpPr/>
+              <p:nvPr/>
+            </p:nvSpPr>
+            <p:spPr>
+              <a:xfrm>
+                <a:off x="8169369" y="1727823"/>
+                <a:ext cx="1528116" cy="428263"/>
+              </a:xfrm>
+              <a:prstGeom prst="rect">
+                <a:avLst/>
+              </a:prstGeom>
+              <a:noFill/>
+              <a:ln>
+                <a:noFill/>
+              </a:ln>
+            </p:spPr>
+            <p:style>
+              <a:lnRef idx="2">
+                <a:schemeClr val="accent1">
+                  <a:shade val="15000"/>
+                </a:schemeClr>
+              </a:lnRef>
+              <a:fillRef idx="1">
+                <a:schemeClr val="accent1"/>
+              </a:fillRef>
+              <a:effectRef idx="0">
+                <a:schemeClr val="accent1"/>
+              </a:effectRef>
+              <a:fontRef idx="minor">
+                <a:schemeClr val="lt1"/>
+              </a:fontRef>
+            </p:style>
+            <p:txBody>
+              <a:bodyPr rtlCol="0" anchor="ctr"/>
+              <a:lstStyle/>
+              <a:p>
+                <a14:m>
+                  <m:oMath xmlns:m="http://schemas.openxmlformats.org/officeDocument/2006/math">
+                    <m:sSub>
+                      <m:sSubPr>
+                        <m:ctrlPr>
+                          <a:rPr lang="vi-VN" sz="1400" b="0" i="1">
+                            <a:solidFill>
+                              <a:schemeClr val="tx1"/>
+                            </a:solidFill>
+                            <a:latin typeface="Cambria Math" panose="02040503050406030204" pitchFamily="18" charset="0"/>
+                            <a:ea typeface="Cambria Math" panose="02040503050406030204" pitchFamily="18" charset="0"/>
+                          </a:rPr>
+                        </m:ctrlPr>
+                      </m:sSubPr>
+                      <m:e>
+                        <m:r>
+                          <a:rPr lang="en-VN" sz="1400" i="1">
+                            <a:solidFill>
+                              <a:schemeClr val="tx1"/>
+                            </a:solidFill>
+                            <a:latin typeface="Cambria Math" panose="02040503050406030204" pitchFamily="18" charset="0"/>
+                            <a:ea typeface="Cambria Math" panose="02040503050406030204" pitchFamily="18" charset="0"/>
+                          </a:rPr>
+                          <m:t>𝑈</m:t>
+                        </m:r>
+                      </m:e>
+                      <m:sub>
+                        <m:r>
+                          <a:rPr lang="vi-VN" sz="1400" b="0" i="1">
+                            <a:solidFill>
+                              <a:schemeClr val="tx1"/>
+                            </a:solidFill>
+                            <a:latin typeface="Cambria Math" panose="02040503050406030204" pitchFamily="18" charset="0"/>
+                            <a:ea typeface="Cambria Math" panose="02040503050406030204" pitchFamily="18" charset="0"/>
+                          </a:rPr>
+                          <m:t>0:</m:t>
+                        </m:r>
+                        <m:r>
+                          <m:rPr>
+                            <m:sty m:val="p"/>
+                          </m:rPr>
+                          <a:rPr lang="vi-VN" sz="1400" i="1">
+                            <a:solidFill>
+                              <a:schemeClr val="tx1"/>
+                            </a:solidFill>
+                            <a:latin typeface="Cambria Math" panose="02040503050406030204" pitchFamily="18" charset="0"/>
+                            <a:ea typeface="Cambria Math" panose="02040503050406030204" pitchFamily="18" charset="0"/>
+                          </a:rPr>
+                          <m:t>m</m:t>
+                        </m:r>
+                        <m:r>
+                          <a:rPr lang="vi-VN" sz="1400" b="0" i="1">
+                            <a:solidFill>
+                              <a:schemeClr val="tx1"/>
+                            </a:solidFill>
+                            <a:latin typeface="Cambria Math" panose="02040503050406030204" pitchFamily="18" charset="0"/>
+                            <a:ea typeface="Cambria Math" panose="02040503050406030204" pitchFamily="18" charset="0"/>
+                          </a:rPr>
+                          <m:t>−2</m:t>
+                        </m:r>
+                      </m:sub>
+                    </m:sSub>
+                    <m:d>
+                      <m:dPr>
+                        <m:ctrlPr>
+                          <a:rPr lang="vi-VN" sz="1400" b="0" i="1">
+                            <a:solidFill>
+                              <a:schemeClr val="tx1"/>
+                            </a:solidFill>
+                            <a:latin typeface="Cambria Math" panose="02040503050406030204" pitchFamily="18" charset="0"/>
+                            <a:ea typeface="Cambria Math" panose="02040503050406030204" pitchFamily="18" charset="0"/>
+                          </a:rPr>
+                        </m:ctrlPr>
+                      </m:dPr>
+                      <m:e>
+                        <m:sSub>
+                          <m:sSubPr>
+                            <m:ctrlPr>
+                              <a:rPr lang="vi-VN" sz="1400" b="0" i="1">
+                                <a:solidFill>
+                                  <a:schemeClr val="tx1"/>
+                                </a:solidFill>
+                                <a:latin typeface="Cambria Math" panose="02040503050406030204" pitchFamily="18" charset="0"/>
+                                <a:ea typeface="Cambria Math" panose="02040503050406030204" pitchFamily="18" charset="0"/>
+                              </a:rPr>
+                            </m:ctrlPr>
+                          </m:sSubPr>
+                          <m:e>
+                            <m:r>
+                              <a:rPr lang="vi-VN" sz="1400" b="1" i="1">
+                                <a:solidFill>
+                                  <a:schemeClr val="tx1"/>
+                                </a:solidFill>
+                                <a:latin typeface="Cambria Math" panose="02040503050406030204" pitchFamily="18" charset="0"/>
+                                <a:ea typeface="Cambria Math" panose="02040503050406030204" pitchFamily="18" charset="0"/>
+                              </a:rPr>
+                              <m:t>𝜽</m:t>
+                            </m:r>
+                          </m:e>
+                          <m:sub>
+                            <m:r>
+                              <a:rPr lang="vi-VN" sz="1400" b="0" i="1">
+                                <a:solidFill>
+                                  <a:schemeClr val="tx1"/>
+                                </a:solidFill>
+                                <a:latin typeface="Cambria Math" panose="02040503050406030204" pitchFamily="18" charset="0"/>
+                                <a:ea typeface="Cambria Math" panose="02040503050406030204" pitchFamily="18" charset="0"/>
+                              </a:rPr>
+                              <m:t>0:</m:t>
+                            </m:r>
+                            <m:r>
+                              <m:rPr>
+                                <m:sty m:val="p"/>
+                              </m:rPr>
+                              <a:rPr lang="vi-VN" sz="1400" i="1">
+                                <a:solidFill>
+                                  <a:schemeClr val="tx1"/>
+                                </a:solidFill>
+                                <a:latin typeface="Cambria Math" panose="02040503050406030204" pitchFamily="18" charset="0"/>
+                                <a:ea typeface="Cambria Math" panose="02040503050406030204" pitchFamily="18" charset="0"/>
+                              </a:rPr>
+                              <m:t>m</m:t>
+                            </m:r>
+                            <m:r>
+                              <a:rPr lang="vi-VN" sz="1400" b="0" i="1">
+                                <a:solidFill>
+                                  <a:schemeClr val="tx1"/>
+                                </a:solidFill>
+                                <a:latin typeface="Cambria Math" panose="02040503050406030204" pitchFamily="18" charset="0"/>
+                                <a:ea typeface="Cambria Math" panose="02040503050406030204" pitchFamily="18" charset="0"/>
+                              </a:rPr>
+                              <m:t>−2</m:t>
+                            </m:r>
+                          </m:sub>
+                        </m:sSub>
+                      </m:e>
+                    </m:d>
+                  </m:oMath>
+                </a14:m>
+                <a:r>
+                  <a:rPr lang="en-VN" sz="1400" i="1">
+                    <a:solidFill>
+                      <a:schemeClr val="tx1"/>
+                    </a:solidFill>
+                  </a:rPr>
+                  <a:t> </a:t>
+                </a:r>
+              </a:p>
+            </p:txBody>
+          </p:sp>
+        </mc:Choice>
+        <mc:Fallback>
+          <p:sp>
+            <p:nvSpPr>
+              <p:cNvPr id="127" name="Rectangle 126">
+                <a:extLst>
+                  <a:ext uri="{FF2B5EF4-FFF2-40B4-BE49-F238E27FC236}">
+                    <a16:creationId xmlns:a16="http://schemas.microsoft.com/office/drawing/2014/main" id="{70236981-2550-73E2-615D-0329A8153369}"/>
+                  </a:ext>
+                </a:extLst>
+              </p:cNvPr>
+              <p:cNvSpPr>
+                <a:spLocks noRot="1" noChangeAspect="1" noMove="1" noResize="1" noEditPoints="1" noAdjustHandles="1" noChangeArrowheads="1" noChangeShapeType="1" noTextEdit="1"/>
+              </p:cNvSpPr>
+              <p:nvPr/>
+            </p:nvSpPr>
+            <p:spPr>
+              <a:xfrm>
+                <a:off x="8169369" y="1727823"/>
+                <a:ext cx="1528116" cy="428263"/>
+              </a:xfrm>
+              <a:prstGeom prst="rect">
+                <a:avLst/>
+              </a:prstGeom>
+              <a:blipFill>
+                <a:blip r:embed="rId52"/>
+                <a:stretch>
+                  <a:fillRect/>
+                </a:stretch>
+              </a:blipFill>
+              <a:ln>
+                <a:noFill/>
+              </a:ln>
+            </p:spPr>
+            <p:txBody>
+              <a:bodyPr/>
+              <a:lstStyle/>
+              <a:p>
+                <a:r>
+                  <a:rPr lang="en-VN">
+                    <a:noFill/>
+                  </a:rPr>
+                  <a:t> </a:t>
+                </a:r>
+              </a:p>
+            </p:txBody>
+          </p:sp>
+        </mc:Fallback>
+      </mc:AlternateContent>
+      <mc:AlternateContent xmlns:mc="http://schemas.openxmlformats.org/markup-compatibility/2006">
+        <mc:Choice xmlns:a14="http://schemas.microsoft.com/office/drawing/2010/main" Requires="a14">
+          <p:sp>
+            <p:nvSpPr>
+              <p:cNvPr id="135" name="TextBox 134">
+                <a:extLst>
+                  <a:ext uri="{FF2B5EF4-FFF2-40B4-BE49-F238E27FC236}">
+                    <a16:creationId xmlns:a16="http://schemas.microsoft.com/office/drawing/2014/main" id="{CF19C17C-EAA3-CB0B-AF35-8643DD96242F}"/>
+                  </a:ext>
+                </a:extLst>
+              </p:cNvPr>
+              <p:cNvSpPr txBox="1"/>
+              <p:nvPr/>
+            </p:nvSpPr>
+            <p:spPr>
+              <a:xfrm>
+                <a:off x="8839071" y="2054811"/>
+                <a:ext cx="219611" cy="276999"/>
+              </a:xfrm>
+              <a:prstGeom prst="rect">
+                <a:avLst/>
+              </a:prstGeom>
+              <a:noFill/>
+              <a:ln>
+                <a:noFill/>
+              </a:ln>
+            </p:spPr>
+            <p:txBody>
+              <a:bodyPr wrap="none" lIns="0" tIns="0" rIns="0" bIns="0" rtlCol="0">
+                <a:spAutoFit/>
+              </a:bodyPr>
+              <a:lstStyle/>
+              <a:p>
+                <a14:m>
+                  <m:oMathPara xmlns:m="http://schemas.openxmlformats.org/officeDocument/2006/math">
+                    <m:oMathParaPr>
+                      <m:jc m:val="centerGroup"/>
+                    </m:oMathParaPr>
+                    <m:oMath xmlns:m="http://schemas.openxmlformats.org/officeDocument/2006/math">
+                      <m:r>
+                        <a:rPr lang="vi-VN" b="0" i="1">
+                          <a:latin typeface="Cambria Math" panose="02040503050406030204" pitchFamily="18" charset="0"/>
+                        </a:rPr>
+                        <m:t>…</m:t>
+                      </m:r>
+                    </m:oMath>
+                  </m:oMathPara>
+                </a14:m>
+                <a:endParaRPr lang="en-VN" i="1"/>
+              </a:p>
+            </p:txBody>
+          </p:sp>
+        </mc:Choice>
+        <mc:Fallback>
+          <p:sp>
+            <p:nvSpPr>
+              <p:cNvPr id="135" name="TextBox 134">
+                <a:extLst>
+                  <a:ext uri="{FF2B5EF4-FFF2-40B4-BE49-F238E27FC236}">
+                    <a16:creationId xmlns:a16="http://schemas.microsoft.com/office/drawing/2014/main" id="{CF19C17C-EAA3-CB0B-AF35-8643DD96242F}"/>
+                  </a:ext>
+                </a:extLst>
+              </p:cNvPr>
+              <p:cNvSpPr txBox="1">
+                <a:spLocks noRot="1" noChangeAspect="1" noMove="1" noResize="1" noEditPoints="1" noAdjustHandles="1" noChangeArrowheads="1" noChangeShapeType="1" noTextEdit="1"/>
+              </p:cNvSpPr>
+              <p:nvPr/>
+            </p:nvSpPr>
+            <p:spPr>
+              <a:xfrm>
+                <a:off x="8839071" y="2054811"/>
+                <a:ext cx="219611" cy="276999"/>
+              </a:xfrm>
+              <a:prstGeom prst="rect">
+                <a:avLst/>
+              </a:prstGeom>
+              <a:blipFill>
+                <a:blip r:embed="rId30"/>
+                <a:stretch>
+                  <a:fillRect/>
+                </a:stretch>
+              </a:blipFill>
+              <a:ln>
+                <a:noFill/>
+              </a:ln>
+            </p:spPr>
+            <p:txBody>
+              <a:bodyPr/>
+              <a:lstStyle/>
+              <a:p>
+                <a:r>
+                  <a:rPr lang="en-VN">
+                    <a:noFill/>
+                  </a:rPr>
+                  <a:t> </a:t>
+                </a:r>
+              </a:p>
+            </p:txBody>
+          </p:sp>
+        </mc:Fallback>
+      </mc:AlternateContent>
+      <mc:AlternateContent xmlns:mc="http://schemas.openxmlformats.org/markup-compatibility/2006">
+        <mc:Choice xmlns:a14="http://schemas.microsoft.com/office/drawing/2010/main" Requires="a14">
+          <p:sp>
+            <p:nvSpPr>
+              <p:cNvPr id="136" name="TextBox 135">
+                <a:extLst>
+                  <a:ext uri="{FF2B5EF4-FFF2-40B4-BE49-F238E27FC236}">
+                    <a16:creationId xmlns:a16="http://schemas.microsoft.com/office/drawing/2014/main" id="{EDEE3743-DF37-D72A-9DDC-537E1127B54F}"/>
+                  </a:ext>
+                </a:extLst>
+              </p:cNvPr>
+              <p:cNvSpPr txBox="1"/>
+              <p:nvPr/>
+            </p:nvSpPr>
+            <p:spPr>
+              <a:xfrm>
+                <a:off x="10934263" y="2054811"/>
+                <a:ext cx="219611" cy="276999"/>
+              </a:xfrm>
+              <a:prstGeom prst="rect">
+                <a:avLst/>
+              </a:prstGeom>
+              <a:noFill/>
+              <a:ln>
+                <a:noFill/>
+              </a:ln>
+            </p:spPr>
+            <p:txBody>
+              <a:bodyPr wrap="none" lIns="0" tIns="0" rIns="0" bIns="0" rtlCol="0">
+                <a:spAutoFit/>
+              </a:bodyPr>
+              <a:lstStyle/>
+              <a:p>
+                <a14:m>
+                  <m:oMathPara xmlns:m="http://schemas.openxmlformats.org/officeDocument/2006/math">
+                    <m:oMathParaPr>
+                      <m:jc m:val="centerGroup"/>
+                    </m:oMathParaPr>
+                    <m:oMath xmlns:m="http://schemas.openxmlformats.org/officeDocument/2006/math">
+                      <m:r>
+                        <a:rPr lang="vi-VN" b="0" i="1">
+                          <a:latin typeface="Cambria Math" panose="02040503050406030204" pitchFamily="18" charset="0"/>
+                        </a:rPr>
+                        <m:t>…</m:t>
+                      </m:r>
+                    </m:oMath>
+                  </m:oMathPara>
+                </a14:m>
+                <a:endParaRPr lang="en-VN" i="1"/>
+              </a:p>
+            </p:txBody>
+          </p:sp>
+        </mc:Choice>
+        <mc:Fallback>
+          <p:sp>
+            <p:nvSpPr>
+              <p:cNvPr id="136" name="TextBox 135">
+                <a:extLst>
+                  <a:ext uri="{FF2B5EF4-FFF2-40B4-BE49-F238E27FC236}">
+                    <a16:creationId xmlns:a16="http://schemas.microsoft.com/office/drawing/2014/main" id="{EDEE3743-DF37-D72A-9DDC-537E1127B54F}"/>
+                  </a:ext>
+                </a:extLst>
+              </p:cNvPr>
+              <p:cNvSpPr txBox="1">
+                <a:spLocks noRot="1" noChangeAspect="1" noMove="1" noResize="1" noEditPoints="1" noAdjustHandles="1" noChangeArrowheads="1" noChangeShapeType="1" noTextEdit="1"/>
+              </p:cNvSpPr>
+              <p:nvPr/>
+            </p:nvSpPr>
+            <p:spPr>
+              <a:xfrm>
+                <a:off x="10934263" y="2054811"/>
+                <a:ext cx="219611" cy="276999"/>
+              </a:xfrm>
+              <a:prstGeom prst="rect">
+                <a:avLst/>
+              </a:prstGeom>
+              <a:blipFill>
+                <a:blip r:embed="rId30"/>
+                <a:stretch>
+                  <a:fillRect/>
+                </a:stretch>
+              </a:blipFill>
+              <a:ln>
+                <a:noFill/>
+              </a:ln>
+            </p:spPr>
+            <p:txBody>
+              <a:bodyPr/>
+              <a:lstStyle/>
+              <a:p>
+                <a:r>
+                  <a:rPr lang="en-VN">
+                    <a:noFill/>
+                  </a:rPr>
+                  <a:t> </a:t>
+                </a:r>
+              </a:p>
+            </p:txBody>
+          </p:sp>
+        </mc:Fallback>
+      </mc:AlternateContent>
+      <p:sp>
+        <p:nvSpPr>
+          <p:cNvPr id="137" name="Right Bracket 136">
+            <a:extLst>
+              <a:ext uri="{FF2B5EF4-FFF2-40B4-BE49-F238E27FC236}">
+                <a16:creationId xmlns:a16="http://schemas.microsoft.com/office/drawing/2014/main" id="{7989DE5A-888E-D5A3-0D1B-266B3A3219AD}"/>
+              </a:ext>
+            </a:extLst>
+          </p:cNvPr>
+          <p:cNvSpPr/>
+          <p:nvPr/>
+        </p:nvSpPr>
+        <p:spPr>
+          <a:xfrm rot="5400000">
+            <a:off x="10717757" y="2222896"/>
+            <a:ext cx="72000" cy="1910540"/>
+          </a:xfrm>
+          <a:prstGeom prst="rightBracket">
+            <a:avLst/>
+          </a:prstGeom>
+        </p:spPr>
+        <p:style>
+          <a:lnRef idx="2">
+            <a:schemeClr val="dk1"/>
+          </a:lnRef>
+          <a:fillRef idx="0">
+            <a:schemeClr val="dk1"/>
+          </a:fillRef>
+          <a:effectRef idx="1">
+            <a:schemeClr val="dk1"/>
+          </a:effectRef>
+          <a:fontRef idx="minor">
+            <a:schemeClr val="tx1"/>
+          </a:fontRef>
+        </p:style>
+        <p:txBody>
+          <a:bodyPr rtlCol="0" anchor="ctr"/>
+          <a:lstStyle/>
+          <a:p>
+            <a:pPr algn="ctr"/>
+            <a:endParaRPr lang="en-VN"/>
+          </a:p>
+        </p:txBody>
+      </p:sp>
+      <mc:AlternateContent xmlns:mc="http://schemas.openxmlformats.org/markup-compatibility/2006">
+        <mc:Choice xmlns:a14="http://schemas.microsoft.com/office/drawing/2010/main" Requires="a14">
+          <p:sp>
+            <p:nvSpPr>
+              <p:cNvPr id="139" name="TextBox 138">
+                <a:extLst>
+                  <a:ext uri="{FF2B5EF4-FFF2-40B4-BE49-F238E27FC236}">
+                    <a16:creationId xmlns:a16="http://schemas.microsoft.com/office/drawing/2014/main" id="{7B8D5A08-B993-E21D-D3AE-D30C90B5379B}"/>
+                  </a:ext>
+                </a:extLst>
+              </p:cNvPr>
+              <p:cNvSpPr txBox="1"/>
+              <p:nvPr/>
+            </p:nvSpPr>
+            <p:spPr>
+              <a:xfrm>
+                <a:off x="10377078" y="3229198"/>
+                <a:ext cx="809135" cy="369332"/>
+              </a:xfrm>
+              <a:prstGeom prst="rect">
+                <a:avLst/>
+              </a:prstGeom>
+              <a:noFill/>
+            </p:spPr>
+            <p:txBody>
+              <a:bodyPr wrap="square" rtlCol="0">
+                <a:spAutoFit/>
+              </a:bodyPr>
+              <a:lstStyle/>
+              <a:p>
+                <a14:m>
+                  <m:oMathPara xmlns:m="http://schemas.openxmlformats.org/officeDocument/2006/math">
+                    <m:oMathParaPr>
+                      <m:jc m:val="centerGroup"/>
+                    </m:oMathParaPr>
+                    <m:oMath xmlns:m="http://schemas.openxmlformats.org/officeDocument/2006/math">
+                      <m:sSub>
+                        <m:sSubPr>
+                          <m:ctrlPr>
+                            <a:rPr lang="vi-VN" b="0" i="1">
+                              <a:latin typeface="Cambria Math" panose="02040503050406030204" pitchFamily="18" charset="0"/>
+                            </a:rPr>
+                          </m:ctrlPr>
+                        </m:sSubPr>
+                        <m:e>
+                          <m:r>
+                            <a:rPr lang="en-VN" i="1">
+                              <a:latin typeface="Cambria Math" panose="02040503050406030204" pitchFamily="18" charset="0"/>
+                            </a:rPr>
+                            <m:t>𝑈</m:t>
+                          </m:r>
+                        </m:e>
+                        <m:sub>
+                          <m:r>
+                            <m:rPr>
+                              <m:sty m:val="p"/>
+                            </m:rPr>
+                            <a:rPr lang="vi-VN" i="0">
+                              <a:latin typeface="Cambria Math" panose="02040503050406030204" pitchFamily="18" charset="0"/>
+                            </a:rPr>
+                            <m:t>tail</m:t>
+                          </m:r>
+                        </m:sub>
+                      </m:sSub>
+                    </m:oMath>
+                  </m:oMathPara>
+                </a14:m>
+                <a:endParaRPr lang="en-VN" i="1"/>
+              </a:p>
+            </p:txBody>
+          </p:sp>
+        </mc:Choice>
+        <mc:Fallback>
+          <p:sp>
+            <p:nvSpPr>
+              <p:cNvPr id="139" name="TextBox 138">
+                <a:extLst>
+                  <a:ext uri="{FF2B5EF4-FFF2-40B4-BE49-F238E27FC236}">
+                    <a16:creationId xmlns:a16="http://schemas.microsoft.com/office/drawing/2014/main" id="{7B8D5A08-B993-E21D-D3AE-D30C90B5379B}"/>
+                  </a:ext>
+                </a:extLst>
+              </p:cNvPr>
+              <p:cNvSpPr txBox="1">
+                <a:spLocks noRot="1" noChangeAspect="1" noMove="1" noResize="1" noEditPoints="1" noAdjustHandles="1" noChangeArrowheads="1" noChangeShapeType="1" noTextEdit="1"/>
+              </p:cNvSpPr>
+              <p:nvPr/>
+            </p:nvSpPr>
+            <p:spPr>
+              <a:xfrm>
+                <a:off x="10377078" y="3229198"/>
+                <a:ext cx="809135" cy="369332"/>
+              </a:xfrm>
+              <a:prstGeom prst="rect">
+                <a:avLst/>
+              </a:prstGeom>
+              <a:blipFill>
+                <a:blip r:embed="rId53"/>
+                <a:stretch>
+                  <a:fillRect/>
+                </a:stretch>
+              </a:blipFill>
+            </p:spPr>
+            <p:txBody>
+              <a:bodyPr/>
+              <a:lstStyle/>
+              <a:p>
+                <a:r>
+                  <a:rPr lang="en-VN">
+                    <a:noFill/>
+                  </a:rPr>
+                  <a:t> </a:t>
+                </a:r>
+              </a:p>
+            </p:txBody>
+          </p:sp>
+        </mc:Fallback>
+      </mc:AlternateContent>
+      <p:sp>
+        <p:nvSpPr>
+          <p:cNvPr id="140" name="Right Bracket 139">
+            <a:extLst>
+              <a:ext uri="{FF2B5EF4-FFF2-40B4-BE49-F238E27FC236}">
+                <a16:creationId xmlns:a16="http://schemas.microsoft.com/office/drawing/2014/main" id="{A8538EEF-FF8F-9181-16A5-9D4190BB8CC0}"/>
+              </a:ext>
+            </a:extLst>
+          </p:cNvPr>
+          <p:cNvSpPr/>
+          <p:nvPr/>
+        </p:nvSpPr>
+        <p:spPr>
+          <a:xfrm rot="5400000">
+            <a:off x="8617386" y="2746166"/>
+            <a:ext cx="72000" cy="864000"/>
+          </a:xfrm>
+          <a:prstGeom prst="rightBracket">
+            <a:avLst/>
+          </a:prstGeom>
+        </p:spPr>
+        <p:style>
+          <a:lnRef idx="2">
+            <a:schemeClr val="dk1"/>
+          </a:lnRef>
+          <a:fillRef idx="0">
+            <a:schemeClr val="dk1"/>
+          </a:fillRef>
+          <a:effectRef idx="1">
+            <a:schemeClr val="dk1"/>
+          </a:effectRef>
+          <a:fontRef idx="minor">
+            <a:schemeClr val="tx1"/>
+          </a:fontRef>
+        </p:style>
+        <p:txBody>
+          <a:bodyPr rtlCol="0" anchor="ctr"/>
+          <a:lstStyle/>
+          <a:p>
+            <a:pPr algn="ctr"/>
+            <a:endParaRPr lang="en-VN"/>
+          </a:p>
+        </p:txBody>
+      </p:sp>
+      <mc:AlternateContent xmlns:mc="http://schemas.openxmlformats.org/markup-compatibility/2006">
+        <mc:Choice xmlns:a14="http://schemas.microsoft.com/office/drawing/2010/main" Requires="a14">
+          <p:sp>
+            <p:nvSpPr>
+              <p:cNvPr id="141" name="TextBox 140">
+                <a:extLst>
+                  <a:ext uri="{FF2B5EF4-FFF2-40B4-BE49-F238E27FC236}">
+                    <a16:creationId xmlns:a16="http://schemas.microsoft.com/office/drawing/2014/main" id="{2F01EAAE-722A-8FF3-75AC-CB6C76871C1F}"/>
+                  </a:ext>
+                </a:extLst>
+              </p:cNvPr>
+              <p:cNvSpPr txBox="1"/>
+              <p:nvPr/>
+            </p:nvSpPr>
+            <p:spPr>
+              <a:xfrm>
+                <a:off x="8249547" y="3229198"/>
+                <a:ext cx="809135" cy="369332"/>
+              </a:xfrm>
+              <a:prstGeom prst="rect">
+                <a:avLst/>
+              </a:prstGeom>
+              <a:noFill/>
+            </p:spPr>
+            <p:txBody>
+              <a:bodyPr wrap="square" rtlCol="0">
+                <a:spAutoFit/>
+              </a:bodyPr>
+              <a:lstStyle/>
+              <a:p>
+                <a14:m>
+                  <m:oMathPara xmlns:m="http://schemas.openxmlformats.org/officeDocument/2006/math">
+                    <m:oMathParaPr>
+                      <m:jc m:val="centerGroup"/>
+                    </m:oMathParaPr>
+                    <m:oMath xmlns:m="http://schemas.openxmlformats.org/officeDocument/2006/math">
+                      <m:sSub>
+                        <m:sSubPr>
+                          <m:ctrlPr>
+                            <a:rPr lang="vi-VN" b="0" i="1">
+                              <a:latin typeface="Cambria Math" panose="02040503050406030204" pitchFamily="18" charset="0"/>
+                            </a:rPr>
+                          </m:ctrlPr>
+                        </m:sSubPr>
+                        <m:e>
+                          <m:r>
+                            <a:rPr lang="en-VN" i="1">
+                              <a:latin typeface="Cambria Math" panose="02040503050406030204" pitchFamily="18" charset="0"/>
+                            </a:rPr>
+                            <m:t>𝑈</m:t>
+                          </m:r>
+                        </m:e>
+                        <m:sub>
+                          <m:r>
+                            <m:rPr>
+                              <m:sty m:val="p"/>
+                            </m:rPr>
+                            <a:rPr lang="vi-VN" i="1">
+                              <a:latin typeface="Cambria Math" panose="02040503050406030204" pitchFamily="18" charset="0"/>
+                            </a:rPr>
+                            <m:t>head</m:t>
+                          </m:r>
+                        </m:sub>
+                      </m:sSub>
+                    </m:oMath>
+                  </m:oMathPara>
+                </a14:m>
+                <a:endParaRPr lang="en-VN" i="1"/>
+              </a:p>
+            </p:txBody>
+          </p:sp>
+        </mc:Choice>
+        <mc:Fallback>
+          <p:sp>
+            <p:nvSpPr>
+              <p:cNvPr id="141" name="TextBox 140">
+                <a:extLst>
+                  <a:ext uri="{FF2B5EF4-FFF2-40B4-BE49-F238E27FC236}">
+                    <a16:creationId xmlns:a16="http://schemas.microsoft.com/office/drawing/2014/main" id="{2F01EAAE-722A-8FF3-75AC-CB6C76871C1F}"/>
+                  </a:ext>
+                </a:extLst>
+              </p:cNvPr>
+              <p:cNvSpPr txBox="1">
+                <a:spLocks noRot="1" noChangeAspect="1" noMove="1" noResize="1" noEditPoints="1" noAdjustHandles="1" noChangeArrowheads="1" noChangeShapeType="1" noTextEdit="1"/>
+              </p:cNvSpPr>
+              <p:nvPr/>
+            </p:nvSpPr>
+            <p:spPr>
+              <a:xfrm>
+                <a:off x="8249547" y="3229198"/>
+                <a:ext cx="809135" cy="369332"/>
+              </a:xfrm>
+              <a:prstGeom prst="rect">
+                <a:avLst/>
+              </a:prstGeom>
+              <a:blipFill>
+                <a:blip r:embed="rId54"/>
+                <a:stretch>
+                  <a:fillRect/>
+                </a:stretch>
+              </a:blipFill>
+            </p:spPr>
+            <p:txBody>
+              <a:bodyPr/>
+              <a:lstStyle/>
+              <a:p>
+                <a:r>
+                  <a:rPr lang="en-VN">
+                    <a:noFill/>
+                  </a:rPr>
+                  <a:t> </a:t>
+                </a:r>
+              </a:p>
+            </p:txBody>
+          </p:sp>
+        </mc:Fallback>
+      </mc:AlternateContent>
+      <p:sp>
+        <p:nvSpPr>
+          <p:cNvPr id="142" name="TextBox 141">
+            <a:extLst>
+              <a:ext uri="{FF2B5EF4-FFF2-40B4-BE49-F238E27FC236}">
+                <a16:creationId xmlns:a16="http://schemas.microsoft.com/office/drawing/2014/main" id="{48A2A925-7492-BEC5-503A-16B6A12411B9}"/>
+              </a:ext>
+            </a:extLst>
+          </p:cNvPr>
+          <p:cNvSpPr txBox="1"/>
+          <p:nvPr/>
+        </p:nvSpPr>
+        <p:spPr>
+          <a:xfrm>
+            <a:off x="10012150" y="1225618"/>
+            <a:ext cx="846822" cy="369332"/>
+          </a:xfrm>
+          <a:prstGeom prst="rect">
+            <a:avLst/>
+          </a:prstGeom>
+          <a:noFill/>
+        </p:spPr>
+        <p:txBody>
+          <a:bodyPr wrap="square" rtlCol="0">
+            <a:spAutoFit/>
+          </a:bodyPr>
+          <a:lstStyle/>
+          <a:p>
+            <a:pPr algn="ctr"/>
+            <a:r>
+              <a:rPr lang="en-VN"/>
+              <a:t>Order</a:t>
+            </a:r>
+          </a:p>
+        </p:txBody>
+      </p:sp>
+      <mc:AlternateContent xmlns:mc="http://schemas.openxmlformats.org/markup-compatibility/2006">
+        <mc:Choice xmlns:a14="http://schemas.microsoft.com/office/drawing/2010/main" Requires="a14">
+          <p:sp>
+            <p:nvSpPr>
+              <p:cNvPr id="144" name="Rectangle 143">
+                <a:extLst>
+                  <a:ext uri="{FF2B5EF4-FFF2-40B4-BE49-F238E27FC236}">
+                    <a16:creationId xmlns:a16="http://schemas.microsoft.com/office/drawing/2014/main" id="{CF0A5B19-D94E-923F-FC77-D6CAC6898071}"/>
+                  </a:ext>
+                </a:extLst>
+              </p:cNvPr>
+              <p:cNvSpPr/>
+              <p:nvPr/>
+            </p:nvSpPr>
+            <p:spPr>
+              <a:xfrm>
+                <a:off x="10691846" y="1442745"/>
+                <a:ext cx="1042119" cy="428263"/>
+              </a:xfrm>
+              <a:prstGeom prst="rect">
+                <a:avLst/>
+              </a:prstGeom>
+              <a:noFill/>
+              <a:ln>
+                <a:noFill/>
+              </a:ln>
+            </p:spPr>
+            <p:style>
+              <a:lnRef idx="2">
+                <a:schemeClr val="accent1">
+                  <a:shade val="15000"/>
+                </a:schemeClr>
+              </a:lnRef>
+              <a:fillRef idx="1">
+                <a:schemeClr val="accent1"/>
+              </a:fillRef>
+              <a:effectRef idx="0">
+                <a:schemeClr val="accent1"/>
+              </a:effectRef>
+              <a:fontRef idx="minor">
+                <a:schemeClr val="lt1"/>
+              </a:fontRef>
+            </p:style>
+            <p:txBody>
+              <a:bodyPr rtlCol="0" anchor="ctr"/>
+              <a:lstStyle/>
+              <a:p>
+                <a:pPr algn="r"/>
+                <a14:m>
+                  <m:oMath xmlns:m="http://schemas.openxmlformats.org/officeDocument/2006/math">
+                    <m:sSub>
+                      <m:sSubPr>
+                        <m:ctrlPr>
+                          <a:rPr lang="vi-VN" sz="1400" b="0" i="1">
+                            <a:solidFill>
+                              <a:schemeClr val="tx1"/>
+                            </a:solidFill>
+                            <a:latin typeface="Cambria Math" panose="02040503050406030204" pitchFamily="18" charset="0"/>
+                            <a:ea typeface="Cambria Math" panose="02040503050406030204" pitchFamily="18" charset="0"/>
+                          </a:rPr>
+                        </m:ctrlPr>
+                      </m:sSubPr>
+                      <m:e>
+                        <m:r>
+                          <a:rPr lang="en-VN" sz="1400" i="1">
+                            <a:solidFill>
+                              <a:schemeClr val="tx1"/>
+                            </a:solidFill>
+                            <a:latin typeface="Cambria Math" panose="02040503050406030204" pitchFamily="18" charset="0"/>
+                            <a:ea typeface="Cambria Math" panose="02040503050406030204" pitchFamily="18" charset="0"/>
+                          </a:rPr>
+                          <m:t>𝕀</m:t>
+                        </m:r>
+                      </m:e>
+                      <m:sub>
+                        <m:sSup>
+                          <m:sSupPr>
+                            <m:ctrlPr>
+                              <a:rPr lang="vi-VN" sz="1400" b="0" i="1">
+                                <a:solidFill>
+                                  <a:schemeClr val="tx1"/>
+                                </a:solidFill>
+                                <a:latin typeface="Cambria Math" panose="02040503050406030204" pitchFamily="18" charset="0"/>
+                                <a:ea typeface="Cambria Math" panose="02040503050406030204" pitchFamily="18" charset="0"/>
+                              </a:rPr>
+                            </m:ctrlPr>
+                          </m:sSupPr>
+                          <m:e>
+                            <m:r>
+                              <a:rPr lang="vi-VN" sz="1400" b="0" i="1">
+                                <a:solidFill>
+                                  <a:schemeClr val="tx1"/>
+                                </a:solidFill>
+                                <a:latin typeface="Cambria Math" panose="02040503050406030204" pitchFamily="18" charset="0"/>
+                                <a:ea typeface="Cambria Math" panose="02040503050406030204" pitchFamily="18" charset="0"/>
+                              </a:rPr>
+                              <m:t>2</m:t>
+                            </m:r>
+                          </m:e>
+                          <m:sup>
+                            <m:r>
+                              <m:rPr>
+                                <m:sty m:val="p"/>
+                              </m:rPr>
+                              <a:rPr lang="vi-VN" sz="1400" i="1">
+                                <a:solidFill>
+                                  <a:schemeClr val="tx1"/>
+                                </a:solidFill>
+                                <a:latin typeface="Cambria Math" panose="02040503050406030204" pitchFamily="18" charset="0"/>
+                                <a:ea typeface="Cambria Math" panose="02040503050406030204" pitchFamily="18" charset="0"/>
+                              </a:rPr>
+                              <m:t>n</m:t>
+                            </m:r>
+                          </m:sup>
+                        </m:sSup>
+                      </m:sub>
+                    </m:sSub>
+                  </m:oMath>
+                </a14:m>
+                <a:r>
+                  <a:rPr lang="en-VN" sz="1400" i="1">
+                    <a:solidFill>
+                      <a:schemeClr val="tx1"/>
+                    </a:solidFill>
+                  </a:rPr>
+                  <a:t> </a:t>
+                </a:r>
+              </a:p>
+            </p:txBody>
+          </p:sp>
+        </mc:Choice>
+        <mc:Fallback>
+          <p:sp>
+            <p:nvSpPr>
+              <p:cNvPr id="144" name="Rectangle 143">
+                <a:extLst>
+                  <a:ext uri="{FF2B5EF4-FFF2-40B4-BE49-F238E27FC236}">
+                    <a16:creationId xmlns:a16="http://schemas.microsoft.com/office/drawing/2014/main" id="{CF0A5B19-D94E-923F-FC77-D6CAC6898071}"/>
+                  </a:ext>
+                </a:extLst>
+              </p:cNvPr>
+              <p:cNvSpPr>
+                <a:spLocks noRot="1" noChangeAspect="1" noMove="1" noResize="1" noEditPoints="1" noAdjustHandles="1" noChangeArrowheads="1" noChangeShapeType="1" noTextEdit="1"/>
+              </p:cNvSpPr>
+              <p:nvPr/>
+            </p:nvSpPr>
+            <p:spPr>
+              <a:xfrm>
+                <a:off x="10691846" y="1442745"/>
+                <a:ext cx="1042119" cy="428263"/>
+              </a:xfrm>
+              <a:prstGeom prst="rect">
+                <a:avLst/>
+              </a:prstGeom>
+              <a:blipFill>
+                <a:blip r:embed="rId55"/>
+                <a:stretch>
+                  <a:fillRect/>
+                </a:stretch>
+              </a:blipFill>
+              <a:ln>
+                <a:noFill/>
+              </a:ln>
+            </p:spPr>
+            <p:txBody>
+              <a:bodyPr/>
+              <a:lstStyle/>
+              <a:p>
+                <a:r>
+                  <a:rPr lang="en-VN">
+                    <a:noFill/>
+                  </a:rPr>
+                  <a:t> </a:t>
+                </a:r>
+              </a:p>
+            </p:txBody>
+          </p:sp>
+        </mc:Fallback>
+      </mc:AlternateContent>
+      <mc:AlternateContent xmlns:mc="http://schemas.openxmlformats.org/markup-compatibility/2006">
+        <mc:Choice xmlns:a14="http://schemas.microsoft.com/office/drawing/2010/main" Requires="a14">
+          <p:sp>
+            <p:nvSpPr>
+              <p:cNvPr id="146" name="Rectangle 145">
+                <a:extLst>
+                  <a:ext uri="{FF2B5EF4-FFF2-40B4-BE49-F238E27FC236}">
+                    <a16:creationId xmlns:a16="http://schemas.microsoft.com/office/drawing/2014/main" id="{2448FC35-0C05-0DAE-3B10-12687791FDAE}"/>
+                  </a:ext>
+                </a:extLst>
+              </p:cNvPr>
+              <p:cNvSpPr/>
+              <p:nvPr/>
+            </p:nvSpPr>
+            <p:spPr>
+              <a:xfrm>
+                <a:off x="8154407" y="1442745"/>
+                <a:ext cx="1991464" cy="428263"/>
+              </a:xfrm>
+              <a:prstGeom prst="rect">
+                <a:avLst/>
+              </a:prstGeom>
+              <a:noFill/>
+              <a:ln>
+                <a:noFill/>
+              </a:ln>
+            </p:spPr>
+            <p:style>
+              <a:lnRef idx="2">
+                <a:schemeClr val="accent1">
+                  <a:shade val="15000"/>
+                </a:schemeClr>
+              </a:lnRef>
+              <a:fillRef idx="1">
+                <a:schemeClr val="accent1"/>
+              </a:fillRef>
+              <a:effectRef idx="0">
+                <a:schemeClr val="accent1"/>
+              </a:effectRef>
+              <a:fontRef idx="minor">
+                <a:schemeClr val="lt1"/>
+              </a:fontRef>
+            </p:style>
+            <p:txBody>
+              <a:bodyPr rtlCol="0" anchor="ctr"/>
+              <a:lstStyle/>
+              <a:p>
+                <a14:m>
+                  <m:oMath xmlns:m="http://schemas.openxmlformats.org/officeDocument/2006/math">
+                    <m:sSub>
+                      <m:sSubPr>
+                        <m:ctrlPr>
+                          <a:rPr lang="vi-VN" sz="1400" b="0" i="1">
+                            <a:solidFill>
+                              <a:schemeClr val="tx1"/>
+                            </a:solidFill>
+                            <a:latin typeface="Cambria Math" panose="02040503050406030204" pitchFamily="18" charset="0"/>
+                            <a:ea typeface="Cambria Math" panose="02040503050406030204" pitchFamily="18" charset="0"/>
+                          </a:rPr>
+                        </m:ctrlPr>
+                      </m:sSubPr>
+                      <m:e>
+                        <m:r>
+                          <a:rPr lang="en-VN" sz="1400" i="1">
+                            <a:solidFill>
+                              <a:schemeClr val="tx1"/>
+                            </a:solidFill>
+                            <a:latin typeface="Cambria Math" panose="02040503050406030204" pitchFamily="18" charset="0"/>
+                            <a:ea typeface="Cambria Math" panose="02040503050406030204" pitchFamily="18" charset="0"/>
+                          </a:rPr>
+                          <m:t>𝑈</m:t>
+                        </m:r>
+                      </m:e>
+                      <m:sub>
+                        <m:r>
+                          <a:rPr lang="vi-VN" sz="1400" b="0" i="1">
+                            <a:solidFill>
+                              <a:schemeClr val="tx1"/>
+                            </a:solidFill>
+                            <a:latin typeface="Cambria Math" panose="02040503050406030204" pitchFamily="18" charset="0"/>
+                            <a:ea typeface="Cambria Math" panose="02040503050406030204" pitchFamily="18" charset="0"/>
+                          </a:rPr>
+                          <m:t>0:</m:t>
+                        </m:r>
+                        <m:r>
+                          <a:rPr lang="vi-VN" sz="1400" i="1">
+                            <a:solidFill>
+                              <a:schemeClr val="tx1"/>
+                            </a:solidFill>
+                            <a:latin typeface="Cambria Math" panose="02040503050406030204" pitchFamily="18" charset="0"/>
+                            <a:ea typeface="Cambria Math" panose="02040503050406030204" pitchFamily="18" charset="0"/>
+                          </a:rPr>
+                          <m:t>𝑚</m:t>
+                        </m:r>
+                        <m:r>
+                          <a:rPr lang="vi-VN" sz="1400" b="0" i="1">
+                            <a:solidFill>
+                              <a:schemeClr val="tx1"/>
+                            </a:solidFill>
+                            <a:latin typeface="Cambria Math" panose="02040503050406030204" pitchFamily="18" charset="0"/>
+                            <a:ea typeface="Cambria Math" panose="02040503050406030204" pitchFamily="18" charset="0"/>
+                          </a:rPr>
+                          <m:t>−1</m:t>
+                        </m:r>
+                      </m:sub>
+                    </m:sSub>
+                    <m:d>
+                      <m:dPr>
+                        <m:ctrlPr>
+                          <a:rPr lang="vi-VN" sz="1400" b="0" i="1">
+                            <a:solidFill>
+                              <a:schemeClr val="tx1"/>
+                            </a:solidFill>
+                            <a:latin typeface="Cambria Math" panose="02040503050406030204" pitchFamily="18" charset="0"/>
+                            <a:ea typeface="Cambria Math" panose="02040503050406030204" pitchFamily="18" charset="0"/>
+                          </a:rPr>
+                        </m:ctrlPr>
+                      </m:dPr>
+                      <m:e>
+                        <m:sSub>
+                          <m:sSubPr>
+                            <m:ctrlPr>
+                              <a:rPr lang="vi-VN" sz="1400" b="0" i="1">
+                                <a:solidFill>
+                                  <a:schemeClr val="tx1"/>
+                                </a:solidFill>
+                                <a:latin typeface="Cambria Math" panose="02040503050406030204" pitchFamily="18" charset="0"/>
+                                <a:ea typeface="Cambria Math" panose="02040503050406030204" pitchFamily="18" charset="0"/>
+                              </a:rPr>
+                            </m:ctrlPr>
+                          </m:sSubPr>
+                          <m:e>
+                            <m:r>
+                              <a:rPr lang="vi-VN" sz="1400" b="1" i="1">
+                                <a:solidFill>
+                                  <a:schemeClr val="tx1"/>
+                                </a:solidFill>
+                                <a:latin typeface="Cambria Math" panose="02040503050406030204" pitchFamily="18" charset="0"/>
+                                <a:ea typeface="Cambria Math" panose="02040503050406030204" pitchFamily="18" charset="0"/>
+                              </a:rPr>
+                              <m:t>𝜽</m:t>
+                            </m:r>
+                          </m:e>
+                          <m:sub>
+                            <m:r>
+                              <a:rPr lang="vi-VN" sz="1400" b="0" i="1">
+                                <a:solidFill>
+                                  <a:schemeClr val="tx1"/>
+                                </a:solidFill>
+                                <a:latin typeface="Cambria Math" panose="02040503050406030204" pitchFamily="18" charset="0"/>
+                                <a:ea typeface="Cambria Math" panose="02040503050406030204" pitchFamily="18" charset="0"/>
+                              </a:rPr>
+                              <m:t>0:</m:t>
+                            </m:r>
+                            <m:r>
+                              <a:rPr lang="vi-VN" sz="1400" i="1">
+                                <a:solidFill>
+                                  <a:schemeClr val="tx1"/>
+                                </a:solidFill>
+                                <a:latin typeface="Cambria Math" panose="02040503050406030204" pitchFamily="18" charset="0"/>
+                                <a:ea typeface="Cambria Math" panose="02040503050406030204" pitchFamily="18" charset="0"/>
+                              </a:rPr>
+                              <m:t>𝑚</m:t>
+                            </m:r>
+                            <m:r>
+                              <a:rPr lang="vi-VN" sz="1400" b="0" i="1">
+                                <a:solidFill>
+                                  <a:schemeClr val="tx1"/>
+                                </a:solidFill>
+                                <a:latin typeface="Cambria Math" panose="02040503050406030204" pitchFamily="18" charset="0"/>
+                                <a:ea typeface="Cambria Math" panose="02040503050406030204" pitchFamily="18" charset="0"/>
+                              </a:rPr>
+                              <m:t>−1</m:t>
+                            </m:r>
+                          </m:sub>
+                        </m:sSub>
+                      </m:e>
+                    </m:d>
+                    <m:r>
+                      <a:rPr lang="vi-VN" sz="1400" b="0" i="1">
+                        <a:solidFill>
+                          <a:schemeClr val="tx1"/>
+                        </a:solidFill>
+                        <a:latin typeface="Cambria Math" panose="02040503050406030204" pitchFamily="18" charset="0"/>
+                        <a:ea typeface="Cambria Math" panose="02040503050406030204" pitchFamily="18" charset="0"/>
+                      </a:rPr>
+                      <m:t>≡</m:t>
+                    </m:r>
+                    <m:r>
+                      <a:rPr lang="vi-VN" sz="1400" i="1">
+                        <a:solidFill>
+                          <a:schemeClr val="tx1"/>
+                        </a:solidFill>
+                        <a:latin typeface="Cambria Math" panose="02040503050406030204" pitchFamily="18" charset="0"/>
+                        <a:ea typeface="Cambria Math" panose="02040503050406030204" pitchFamily="18" charset="0"/>
+                      </a:rPr>
+                      <m:t>𝑈</m:t>
+                    </m:r>
+                    <m:d>
+                      <m:dPr>
+                        <m:ctrlPr>
+                          <a:rPr lang="vi-VN" sz="1400" b="0" i="1">
+                            <a:solidFill>
+                              <a:schemeClr val="tx1"/>
+                            </a:solidFill>
+                            <a:latin typeface="Cambria Math" panose="02040503050406030204" pitchFamily="18" charset="0"/>
+                            <a:ea typeface="Cambria Math" panose="02040503050406030204" pitchFamily="18" charset="0"/>
+                          </a:rPr>
+                        </m:ctrlPr>
+                      </m:dPr>
+                      <m:e>
+                        <m:r>
+                          <a:rPr lang="vi-VN" sz="1400" b="1" i="1">
+                            <a:solidFill>
+                              <a:schemeClr val="tx1"/>
+                            </a:solidFill>
+                            <a:latin typeface="Cambria Math" panose="02040503050406030204" pitchFamily="18" charset="0"/>
+                            <a:ea typeface="Cambria Math" panose="02040503050406030204" pitchFamily="18" charset="0"/>
+                          </a:rPr>
+                          <m:t>𝜽</m:t>
+                        </m:r>
+                      </m:e>
+                    </m:d>
+                  </m:oMath>
+                </a14:m>
+                <a:r>
+                  <a:rPr lang="en-VN" sz="1400" i="1">
+                    <a:solidFill>
+                      <a:schemeClr val="tx1"/>
+                    </a:solidFill>
+                  </a:rPr>
+                  <a:t> </a:t>
+                </a:r>
+              </a:p>
+            </p:txBody>
+          </p:sp>
+        </mc:Choice>
+        <mc:Fallback>
+          <p:sp>
+            <p:nvSpPr>
+              <p:cNvPr id="146" name="Rectangle 145">
+                <a:extLst>
+                  <a:ext uri="{FF2B5EF4-FFF2-40B4-BE49-F238E27FC236}">
+                    <a16:creationId xmlns:a16="http://schemas.microsoft.com/office/drawing/2014/main" id="{2448FC35-0C05-0DAE-3B10-12687791FDAE}"/>
+                  </a:ext>
+                </a:extLst>
+              </p:cNvPr>
+              <p:cNvSpPr>
+                <a:spLocks noRot="1" noChangeAspect="1" noMove="1" noResize="1" noEditPoints="1" noAdjustHandles="1" noChangeArrowheads="1" noChangeShapeType="1" noTextEdit="1"/>
+              </p:cNvSpPr>
+              <p:nvPr/>
+            </p:nvSpPr>
+            <p:spPr>
+              <a:xfrm>
+                <a:off x="8154407" y="1442745"/>
+                <a:ext cx="1991464" cy="428263"/>
+              </a:xfrm>
+              <a:prstGeom prst="rect">
+                <a:avLst/>
+              </a:prstGeom>
+              <a:blipFill>
+                <a:blip r:embed="rId56"/>
+                <a:stretch>
+                  <a:fillRect/>
+                </a:stretch>
+              </a:blipFill>
+              <a:ln>
+                <a:noFill/>
+              </a:ln>
+            </p:spPr>
+            <p:txBody>
+              <a:bodyPr/>
+              <a:lstStyle/>
+              <a:p>
+                <a:r>
+                  <a:rPr lang="en-VN">
+                    <a:noFill/>
+                  </a:rPr>
+                  <a:t> </a:t>
+                </a:r>
+              </a:p>
+            </p:txBody>
+          </p:sp>
+        </mc:Fallback>
+      </mc:AlternateContent>
+      <p:cxnSp>
+        <p:nvCxnSpPr>
+          <p:cNvPr id="151" name="Straight Arrow Connector 150">
+            <a:extLst>
+              <a:ext uri="{FF2B5EF4-FFF2-40B4-BE49-F238E27FC236}">
+                <a16:creationId xmlns:a16="http://schemas.microsoft.com/office/drawing/2014/main" id="{0C09E72D-F1B0-B710-DF55-927EEB29BF9B}"/>
+              </a:ext>
+            </a:extLst>
+          </p:cNvPr>
+          <p:cNvCxnSpPr>
+            <a:cxnSpLocks/>
+            <a:endCxn id="142" idx="2"/>
+          </p:cNvCxnSpPr>
+          <p:nvPr/>
+        </p:nvCxnSpPr>
+        <p:spPr>
+          <a:xfrm flipV="1">
+            <a:off x="9437565" y="1594950"/>
+            <a:ext cx="997996" cy="1601088"/>
+          </a:xfrm>
+          <a:prstGeom prst="straightConnector1">
+            <a:avLst/>
+          </a:prstGeom>
+          <a:ln w="3175">
+            <a:tailEnd type="triangle"/>
+          </a:ln>
+        </p:spPr>
+        <p:style>
+          <a:lnRef idx="2">
+            <a:schemeClr val="dk1"/>
+          </a:lnRef>
+          <a:fillRef idx="0">
+            <a:schemeClr val="dk1"/>
+          </a:fillRef>
+          <a:effectRef idx="1">
+            <a:schemeClr val="dk1"/>
+          </a:effectRef>
+          <a:fontRef idx="minor">
+            <a:schemeClr val="tx1"/>
+          </a:fontRef>
+        </p:style>
+      </p:cxnSp>
+      <p:cxnSp>
+        <p:nvCxnSpPr>
+          <p:cNvPr id="153" name="Straight Arrow Connector 152">
+            <a:extLst>
+              <a:ext uri="{FF2B5EF4-FFF2-40B4-BE49-F238E27FC236}">
+                <a16:creationId xmlns:a16="http://schemas.microsoft.com/office/drawing/2014/main" id="{AC3EF462-D01E-8779-D21E-B6017E499966}"/>
+              </a:ext>
+            </a:extLst>
+          </p:cNvPr>
+          <p:cNvCxnSpPr>
+            <a:cxnSpLocks/>
+          </p:cNvCxnSpPr>
+          <p:nvPr/>
+        </p:nvCxnSpPr>
+        <p:spPr>
+          <a:xfrm>
+            <a:off x="9641926" y="3720376"/>
+            <a:ext cx="2088000" cy="0"/>
+          </a:xfrm>
+          <a:prstGeom prst="straightConnector1">
+            <a:avLst/>
+          </a:prstGeom>
+          <a:ln w="3175">
+            <a:tailEnd type="triangle"/>
+          </a:ln>
+        </p:spPr>
+        <p:style>
+          <a:lnRef idx="2">
+            <a:schemeClr val="dk1"/>
+          </a:lnRef>
+          <a:fillRef idx="0">
+            <a:schemeClr val="dk1"/>
+          </a:fillRef>
+          <a:effectRef idx="1">
+            <a:schemeClr val="dk1"/>
+          </a:effectRef>
+          <a:fontRef idx="minor">
+            <a:schemeClr val="tx1"/>
+          </a:fontRef>
+        </p:style>
+      </p:cxnSp>
+      <mc:AlternateContent xmlns:mc="http://schemas.openxmlformats.org/markup-compatibility/2006">
+        <mc:Choice xmlns:a14="http://schemas.microsoft.com/office/drawing/2010/main" Requires="a14">
+          <p:sp>
+            <p:nvSpPr>
+              <p:cNvPr id="155" name="TextBox 154">
+                <a:extLst>
+                  <a:ext uri="{FF2B5EF4-FFF2-40B4-BE49-F238E27FC236}">
+                    <a16:creationId xmlns:a16="http://schemas.microsoft.com/office/drawing/2014/main" id="{517F9758-56D1-0FCF-9C9D-832854E922FE}"/>
+                  </a:ext>
+                </a:extLst>
+              </p:cNvPr>
+              <p:cNvSpPr txBox="1"/>
+              <p:nvPr/>
+            </p:nvSpPr>
+            <p:spPr>
+              <a:xfrm>
+                <a:off x="11716617" y="3532749"/>
+                <a:ext cx="546056" cy="369332"/>
+              </a:xfrm>
+              <a:prstGeom prst="rect">
+                <a:avLst/>
+              </a:prstGeom>
+              <a:noFill/>
+            </p:spPr>
+            <p:txBody>
+              <a:bodyPr wrap="square" rtlCol="0">
+                <a:spAutoFit/>
+              </a:bodyPr>
+              <a:lstStyle/>
+              <a:p>
+                <a14:m>
+                  <m:oMathPara xmlns:m="http://schemas.openxmlformats.org/officeDocument/2006/math">
+                    <m:oMathParaPr>
+                      <m:jc m:val="centerGroup"/>
+                    </m:oMathParaPr>
+                    <m:oMath xmlns:m="http://schemas.openxmlformats.org/officeDocument/2006/math">
+                      <m:r>
+                        <a:rPr lang="en-VN" i="1">
+                          <a:latin typeface="Cambria Math" panose="02040503050406030204" pitchFamily="18" charset="0"/>
+                        </a:rPr>
+                        <m:t>𝑑</m:t>
+                      </m:r>
+                      <m:r>
+                        <a:rPr lang="en-VN" i="1">
+                          <a:latin typeface="Cambria Math" panose="02040503050406030204" pitchFamily="18" charset="0"/>
+                          <a:ea typeface="Cambria Math" panose="02040503050406030204" pitchFamily="18" charset="0"/>
+                        </a:rPr>
+                        <m:t>↓</m:t>
+                      </m:r>
+                    </m:oMath>
+                  </m:oMathPara>
+                </a14:m>
+                <a:endParaRPr lang="en-VN" i="1"/>
+              </a:p>
+            </p:txBody>
+          </p:sp>
+        </mc:Choice>
+        <mc:Fallback>
+          <p:sp>
+            <p:nvSpPr>
+              <p:cNvPr id="155" name="TextBox 154">
+                <a:extLst>
+                  <a:ext uri="{FF2B5EF4-FFF2-40B4-BE49-F238E27FC236}">
+                    <a16:creationId xmlns:a16="http://schemas.microsoft.com/office/drawing/2014/main" id="{517F9758-56D1-0FCF-9C9D-832854E922FE}"/>
+                  </a:ext>
+                </a:extLst>
+              </p:cNvPr>
+              <p:cNvSpPr txBox="1">
+                <a:spLocks noRot="1" noChangeAspect="1" noMove="1" noResize="1" noEditPoints="1" noAdjustHandles="1" noChangeArrowheads="1" noChangeShapeType="1" noTextEdit="1"/>
+              </p:cNvSpPr>
+              <p:nvPr/>
+            </p:nvSpPr>
+            <p:spPr>
+              <a:xfrm>
+                <a:off x="11716617" y="3532749"/>
+                <a:ext cx="546056" cy="369332"/>
+              </a:xfrm>
+              <a:prstGeom prst="rect">
+                <a:avLst/>
+              </a:prstGeom>
+              <a:blipFill>
+                <a:blip r:embed="rId57"/>
+                <a:stretch>
+                  <a:fillRect/>
+                </a:stretch>
+              </a:blipFill>
+            </p:spPr>
+            <p:txBody>
+              <a:bodyPr/>
+              <a:lstStyle/>
+              <a:p>
+                <a:r>
+                  <a:rPr lang="en-VN">
+                    <a:noFill/>
+                  </a:rPr>
+                  <a:t> </a:t>
+                </a:r>
+              </a:p>
+            </p:txBody>
+          </p:sp>
+        </mc:Fallback>
+      </mc:AlternateContent>
+      <p:cxnSp>
+        <p:nvCxnSpPr>
+          <p:cNvPr id="157" name="Straight Arrow Connector 156">
+            <a:extLst>
+              <a:ext uri="{FF2B5EF4-FFF2-40B4-BE49-F238E27FC236}">
+                <a16:creationId xmlns:a16="http://schemas.microsoft.com/office/drawing/2014/main" id="{4BAB4798-8CC5-FC70-49CA-431ADBE95FDD}"/>
+              </a:ext>
+            </a:extLst>
+          </p:cNvPr>
+          <p:cNvCxnSpPr>
+            <a:cxnSpLocks/>
+          </p:cNvCxnSpPr>
+          <p:nvPr/>
+        </p:nvCxnSpPr>
+        <p:spPr>
+          <a:xfrm>
+            <a:off x="8204196" y="3720376"/>
+            <a:ext cx="900000" cy="0"/>
+          </a:xfrm>
+          <a:prstGeom prst="straightConnector1">
+            <a:avLst/>
+          </a:prstGeom>
+          <a:ln w="3175">
+            <a:tailEnd type="triangle"/>
+          </a:ln>
+        </p:spPr>
+        <p:style>
+          <a:lnRef idx="2">
+            <a:schemeClr val="dk1"/>
+          </a:lnRef>
+          <a:fillRef idx="0">
+            <a:schemeClr val="dk1"/>
+          </a:fillRef>
+          <a:effectRef idx="1">
+            <a:schemeClr val="dk1"/>
+          </a:effectRef>
+          <a:fontRef idx="minor">
+            <a:schemeClr val="tx1"/>
+          </a:fontRef>
+        </p:style>
+      </p:cxnSp>
+      <mc:AlternateContent xmlns:mc="http://schemas.openxmlformats.org/markup-compatibility/2006">
+        <mc:Choice xmlns:a14="http://schemas.microsoft.com/office/drawing/2010/main" Requires="a14">
+          <p:sp>
+            <p:nvSpPr>
+              <p:cNvPr id="160" name="TextBox 159">
+                <a:extLst>
+                  <a:ext uri="{FF2B5EF4-FFF2-40B4-BE49-F238E27FC236}">
+                    <a16:creationId xmlns:a16="http://schemas.microsoft.com/office/drawing/2014/main" id="{A7B80DBB-F9E2-4225-4962-E406CB4B55B3}"/>
+                  </a:ext>
+                </a:extLst>
+              </p:cNvPr>
+              <p:cNvSpPr txBox="1"/>
+              <p:nvPr/>
+            </p:nvSpPr>
+            <p:spPr>
+              <a:xfrm>
+                <a:off x="9104196" y="3545462"/>
+                <a:ext cx="546056" cy="369332"/>
+              </a:xfrm>
+              <a:prstGeom prst="rect">
+                <a:avLst/>
+              </a:prstGeom>
+              <a:noFill/>
+            </p:spPr>
+            <p:txBody>
+              <a:bodyPr wrap="square" rtlCol="0">
+                <a:spAutoFit/>
+              </a:bodyPr>
+              <a:lstStyle/>
+              <a:p>
+                <a14:m>
+                  <m:oMathPara xmlns:m="http://schemas.openxmlformats.org/officeDocument/2006/math">
+                    <m:oMathParaPr>
+                      <m:jc m:val="centerGroup"/>
+                    </m:oMathParaPr>
+                    <m:oMath xmlns:m="http://schemas.openxmlformats.org/officeDocument/2006/math">
+                      <m:r>
+                        <a:rPr lang="en-VN" i="1">
+                          <a:latin typeface="Cambria Math" panose="02040503050406030204" pitchFamily="18" charset="0"/>
+                        </a:rPr>
+                        <m:t>𝑑</m:t>
+                      </m:r>
+                      <m:r>
+                        <a:rPr lang="en-VN" i="1">
+                          <a:latin typeface="Cambria Math" panose="02040503050406030204" pitchFamily="18" charset="0"/>
+                          <a:ea typeface="Cambria Math" panose="02040503050406030204" pitchFamily="18" charset="0"/>
+                        </a:rPr>
+                        <m:t>↑</m:t>
+                      </m:r>
+                    </m:oMath>
+                  </m:oMathPara>
+                </a14:m>
+                <a:endParaRPr lang="en-VN" i="1"/>
+              </a:p>
+            </p:txBody>
+          </p:sp>
+        </mc:Choice>
+        <mc:Fallback>
+          <p:sp>
+            <p:nvSpPr>
+              <p:cNvPr id="160" name="TextBox 159">
+                <a:extLst>
+                  <a:ext uri="{FF2B5EF4-FFF2-40B4-BE49-F238E27FC236}">
+                    <a16:creationId xmlns:a16="http://schemas.microsoft.com/office/drawing/2014/main" id="{A7B80DBB-F9E2-4225-4962-E406CB4B55B3}"/>
+                  </a:ext>
+                </a:extLst>
+              </p:cNvPr>
+              <p:cNvSpPr txBox="1">
+                <a:spLocks noRot="1" noChangeAspect="1" noMove="1" noResize="1" noEditPoints="1" noAdjustHandles="1" noChangeArrowheads="1" noChangeShapeType="1" noTextEdit="1"/>
+              </p:cNvSpPr>
+              <p:nvPr/>
+            </p:nvSpPr>
+            <p:spPr>
+              <a:xfrm>
+                <a:off x="9104196" y="3545462"/>
+                <a:ext cx="546056" cy="369332"/>
+              </a:xfrm>
+              <a:prstGeom prst="rect">
+                <a:avLst/>
+              </a:prstGeom>
+              <a:blipFill>
+                <a:blip r:embed="rId58"/>
                 <a:stretch>
                   <a:fillRect/>
                 </a:stretch>
